--- a/printer_textures_dark.pptx
+++ b/printer_textures_dark.pptx
@@ -33,6 +33,11 @@
     <p:sldId id="265" r:id="rId27"/>
     <p:sldId id="277" r:id="rId28"/>
     <p:sldId id="278" r:id="rId29"/>
+    <p:sldId id="284" r:id="rId30"/>
+    <p:sldId id="285" r:id="rId31"/>
+    <p:sldId id="286" r:id="rId32"/>
+    <p:sldId id="287" r:id="rId33"/>
+    <p:sldId id="288" r:id="rId34"/>
   </p:sldIdLst>
   <p:sldSz cx="9753600" cy="9753600"/>
   <p:notesSz cx="6858000" cy="9144000"/>
@@ -270,7 +275,7 @@
           <a:p>
             <a:fld id="{7762483B-4454-443C-9D4B-2799C4AD7BD1}" type="datetimeFigureOut">
               <a:rPr lang="en-US" smtClean="0"/>
-              <a:t>7/13/2024</a:t>
+              <a:t>11/12/2024</a:t>
             </a:fld>
             <a:endParaRPr lang="en-US"/>
           </a:p>
@@ -440,7 +445,7 @@
           <a:p>
             <a:fld id="{7762483B-4454-443C-9D4B-2799C4AD7BD1}" type="datetimeFigureOut">
               <a:rPr lang="en-US" smtClean="0"/>
-              <a:t>7/13/2024</a:t>
+              <a:t>11/12/2024</a:t>
             </a:fld>
             <a:endParaRPr lang="en-US"/>
           </a:p>
@@ -620,7 +625,7 @@
           <a:p>
             <a:fld id="{7762483B-4454-443C-9D4B-2799C4AD7BD1}" type="datetimeFigureOut">
               <a:rPr lang="en-US" smtClean="0"/>
-              <a:t>7/13/2024</a:t>
+              <a:t>11/12/2024</a:t>
             </a:fld>
             <a:endParaRPr lang="en-US"/>
           </a:p>
@@ -790,7 +795,7 @@
           <a:p>
             <a:fld id="{7762483B-4454-443C-9D4B-2799C4AD7BD1}" type="datetimeFigureOut">
               <a:rPr lang="en-US" smtClean="0"/>
-              <a:t>7/13/2024</a:t>
+              <a:t>11/12/2024</a:t>
             </a:fld>
             <a:endParaRPr lang="en-US"/>
           </a:p>
@@ -1034,7 +1039,7 @@
           <a:p>
             <a:fld id="{7762483B-4454-443C-9D4B-2799C4AD7BD1}" type="datetimeFigureOut">
               <a:rPr lang="en-US" smtClean="0"/>
-              <a:t>7/13/2024</a:t>
+              <a:t>11/12/2024</a:t>
             </a:fld>
             <a:endParaRPr lang="en-US"/>
           </a:p>
@@ -1266,7 +1271,7 @@
           <a:p>
             <a:fld id="{7762483B-4454-443C-9D4B-2799C4AD7BD1}" type="datetimeFigureOut">
               <a:rPr lang="en-US" smtClean="0"/>
-              <a:t>7/13/2024</a:t>
+              <a:t>11/12/2024</a:t>
             </a:fld>
             <a:endParaRPr lang="en-US"/>
           </a:p>
@@ -1633,7 +1638,7 @@
           <a:p>
             <a:fld id="{7762483B-4454-443C-9D4B-2799C4AD7BD1}" type="datetimeFigureOut">
               <a:rPr lang="en-US" smtClean="0"/>
-              <a:t>7/13/2024</a:t>
+              <a:t>11/12/2024</a:t>
             </a:fld>
             <a:endParaRPr lang="en-US"/>
           </a:p>
@@ -1751,7 +1756,7 @@
           <a:p>
             <a:fld id="{7762483B-4454-443C-9D4B-2799C4AD7BD1}" type="datetimeFigureOut">
               <a:rPr lang="en-US" smtClean="0"/>
-              <a:t>7/13/2024</a:t>
+              <a:t>11/12/2024</a:t>
             </a:fld>
             <a:endParaRPr lang="en-US"/>
           </a:p>
@@ -1846,7 +1851,7 @@
           <a:p>
             <a:fld id="{7762483B-4454-443C-9D4B-2799C4AD7BD1}" type="datetimeFigureOut">
               <a:rPr lang="en-US" smtClean="0"/>
-              <a:t>7/13/2024</a:t>
+              <a:t>11/12/2024</a:t>
             </a:fld>
             <a:endParaRPr lang="en-US"/>
           </a:p>
@@ -2123,7 +2128,7 @@
           <a:p>
             <a:fld id="{7762483B-4454-443C-9D4B-2799C4AD7BD1}" type="datetimeFigureOut">
               <a:rPr lang="en-US" smtClean="0"/>
-              <a:t>7/13/2024</a:t>
+              <a:t>11/12/2024</a:t>
             </a:fld>
             <a:endParaRPr lang="en-US"/>
           </a:p>
@@ -2380,7 +2385,7 @@
           <a:p>
             <a:fld id="{7762483B-4454-443C-9D4B-2799C4AD7BD1}" type="datetimeFigureOut">
               <a:rPr lang="en-US" smtClean="0"/>
-              <a:t>7/13/2024</a:t>
+              <a:t>11/12/2024</a:t>
             </a:fld>
             <a:endParaRPr lang="en-US"/>
           </a:p>
@@ -2598,7 +2603,7 @@
           <a:p>
             <a:fld id="{7762483B-4454-443C-9D4B-2799C4AD7BD1}" type="datetimeFigureOut">
               <a:rPr lang="en-US" smtClean="0"/>
-              <a:t>7/13/2024</a:t>
+              <a:t>11/12/2024</a:t>
             </a:fld>
             <a:endParaRPr lang="en-US"/>
           </a:p>
@@ -36192,6 +36197,1600 @@
 </p:sld>
 </file>
 
+<file path=ppt/slides/slide29.xml><?xml version="1.0" encoding="utf-8"?>
+<p:sld xmlns:a="http://schemas.openxmlformats.org/drawingml/2006/main" xmlns:r="http://schemas.openxmlformats.org/officeDocument/2006/relationships" xmlns:p="http://schemas.openxmlformats.org/presentationml/2006/main">
+  <p:cSld>
+    <p:spTree>
+      <p:nvGrpSpPr>
+        <p:cNvPr id="1" name=""/>
+        <p:cNvGrpSpPr/>
+        <p:nvPr/>
+      </p:nvGrpSpPr>
+      <p:grpSpPr>
+        <a:xfrm>
+          <a:off x="0" y="0"/>
+          <a:ext cx="0" cy="0"/>
+          <a:chOff x="0" y="0"/>
+          <a:chExt cx="0" cy="0"/>
+        </a:xfrm>
+      </p:grpSpPr>
+      <p:sp>
+        <p:nvSpPr>
+          <p:cNvPr id="20" name="Rectangle 19">
+            <a:extLst>
+              <a:ext uri="{FF2B5EF4-FFF2-40B4-BE49-F238E27FC236}">
+                <a16:creationId xmlns:a16="http://schemas.microsoft.com/office/drawing/2014/main" id="{4060C324-4318-4830-BE4D-80F7588567D5}"/>
+              </a:ext>
+            </a:extLst>
+          </p:cNvPr>
+          <p:cNvSpPr/>
+          <p:nvPr/>
+        </p:nvSpPr>
+        <p:spPr>
+          <a:xfrm>
+            <a:off x="0" y="718023"/>
+            <a:ext cx="4048125" cy="4750375"/>
+          </a:xfrm>
+          <a:prstGeom prst="rect">
+            <a:avLst/>
+          </a:prstGeom>
+          <a:solidFill>
+            <a:schemeClr val="accent1">
+              <a:lumMod val="50000"/>
+            </a:schemeClr>
+          </a:solidFill>
+          <a:ln>
+            <a:noFill/>
+          </a:ln>
+        </p:spPr>
+        <p:style>
+          <a:lnRef idx="2">
+            <a:schemeClr val="accent1">
+              <a:shade val="50000"/>
+            </a:schemeClr>
+          </a:lnRef>
+          <a:fillRef idx="1">
+            <a:schemeClr val="accent1"/>
+          </a:fillRef>
+          <a:effectRef idx="0">
+            <a:schemeClr val="accent1"/>
+          </a:effectRef>
+          <a:fontRef idx="minor">
+            <a:schemeClr val="lt1"/>
+          </a:fontRef>
+        </p:style>
+        <p:txBody>
+          <a:bodyPr rtlCol="0" anchor="ctr"/>
+          <a:lstStyle/>
+          <a:p>
+            <a:pPr algn="ctr"/>
+            <a:endParaRPr lang="en-US" u="sng" dirty="0"/>
+          </a:p>
+        </p:txBody>
+      </p:sp>
+      <p:sp>
+        <p:nvSpPr>
+          <p:cNvPr id="5" name="Rectangle 4">
+            <a:extLst>
+              <a:ext uri="{FF2B5EF4-FFF2-40B4-BE49-F238E27FC236}">
+                <a16:creationId xmlns:a16="http://schemas.microsoft.com/office/drawing/2014/main" id="{DD6F78D1-EB25-4C39-8595-0B180702B60C}"/>
+              </a:ext>
+            </a:extLst>
+          </p:cNvPr>
+          <p:cNvSpPr/>
+          <p:nvPr/>
+        </p:nvSpPr>
+        <p:spPr>
+          <a:xfrm>
+            <a:off x="0" y="5468400"/>
+            <a:ext cx="9753600" cy="4285200"/>
+          </a:xfrm>
+          <a:prstGeom prst="rect">
+            <a:avLst/>
+          </a:prstGeom>
+          <a:ln>
+            <a:noFill/>
+          </a:ln>
+        </p:spPr>
+        <p:style>
+          <a:lnRef idx="2">
+            <a:schemeClr val="dk1">
+              <a:shade val="50000"/>
+            </a:schemeClr>
+          </a:lnRef>
+          <a:fillRef idx="1">
+            <a:schemeClr val="dk1"/>
+          </a:fillRef>
+          <a:effectRef idx="0">
+            <a:schemeClr val="dk1"/>
+          </a:effectRef>
+          <a:fontRef idx="minor">
+            <a:schemeClr val="lt1"/>
+          </a:fontRef>
+        </p:style>
+        <p:txBody>
+          <a:bodyPr rtlCol="0" anchor="ctr"/>
+          <a:lstStyle/>
+          <a:p>
+            <a:pPr algn="ctr"/>
+            <a:r>
+              <a:rPr lang="de-DE" sz="4000" i="1" dirty="0" err="1"/>
+              <a:t>Placeholder</a:t>
+            </a:r>
+            <a:r>
+              <a:rPr lang="de-DE" sz="4000" i="1" dirty="0"/>
+              <a:t> / not in </a:t>
+            </a:r>
+            <a:r>
+              <a:rPr lang="de-DE" sz="4000" i="1" dirty="0" err="1"/>
+              <a:t>use</a:t>
+            </a:r>
+            <a:r>
+              <a:rPr lang="de-DE" sz="4000" i="1" dirty="0"/>
+              <a:t>!</a:t>
+            </a:r>
+            <a:endParaRPr lang="en-US" sz="4000" i="1" dirty="0"/>
+          </a:p>
+        </p:txBody>
+      </p:sp>
+      <p:sp>
+        <p:nvSpPr>
+          <p:cNvPr id="6" name="Rectangle 5">
+            <a:extLst>
+              <a:ext uri="{FF2B5EF4-FFF2-40B4-BE49-F238E27FC236}">
+                <a16:creationId xmlns:a16="http://schemas.microsoft.com/office/drawing/2014/main" id="{0B533615-A8B2-4915-AB6A-1B5C08FD6089}"/>
+              </a:ext>
+            </a:extLst>
+          </p:cNvPr>
+          <p:cNvSpPr/>
+          <p:nvPr/>
+        </p:nvSpPr>
+        <p:spPr>
+          <a:xfrm>
+            <a:off x="0" y="0"/>
+            <a:ext cx="9753600" cy="720000"/>
+          </a:xfrm>
+          <a:prstGeom prst="rect">
+            <a:avLst/>
+          </a:prstGeom>
+          <a:solidFill>
+            <a:srgbClr val="162644"/>
+          </a:solidFill>
+          <a:ln>
+            <a:noFill/>
+          </a:ln>
+        </p:spPr>
+        <p:style>
+          <a:lnRef idx="2">
+            <a:schemeClr val="accent1">
+              <a:shade val="50000"/>
+            </a:schemeClr>
+          </a:lnRef>
+          <a:fillRef idx="1">
+            <a:schemeClr val="accent1"/>
+          </a:fillRef>
+          <a:effectRef idx="0">
+            <a:schemeClr val="accent1"/>
+          </a:effectRef>
+          <a:fontRef idx="minor">
+            <a:schemeClr val="lt1"/>
+          </a:fontRef>
+        </p:style>
+        <p:txBody>
+          <a:bodyPr rtlCol="0" anchor="ctr"/>
+          <a:lstStyle/>
+          <a:p>
+            <a:pPr algn="ctr"/>
+            <a:endParaRPr lang="en-US"/>
+          </a:p>
+        </p:txBody>
+      </p:sp>
+      <p:sp>
+        <p:nvSpPr>
+          <p:cNvPr id="7" name="Rectangle 6">
+            <a:extLst>
+              <a:ext uri="{FF2B5EF4-FFF2-40B4-BE49-F238E27FC236}">
+                <a16:creationId xmlns:a16="http://schemas.microsoft.com/office/drawing/2014/main" id="{00FD9BF4-04BC-4A2D-ADE9-7EE3508D232E}"/>
+              </a:ext>
+            </a:extLst>
+          </p:cNvPr>
+          <p:cNvSpPr/>
+          <p:nvPr/>
+        </p:nvSpPr>
+        <p:spPr>
+          <a:xfrm>
+            <a:off x="7330440" y="-1"/>
+            <a:ext cx="1080000" cy="720000"/>
+          </a:xfrm>
+          <a:prstGeom prst="rect">
+            <a:avLst/>
+          </a:prstGeom>
+          <a:solidFill>
+            <a:schemeClr val="bg2">
+              <a:lumMod val="10000"/>
+            </a:schemeClr>
+          </a:solidFill>
+          <a:ln>
+            <a:noFill/>
+          </a:ln>
+        </p:spPr>
+        <p:style>
+          <a:lnRef idx="2">
+            <a:schemeClr val="accent1">
+              <a:shade val="50000"/>
+            </a:schemeClr>
+          </a:lnRef>
+          <a:fillRef idx="1">
+            <a:schemeClr val="accent1"/>
+          </a:fillRef>
+          <a:effectRef idx="0">
+            <a:schemeClr val="accent1"/>
+          </a:effectRef>
+          <a:fontRef idx="minor">
+            <a:schemeClr val="lt1"/>
+          </a:fontRef>
+        </p:style>
+        <p:txBody>
+          <a:bodyPr rtlCol="0" anchor="ctr"/>
+          <a:lstStyle/>
+          <a:p>
+            <a:pPr algn="ctr"/>
+            <a:endParaRPr lang="en-US" sz="2000" dirty="0"/>
+          </a:p>
+        </p:txBody>
+      </p:sp>
+      <p:sp>
+        <p:nvSpPr>
+          <p:cNvPr id="26" name="Rectangle 25">
+            <a:extLst>
+              <a:ext uri="{FF2B5EF4-FFF2-40B4-BE49-F238E27FC236}">
+                <a16:creationId xmlns:a16="http://schemas.microsoft.com/office/drawing/2014/main" id="{E6D2C0B5-5EA5-45EA-9D84-A71BA0ABC842}"/>
+              </a:ext>
+            </a:extLst>
+          </p:cNvPr>
+          <p:cNvSpPr/>
+          <p:nvPr/>
+        </p:nvSpPr>
+        <p:spPr>
+          <a:xfrm>
+            <a:off x="0" y="4748399"/>
+            <a:ext cx="9753600" cy="720000"/>
+          </a:xfrm>
+          <a:prstGeom prst="rect">
+            <a:avLst/>
+          </a:prstGeom>
+          <a:solidFill>
+            <a:srgbClr val="162644"/>
+          </a:solidFill>
+          <a:ln>
+            <a:noFill/>
+          </a:ln>
+        </p:spPr>
+        <p:style>
+          <a:lnRef idx="2">
+            <a:schemeClr val="accent1">
+              <a:shade val="50000"/>
+            </a:schemeClr>
+          </a:lnRef>
+          <a:fillRef idx="1">
+            <a:schemeClr val="accent1"/>
+          </a:fillRef>
+          <a:effectRef idx="0">
+            <a:schemeClr val="accent1"/>
+          </a:effectRef>
+          <a:fontRef idx="minor">
+            <a:schemeClr val="lt1"/>
+          </a:fontRef>
+        </p:style>
+        <p:txBody>
+          <a:bodyPr rtlCol="0" anchor="ctr"/>
+          <a:lstStyle/>
+          <a:p>
+            <a:pPr algn="ctr"/>
+            <a:endParaRPr lang="en-US"/>
+          </a:p>
+        </p:txBody>
+      </p:sp>
+      <p:sp>
+        <p:nvSpPr>
+          <p:cNvPr id="54" name="Rectangle: Rounded Corners 53">
+            <a:extLst>
+              <a:ext uri="{FF2B5EF4-FFF2-40B4-BE49-F238E27FC236}">
+                <a16:creationId xmlns:a16="http://schemas.microsoft.com/office/drawing/2014/main" id="{EC23ABED-4620-47B9-B28E-F9F722C0A6A0}"/>
+              </a:ext>
+            </a:extLst>
+          </p:cNvPr>
+          <p:cNvSpPr/>
+          <p:nvPr/>
+        </p:nvSpPr>
+        <p:spPr>
+          <a:xfrm>
+            <a:off x="4156799" y="4793399"/>
+            <a:ext cx="1440000" cy="630000"/>
+          </a:xfrm>
+          <a:prstGeom prst="roundRect">
+            <a:avLst/>
+          </a:prstGeom>
+          <a:solidFill>
+            <a:srgbClr val="C00000"/>
+          </a:solidFill>
+          <a:ln>
+            <a:noFill/>
+          </a:ln>
+        </p:spPr>
+        <p:style>
+          <a:lnRef idx="2">
+            <a:schemeClr val="accent1">
+              <a:shade val="50000"/>
+            </a:schemeClr>
+          </a:lnRef>
+          <a:fillRef idx="1">
+            <a:schemeClr val="accent1"/>
+          </a:fillRef>
+          <a:effectRef idx="0">
+            <a:schemeClr val="accent1"/>
+          </a:effectRef>
+          <a:fontRef idx="minor">
+            <a:schemeClr val="lt1"/>
+          </a:fontRef>
+        </p:style>
+        <p:txBody>
+          <a:bodyPr rtlCol="0" anchor="ctr"/>
+          <a:lstStyle/>
+          <a:p>
+            <a:pPr algn="ctr"/>
+            <a:r>
+              <a:rPr lang="de-DE" b="1" dirty="0"/>
+              <a:t>Unfall!</a:t>
+            </a:r>
+            <a:endParaRPr lang="en-US" b="1" dirty="0"/>
+          </a:p>
+        </p:txBody>
+      </p:sp>
+      <p:sp>
+        <p:nvSpPr>
+          <p:cNvPr id="70" name="Rectangle: Rounded Corners 69">
+            <a:extLst>
+              <a:ext uri="{FF2B5EF4-FFF2-40B4-BE49-F238E27FC236}">
+                <a16:creationId xmlns:a16="http://schemas.microsoft.com/office/drawing/2014/main" id="{80517794-0EDD-4DC3-82C6-185B6A8F0303}"/>
+              </a:ext>
+            </a:extLst>
+          </p:cNvPr>
+          <p:cNvSpPr/>
+          <p:nvPr/>
+        </p:nvSpPr>
+        <p:spPr>
+          <a:xfrm>
+            <a:off x="721963" y="4794250"/>
+            <a:ext cx="630000" cy="630000"/>
+          </a:xfrm>
+          <a:prstGeom prst="roundRect">
+            <a:avLst/>
+          </a:prstGeom>
+          <a:solidFill>
+            <a:schemeClr val="accent4"/>
+          </a:solidFill>
+          <a:ln>
+            <a:noFill/>
+          </a:ln>
+        </p:spPr>
+        <p:style>
+          <a:lnRef idx="2">
+            <a:schemeClr val="accent1">
+              <a:shade val="50000"/>
+            </a:schemeClr>
+          </a:lnRef>
+          <a:fillRef idx="1">
+            <a:schemeClr val="accent1"/>
+          </a:fillRef>
+          <a:effectRef idx="0">
+            <a:schemeClr val="accent1"/>
+          </a:effectRef>
+          <a:fontRef idx="minor">
+            <a:schemeClr val="lt1"/>
+          </a:fontRef>
+        </p:style>
+        <p:txBody>
+          <a:bodyPr rtlCol="0" anchor="ctr"/>
+          <a:lstStyle/>
+          <a:p>
+            <a:pPr algn="ctr"/>
+            <a:endParaRPr lang="en-US" dirty="0"/>
+          </a:p>
+        </p:txBody>
+      </p:sp>
+      <p:pic>
+        <p:nvPicPr>
+          <p:cNvPr id="71" name="Graphic 70">
+            <a:extLst>
+              <a:ext uri="{FF2B5EF4-FFF2-40B4-BE49-F238E27FC236}">
+                <a16:creationId xmlns:a16="http://schemas.microsoft.com/office/drawing/2014/main" id="{35627AA6-0E13-4992-9B9F-37AF8D357652}"/>
+              </a:ext>
+            </a:extLst>
+          </p:cNvPr>
+          <p:cNvPicPr>
+            <a:picLocks noChangeAspect="1"/>
+          </p:cNvPicPr>
+          <p:nvPr/>
+        </p:nvPicPr>
+        <p:blipFill>
+          <a:blip r:embed="rId2">
+            <a:extLst>
+              <a:ext uri="{28A0092B-C50C-407E-A947-70E740481C1C}">
+                <a14:useLocalDpi xmlns:a14="http://schemas.microsoft.com/office/drawing/2010/main" val="0"/>
+              </a:ext>
+              <a:ext uri="{96DAC541-7B7A-43D3-8B79-37D633B846F1}">
+                <asvg:svgBlip xmlns:asvg="http://schemas.microsoft.com/office/drawing/2016/SVG/main" r:embed="rId3"/>
+              </a:ext>
+            </a:extLst>
+          </a:blip>
+          <a:stretch>
+            <a:fillRect/>
+          </a:stretch>
+        </p:blipFill>
+        <p:spPr>
+          <a:xfrm>
+            <a:off x="840088" y="4883399"/>
+            <a:ext cx="393750" cy="450000"/>
+          </a:xfrm>
+          <a:prstGeom prst="rect">
+            <a:avLst/>
+          </a:prstGeom>
+        </p:spPr>
+      </p:pic>
+      <p:sp>
+        <p:nvSpPr>
+          <p:cNvPr id="53" name="Rectangle 52">
+            <a:extLst>
+              <a:ext uri="{FF2B5EF4-FFF2-40B4-BE49-F238E27FC236}">
+                <a16:creationId xmlns:a16="http://schemas.microsoft.com/office/drawing/2014/main" id="{7283464F-F4FE-4EFD-B1B4-EE25B4D9B151}"/>
+              </a:ext>
+            </a:extLst>
+          </p:cNvPr>
+          <p:cNvSpPr/>
+          <p:nvPr/>
+        </p:nvSpPr>
+        <p:spPr>
+          <a:xfrm>
+            <a:off x="-146820" y="853440"/>
+            <a:ext cx="4194946" cy="720000"/>
+          </a:xfrm>
+          <a:prstGeom prst="rect">
+            <a:avLst/>
+          </a:prstGeom>
+          <a:solidFill>
+            <a:schemeClr val="accent5">
+              <a:lumMod val="50000"/>
+            </a:schemeClr>
+          </a:solidFill>
+          <a:ln>
+            <a:noFill/>
+          </a:ln>
+        </p:spPr>
+        <p:style>
+          <a:lnRef idx="2">
+            <a:schemeClr val="accent1">
+              <a:shade val="50000"/>
+            </a:schemeClr>
+          </a:lnRef>
+          <a:fillRef idx="1">
+            <a:schemeClr val="accent1"/>
+          </a:fillRef>
+          <a:effectRef idx="0">
+            <a:schemeClr val="accent1"/>
+          </a:effectRef>
+          <a:fontRef idx="minor">
+            <a:schemeClr val="lt1"/>
+          </a:fontRef>
+        </p:style>
+        <p:txBody>
+          <a:bodyPr lIns="1080000" rtlCol="0" anchor="ctr"/>
+          <a:lstStyle/>
+          <a:p>
+            <a:r>
+              <a:rPr lang="de-DE" sz="2200" b="1" dirty="0"/>
+              <a:t>Display &amp; Darstellung</a:t>
+            </a:r>
+          </a:p>
+        </p:txBody>
+      </p:sp>
+      <p:sp>
+        <p:nvSpPr>
+          <p:cNvPr id="56" name="Rectangle: Rounded Corners 55">
+            <a:extLst>
+              <a:ext uri="{FF2B5EF4-FFF2-40B4-BE49-F238E27FC236}">
+                <a16:creationId xmlns:a16="http://schemas.microsoft.com/office/drawing/2014/main" id="{31602AAF-0902-4714-A7A4-9ECAC9F0E1EB}"/>
+              </a:ext>
+            </a:extLst>
+          </p:cNvPr>
+          <p:cNvSpPr/>
+          <p:nvPr/>
+        </p:nvSpPr>
+        <p:spPr>
+          <a:xfrm>
+            <a:off x="-146821" y="1867279"/>
+            <a:ext cx="3979681" cy="720000"/>
+          </a:xfrm>
+          <a:prstGeom prst="roundRect">
+            <a:avLst/>
+          </a:prstGeom>
+          <a:solidFill>
+            <a:srgbClr val="0070C0"/>
+          </a:solidFill>
+          <a:ln>
+            <a:noFill/>
+          </a:ln>
+        </p:spPr>
+        <p:style>
+          <a:lnRef idx="2">
+            <a:schemeClr val="accent1">
+              <a:shade val="50000"/>
+            </a:schemeClr>
+          </a:lnRef>
+          <a:fillRef idx="1">
+            <a:schemeClr val="accent1"/>
+          </a:fillRef>
+          <a:effectRef idx="0">
+            <a:schemeClr val="accent1"/>
+          </a:effectRef>
+          <a:fontRef idx="minor">
+            <a:schemeClr val="lt1"/>
+          </a:fontRef>
+        </p:style>
+        <p:txBody>
+          <a:bodyPr lIns="1080000" rtlCol="0" anchor="ctr"/>
+          <a:lstStyle/>
+          <a:p>
+            <a:r>
+              <a:rPr lang="de-DE" sz="2200" dirty="0"/>
+              <a:t>Beschilderung &amp; Fahrgastinformation</a:t>
+            </a:r>
+          </a:p>
+        </p:txBody>
+      </p:sp>
+      <p:pic>
+        <p:nvPicPr>
+          <p:cNvPr id="3" name="Graphic 2">
+            <a:extLst>
+              <a:ext uri="{FF2B5EF4-FFF2-40B4-BE49-F238E27FC236}">
+                <a16:creationId xmlns:a16="http://schemas.microsoft.com/office/drawing/2014/main" id="{58FB5B8B-DA92-4BC4-B935-FF37529B0CBC}"/>
+              </a:ext>
+            </a:extLst>
+          </p:cNvPr>
+          <p:cNvPicPr>
+            <a:picLocks noChangeAspect="1"/>
+          </p:cNvPicPr>
+          <p:nvPr/>
+        </p:nvPicPr>
+        <p:blipFill>
+          <a:blip r:embed="rId4">
+            <a:extLst>
+              <a:ext uri="{28A0092B-C50C-407E-A947-70E740481C1C}">
+                <a14:useLocalDpi xmlns:a14="http://schemas.microsoft.com/office/drawing/2010/main" val="0"/>
+              </a:ext>
+              <a:ext uri="{96DAC541-7B7A-43D3-8B79-37D633B846F1}">
+                <asvg:svgBlip xmlns:asvg="http://schemas.microsoft.com/office/drawing/2016/SVG/main" r:embed="rId5"/>
+              </a:ext>
+            </a:extLst>
+          </a:blip>
+          <a:stretch>
+            <a:fillRect/>
+          </a:stretch>
+        </p:blipFill>
+        <p:spPr>
+          <a:xfrm>
+            <a:off x="165088" y="946468"/>
+            <a:ext cx="607500" cy="540000"/>
+          </a:xfrm>
+          <a:prstGeom prst="rect">
+            <a:avLst/>
+          </a:prstGeom>
+        </p:spPr>
+      </p:pic>
+      <p:pic>
+        <p:nvPicPr>
+          <p:cNvPr id="8" name="Graphic 7">
+            <a:extLst>
+              <a:ext uri="{FF2B5EF4-FFF2-40B4-BE49-F238E27FC236}">
+                <a16:creationId xmlns:a16="http://schemas.microsoft.com/office/drawing/2014/main" id="{33E007EB-FAE5-494F-AB95-FFA15FCB2CE3}"/>
+              </a:ext>
+            </a:extLst>
+          </p:cNvPr>
+          <p:cNvPicPr>
+            <a:picLocks noChangeAspect="1"/>
+          </p:cNvPicPr>
+          <p:nvPr/>
+        </p:nvPicPr>
+        <p:blipFill>
+          <a:blip r:embed="rId6">
+            <a:extLst>
+              <a:ext uri="{28A0092B-C50C-407E-A947-70E740481C1C}">
+                <a14:useLocalDpi xmlns:a14="http://schemas.microsoft.com/office/drawing/2010/main" val="0"/>
+              </a:ext>
+              <a:ext uri="{96DAC541-7B7A-43D3-8B79-37D633B846F1}">
+                <asvg:svgBlip xmlns:asvg="http://schemas.microsoft.com/office/drawing/2016/SVG/main" r:embed="rId7"/>
+              </a:ext>
+            </a:extLst>
+          </a:blip>
+          <a:stretch>
+            <a:fillRect/>
+          </a:stretch>
+        </p:blipFill>
+        <p:spPr>
+          <a:xfrm>
+            <a:off x="204990" y="1957279"/>
+            <a:ext cx="540000" cy="540000"/>
+          </a:xfrm>
+          <a:prstGeom prst="rect">
+            <a:avLst/>
+          </a:prstGeom>
+        </p:spPr>
+      </p:pic>
+      <p:sp>
+        <p:nvSpPr>
+          <p:cNvPr id="11" name="TextBox 10">
+            <a:extLst>
+              <a:ext uri="{FF2B5EF4-FFF2-40B4-BE49-F238E27FC236}">
+                <a16:creationId xmlns:a16="http://schemas.microsoft.com/office/drawing/2014/main" id="{C0EB78E4-F842-42D0-87F4-D7877C4F1342}"/>
+              </a:ext>
+            </a:extLst>
+          </p:cNvPr>
+          <p:cNvSpPr txBox="1"/>
+          <p:nvPr/>
+        </p:nvSpPr>
+        <p:spPr>
+          <a:xfrm>
+            <a:off x="4048125" y="761802"/>
+            <a:ext cx="1205779" cy="461665"/>
+          </a:xfrm>
+          <a:prstGeom prst="rect">
+            <a:avLst/>
+          </a:prstGeom>
+          <a:noFill/>
+        </p:spPr>
+        <p:txBody>
+          <a:bodyPr wrap="none" rtlCol="0">
+            <a:spAutoFit/>
+          </a:bodyPr>
+          <a:lstStyle/>
+          <a:p>
+            <a:r>
+              <a:rPr lang="de-DE" sz="2400" dirty="0">
+                <a:solidFill>
+                  <a:schemeClr val="bg1"/>
+                </a:solidFill>
+              </a:rPr>
+              <a:t>Thema:</a:t>
+            </a:r>
+          </a:p>
+        </p:txBody>
+      </p:sp>
+      <p:sp>
+        <p:nvSpPr>
+          <p:cNvPr id="72" name="Rectangle: Rounded Corners 71">
+            <a:extLst>
+              <a:ext uri="{FF2B5EF4-FFF2-40B4-BE49-F238E27FC236}">
+                <a16:creationId xmlns:a16="http://schemas.microsoft.com/office/drawing/2014/main" id="{24CEB630-94F2-40B6-8820-21CF912FA302}"/>
+              </a:ext>
+            </a:extLst>
+          </p:cNvPr>
+          <p:cNvSpPr/>
+          <p:nvPr/>
+        </p:nvSpPr>
+        <p:spPr>
+          <a:xfrm>
+            <a:off x="4125774" y="1209959"/>
+            <a:ext cx="1800000" cy="720000"/>
+          </a:xfrm>
+          <a:prstGeom prst="roundRect">
+            <a:avLst/>
+          </a:prstGeom>
+          <a:solidFill>
+            <a:schemeClr val="accent5">
+              <a:lumMod val="50000"/>
+            </a:schemeClr>
+          </a:solidFill>
+          <a:ln>
+            <a:noFill/>
+          </a:ln>
+        </p:spPr>
+        <p:style>
+          <a:lnRef idx="2">
+            <a:schemeClr val="accent1">
+              <a:shade val="50000"/>
+            </a:schemeClr>
+          </a:lnRef>
+          <a:fillRef idx="1">
+            <a:schemeClr val="accent1"/>
+          </a:fillRef>
+          <a:effectRef idx="0">
+            <a:schemeClr val="accent1"/>
+          </a:effectRef>
+          <a:fontRef idx="minor">
+            <a:schemeClr val="lt1"/>
+          </a:fontRef>
+        </p:style>
+        <p:txBody>
+          <a:bodyPr lIns="720000" rtlCol="0" anchor="ctr"/>
+          <a:lstStyle/>
+          <a:p>
+            <a:r>
+              <a:rPr lang="de-DE" sz="2200" b="1" dirty="0"/>
+              <a:t>Auto</a:t>
+            </a:r>
+          </a:p>
+        </p:txBody>
+      </p:sp>
+      <p:sp>
+        <p:nvSpPr>
+          <p:cNvPr id="74" name="Rectangle: Rounded Corners 73">
+            <a:extLst>
+              <a:ext uri="{FF2B5EF4-FFF2-40B4-BE49-F238E27FC236}">
+                <a16:creationId xmlns:a16="http://schemas.microsoft.com/office/drawing/2014/main" id="{BA0AD757-ACD1-4DC6-A598-FAAF939EA45B}"/>
+              </a:ext>
+            </a:extLst>
+          </p:cNvPr>
+          <p:cNvSpPr/>
+          <p:nvPr/>
+        </p:nvSpPr>
+        <p:spPr>
+          <a:xfrm>
+            <a:off x="6008318" y="1209959"/>
+            <a:ext cx="1800000" cy="720000"/>
+          </a:xfrm>
+          <a:prstGeom prst="roundRect">
+            <a:avLst/>
+          </a:prstGeom>
+          <a:solidFill>
+            <a:srgbClr val="0070C0"/>
+          </a:solidFill>
+          <a:ln>
+            <a:noFill/>
+          </a:ln>
+        </p:spPr>
+        <p:style>
+          <a:lnRef idx="2">
+            <a:schemeClr val="accent1">
+              <a:shade val="50000"/>
+            </a:schemeClr>
+          </a:lnRef>
+          <a:fillRef idx="1">
+            <a:schemeClr val="accent1"/>
+          </a:fillRef>
+          <a:effectRef idx="0">
+            <a:schemeClr val="accent1"/>
+          </a:effectRef>
+          <a:fontRef idx="minor">
+            <a:schemeClr val="lt1"/>
+          </a:fontRef>
+        </p:style>
+        <p:txBody>
+          <a:bodyPr lIns="720000" rtlCol="0" anchor="ctr"/>
+          <a:lstStyle/>
+          <a:p>
+            <a:r>
+              <a:rPr lang="de-DE" sz="2200" dirty="0"/>
+              <a:t>Hell</a:t>
+            </a:r>
+          </a:p>
+        </p:txBody>
+      </p:sp>
+      <p:sp>
+        <p:nvSpPr>
+          <p:cNvPr id="76" name="Rectangle: Rounded Corners 75">
+            <a:extLst>
+              <a:ext uri="{FF2B5EF4-FFF2-40B4-BE49-F238E27FC236}">
+                <a16:creationId xmlns:a16="http://schemas.microsoft.com/office/drawing/2014/main" id="{4AA9AE57-6685-4548-8912-687D77AA4FCA}"/>
+              </a:ext>
+            </a:extLst>
+          </p:cNvPr>
+          <p:cNvSpPr/>
+          <p:nvPr/>
+        </p:nvSpPr>
+        <p:spPr>
+          <a:xfrm>
+            <a:off x="7890863" y="1209959"/>
+            <a:ext cx="1800000" cy="720000"/>
+          </a:xfrm>
+          <a:prstGeom prst="roundRect">
+            <a:avLst/>
+          </a:prstGeom>
+          <a:solidFill>
+            <a:srgbClr val="0070C0"/>
+          </a:solidFill>
+          <a:ln>
+            <a:noFill/>
+          </a:ln>
+        </p:spPr>
+        <p:style>
+          <a:lnRef idx="2">
+            <a:schemeClr val="accent1">
+              <a:shade val="50000"/>
+            </a:schemeClr>
+          </a:lnRef>
+          <a:fillRef idx="1">
+            <a:schemeClr val="accent1"/>
+          </a:fillRef>
+          <a:effectRef idx="0">
+            <a:schemeClr val="accent1"/>
+          </a:effectRef>
+          <a:fontRef idx="minor">
+            <a:schemeClr val="lt1"/>
+          </a:fontRef>
+        </p:style>
+        <p:txBody>
+          <a:bodyPr lIns="720000" rtlCol="0" anchor="ctr"/>
+          <a:lstStyle/>
+          <a:p>
+            <a:r>
+              <a:rPr lang="de-DE" sz="2200" dirty="0"/>
+              <a:t>Dunkel</a:t>
+            </a:r>
+          </a:p>
+        </p:txBody>
+      </p:sp>
+      <p:pic>
+        <p:nvPicPr>
+          <p:cNvPr id="16" name="Graphic 15">
+            <a:extLst>
+              <a:ext uri="{FF2B5EF4-FFF2-40B4-BE49-F238E27FC236}">
+                <a16:creationId xmlns:a16="http://schemas.microsoft.com/office/drawing/2014/main" id="{384FA91C-A6AC-41BA-9F43-8389DE0FE308}"/>
+              </a:ext>
+            </a:extLst>
+          </p:cNvPr>
+          <p:cNvPicPr>
+            <a:picLocks noChangeAspect="1"/>
+          </p:cNvPicPr>
+          <p:nvPr/>
+        </p:nvPicPr>
+        <p:blipFill>
+          <a:blip r:embed="rId8">
+            <a:extLst>
+              <a:ext uri="{28A0092B-C50C-407E-A947-70E740481C1C}">
+                <a14:useLocalDpi xmlns:a14="http://schemas.microsoft.com/office/drawing/2010/main" val="0"/>
+              </a:ext>
+              <a:ext uri="{96DAC541-7B7A-43D3-8B79-37D633B846F1}">
+                <asvg:svgBlip xmlns:asvg="http://schemas.microsoft.com/office/drawing/2016/SVG/main" r:embed="rId9"/>
+              </a:ext>
+            </a:extLst>
+          </a:blip>
+          <a:stretch>
+            <a:fillRect/>
+          </a:stretch>
+        </p:blipFill>
+        <p:spPr>
+          <a:xfrm>
+            <a:off x="6160139" y="1299959"/>
+            <a:ext cx="540000" cy="540000"/>
+          </a:xfrm>
+          <a:prstGeom prst="rect">
+            <a:avLst/>
+          </a:prstGeom>
+        </p:spPr>
+      </p:pic>
+      <p:pic>
+        <p:nvPicPr>
+          <p:cNvPr id="18" name="Graphic 17">
+            <a:extLst>
+              <a:ext uri="{FF2B5EF4-FFF2-40B4-BE49-F238E27FC236}">
+                <a16:creationId xmlns:a16="http://schemas.microsoft.com/office/drawing/2014/main" id="{294B16DB-9E64-459B-BD9F-326EED0EE1A8}"/>
+              </a:ext>
+            </a:extLst>
+          </p:cNvPr>
+          <p:cNvPicPr>
+            <a:picLocks noChangeAspect="1"/>
+          </p:cNvPicPr>
+          <p:nvPr/>
+        </p:nvPicPr>
+        <p:blipFill>
+          <a:blip r:embed="rId10">
+            <a:extLst>
+              <a:ext uri="{28A0092B-C50C-407E-A947-70E740481C1C}">
+                <a14:useLocalDpi xmlns:a14="http://schemas.microsoft.com/office/drawing/2010/main" val="0"/>
+              </a:ext>
+              <a:ext uri="{96DAC541-7B7A-43D3-8B79-37D633B846F1}">
+                <asvg:svgBlip xmlns:asvg="http://schemas.microsoft.com/office/drawing/2016/SVG/main" r:embed="rId11"/>
+              </a:ext>
+            </a:extLst>
+          </a:blip>
+          <a:stretch>
+            <a:fillRect/>
+          </a:stretch>
+        </p:blipFill>
+        <p:spPr>
+          <a:xfrm>
+            <a:off x="8095139" y="1299959"/>
+            <a:ext cx="405000" cy="540000"/>
+          </a:xfrm>
+          <a:prstGeom prst="rect">
+            <a:avLst/>
+          </a:prstGeom>
+        </p:spPr>
+      </p:pic>
+      <p:pic>
+        <p:nvPicPr>
+          <p:cNvPr id="24" name="Graphic 23">
+            <a:extLst>
+              <a:ext uri="{FF2B5EF4-FFF2-40B4-BE49-F238E27FC236}">
+                <a16:creationId xmlns:a16="http://schemas.microsoft.com/office/drawing/2014/main" id="{178A7482-6C2D-4DA4-BEBD-6EFA2F81DC99}"/>
+              </a:ext>
+            </a:extLst>
+          </p:cNvPr>
+          <p:cNvPicPr>
+            <a:picLocks noChangeAspect="1"/>
+          </p:cNvPicPr>
+          <p:nvPr/>
+        </p:nvPicPr>
+        <p:blipFill>
+          <a:blip r:embed="rId12">
+            <a:extLst>
+              <a:ext uri="{28A0092B-C50C-407E-A947-70E740481C1C}">
+                <a14:useLocalDpi xmlns:a14="http://schemas.microsoft.com/office/drawing/2010/main" val="0"/>
+              </a:ext>
+              <a:ext uri="{96DAC541-7B7A-43D3-8B79-37D633B846F1}">
+                <asvg:svgBlip xmlns:asvg="http://schemas.microsoft.com/office/drawing/2016/SVG/main" r:embed="rId13"/>
+              </a:ext>
+            </a:extLst>
+          </a:blip>
+          <a:stretch>
+            <a:fillRect/>
+          </a:stretch>
+        </p:blipFill>
+        <p:spPr>
+          <a:xfrm>
+            <a:off x="4252774" y="1299959"/>
+            <a:ext cx="540000" cy="540000"/>
+          </a:xfrm>
+          <a:prstGeom prst="rect">
+            <a:avLst/>
+          </a:prstGeom>
+        </p:spPr>
+      </p:pic>
+      <p:pic>
+        <p:nvPicPr>
+          <p:cNvPr id="79" name="Graphic 78">
+            <a:extLst>
+              <a:ext uri="{FF2B5EF4-FFF2-40B4-BE49-F238E27FC236}">
+                <a16:creationId xmlns:a16="http://schemas.microsoft.com/office/drawing/2014/main" id="{8237650F-C9BF-4055-9B2A-70886E94F456}"/>
+              </a:ext>
+            </a:extLst>
+          </p:cNvPr>
+          <p:cNvPicPr>
+            <a:picLocks noChangeAspect="1"/>
+          </p:cNvPicPr>
+          <p:nvPr/>
+        </p:nvPicPr>
+        <p:blipFill>
+          <a:blip r:embed="rId10">
+            <a:extLst>
+              <a:ext uri="{28A0092B-C50C-407E-A947-70E740481C1C}">
+                <a14:useLocalDpi xmlns:a14="http://schemas.microsoft.com/office/drawing/2010/main" val="0"/>
+              </a:ext>
+              <a:ext uri="{96DAC541-7B7A-43D3-8B79-37D633B846F1}">
+                <asvg:svgBlip xmlns:asvg="http://schemas.microsoft.com/office/drawing/2016/SVG/main" r:embed="rId11"/>
+              </a:ext>
+            </a:extLst>
+          </a:blip>
+          <a:stretch>
+            <a:fillRect/>
+          </a:stretch>
+        </p:blipFill>
+        <p:spPr>
+          <a:xfrm>
+            <a:off x="4473385" y="1541948"/>
+            <a:ext cx="270000" cy="360000"/>
+          </a:xfrm>
+          <a:prstGeom prst="rect">
+            <a:avLst/>
+          </a:prstGeom>
+        </p:spPr>
+      </p:pic>
+      <p:sp>
+        <p:nvSpPr>
+          <p:cNvPr id="25" name="Oval 24">
+            <a:extLst>
+              <a:ext uri="{FF2B5EF4-FFF2-40B4-BE49-F238E27FC236}">
+                <a16:creationId xmlns:a16="http://schemas.microsoft.com/office/drawing/2014/main" id="{1AFB2AEB-A166-4869-9057-A817ABC9EB0B}"/>
+              </a:ext>
+            </a:extLst>
+          </p:cNvPr>
+          <p:cNvSpPr/>
+          <p:nvPr/>
+        </p:nvSpPr>
+        <p:spPr>
+          <a:xfrm>
+            <a:off x="4252774" y="1299958"/>
+            <a:ext cx="216000" cy="216000"/>
+          </a:xfrm>
+          <a:prstGeom prst="ellipse">
+            <a:avLst/>
+          </a:prstGeom>
+          <a:solidFill>
+            <a:schemeClr val="accent5">
+              <a:lumMod val="50000"/>
+            </a:schemeClr>
+          </a:solidFill>
+          <a:ln>
+            <a:noFill/>
+          </a:ln>
+        </p:spPr>
+        <p:style>
+          <a:lnRef idx="2">
+            <a:schemeClr val="accent1">
+              <a:shade val="50000"/>
+            </a:schemeClr>
+          </a:lnRef>
+          <a:fillRef idx="1">
+            <a:schemeClr val="accent1"/>
+          </a:fillRef>
+          <a:effectRef idx="0">
+            <a:schemeClr val="accent1"/>
+          </a:effectRef>
+          <a:fontRef idx="minor">
+            <a:schemeClr val="lt1"/>
+          </a:fontRef>
+        </p:style>
+        <p:txBody>
+          <a:bodyPr rtlCol="0" anchor="ctr"/>
+          <a:lstStyle/>
+          <a:p>
+            <a:pPr algn="ctr"/>
+            <a:endParaRPr lang="de-DE" dirty="0"/>
+          </a:p>
+        </p:txBody>
+      </p:sp>
+      <p:pic>
+        <p:nvPicPr>
+          <p:cNvPr id="77" name="Graphic 76">
+            <a:extLst>
+              <a:ext uri="{FF2B5EF4-FFF2-40B4-BE49-F238E27FC236}">
+                <a16:creationId xmlns:a16="http://schemas.microsoft.com/office/drawing/2014/main" id="{10D2646B-0A5C-4B51-A9C2-AC63962282FA}"/>
+              </a:ext>
+            </a:extLst>
+          </p:cNvPr>
+          <p:cNvPicPr>
+            <a:picLocks noChangeAspect="1"/>
+          </p:cNvPicPr>
+          <p:nvPr/>
+        </p:nvPicPr>
+        <p:blipFill>
+          <a:blip r:embed="rId8">
+            <a:extLst>
+              <a:ext uri="{28A0092B-C50C-407E-A947-70E740481C1C}">
+                <a14:useLocalDpi xmlns:a14="http://schemas.microsoft.com/office/drawing/2010/main" val="0"/>
+              </a:ext>
+              <a:ext uri="{96DAC541-7B7A-43D3-8B79-37D633B846F1}">
+                <asvg:svgBlip xmlns:asvg="http://schemas.microsoft.com/office/drawing/2016/SVG/main" r:embed="rId9"/>
+              </a:ext>
+            </a:extLst>
+          </a:blip>
+          <a:stretch>
+            <a:fillRect/>
+          </a:stretch>
+        </p:blipFill>
+        <p:spPr>
+          <a:xfrm>
+            <a:off x="4177057" y="1227941"/>
+            <a:ext cx="360000" cy="360000"/>
+          </a:xfrm>
+          <a:prstGeom prst="rect">
+            <a:avLst/>
+          </a:prstGeom>
+        </p:spPr>
+      </p:pic>
+      <p:sp>
+        <p:nvSpPr>
+          <p:cNvPr id="80" name="TextBox 79">
+            <a:extLst>
+              <a:ext uri="{FF2B5EF4-FFF2-40B4-BE49-F238E27FC236}">
+                <a16:creationId xmlns:a16="http://schemas.microsoft.com/office/drawing/2014/main" id="{FF512BCE-8B6B-4ACC-9CF0-9D941D491D7E}"/>
+              </a:ext>
+            </a:extLst>
+          </p:cNvPr>
+          <p:cNvSpPr txBox="1"/>
+          <p:nvPr/>
+        </p:nvSpPr>
+        <p:spPr>
+          <a:xfrm>
+            <a:off x="4048125" y="2250639"/>
+            <a:ext cx="1604927" cy="461665"/>
+          </a:xfrm>
+          <a:prstGeom prst="rect">
+            <a:avLst/>
+          </a:prstGeom>
+          <a:noFill/>
+        </p:spPr>
+        <p:txBody>
+          <a:bodyPr wrap="none" rtlCol="0">
+            <a:spAutoFit/>
+          </a:bodyPr>
+          <a:lstStyle/>
+          <a:p>
+            <a:r>
+              <a:rPr lang="de-DE" sz="2400" dirty="0">
+                <a:solidFill>
+                  <a:schemeClr val="bg1"/>
+                </a:solidFill>
+              </a:rPr>
+              <a:t>Helligkeit:</a:t>
+            </a:r>
+          </a:p>
+        </p:txBody>
+      </p:sp>
+      <p:sp>
+        <p:nvSpPr>
+          <p:cNvPr id="88" name="Rectangle: Rounded Corners 87">
+            <a:extLst>
+              <a:ext uri="{FF2B5EF4-FFF2-40B4-BE49-F238E27FC236}">
+                <a16:creationId xmlns:a16="http://schemas.microsoft.com/office/drawing/2014/main" id="{6B198DEB-9A26-47DE-9E64-8B95AF19EDCD}"/>
+              </a:ext>
+            </a:extLst>
+          </p:cNvPr>
+          <p:cNvSpPr/>
+          <p:nvPr/>
+        </p:nvSpPr>
+        <p:spPr>
+          <a:xfrm>
+            <a:off x="4125774" y="2707446"/>
+            <a:ext cx="720000" cy="720000"/>
+          </a:xfrm>
+          <a:prstGeom prst="roundRect">
+            <a:avLst/>
+          </a:prstGeom>
+          <a:solidFill>
+            <a:srgbClr val="0070C0"/>
+          </a:solidFill>
+          <a:ln>
+            <a:noFill/>
+          </a:ln>
+        </p:spPr>
+        <p:style>
+          <a:lnRef idx="2">
+            <a:schemeClr val="accent1">
+              <a:shade val="50000"/>
+            </a:schemeClr>
+          </a:lnRef>
+          <a:fillRef idx="1">
+            <a:schemeClr val="accent1"/>
+          </a:fillRef>
+          <a:effectRef idx="0">
+            <a:schemeClr val="accent1"/>
+          </a:effectRef>
+          <a:fontRef idx="minor">
+            <a:schemeClr val="lt1"/>
+          </a:fontRef>
+        </p:style>
+        <p:txBody>
+          <a:bodyPr lIns="90000" rtlCol="0" anchor="ctr"/>
+          <a:lstStyle/>
+          <a:p>
+            <a:pPr algn="ctr"/>
+            <a:endParaRPr lang="de-DE" sz="3600" b="1" dirty="0"/>
+          </a:p>
+        </p:txBody>
+      </p:sp>
+      <p:sp>
+        <p:nvSpPr>
+          <p:cNvPr id="90" name="Rectangle: Rounded Corners 89">
+            <a:extLst>
+              <a:ext uri="{FF2B5EF4-FFF2-40B4-BE49-F238E27FC236}">
+                <a16:creationId xmlns:a16="http://schemas.microsoft.com/office/drawing/2014/main" id="{A2888118-3DF1-43CE-ABC4-736F212CD0D3}"/>
+              </a:ext>
+            </a:extLst>
+          </p:cNvPr>
+          <p:cNvSpPr/>
+          <p:nvPr/>
+        </p:nvSpPr>
+        <p:spPr>
+          <a:xfrm>
+            <a:off x="4902797" y="2707446"/>
+            <a:ext cx="720000" cy="720000"/>
+          </a:xfrm>
+          <a:prstGeom prst="roundRect">
+            <a:avLst/>
+          </a:prstGeom>
+          <a:solidFill>
+            <a:srgbClr val="0070C0"/>
+          </a:solidFill>
+          <a:ln>
+            <a:noFill/>
+          </a:ln>
+        </p:spPr>
+        <p:style>
+          <a:lnRef idx="2">
+            <a:schemeClr val="accent1">
+              <a:shade val="50000"/>
+            </a:schemeClr>
+          </a:lnRef>
+          <a:fillRef idx="1">
+            <a:schemeClr val="accent1"/>
+          </a:fillRef>
+          <a:effectRef idx="0">
+            <a:schemeClr val="accent1"/>
+          </a:effectRef>
+          <a:fontRef idx="minor">
+            <a:schemeClr val="lt1"/>
+          </a:fontRef>
+        </p:style>
+        <p:txBody>
+          <a:bodyPr lIns="90000" rtlCol="0" anchor="ctr"/>
+          <a:lstStyle/>
+          <a:p>
+            <a:pPr algn="ctr"/>
+            <a:endParaRPr lang="de-DE" sz="3600" b="1" dirty="0"/>
+          </a:p>
+        </p:txBody>
+      </p:sp>
+      <p:pic>
+        <p:nvPicPr>
+          <p:cNvPr id="28" name="Graphic 27">
+            <a:extLst>
+              <a:ext uri="{FF2B5EF4-FFF2-40B4-BE49-F238E27FC236}">
+                <a16:creationId xmlns:a16="http://schemas.microsoft.com/office/drawing/2014/main" id="{96CED57F-03C8-4A56-AF11-D9CAC7D0AC5E}"/>
+              </a:ext>
+            </a:extLst>
+          </p:cNvPr>
+          <p:cNvPicPr>
+            <a:picLocks noChangeAspect="1"/>
+          </p:cNvPicPr>
+          <p:nvPr/>
+        </p:nvPicPr>
+        <p:blipFill>
+          <a:blip r:embed="rId14">
+            <a:extLst>
+              <a:ext uri="{28A0092B-C50C-407E-A947-70E740481C1C}">
+                <a14:useLocalDpi xmlns:a14="http://schemas.microsoft.com/office/drawing/2010/main" val="0"/>
+              </a:ext>
+              <a:ext uri="{96DAC541-7B7A-43D3-8B79-37D633B846F1}">
+                <asvg:svgBlip xmlns:asvg="http://schemas.microsoft.com/office/drawing/2016/SVG/main" r:embed="rId15"/>
+              </a:ext>
+            </a:extLst>
+          </a:blip>
+          <a:stretch>
+            <a:fillRect/>
+          </a:stretch>
+        </p:blipFill>
+        <p:spPr>
+          <a:xfrm>
+            <a:off x="5025774" y="2802597"/>
+            <a:ext cx="472500" cy="540000"/>
+          </a:xfrm>
+          <a:prstGeom prst="rect">
+            <a:avLst/>
+          </a:prstGeom>
+        </p:spPr>
+      </p:pic>
+      <p:pic>
+        <p:nvPicPr>
+          <p:cNvPr id="30" name="Graphic 29">
+            <a:extLst>
+              <a:ext uri="{FF2B5EF4-FFF2-40B4-BE49-F238E27FC236}">
+                <a16:creationId xmlns:a16="http://schemas.microsoft.com/office/drawing/2014/main" id="{4C4DE772-F2C0-4C8D-A54D-7216972B7CFD}"/>
+              </a:ext>
+            </a:extLst>
+          </p:cNvPr>
+          <p:cNvPicPr>
+            <a:picLocks noChangeAspect="1"/>
+          </p:cNvPicPr>
+          <p:nvPr/>
+        </p:nvPicPr>
+        <p:blipFill>
+          <a:blip r:embed="rId16">
+            <a:extLst>
+              <a:ext uri="{28A0092B-C50C-407E-A947-70E740481C1C}">
+                <a14:useLocalDpi xmlns:a14="http://schemas.microsoft.com/office/drawing/2010/main" val="0"/>
+              </a:ext>
+              <a:ext uri="{96DAC541-7B7A-43D3-8B79-37D633B846F1}">
+                <asvg:svgBlip xmlns:asvg="http://schemas.microsoft.com/office/drawing/2016/SVG/main" r:embed="rId17"/>
+              </a:ext>
+            </a:extLst>
+          </a:blip>
+          <a:stretch>
+            <a:fillRect/>
+          </a:stretch>
+        </p:blipFill>
+        <p:spPr>
+          <a:xfrm>
+            <a:off x="4249524" y="2823210"/>
+            <a:ext cx="472500" cy="540000"/>
+          </a:xfrm>
+          <a:prstGeom prst="rect">
+            <a:avLst/>
+          </a:prstGeom>
+        </p:spPr>
+      </p:pic>
+      <p:sp>
+        <p:nvSpPr>
+          <p:cNvPr id="95" name="Rectangle: Rounded Corners 94">
+            <a:extLst>
+              <a:ext uri="{FF2B5EF4-FFF2-40B4-BE49-F238E27FC236}">
+                <a16:creationId xmlns:a16="http://schemas.microsoft.com/office/drawing/2014/main" id="{E6564943-8B8A-4D9A-A1AF-324A03B09225}"/>
+              </a:ext>
+            </a:extLst>
+          </p:cNvPr>
+          <p:cNvSpPr/>
+          <p:nvPr/>
+        </p:nvSpPr>
+        <p:spPr>
+          <a:xfrm>
+            <a:off x="-146821" y="3894958"/>
+            <a:ext cx="3979681" cy="720000"/>
+          </a:xfrm>
+          <a:prstGeom prst="roundRect">
+            <a:avLst/>
+          </a:prstGeom>
+          <a:solidFill>
+            <a:srgbClr val="0070C0"/>
+          </a:solidFill>
+          <a:ln>
+            <a:noFill/>
+          </a:ln>
+        </p:spPr>
+        <p:style>
+          <a:lnRef idx="2">
+            <a:schemeClr val="accent1">
+              <a:shade val="50000"/>
+            </a:schemeClr>
+          </a:lnRef>
+          <a:fillRef idx="1">
+            <a:schemeClr val="accent1"/>
+          </a:fillRef>
+          <a:effectRef idx="0">
+            <a:schemeClr val="accent1"/>
+          </a:effectRef>
+          <a:fontRef idx="minor">
+            <a:schemeClr val="lt1"/>
+          </a:fontRef>
+        </p:style>
+        <p:txBody>
+          <a:bodyPr lIns="1080000" rtlCol="0" anchor="ctr"/>
+          <a:lstStyle/>
+          <a:p>
+            <a:r>
+              <a:rPr lang="de-DE" sz="2200" dirty="0"/>
+              <a:t>Sonstiges </a:t>
+            </a:r>
+          </a:p>
+        </p:txBody>
+      </p:sp>
+      <p:sp>
+        <p:nvSpPr>
+          <p:cNvPr id="96" name="Rectangle: Rounded Corners 95">
+            <a:extLst>
+              <a:ext uri="{FF2B5EF4-FFF2-40B4-BE49-F238E27FC236}">
+                <a16:creationId xmlns:a16="http://schemas.microsoft.com/office/drawing/2014/main" id="{063B8866-8BDE-4E09-8C8A-62D154C120A0}"/>
+              </a:ext>
+            </a:extLst>
+          </p:cNvPr>
+          <p:cNvSpPr/>
+          <p:nvPr/>
+        </p:nvSpPr>
+        <p:spPr>
+          <a:xfrm>
+            <a:off x="-146821" y="2881118"/>
+            <a:ext cx="3979681" cy="720000"/>
+          </a:xfrm>
+          <a:prstGeom prst="roundRect">
+            <a:avLst/>
+          </a:prstGeom>
+          <a:solidFill>
+            <a:srgbClr val="0070C0"/>
+          </a:solidFill>
+          <a:ln>
+            <a:noFill/>
+          </a:ln>
+        </p:spPr>
+        <p:style>
+          <a:lnRef idx="2">
+            <a:schemeClr val="accent1">
+              <a:shade val="50000"/>
+            </a:schemeClr>
+          </a:lnRef>
+          <a:fillRef idx="1">
+            <a:schemeClr val="accent1"/>
+          </a:fillRef>
+          <a:effectRef idx="0">
+            <a:schemeClr val="accent1"/>
+          </a:effectRef>
+          <a:fontRef idx="minor">
+            <a:schemeClr val="lt1"/>
+          </a:fontRef>
+        </p:style>
+        <p:txBody>
+          <a:bodyPr lIns="1080000" rtlCol="0" anchor="ctr"/>
+          <a:lstStyle/>
+          <a:p>
+            <a:r>
+              <a:rPr lang="de-DE" sz="2200" dirty="0"/>
+              <a:t>Gerät &amp; Hardware</a:t>
+            </a:r>
+          </a:p>
+        </p:txBody>
+      </p:sp>
+      <p:pic>
+        <p:nvPicPr>
+          <p:cNvPr id="10" name="Graphic 9">
+            <a:extLst>
+              <a:ext uri="{FF2B5EF4-FFF2-40B4-BE49-F238E27FC236}">
+                <a16:creationId xmlns:a16="http://schemas.microsoft.com/office/drawing/2014/main" id="{2CFA6614-755B-45F8-86FD-956379708FB0}"/>
+              </a:ext>
+            </a:extLst>
+          </p:cNvPr>
+          <p:cNvPicPr>
+            <a:picLocks noChangeAspect="1"/>
+          </p:cNvPicPr>
+          <p:nvPr/>
+        </p:nvPicPr>
+        <p:blipFill>
+          <a:blip r:embed="rId18">
+            <a:extLst>
+              <a:ext uri="{28A0092B-C50C-407E-A947-70E740481C1C}">
+                <a14:useLocalDpi xmlns:a14="http://schemas.microsoft.com/office/drawing/2010/main" val="0"/>
+              </a:ext>
+              <a:ext uri="{96DAC541-7B7A-43D3-8B79-37D633B846F1}">
+                <asvg:svgBlip xmlns:asvg="http://schemas.microsoft.com/office/drawing/2016/SVG/main" r:embed="rId19"/>
+              </a:ext>
+            </a:extLst>
+          </a:blip>
+          <a:stretch>
+            <a:fillRect/>
+          </a:stretch>
+        </p:blipFill>
+        <p:spPr>
+          <a:xfrm>
+            <a:off x="174613" y="2971118"/>
+            <a:ext cx="540000" cy="540000"/>
+          </a:xfrm>
+          <a:prstGeom prst="rect">
+            <a:avLst/>
+          </a:prstGeom>
+        </p:spPr>
+      </p:pic>
+      <p:pic>
+        <p:nvPicPr>
+          <p:cNvPr id="63" name="Graphic 62">
+            <a:extLst>
+              <a:ext uri="{FF2B5EF4-FFF2-40B4-BE49-F238E27FC236}">
+                <a16:creationId xmlns:a16="http://schemas.microsoft.com/office/drawing/2014/main" id="{7A1A725A-2A6E-4E88-844E-5EDDF8067390}"/>
+              </a:ext>
+            </a:extLst>
+          </p:cNvPr>
+          <p:cNvPicPr>
+            <a:picLocks noChangeAspect="1"/>
+          </p:cNvPicPr>
+          <p:nvPr/>
+        </p:nvPicPr>
+        <p:blipFill>
+          <a:blip r:embed="rId20">
+            <a:extLst>
+              <a:ext uri="{28A0092B-C50C-407E-A947-70E740481C1C}">
+                <a14:useLocalDpi xmlns:a14="http://schemas.microsoft.com/office/drawing/2010/main" val="0"/>
+              </a:ext>
+              <a:ext uri="{96DAC541-7B7A-43D3-8B79-37D633B846F1}">
+                <asvg:svgBlip xmlns:asvg="http://schemas.microsoft.com/office/drawing/2016/SVG/main" r:embed="rId21"/>
+              </a:ext>
+            </a:extLst>
+          </a:blip>
+          <a:stretch>
+            <a:fillRect/>
+          </a:stretch>
+        </p:blipFill>
+        <p:spPr>
+          <a:xfrm>
+            <a:off x="188862" y="3989854"/>
+            <a:ext cx="472500" cy="540000"/>
+          </a:xfrm>
+          <a:prstGeom prst="rect">
+            <a:avLst/>
+          </a:prstGeom>
+        </p:spPr>
+      </p:pic>
+      <p:sp>
+        <p:nvSpPr>
+          <p:cNvPr id="36" name="Rectangle: Rounded Corners 35">
+            <a:extLst>
+              <a:ext uri="{FF2B5EF4-FFF2-40B4-BE49-F238E27FC236}">
+                <a16:creationId xmlns:a16="http://schemas.microsoft.com/office/drawing/2014/main" id="{D2B38933-967F-452D-AECC-C91862559F11}"/>
+              </a:ext>
+            </a:extLst>
+          </p:cNvPr>
+          <p:cNvSpPr/>
+          <p:nvPr/>
+        </p:nvSpPr>
+        <p:spPr>
+          <a:xfrm>
+            <a:off x="46963" y="4794250"/>
+            <a:ext cx="630000" cy="630000"/>
+          </a:xfrm>
+          <a:prstGeom prst="roundRect">
+            <a:avLst/>
+          </a:prstGeom>
+          <a:solidFill>
+            <a:schemeClr val="accent1">
+              <a:lumMod val="50000"/>
+            </a:schemeClr>
+          </a:solidFill>
+          <a:ln>
+            <a:noFill/>
+          </a:ln>
+        </p:spPr>
+        <p:style>
+          <a:lnRef idx="2">
+            <a:schemeClr val="accent1">
+              <a:shade val="50000"/>
+            </a:schemeClr>
+          </a:lnRef>
+          <a:fillRef idx="1">
+            <a:schemeClr val="accent1"/>
+          </a:fillRef>
+          <a:effectRef idx="0">
+            <a:schemeClr val="accent1"/>
+          </a:effectRef>
+          <a:fontRef idx="minor">
+            <a:schemeClr val="lt1"/>
+          </a:fontRef>
+        </p:style>
+        <p:txBody>
+          <a:bodyPr rtlCol="0" anchor="ctr"/>
+          <a:lstStyle/>
+          <a:p>
+            <a:pPr algn="ctr"/>
+            <a:endParaRPr lang="en-US" dirty="0"/>
+          </a:p>
+        </p:txBody>
+      </p:sp>
+      <p:pic>
+        <p:nvPicPr>
+          <p:cNvPr id="37" name="Graphic 36">
+            <a:extLst>
+              <a:ext uri="{FF2B5EF4-FFF2-40B4-BE49-F238E27FC236}">
+                <a16:creationId xmlns:a16="http://schemas.microsoft.com/office/drawing/2014/main" id="{97F4C156-56E2-4135-97CE-266D2AA9B500}"/>
+              </a:ext>
+            </a:extLst>
+          </p:cNvPr>
+          <p:cNvPicPr>
+            <a:picLocks noChangeAspect="1"/>
+          </p:cNvPicPr>
+          <p:nvPr/>
+        </p:nvPicPr>
+        <p:blipFill>
+          <a:blip r:embed="rId22">
+            <a:extLst>
+              <a:ext uri="{28A0092B-C50C-407E-A947-70E740481C1C}">
+                <a14:useLocalDpi xmlns:a14="http://schemas.microsoft.com/office/drawing/2010/main" val="0"/>
+              </a:ext>
+              <a:ext uri="{96DAC541-7B7A-43D3-8B79-37D633B846F1}">
+                <asvg:svgBlip xmlns:asvg="http://schemas.microsoft.com/office/drawing/2016/SVG/main" r:embed="rId23"/>
+              </a:ext>
+            </a:extLst>
+          </a:blip>
+          <a:stretch>
+            <a:fillRect/>
+          </a:stretch>
+        </p:blipFill>
+        <p:spPr>
+          <a:xfrm>
+            <a:off x="165088" y="4881635"/>
+            <a:ext cx="393750" cy="450000"/>
+          </a:xfrm>
+          <a:prstGeom prst="rect">
+            <a:avLst/>
+          </a:prstGeom>
+        </p:spPr>
+      </p:pic>
+    </p:spTree>
+    <p:extLst>
+      <p:ext uri="{BB962C8B-B14F-4D97-AF65-F5344CB8AC3E}">
+        <p14:creationId xmlns:p14="http://schemas.microsoft.com/office/powerpoint/2010/main" val="2160118909"/>
+      </p:ext>
+    </p:extLst>
+  </p:cSld>
+  <p:clrMapOvr>
+    <a:masterClrMapping/>
+  </p:clrMapOvr>
+</p:sld>
+</file>
+
 <file path=ppt/slides/slide3.xml><?xml version="1.0" encoding="utf-8"?>
 <p:sld xmlns:a="http://schemas.openxmlformats.org/drawingml/2006/main" xmlns:r="http://schemas.openxmlformats.org/officeDocument/2006/relationships" xmlns:p="http://schemas.openxmlformats.org/presentationml/2006/main">
   <p:cSld>
@@ -36446,6 +38045,4361 @@
     <p:extLst>
       <p:ext uri="{BB962C8B-B14F-4D97-AF65-F5344CB8AC3E}">
         <p14:creationId xmlns:p14="http://schemas.microsoft.com/office/powerpoint/2010/main" val="2456399940"/>
+      </p:ext>
+    </p:extLst>
+  </p:cSld>
+  <p:clrMapOvr>
+    <a:masterClrMapping/>
+  </p:clrMapOvr>
+</p:sld>
+</file>
+
+<file path=ppt/slides/slide30.xml><?xml version="1.0" encoding="utf-8"?>
+<p:sld xmlns:a="http://schemas.openxmlformats.org/drawingml/2006/main" xmlns:r="http://schemas.openxmlformats.org/officeDocument/2006/relationships" xmlns:p="http://schemas.openxmlformats.org/presentationml/2006/main">
+  <p:cSld>
+    <p:spTree>
+      <p:nvGrpSpPr>
+        <p:cNvPr id="1" name=""/>
+        <p:cNvGrpSpPr/>
+        <p:nvPr/>
+      </p:nvGrpSpPr>
+      <p:grpSpPr>
+        <a:xfrm>
+          <a:off x="0" y="0"/>
+          <a:ext cx="0" cy="0"/>
+          <a:chOff x="0" y="0"/>
+          <a:chExt cx="0" cy="0"/>
+        </a:xfrm>
+      </p:grpSpPr>
+      <p:sp>
+        <p:nvSpPr>
+          <p:cNvPr id="20" name="Rectangle 19">
+            <a:extLst>
+              <a:ext uri="{FF2B5EF4-FFF2-40B4-BE49-F238E27FC236}">
+                <a16:creationId xmlns:a16="http://schemas.microsoft.com/office/drawing/2014/main" id="{4060C324-4318-4830-BE4D-80F7588567D5}"/>
+              </a:ext>
+            </a:extLst>
+          </p:cNvPr>
+          <p:cNvSpPr/>
+          <p:nvPr/>
+        </p:nvSpPr>
+        <p:spPr>
+          <a:xfrm>
+            <a:off x="0" y="718023"/>
+            <a:ext cx="4048125" cy="4750375"/>
+          </a:xfrm>
+          <a:prstGeom prst="rect">
+            <a:avLst/>
+          </a:prstGeom>
+          <a:solidFill>
+            <a:schemeClr val="accent1">
+              <a:lumMod val="50000"/>
+            </a:schemeClr>
+          </a:solidFill>
+          <a:ln>
+            <a:noFill/>
+          </a:ln>
+        </p:spPr>
+        <p:style>
+          <a:lnRef idx="2">
+            <a:schemeClr val="accent1">
+              <a:shade val="50000"/>
+            </a:schemeClr>
+          </a:lnRef>
+          <a:fillRef idx="1">
+            <a:schemeClr val="accent1"/>
+          </a:fillRef>
+          <a:effectRef idx="0">
+            <a:schemeClr val="accent1"/>
+          </a:effectRef>
+          <a:fontRef idx="minor">
+            <a:schemeClr val="lt1"/>
+          </a:fontRef>
+        </p:style>
+        <p:txBody>
+          <a:bodyPr rtlCol="0" anchor="ctr"/>
+          <a:lstStyle/>
+          <a:p>
+            <a:pPr algn="ctr"/>
+            <a:endParaRPr lang="en-US" u="sng" dirty="0"/>
+          </a:p>
+        </p:txBody>
+      </p:sp>
+      <p:sp>
+        <p:nvSpPr>
+          <p:cNvPr id="5" name="Rectangle 4">
+            <a:extLst>
+              <a:ext uri="{FF2B5EF4-FFF2-40B4-BE49-F238E27FC236}">
+                <a16:creationId xmlns:a16="http://schemas.microsoft.com/office/drawing/2014/main" id="{DD6F78D1-EB25-4C39-8595-0B180702B60C}"/>
+              </a:ext>
+            </a:extLst>
+          </p:cNvPr>
+          <p:cNvSpPr/>
+          <p:nvPr/>
+        </p:nvSpPr>
+        <p:spPr>
+          <a:xfrm>
+            <a:off x="0" y="5468400"/>
+            <a:ext cx="9753600" cy="4285200"/>
+          </a:xfrm>
+          <a:prstGeom prst="rect">
+            <a:avLst/>
+          </a:prstGeom>
+          <a:ln>
+            <a:noFill/>
+          </a:ln>
+        </p:spPr>
+        <p:style>
+          <a:lnRef idx="2">
+            <a:schemeClr val="dk1">
+              <a:shade val="50000"/>
+            </a:schemeClr>
+          </a:lnRef>
+          <a:fillRef idx="1">
+            <a:schemeClr val="dk1"/>
+          </a:fillRef>
+          <a:effectRef idx="0">
+            <a:schemeClr val="dk1"/>
+          </a:effectRef>
+          <a:fontRef idx="minor">
+            <a:schemeClr val="lt1"/>
+          </a:fontRef>
+        </p:style>
+        <p:txBody>
+          <a:bodyPr rtlCol="0" anchor="ctr"/>
+          <a:lstStyle/>
+          <a:p>
+            <a:pPr algn="ctr"/>
+            <a:r>
+              <a:rPr lang="de-DE" sz="4000" i="1" dirty="0" err="1"/>
+              <a:t>Placeholder</a:t>
+            </a:r>
+            <a:r>
+              <a:rPr lang="de-DE" sz="4000" i="1" dirty="0"/>
+              <a:t> / not in </a:t>
+            </a:r>
+            <a:r>
+              <a:rPr lang="de-DE" sz="4000" i="1" dirty="0" err="1"/>
+              <a:t>use</a:t>
+            </a:r>
+            <a:r>
+              <a:rPr lang="de-DE" sz="4000" i="1" dirty="0"/>
+              <a:t>!</a:t>
+            </a:r>
+            <a:endParaRPr lang="en-US" sz="4000" i="1" dirty="0"/>
+          </a:p>
+        </p:txBody>
+      </p:sp>
+      <p:sp>
+        <p:nvSpPr>
+          <p:cNvPr id="6" name="Rectangle 5">
+            <a:extLst>
+              <a:ext uri="{FF2B5EF4-FFF2-40B4-BE49-F238E27FC236}">
+                <a16:creationId xmlns:a16="http://schemas.microsoft.com/office/drawing/2014/main" id="{0B533615-A8B2-4915-AB6A-1B5C08FD6089}"/>
+              </a:ext>
+            </a:extLst>
+          </p:cNvPr>
+          <p:cNvSpPr/>
+          <p:nvPr/>
+        </p:nvSpPr>
+        <p:spPr>
+          <a:xfrm>
+            <a:off x="0" y="0"/>
+            <a:ext cx="9753600" cy="720000"/>
+          </a:xfrm>
+          <a:prstGeom prst="rect">
+            <a:avLst/>
+          </a:prstGeom>
+          <a:solidFill>
+            <a:srgbClr val="162644"/>
+          </a:solidFill>
+          <a:ln>
+            <a:noFill/>
+          </a:ln>
+        </p:spPr>
+        <p:style>
+          <a:lnRef idx="2">
+            <a:schemeClr val="accent1">
+              <a:shade val="50000"/>
+            </a:schemeClr>
+          </a:lnRef>
+          <a:fillRef idx="1">
+            <a:schemeClr val="accent1"/>
+          </a:fillRef>
+          <a:effectRef idx="0">
+            <a:schemeClr val="accent1"/>
+          </a:effectRef>
+          <a:fontRef idx="minor">
+            <a:schemeClr val="lt1"/>
+          </a:fontRef>
+        </p:style>
+        <p:txBody>
+          <a:bodyPr rtlCol="0" anchor="ctr"/>
+          <a:lstStyle/>
+          <a:p>
+            <a:pPr algn="ctr"/>
+            <a:endParaRPr lang="en-US"/>
+          </a:p>
+        </p:txBody>
+      </p:sp>
+      <p:sp>
+        <p:nvSpPr>
+          <p:cNvPr id="7" name="Rectangle 6">
+            <a:extLst>
+              <a:ext uri="{FF2B5EF4-FFF2-40B4-BE49-F238E27FC236}">
+                <a16:creationId xmlns:a16="http://schemas.microsoft.com/office/drawing/2014/main" id="{00FD9BF4-04BC-4A2D-ADE9-7EE3508D232E}"/>
+              </a:ext>
+            </a:extLst>
+          </p:cNvPr>
+          <p:cNvSpPr/>
+          <p:nvPr/>
+        </p:nvSpPr>
+        <p:spPr>
+          <a:xfrm>
+            <a:off x="7330440" y="-1"/>
+            <a:ext cx="1080000" cy="720000"/>
+          </a:xfrm>
+          <a:prstGeom prst="rect">
+            <a:avLst/>
+          </a:prstGeom>
+          <a:solidFill>
+            <a:schemeClr val="bg2">
+              <a:lumMod val="10000"/>
+            </a:schemeClr>
+          </a:solidFill>
+          <a:ln>
+            <a:noFill/>
+          </a:ln>
+        </p:spPr>
+        <p:style>
+          <a:lnRef idx="2">
+            <a:schemeClr val="accent1">
+              <a:shade val="50000"/>
+            </a:schemeClr>
+          </a:lnRef>
+          <a:fillRef idx="1">
+            <a:schemeClr val="accent1"/>
+          </a:fillRef>
+          <a:effectRef idx="0">
+            <a:schemeClr val="accent1"/>
+          </a:effectRef>
+          <a:fontRef idx="minor">
+            <a:schemeClr val="lt1"/>
+          </a:fontRef>
+        </p:style>
+        <p:txBody>
+          <a:bodyPr rtlCol="0" anchor="ctr"/>
+          <a:lstStyle/>
+          <a:p>
+            <a:pPr algn="ctr"/>
+            <a:endParaRPr lang="en-US" sz="2000" dirty="0"/>
+          </a:p>
+        </p:txBody>
+      </p:sp>
+      <p:sp>
+        <p:nvSpPr>
+          <p:cNvPr id="26" name="Rectangle 25">
+            <a:extLst>
+              <a:ext uri="{FF2B5EF4-FFF2-40B4-BE49-F238E27FC236}">
+                <a16:creationId xmlns:a16="http://schemas.microsoft.com/office/drawing/2014/main" id="{E6D2C0B5-5EA5-45EA-9D84-A71BA0ABC842}"/>
+              </a:ext>
+            </a:extLst>
+          </p:cNvPr>
+          <p:cNvSpPr/>
+          <p:nvPr/>
+        </p:nvSpPr>
+        <p:spPr>
+          <a:xfrm>
+            <a:off x="0" y="4748399"/>
+            <a:ext cx="9753600" cy="720000"/>
+          </a:xfrm>
+          <a:prstGeom prst="rect">
+            <a:avLst/>
+          </a:prstGeom>
+          <a:solidFill>
+            <a:srgbClr val="162644"/>
+          </a:solidFill>
+          <a:ln>
+            <a:noFill/>
+          </a:ln>
+        </p:spPr>
+        <p:style>
+          <a:lnRef idx="2">
+            <a:schemeClr val="accent1">
+              <a:shade val="50000"/>
+            </a:schemeClr>
+          </a:lnRef>
+          <a:fillRef idx="1">
+            <a:schemeClr val="accent1"/>
+          </a:fillRef>
+          <a:effectRef idx="0">
+            <a:schemeClr val="accent1"/>
+          </a:effectRef>
+          <a:fontRef idx="minor">
+            <a:schemeClr val="lt1"/>
+          </a:fontRef>
+        </p:style>
+        <p:txBody>
+          <a:bodyPr rtlCol="0" anchor="ctr"/>
+          <a:lstStyle/>
+          <a:p>
+            <a:pPr algn="ctr"/>
+            <a:endParaRPr lang="en-US"/>
+          </a:p>
+        </p:txBody>
+      </p:sp>
+      <p:sp>
+        <p:nvSpPr>
+          <p:cNvPr id="53" name="Rectangle 52">
+            <a:extLst>
+              <a:ext uri="{FF2B5EF4-FFF2-40B4-BE49-F238E27FC236}">
+                <a16:creationId xmlns:a16="http://schemas.microsoft.com/office/drawing/2014/main" id="{7283464F-F4FE-4EFD-B1B4-EE25B4D9B151}"/>
+              </a:ext>
+            </a:extLst>
+          </p:cNvPr>
+          <p:cNvSpPr/>
+          <p:nvPr/>
+        </p:nvSpPr>
+        <p:spPr>
+          <a:xfrm>
+            <a:off x="-146820" y="853440"/>
+            <a:ext cx="4194946" cy="720000"/>
+          </a:xfrm>
+          <a:prstGeom prst="rect">
+            <a:avLst/>
+          </a:prstGeom>
+          <a:solidFill>
+            <a:schemeClr val="accent5">
+              <a:lumMod val="50000"/>
+            </a:schemeClr>
+          </a:solidFill>
+          <a:ln>
+            <a:noFill/>
+          </a:ln>
+        </p:spPr>
+        <p:style>
+          <a:lnRef idx="2">
+            <a:schemeClr val="accent1">
+              <a:shade val="50000"/>
+            </a:schemeClr>
+          </a:lnRef>
+          <a:fillRef idx="1">
+            <a:schemeClr val="accent1"/>
+          </a:fillRef>
+          <a:effectRef idx="0">
+            <a:schemeClr val="accent1"/>
+          </a:effectRef>
+          <a:fontRef idx="minor">
+            <a:schemeClr val="lt1"/>
+          </a:fontRef>
+        </p:style>
+        <p:txBody>
+          <a:bodyPr lIns="1080000" rtlCol="0" anchor="ctr"/>
+          <a:lstStyle/>
+          <a:p>
+            <a:r>
+              <a:rPr lang="de-DE" sz="2200" b="1" dirty="0"/>
+              <a:t>Display &amp; Darstellung</a:t>
+            </a:r>
+          </a:p>
+        </p:txBody>
+      </p:sp>
+      <p:sp>
+        <p:nvSpPr>
+          <p:cNvPr id="56" name="Rectangle: Rounded Corners 55">
+            <a:extLst>
+              <a:ext uri="{FF2B5EF4-FFF2-40B4-BE49-F238E27FC236}">
+                <a16:creationId xmlns:a16="http://schemas.microsoft.com/office/drawing/2014/main" id="{31602AAF-0902-4714-A7A4-9ECAC9F0E1EB}"/>
+              </a:ext>
+            </a:extLst>
+          </p:cNvPr>
+          <p:cNvSpPr/>
+          <p:nvPr/>
+        </p:nvSpPr>
+        <p:spPr>
+          <a:xfrm>
+            <a:off x="-146821" y="1867279"/>
+            <a:ext cx="3979681" cy="720000"/>
+          </a:xfrm>
+          <a:prstGeom prst="roundRect">
+            <a:avLst/>
+          </a:prstGeom>
+          <a:solidFill>
+            <a:srgbClr val="0070C0"/>
+          </a:solidFill>
+          <a:ln>
+            <a:noFill/>
+          </a:ln>
+        </p:spPr>
+        <p:style>
+          <a:lnRef idx="2">
+            <a:schemeClr val="accent1">
+              <a:shade val="50000"/>
+            </a:schemeClr>
+          </a:lnRef>
+          <a:fillRef idx="1">
+            <a:schemeClr val="accent1"/>
+          </a:fillRef>
+          <a:effectRef idx="0">
+            <a:schemeClr val="accent1"/>
+          </a:effectRef>
+          <a:fontRef idx="minor">
+            <a:schemeClr val="lt1"/>
+          </a:fontRef>
+        </p:style>
+        <p:txBody>
+          <a:bodyPr lIns="1080000" rtlCol="0" anchor="ctr"/>
+          <a:lstStyle/>
+          <a:p>
+            <a:r>
+              <a:rPr lang="de-DE" sz="2200" dirty="0"/>
+              <a:t>Beschilderung &amp; Fahrgastinformation</a:t>
+            </a:r>
+          </a:p>
+        </p:txBody>
+      </p:sp>
+      <p:pic>
+        <p:nvPicPr>
+          <p:cNvPr id="3" name="Graphic 2">
+            <a:extLst>
+              <a:ext uri="{FF2B5EF4-FFF2-40B4-BE49-F238E27FC236}">
+                <a16:creationId xmlns:a16="http://schemas.microsoft.com/office/drawing/2014/main" id="{58FB5B8B-DA92-4BC4-B935-FF37529B0CBC}"/>
+              </a:ext>
+            </a:extLst>
+          </p:cNvPr>
+          <p:cNvPicPr>
+            <a:picLocks noChangeAspect="1"/>
+          </p:cNvPicPr>
+          <p:nvPr/>
+        </p:nvPicPr>
+        <p:blipFill>
+          <a:blip r:embed="rId2">
+            <a:extLst>
+              <a:ext uri="{28A0092B-C50C-407E-A947-70E740481C1C}">
+                <a14:useLocalDpi xmlns:a14="http://schemas.microsoft.com/office/drawing/2010/main" val="0"/>
+              </a:ext>
+              <a:ext uri="{96DAC541-7B7A-43D3-8B79-37D633B846F1}">
+                <asvg:svgBlip xmlns:asvg="http://schemas.microsoft.com/office/drawing/2016/SVG/main" r:embed="rId3"/>
+              </a:ext>
+            </a:extLst>
+          </a:blip>
+          <a:stretch>
+            <a:fillRect/>
+          </a:stretch>
+        </p:blipFill>
+        <p:spPr>
+          <a:xfrm>
+            <a:off x="165088" y="946468"/>
+            <a:ext cx="607500" cy="540000"/>
+          </a:xfrm>
+          <a:prstGeom prst="rect">
+            <a:avLst/>
+          </a:prstGeom>
+        </p:spPr>
+      </p:pic>
+      <p:pic>
+        <p:nvPicPr>
+          <p:cNvPr id="8" name="Graphic 7">
+            <a:extLst>
+              <a:ext uri="{FF2B5EF4-FFF2-40B4-BE49-F238E27FC236}">
+                <a16:creationId xmlns:a16="http://schemas.microsoft.com/office/drawing/2014/main" id="{33E007EB-FAE5-494F-AB95-FFA15FCB2CE3}"/>
+              </a:ext>
+            </a:extLst>
+          </p:cNvPr>
+          <p:cNvPicPr>
+            <a:picLocks noChangeAspect="1"/>
+          </p:cNvPicPr>
+          <p:nvPr/>
+        </p:nvPicPr>
+        <p:blipFill>
+          <a:blip r:embed="rId4">
+            <a:extLst>
+              <a:ext uri="{28A0092B-C50C-407E-A947-70E740481C1C}">
+                <a14:useLocalDpi xmlns:a14="http://schemas.microsoft.com/office/drawing/2010/main" val="0"/>
+              </a:ext>
+              <a:ext uri="{96DAC541-7B7A-43D3-8B79-37D633B846F1}">
+                <asvg:svgBlip xmlns:asvg="http://schemas.microsoft.com/office/drawing/2016/SVG/main" r:embed="rId5"/>
+              </a:ext>
+            </a:extLst>
+          </a:blip>
+          <a:stretch>
+            <a:fillRect/>
+          </a:stretch>
+        </p:blipFill>
+        <p:spPr>
+          <a:xfrm>
+            <a:off x="204990" y="1957279"/>
+            <a:ext cx="540000" cy="540000"/>
+          </a:xfrm>
+          <a:prstGeom prst="rect">
+            <a:avLst/>
+          </a:prstGeom>
+        </p:spPr>
+      </p:pic>
+      <p:sp>
+        <p:nvSpPr>
+          <p:cNvPr id="11" name="TextBox 10">
+            <a:extLst>
+              <a:ext uri="{FF2B5EF4-FFF2-40B4-BE49-F238E27FC236}">
+                <a16:creationId xmlns:a16="http://schemas.microsoft.com/office/drawing/2014/main" id="{C0EB78E4-F842-42D0-87F4-D7877C4F1342}"/>
+              </a:ext>
+            </a:extLst>
+          </p:cNvPr>
+          <p:cNvSpPr txBox="1"/>
+          <p:nvPr/>
+        </p:nvSpPr>
+        <p:spPr>
+          <a:xfrm>
+            <a:off x="4048125" y="761802"/>
+            <a:ext cx="1205779" cy="461665"/>
+          </a:xfrm>
+          <a:prstGeom prst="rect">
+            <a:avLst/>
+          </a:prstGeom>
+          <a:noFill/>
+        </p:spPr>
+        <p:txBody>
+          <a:bodyPr wrap="none" rtlCol="0">
+            <a:spAutoFit/>
+          </a:bodyPr>
+          <a:lstStyle/>
+          <a:p>
+            <a:r>
+              <a:rPr lang="de-DE" sz="2400" dirty="0">
+                <a:solidFill>
+                  <a:schemeClr val="bg1"/>
+                </a:solidFill>
+              </a:rPr>
+              <a:t>Thema:</a:t>
+            </a:r>
+          </a:p>
+        </p:txBody>
+      </p:sp>
+      <p:sp>
+        <p:nvSpPr>
+          <p:cNvPr id="72" name="Rectangle: Rounded Corners 71">
+            <a:extLst>
+              <a:ext uri="{FF2B5EF4-FFF2-40B4-BE49-F238E27FC236}">
+                <a16:creationId xmlns:a16="http://schemas.microsoft.com/office/drawing/2014/main" id="{24CEB630-94F2-40B6-8820-21CF912FA302}"/>
+              </a:ext>
+            </a:extLst>
+          </p:cNvPr>
+          <p:cNvSpPr/>
+          <p:nvPr/>
+        </p:nvSpPr>
+        <p:spPr>
+          <a:xfrm>
+            <a:off x="4125774" y="1209959"/>
+            <a:ext cx="1800000" cy="720000"/>
+          </a:xfrm>
+          <a:prstGeom prst="roundRect">
+            <a:avLst/>
+          </a:prstGeom>
+          <a:solidFill>
+            <a:srgbClr val="0070C0"/>
+          </a:solidFill>
+          <a:ln>
+            <a:noFill/>
+          </a:ln>
+        </p:spPr>
+        <p:style>
+          <a:lnRef idx="2">
+            <a:schemeClr val="accent1">
+              <a:shade val="50000"/>
+            </a:schemeClr>
+          </a:lnRef>
+          <a:fillRef idx="1">
+            <a:schemeClr val="accent1"/>
+          </a:fillRef>
+          <a:effectRef idx="0">
+            <a:schemeClr val="accent1"/>
+          </a:effectRef>
+          <a:fontRef idx="minor">
+            <a:schemeClr val="lt1"/>
+          </a:fontRef>
+        </p:style>
+        <p:txBody>
+          <a:bodyPr lIns="720000" rtlCol="0" anchor="ctr"/>
+          <a:lstStyle/>
+          <a:p>
+            <a:r>
+              <a:rPr lang="de-DE" sz="2200" dirty="0"/>
+              <a:t>Auto</a:t>
+            </a:r>
+          </a:p>
+        </p:txBody>
+      </p:sp>
+      <p:sp>
+        <p:nvSpPr>
+          <p:cNvPr id="74" name="Rectangle: Rounded Corners 73">
+            <a:extLst>
+              <a:ext uri="{FF2B5EF4-FFF2-40B4-BE49-F238E27FC236}">
+                <a16:creationId xmlns:a16="http://schemas.microsoft.com/office/drawing/2014/main" id="{BA0AD757-ACD1-4DC6-A598-FAAF939EA45B}"/>
+              </a:ext>
+            </a:extLst>
+          </p:cNvPr>
+          <p:cNvSpPr/>
+          <p:nvPr/>
+        </p:nvSpPr>
+        <p:spPr>
+          <a:xfrm>
+            <a:off x="6008318" y="1209959"/>
+            <a:ext cx="1800000" cy="720000"/>
+          </a:xfrm>
+          <a:prstGeom prst="roundRect">
+            <a:avLst/>
+          </a:prstGeom>
+          <a:solidFill>
+            <a:srgbClr val="0070C0"/>
+          </a:solidFill>
+          <a:ln>
+            <a:noFill/>
+          </a:ln>
+        </p:spPr>
+        <p:style>
+          <a:lnRef idx="2">
+            <a:schemeClr val="accent1">
+              <a:shade val="50000"/>
+            </a:schemeClr>
+          </a:lnRef>
+          <a:fillRef idx="1">
+            <a:schemeClr val="accent1"/>
+          </a:fillRef>
+          <a:effectRef idx="0">
+            <a:schemeClr val="accent1"/>
+          </a:effectRef>
+          <a:fontRef idx="minor">
+            <a:schemeClr val="lt1"/>
+          </a:fontRef>
+        </p:style>
+        <p:txBody>
+          <a:bodyPr lIns="720000" rtlCol="0" anchor="ctr"/>
+          <a:lstStyle/>
+          <a:p>
+            <a:r>
+              <a:rPr lang="de-DE" sz="2200" dirty="0"/>
+              <a:t>Hell</a:t>
+            </a:r>
+          </a:p>
+        </p:txBody>
+      </p:sp>
+      <p:sp>
+        <p:nvSpPr>
+          <p:cNvPr id="76" name="Rectangle: Rounded Corners 75">
+            <a:extLst>
+              <a:ext uri="{FF2B5EF4-FFF2-40B4-BE49-F238E27FC236}">
+                <a16:creationId xmlns:a16="http://schemas.microsoft.com/office/drawing/2014/main" id="{4AA9AE57-6685-4548-8912-687D77AA4FCA}"/>
+              </a:ext>
+            </a:extLst>
+          </p:cNvPr>
+          <p:cNvSpPr/>
+          <p:nvPr/>
+        </p:nvSpPr>
+        <p:spPr>
+          <a:xfrm>
+            <a:off x="7890863" y="1209959"/>
+            <a:ext cx="1800000" cy="720000"/>
+          </a:xfrm>
+          <a:prstGeom prst="roundRect">
+            <a:avLst/>
+          </a:prstGeom>
+          <a:solidFill>
+            <a:schemeClr val="accent5">
+              <a:lumMod val="50000"/>
+            </a:schemeClr>
+          </a:solidFill>
+          <a:ln>
+            <a:noFill/>
+          </a:ln>
+        </p:spPr>
+        <p:style>
+          <a:lnRef idx="2">
+            <a:schemeClr val="accent1">
+              <a:shade val="50000"/>
+            </a:schemeClr>
+          </a:lnRef>
+          <a:fillRef idx="1">
+            <a:schemeClr val="accent1"/>
+          </a:fillRef>
+          <a:effectRef idx="0">
+            <a:schemeClr val="accent1"/>
+          </a:effectRef>
+          <a:fontRef idx="minor">
+            <a:schemeClr val="lt1"/>
+          </a:fontRef>
+        </p:style>
+        <p:txBody>
+          <a:bodyPr lIns="720000" rtlCol="0" anchor="ctr"/>
+          <a:lstStyle/>
+          <a:p>
+            <a:r>
+              <a:rPr lang="de-DE" sz="2100" b="1" dirty="0"/>
+              <a:t>Dunkel</a:t>
+            </a:r>
+          </a:p>
+        </p:txBody>
+      </p:sp>
+      <p:pic>
+        <p:nvPicPr>
+          <p:cNvPr id="16" name="Graphic 15">
+            <a:extLst>
+              <a:ext uri="{FF2B5EF4-FFF2-40B4-BE49-F238E27FC236}">
+                <a16:creationId xmlns:a16="http://schemas.microsoft.com/office/drawing/2014/main" id="{384FA91C-A6AC-41BA-9F43-8389DE0FE308}"/>
+              </a:ext>
+            </a:extLst>
+          </p:cNvPr>
+          <p:cNvPicPr>
+            <a:picLocks noChangeAspect="1"/>
+          </p:cNvPicPr>
+          <p:nvPr/>
+        </p:nvPicPr>
+        <p:blipFill>
+          <a:blip r:embed="rId6">
+            <a:extLst>
+              <a:ext uri="{28A0092B-C50C-407E-A947-70E740481C1C}">
+                <a14:useLocalDpi xmlns:a14="http://schemas.microsoft.com/office/drawing/2010/main" val="0"/>
+              </a:ext>
+              <a:ext uri="{96DAC541-7B7A-43D3-8B79-37D633B846F1}">
+                <asvg:svgBlip xmlns:asvg="http://schemas.microsoft.com/office/drawing/2016/SVG/main" r:embed="rId7"/>
+              </a:ext>
+            </a:extLst>
+          </a:blip>
+          <a:stretch>
+            <a:fillRect/>
+          </a:stretch>
+        </p:blipFill>
+        <p:spPr>
+          <a:xfrm>
+            <a:off x="6160139" y="1299959"/>
+            <a:ext cx="540000" cy="540000"/>
+          </a:xfrm>
+          <a:prstGeom prst="rect">
+            <a:avLst/>
+          </a:prstGeom>
+        </p:spPr>
+      </p:pic>
+      <p:pic>
+        <p:nvPicPr>
+          <p:cNvPr id="18" name="Graphic 17">
+            <a:extLst>
+              <a:ext uri="{FF2B5EF4-FFF2-40B4-BE49-F238E27FC236}">
+                <a16:creationId xmlns:a16="http://schemas.microsoft.com/office/drawing/2014/main" id="{294B16DB-9E64-459B-BD9F-326EED0EE1A8}"/>
+              </a:ext>
+            </a:extLst>
+          </p:cNvPr>
+          <p:cNvPicPr>
+            <a:picLocks noChangeAspect="1"/>
+          </p:cNvPicPr>
+          <p:nvPr/>
+        </p:nvPicPr>
+        <p:blipFill>
+          <a:blip r:embed="rId8">
+            <a:extLst>
+              <a:ext uri="{28A0092B-C50C-407E-A947-70E740481C1C}">
+                <a14:useLocalDpi xmlns:a14="http://schemas.microsoft.com/office/drawing/2010/main" val="0"/>
+              </a:ext>
+              <a:ext uri="{96DAC541-7B7A-43D3-8B79-37D633B846F1}">
+                <asvg:svgBlip xmlns:asvg="http://schemas.microsoft.com/office/drawing/2016/SVG/main" r:embed="rId9"/>
+              </a:ext>
+            </a:extLst>
+          </a:blip>
+          <a:stretch>
+            <a:fillRect/>
+          </a:stretch>
+        </p:blipFill>
+        <p:spPr>
+          <a:xfrm>
+            <a:off x="8095139" y="1299959"/>
+            <a:ext cx="405000" cy="540000"/>
+          </a:xfrm>
+          <a:prstGeom prst="rect">
+            <a:avLst/>
+          </a:prstGeom>
+        </p:spPr>
+      </p:pic>
+      <p:pic>
+        <p:nvPicPr>
+          <p:cNvPr id="24" name="Graphic 23">
+            <a:extLst>
+              <a:ext uri="{FF2B5EF4-FFF2-40B4-BE49-F238E27FC236}">
+                <a16:creationId xmlns:a16="http://schemas.microsoft.com/office/drawing/2014/main" id="{178A7482-6C2D-4DA4-BEBD-6EFA2F81DC99}"/>
+              </a:ext>
+            </a:extLst>
+          </p:cNvPr>
+          <p:cNvPicPr>
+            <a:picLocks noChangeAspect="1"/>
+          </p:cNvPicPr>
+          <p:nvPr/>
+        </p:nvPicPr>
+        <p:blipFill>
+          <a:blip r:embed="rId10">
+            <a:extLst>
+              <a:ext uri="{28A0092B-C50C-407E-A947-70E740481C1C}">
+                <a14:useLocalDpi xmlns:a14="http://schemas.microsoft.com/office/drawing/2010/main" val="0"/>
+              </a:ext>
+              <a:ext uri="{96DAC541-7B7A-43D3-8B79-37D633B846F1}">
+                <asvg:svgBlip xmlns:asvg="http://schemas.microsoft.com/office/drawing/2016/SVG/main" r:embed="rId11"/>
+              </a:ext>
+            </a:extLst>
+          </a:blip>
+          <a:stretch>
+            <a:fillRect/>
+          </a:stretch>
+        </p:blipFill>
+        <p:spPr>
+          <a:xfrm>
+            <a:off x="4252774" y="1299959"/>
+            <a:ext cx="540000" cy="540000"/>
+          </a:xfrm>
+          <a:prstGeom prst="rect">
+            <a:avLst/>
+          </a:prstGeom>
+        </p:spPr>
+      </p:pic>
+      <p:pic>
+        <p:nvPicPr>
+          <p:cNvPr id="79" name="Graphic 78">
+            <a:extLst>
+              <a:ext uri="{FF2B5EF4-FFF2-40B4-BE49-F238E27FC236}">
+                <a16:creationId xmlns:a16="http://schemas.microsoft.com/office/drawing/2014/main" id="{8237650F-C9BF-4055-9B2A-70886E94F456}"/>
+              </a:ext>
+            </a:extLst>
+          </p:cNvPr>
+          <p:cNvPicPr>
+            <a:picLocks noChangeAspect="1"/>
+          </p:cNvPicPr>
+          <p:nvPr/>
+        </p:nvPicPr>
+        <p:blipFill>
+          <a:blip r:embed="rId8">
+            <a:extLst>
+              <a:ext uri="{28A0092B-C50C-407E-A947-70E740481C1C}">
+                <a14:useLocalDpi xmlns:a14="http://schemas.microsoft.com/office/drawing/2010/main" val="0"/>
+              </a:ext>
+              <a:ext uri="{96DAC541-7B7A-43D3-8B79-37D633B846F1}">
+                <asvg:svgBlip xmlns:asvg="http://schemas.microsoft.com/office/drawing/2016/SVG/main" r:embed="rId9"/>
+              </a:ext>
+            </a:extLst>
+          </a:blip>
+          <a:stretch>
+            <a:fillRect/>
+          </a:stretch>
+        </p:blipFill>
+        <p:spPr>
+          <a:xfrm>
+            <a:off x="4473385" y="1541948"/>
+            <a:ext cx="270000" cy="360000"/>
+          </a:xfrm>
+          <a:prstGeom prst="rect">
+            <a:avLst/>
+          </a:prstGeom>
+        </p:spPr>
+      </p:pic>
+      <p:sp>
+        <p:nvSpPr>
+          <p:cNvPr id="25" name="Oval 24">
+            <a:extLst>
+              <a:ext uri="{FF2B5EF4-FFF2-40B4-BE49-F238E27FC236}">
+                <a16:creationId xmlns:a16="http://schemas.microsoft.com/office/drawing/2014/main" id="{1AFB2AEB-A166-4869-9057-A817ABC9EB0B}"/>
+              </a:ext>
+            </a:extLst>
+          </p:cNvPr>
+          <p:cNvSpPr/>
+          <p:nvPr/>
+        </p:nvSpPr>
+        <p:spPr>
+          <a:xfrm>
+            <a:off x="4252774" y="1299958"/>
+            <a:ext cx="216000" cy="216000"/>
+          </a:xfrm>
+          <a:prstGeom prst="ellipse">
+            <a:avLst/>
+          </a:prstGeom>
+          <a:solidFill>
+            <a:srgbClr val="0070C0"/>
+          </a:solidFill>
+          <a:ln>
+            <a:noFill/>
+          </a:ln>
+        </p:spPr>
+        <p:style>
+          <a:lnRef idx="2">
+            <a:schemeClr val="accent1">
+              <a:shade val="50000"/>
+            </a:schemeClr>
+          </a:lnRef>
+          <a:fillRef idx="1">
+            <a:schemeClr val="accent1"/>
+          </a:fillRef>
+          <a:effectRef idx="0">
+            <a:schemeClr val="accent1"/>
+          </a:effectRef>
+          <a:fontRef idx="minor">
+            <a:schemeClr val="lt1"/>
+          </a:fontRef>
+        </p:style>
+        <p:txBody>
+          <a:bodyPr rtlCol="0" anchor="ctr"/>
+          <a:lstStyle/>
+          <a:p>
+            <a:pPr algn="ctr"/>
+            <a:endParaRPr lang="de-DE" dirty="0"/>
+          </a:p>
+        </p:txBody>
+      </p:sp>
+      <p:pic>
+        <p:nvPicPr>
+          <p:cNvPr id="77" name="Graphic 76">
+            <a:extLst>
+              <a:ext uri="{FF2B5EF4-FFF2-40B4-BE49-F238E27FC236}">
+                <a16:creationId xmlns:a16="http://schemas.microsoft.com/office/drawing/2014/main" id="{10D2646B-0A5C-4B51-A9C2-AC63962282FA}"/>
+              </a:ext>
+            </a:extLst>
+          </p:cNvPr>
+          <p:cNvPicPr>
+            <a:picLocks noChangeAspect="1"/>
+          </p:cNvPicPr>
+          <p:nvPr/>
+        </p:nvPicPr>
+        <p:blipFill>
+          <a:blip r:embed="rId6">
+            <a:extLst>
+              <a:ext uri="{28A0092B-C50C-407E-A947-70E740481C1C}">
+                <a14:useLocalDpi xmlns:a14="http://schemas.microsoft.com/office/drawing/2010/main" val="0"/>
+              </a:ext>
+              <a:ext uri="{96DAC541-7B7A-43D3-8B79-37D633B846F1}">
+                <asvg:svgBlip xmlns:asvg="http://schemas.microsoft.com/office/drawing/2016/SVG/main" r:embed="rId7"/>
+              </a:ext>
+            </a:extLst>
+          </a:blip>
+          <a:stretch>
+            <a:fillRect/>
+          </a:stretch>
+        </p:blipFill>
+        <p:spPr>
+          <a:xfrm>
+            <a:off x="4177057" y="1227941"/>
+            <a:ext cx="360000" cy="360000"/>
+          </a:xfrm>
+          <a:prstGeom prst="rect">
+            <a:avLst/>
+          </a:prstGeom>
+        </p:spPr>
+      </p:pic>
+      <p:sp>
+        <p:nvSpPr>
+          <p:cNvPr id="80" name="TextBox 79">
+            <a:extLst>
+              <a:ext uri="{FF2B5EF4-FFF2-40B4-BE49-F238E27FC236}">
+                <a16:creationId xmlns:a16="http://schemas.microsoft.com/office/drawing/2014/main" id="{FF512BCE-8B6B-4ACC-9CF0-9D941D491D7E}"/>
+              </a:ext>
+            </a:extLst>
+          </p:cNvPr>
+          <p:cNvSpPr txBox="1"/>
+          <p:nvPr/>
+        </p:nvSpPr>
+        <p:spPr>
+          <a:xfrm>
+            <a:off x="4048125" y="2250639"/>
+            <a:ext cx="1604927" cy="461665"/>
+          </a:xfrm>
+          <a:prstGeom prst="rect">
+            <a:avLst/>
+          </a:prstGeom>
+          <a:noFill/>
+        </p:spPr>
+        <p:txBody>
+          <a:bodyPr wrap="none" rtlCol="0">
+            <a:spAutoFit/>
+          </a:bodyPr>
+          <a:lstStyle/>
+          <a:p>
+            <a:r>
+              <a:rPr lang="de-DE" sz="2400" dirty="0">
+                <a:solidFill>
+                  <a:schemeClr val="bg1"/>
+                </a:solidFill>
+              </a:rPr>
+              <a:t>Helligkeit:</a:t>
+            </a:r>
+          </a:p>
+        </p:txBody>
+      </p:sp>
+      <p:sp>
+        <p:nvSpPr>
+          <p:cNvPr id="88" name="Rectangle: Rounded Corners 87">
+            <a:extLst>
+              <a:ext uri="{FF2B5EF4-FFF2-40B4-BE49-F238E27FC236}">
+                <a16:creationId xmlns:a16="http://schemas.microsoft.com/office/drawing/2014/main" id="{6B198DEB-9A26-47DE-9E64-8B95AF19EDCD}"/>
+              </a:ext>
+            </a:extLst>
+          </p:cNvPr>
+          <p:cNvSpPr/>
+          <p:nvPr/>
+        </p:nvSpPr>
+        <p:spPr>
+          <a:xfrm>
+            <a:off x="4125774" y="2707446"/>
+            <a:ext cx="720000" cy="720000"/>
+          </a:xfrm>
+          <a:prstGeom prst="roundRect">
+            <a:avLst/>
+          </a:prstGeom>
+          <a:solidFill>
+            <a:srgbClr val="0070C0"/>
+          </a:solidFill>
+          <a:ln>
+            <a:noFill/>
+          </a:ln>
+        </p:spPr>
+        <p:style>
+          <a:lnRef idx="2">
+            <a:schemeClr val="accent1">
+              <a:shade val="50000"/>
+            </a:schemeClr>
+          </a:lnRef>
+          <a:fillRef idx="1">
+            <a:schemeClr val="accent1"/>
+          </a:fillRef>
+          <a:effectRef idx="0">
+            <a:schemeClr val="accent1"/>
+          </a:effectRef>
+          <a:fontRef idx="minor">
+            <a:schemeClr val="lt1"/>
+          </a:fontRef>
+        </p:style>
+        <p:txBody>
+          <a:bodyPr lIns="90000" rtlCol="0" anchor="ctr"/>
+          <a:lstStyle/>
+          <a:p>
+            <a:pPr algn="ctr"/>
+            <a:endParaRPr lang="de-DE" sz="3600" b="1" dirty="0"/>
+          </a:p>
+        </p:txBody>
+      </p:sp>
+      <p:sp>
+        <p:nvSpPr>
+          <p:cNvPr id="90" name="Rectangle: Rounded Corners 89">
+            <a:extLst>
+              <a:ext uri="{FF2B5EF4-FFF2-40B4-BE49-F238E27FC236}">
+                <a16:creationId xmlns:a16="http://schemas.microsoft.com/office/drawing/2014/main" id="{A2888118-3DF1-43CE-ABC4-736F212CD0D3}"/>
+              </a:ext>
+            </a:extLst>
+          </p:cNvPr>
+          <p:cNvSpPr/>
+          <p:nvPr/>
+        </p:nvSpPr>
+        <p:spPr>
+          <a:xfrm>
+            <a:off x="4902797" y="2707446"/>
+            <a:ext cx="720000" cy="720000"/>
+          </a:xfrm>
+          <a:prstGeom prst="roundRect">
+            <a:avLst/>
+          </a:prstGeom>
+          <a:solidFill>
+            <a:srgbClr val="0070C0"/>
+          </a:solidFill>
+          <a:ln>
+            <a:noFill/>
+          </a:ln>
+        </p:spPr>
+        <p:style>
+          <a:lnRef idx="2">
+            <a:schemeClr val="accent1">
+              <a:shade val="50000"/>
+            </a:schemeClr>
+          </a:lnRef>
+          <a:fillRef idx="1">
+            <a:schemeClr val="accent1"/>
+          </a:fillRef>
+          <a:effectRef idx="0">
+            <a:schemeClr val="accent1"/>
+          </a:effectRef>
+          <a:fontRef idx="minor">
+            <a:schemeClr val="lt1"/>
+          </a:fontRef>
+        </p:style>
+        <p:txBody>
+          <a:bodyPr lIns="90000" rtlCol="0" anchor="ctr"/>
+          <a:lstStyle/>
+          <a:p>
+            <a:pPr algn="ctr"/>
+            <a:endParaRPr lang="de-DE" sz="3600" b="1" dirty="0"/>
+          </a:p>
+        </p:txBody>
+      </p:sp>
+      <p:pic>
+        <p:nvPicPr>
+          <p:cNvPr id="28" name="Graphic 27">
+            <a:extLst>
+              <a:ext uri="{FF2B5EF4-FFF2-40B4-BE49-F238E27FC236}">
+                <a16:creationId xmlns:a16="http://schemas.microsoft.com/office/drawing/2014/main" id="{96CED57F-03C8-4A56-AF11-D9CAC7D0AC5E}"/>
+              </a:ext>
+            </a:extLst>
+          </p:cNvPr>
+          <p:cNvPicPr>
+            <a:picLocks noChangeAspect="1"/>
+          </p:cNvPicPr>
+          <p:nvPr/>
+        </p:nvPicPr>
+        <p:blipFill>
+          <a:blip r:embed="rId12">
+            <a:extLst>
+              <a:ext uri="{28A0092B-C50C-407E-A947-70E740481C1C}">
+                <a14:useLocalDpi xmlns:a14="http://schemas.microsoft.com/office/drawing/2010/main" val="0"/>
+              </a:ext>
+              <a:ext uri="{96DAC541-7B7A-43D3-8B79-37D633B846F1}">
+                <asvg:svgBlip xmlns:asvg="http://schemas.microsoft.com/office/drawing/2016/SVG/main" r:embed="rId13"/>
+              </a:ext>
+            </a:extLst>
+          </a:blip>
+          <a:stretch>
+            <a:fillRect/>
+          </a:stretch>
+        </p:blipFill>
+        <p:spPr>
+          <a:xfrm>
+            <a:off x="5025774" y="2802597"/>
+            <a:ext cx="472500" cy="540000"/>
+          </a:xfrm>
+          <a:prstGeom prst="rect">
+            <a:avLst/>
+          </a:prstGeom>
+        </p:spPr>
+      </p:pic>
+      <p:pic>
+        <p:nvPicPr>
+          <p:cNvPr id="30" name="Graphic 29">
+            <a:extLst>
+              <a:ext uri="{FF2B5EF4-FFF2-40B4-BE49-F238E27FC236}">
+                <a16:creationId xmlns:a16="http://schemas.microsoft.com/office/drawing/2014/main" id="{4C4DE772-F2C0-4C8D-A54D-7216972B7CFD}"/>
+              </a:ext>
+            </a:extLst>
+          </p:cNvPr>
+          <p:cNvPicPr>
+            <a:picLocks noChangeAspect="1"/>
+          </p:cNvPicPr>
+          <p:nvPr/>
+        </p:nvPicPr>
+        <p:blipFill>
+          <a:blip r:embed="rId14">
+            <a:extLst>
+              <a:ext uri="{28A0092B-C50C-407E-A947-70E740481C1C}">
+                <a14:useLocalDpi xmlns:a14="http://schemas.microsoft.com/office/drawing/2010/main" val="0"/>
+              </a:ext>
+              <a:ext uri="{96DAC541-7B7A-43D3-8B79-37D633B846F1}">
+                <asvg:svgBlip xmlns:asvg="http://schemas.microsoft.com/office/drawing/2016/SVG/main" r:embed="rId15"/>
+              </a:ext>
+            </a:extLst>
+          </a:blip>
+          <a:stretch>
+            <a:fillRect/>
+          </a:stretch>
+        </p:blipFill>
+        <p:spPr>
+          <a:xfrm>
+            <a:off x="4249524" y="2823210"/>
+            <a:ext cx="472500" cy="540000"/>
+          </a:xfrm>
+          <a:prstGeom prst="rect">
+            <a:avLst/>
+          </a:prstGeom>
+        </p:spPr>
+      </p:pic>
+      <p:sp>
+        <p:nvSpPr>
+          <p:cNvPr id="35" name="Rectangle: Rounded Corners 34">
+            <a:extLst>
+              <a:ext uri="{FF2B5EF4-FFF2-40B4-BE49-F238E27FC236}">
+                <a16:creationId xmlns:a16="http://schemas.microsoft.com/office/drawing/2014/main" id="{45C2E274-0382-4BEB-BA7D-430AFBD91753}"/>
+              </a:ext>
+            </a:extLst>
+          </p:cNvPr>
+          <p:cNvSpPr/>
+          <p:nvPr/>
+        </p:nvSpPr>
+        <p:spPr>
+          <a:xfrm>
+            <a:off x="-146821" y="3894958"/>
+            <a:ext cx="3979681" cy="720000"/>
+          </a:xfrm>
+          <a:prstGeom prst="roundRect">
+            <a:avLst/>
+          </a:prstGeom>
+          <a:solidFill>
+            <a:srgbClr val="0070C0"/>
+          </a:solidFill>
+          <a:ln>
+            <a:noFill/>
+          </a:ln>
+        </p:spPr>
+        <p:style>
+          <a:lnRef idx="2">
+            <a:schemeClr val="accent1">
+              <a:shade val="50000"/>
+            </a:schemeClr>
+          </a:lnRef>
+          <a:fillRef idx="1">
+            <a:schemeClr val="accent1"/>
+          </a:fillRef>
+          <a:effectRef idx="0">
+            <a:schemeClr val="accent1"/>
+          </a:effectRef>
+          <a:fontRef idx="minor">
+            <a:schemeClr val="lt1"/>
+          </a:fontRef>
+        </p:style>
+        <p:txBody>
+          <a:bodyPr lIns="1080000" rtlCol="0" anchor="ctr"/>
+          <a:lstStyle/>
+          <a:p>
+            <a:r>
+              <a:rPr lang="de-DE" sz="2200" dirty="0"/>
+              <a:t>Sonstiges </a:t>
+            </a:r>
+          </a:p>
+        </p:txBody>
+      </p:sp>
+      <p:sp>
+        <p:nvSpPr>
+          <p:cNvPr id="36" name="Rectangle: Rounded Corners 35">
+            <a:extLst>
+              <a:ext uri="{FF2B5EF4-FFF2-40B4-BE49-F238E27FC236}">
+                <a16:creationId xmlns:a16="http://schemas.microsoft.com/office/drawing/2014/main" id="{3522776A-74F4-4994-BBD0-F6E6B3C40CA1}"/>
+              </a:ext>
+            </a:extLst>
+          </p:cNvPr>
+          <p:cNvSpPr/>
+          <p:nvPr/>
+        </p:nvSpPr>
+        <p:spPr>
+          <a:xfrm>
+            <a:off x="-146821" y="2881118"/>
+            <a:ext cx="3979681" cy="720000"/>
+          </a:xfrm>
+          <a:prstGeom prst="roundRect">
+            <a:avLst/>
+          </a:prstGeom>
+          <a:solidFill>
+            <a:srgbClr val="0070C0"/>
+          </a:solidFill>
+          <a:ln>
+            <a:noFill/>
+          </a:ln>
+        </p:spPr>
+        <p:style>
+          <a:lnRef idx="2">
+            <a:schemeClr val="accent1">
+              <a:shade val="50000"/>
+            </a:schemeClr>
+          </a:lnRef>
+          <a:fillRef idx="1">
+            <a:schemeClr val="accent1"/>
+          </a:fillRef>
+          <a:effectRef idx="0">
+            <a:schemeClr val="accent1"/>
+          </a:effectRef>
+          <a:fontRef idx="minor">
+            <a:schemeClr val="lt1"/>
+          </a:fontRef>
+        </p:style>
+        <p:txBody>
+          <a:bodyPr lIns="1080000" rtlCol="0" anchor="ctr"/>
+          <a:lstStyle/>
+          <a:p>
+            <a:r>
+              <a:rPr lang="de-DE" sz="2200" dirty="0"/>
+              <a:t>Gerät &amp; Hardware</a:t>
+            </a:r>
+          </a:p>
+        </p:txBody>
+      </p:sp>
+      <p:pic>
+        <p:nvPicPr>
+          <p:cNvPr id="10" name="Graphic 9">
+            <a:extLst>
+              <a:ext uri="{FF2B5EF4-FFF2-40B4-BE49-F238E27FC236}">
+                <a16:creationId xmlns:a16="http://schemas.microsoft.com/office/drawing/2014/main" id="{2CFA6614-755B-45F8-86FD-956379708FB0}"/>
+              </a:ext>
+            </a:extLst>
+          </p:cNvPr>
+          <p:cNvPicPr>
+            <a:picLocks noChangeAspect="1"/>
+          </p:cNvPicPr>
+          <p:nvPr/>
+        </p:nvPicPr>
+        <p:blipFill>
+          <a:blip r:embed="rId16">
+            <a:extLst>
+              <a:ext uri="{28A0092B-C50C-407E-A947-70E740481C1C}">
+                <a14:useLocalDpi xmlns:a14="http://schemas.microsoft.com/office/drawing/2010/main" val="0"/>
+              </a:ext>
+              <a:ext uri="{96DAC541-7B7A-43D3-8B79-37D633B846F1}">
+                <asvg:svgBlip xmlns:asvg="http://schemas.microsoft.com/office/drawing/2016/SVG/main" r:embed="rId17"/>
+              </a:ext>
+            </a:extLst>
+          </a:blip>
+          <a:stretch>
+            <a:fillRect/>
+          </a:stretch>
+        </p:blipFill>
+        <p:spPr>
+          <a:xfrm>
+            <a:off x="174613" y="2971118"/>
+            <a:ext cx="540000" cy="540000"/>
+          </a:xfrm>
+          <a:prstGeom prst="rect">
+            <a:avLst/>
+          </a:prstGeom>
+        </p:spPr>
+      </p:pic>
+      <p:pic>
+        <p:nvPicPr>
+          <p:cNvPr id="63" name="Graphic 62">
+            <a:extLst>
+              <a:ext uri="{FF2B5EF4-FFF2-40B4-BE49-F238E27FC236}">
+                <a16:creationId xmlns:a16="http://schemas.microsoft.com/office/drawing/2014/main" id="{7A1A725A-2A6E-4E88-844E-5EDDF8067390}"/>
+              </a:ext>
+            </a:extLst>
+          </p:cNvPr>
+          <p:cNvPicPr>
+            <a:picLocks noChangeAspect="1"/>
+          </p:cNvPicPr>
+          <p:nvPr/>
+        </p:nvPicPr>
+        <p:blipFill>
+          <a:blip r:embed="rId18">
+            <a:extLst>
+              <a:ext uri="{28A0092B-C50C-407E-A947-70E740481C1C}">
+                <a14:useLocalDpi xmlns:a14="http://schemas.microsoft.com/office/drawing/2010/main" val="0"/>
+              </a:ext>
+              <a:ext uri="{96DAC541-7B7A-43D3-8B79-37D633B846F1}">
+                <asvg:svgBlip xmlns:asvg="http://schemas.microsoft.com/office/drawing/2016/SVG/main" r:embed="rId19"/>
+              </a:ext>
+            </a:extLst>
+          </a:blip>
+          <a:stretch>
+            <a:fillRect/>
+          </a:stretch>
+        </p:blipFill>
+        <p:spPr>
+          <a:xfrm>
+            <a:off x="188862" y="3989854"/>
+            <a:ext cx="472500" cy="540000"/>
+          </a:xfrm>
+          <a:prstGeom prst="rect">
+            <a:avLst/>
+          </a:prstGeom>
+        </p:spPr>
+      </p:pic>
+      <p:sp>
+        <p:nvSpPr>
+          <p:cNvPr id="37" name="Rectangle: Rounded Corners 36">
+            <a:extLst>
+              <a:ext uri="{FF2B5EF4-FFF2-40B4-BE49-F238E27FC236}">
+                <a16:creationId xmlns:a16="http://schemas.microsoft.com/office/drawing/2014/main" id="{DC3A9607-BC58-4C1D-9EBD-73D233285B24}"/>
+              </a:ext>
+            </a:extLst>
+          </p:cNvPr>
+          <p:cNvSpPr/>
+          <p:nvPr/>
+        </p:nvSpPr>
+        <p:spPr>
+          <a:xfrm>
+            <a:off x="4156799" y="4793399"/>
+            <a:ext cx="1440000" cy="630000"/>
+          </a:xfrm>
+          <a:prstGeom prst="roundRect">
+            <a:avLst/>
+          </a:prstGeom>
+          <a:solidFill>
+            <a:srgbClr val="C00000"/>
+          </a:solidFill>
+          <a:ln>
+            <a:noFill/>
+          </a:ln>
+        </p:spPr>
+        <p:style>
+          <a:lnRef idx="2">
+            <a:schemeClr val="accent1">
+              <a:shade val="50000"/>
+            </a:schemeClr>
+          </a:lnRef>
+          <a:fillRef idx="1">
+            <a:schemeClr val="accent1"/>
+          </a:fillRef>
+          <a:effectRef idx="0">
+            <a:schemeClr val="accent1"/>
+          </a:effectRef>
+          <a:fontRef idx="minor">
+            <a:schemeClr val="lt1"/>
+          </a:fontRef>
+        </p:style>
+        <p:txBody>
+          <a:bodyPr rtlCol="0" anchor="ctr"/>
+          <a:lstStyle/>
+          <a:p>
+            <a:pPr algn="ctr"/>
+            <a:r>
+              <a:rPr lang="de-DE" b="1" dirty="0"/>
+              <a:t>Unfall!</a:t>
+            </a:r>
+            <a:endParaRPr lang="en-US" b="1" dirty="0"/>
+          </a:p>
+        </p:txBody>
+      </p:sp>
+      <p:sp>
+        <p:nvSpPr>
+          <p:cNvPr id="38" name="Rectangle: Rounded Corners 37">
+            <a:extLst>
+              <a:ext uri="{FF2B5EF4-FFF2-40B4-BE49-F238E27FC236}">
+                <a16:creationId xmlns:a16="http://schemas.microsoft.com/office/drawing/2014/main" id="{DB08F989-2316-4A68-8917-8F60E35C2FC7}"/>
+              </a:ext>
+            </a:extLst>
+          </p:cNvPr>
+          <p:cNvSpPr/>
+          <p:nvPr/>
+        </p:nvSpPr>
+        <p:spPr>
+          <a:xfrm>
+            <a:off x="721963" y="4794250"/>
+            <a:ext cx="630000" cy="630000"/>
+          </a:xfrm>
+          <a:prstGeom prst="roundRect">
+            <a:avLst/>
+          </a:prstGeom>
+          <a:solidFill>
+            <a:schemeClr val="accent4"/>
+          </a:solidFill>
+          <a:ln>
+            <a:noFill/>
+          </a:ln>
+        </p:spPr>
+        <p:style>
+          <a:lnRef idx="2">
+            <a:schemeClr val="accent1">
+              <a:shade val="50000"/>
+            </a:schemeClr>
+          </a:lnRef>
+          <a:fillRef idx="1">
+            <a:schemeClr val="accent1"/>
+          </a:fillRef>
+          <a:effectRef idx="0">
+            <a:schemeClr val="accent1"/>
+          </a:effectRef>
+          <a:fontRef idx="minor">
+            <a:schemeClr val="lt1"/>
+          </a:fontRef>
+        </p:style>
+        <p:txBody>
+          <a:bodyPr rtlCol="0" anchor="ctr"/>
+          <a:lstStyle/>
+          <a:p>
+            <a:pPr algn="ctr"/>
+            <a:endParaRPr lang="en-US" dirty="0"/>
+          </a:p>
+        </p:txBody>
+      </p:sp>
+      <p:pic>
+        <p:nvPicPr>
+          <p:cNvPr id="39" name="Graphic 38">
+            <a:extLst>
+              <a:ext uri="{FF2B5EF4-FFF2-40B4-BE49-F238E27FC236}">
+                <a16:creationId xmlns:a16="http://schemas.microsoft.com/office/drawing/2014/main" id="{854BB5D1-07D4-44EB-8DBB-E1497D32C8D9}"/>
+              </a:ext>
+            </a:extLst>
+          </p:cNvPr>
+          <p:cNvPicPr>
+            <a:picLocks noChangeAspect="1"/>
+          </p:cNvPicPr>
+          <p:nvPr/>
+        </p:nvPicPr>
+        <p:blipFill>
+          <a:blip r:embed="rId20">
+            <a:extLst>
+              <a:ext uri="{28A0092B-C50C-407E-A947-70E740481C1C}">
+                <a14:useLocalDpi xmlns:a14="http://schemas.microsoft.com/office/drawing/2010/main" val="0"/>
+              </a:ext>
+              <a:ext uri="{96DAC541-7B7A-43D3-8B79-37D633B846F1}">
+                <asvg:svgBlip xmlns:asvg="http://schemas.microsoft.com/office/drawing/2016/SVG/main" r:embed="rId21"/>
+              </a:ext>
+            </a:extLst>
+          </a:blip>
+          <a:stretch>
+            <a:fillRect/>
+          </a:stretch>
+        </p:blipFill>
+        <p:spPr>
+          <a:xfrm>
+            <a:off x="840088" y="4883399"/>
+            <a:ext cx="393750" cy="450000"/>
+          </a:xfrm>
+          <a:prstGeom prst="rect">
+            <a:avLst/>
+          </a:prstGeom>
+        </p:spPr>
+      </p:pic>
+      <p:sp>
+        <p:nvSpPr>
+          <p:cNvPr id="40" name="Rectangle: Rounded Corners 39">
+            <a:extLst>
+              <a:ext uri="{FF2B5EF4-FFF2-40B4-BE49-F238E27FC236}">
+                <a16:creationId xmlns:a16="http://schemas.microsoft.com/office/drawing/2014/main" id="{DFC56BEA-BBFB-4C89-BE8B-00DB189046B0}"/>
+              </a:ext>
+            </a:extLst>
+          </p:cNvPr>
+          <p:cNvSpPr/>
+          <p:nvPr/>
+        </p:nvSpPr>
+        <p:spPr>
+          <a:xfrm>
+            <a:off x="46963" y="4794250"/>
+            <a:ext cx="630000" cy="630000"/>
+          </a:xfrm>
+          <a:prstGeom prst="roundRect">
+            <a:avLst/>
+          </a:prstGeom>
+          <a:solidFill>
+            <a:schemeClr val="accent1">
+              <a:lumMod val="50000"/>
+            </a:schemeClr>
+          </a:solidFill>
+          <a:ln>
+            <a:noFill/>
+          </a:ln>
+        </p:spPr>
+        <p:style>
+          <a:lnRef idx="2">
+            <a:schemeClr val="accent1">
+              <a:shade val="50000"/>
+            </a:schemeClr>
+          </a:lnRef>
+          <a:fillRef idx="1">
+            <a:schemeClr val="accent1"/>
+          </a:fillRef>
+          <a:effectRef idx="0">
+            <a:schemeClr val="accent1"/>
+          </a:effectRef>
+          <a:fontRef idx="minor">
+            <a:schemeClr val="lt1"/>
+          </a:fontRef>
+        </p:style>
+        <p:txBody>
+          <a:bodyPr rtlCol="0" anchor="ctr"/>
+          <a:lstStyle/>
+          <a:p>
+            <a:pPr algn="ctr"/>
+            <a:endParaRPr lang="en-US" dirty="0"/>
+          </a:p>
+        </p:txBody>
+      </p:sp>
+      <p:pic>
+        <p:nvPicPr>
+          <p:cNvPr id="41" name="Graphic 40">
+            <a:extLst>
+              <a:ext uri="{FF2B5EF4-FFF2-40B4-BE49-F238E27FC236}">
+                <a16:creationId xmlns:a16="http://schemas.microsoft.com/office/drawing/2014/main" id="{0C0ACFB8-433D-4711-9CAF-57220B955961}"/>
+              </a:ext>
+            </a:extLst>
+          </p:cNvPr>
+          <p:cNvPicPr>
+            <a:picLocks noChangeAspect="1"/>
+          </p:cNvPicPr>
+          <p:nvPr/>
+        </p:nvPicPr>
+        <p:blipFill>
+          <a:blip r:embed="rId22">
+            <a:extLst>
+              <a:ext uri="{28A0092B-C50C-407E-A947-70E740481C1C}">
+                <a14:useLocalDpi xmlns:a14="http://schemas.microsoft.com/office/drawing/2010/main" val="0"/>
+              </a:ext>
+              <a:ext uri="{96DAC541-7B7A-43D3-8B79-37D633B846F1}">
+                <asvg:svgBlip xmlns:asvg="http://schemas.microsoft.com/office/drawing/2016/SVG/main" r:embed="rId23"/>
+              </a:ext>
+            </a:extLst>
+          </a:blip>
+          <a:stretch>
+            <a:fillRect/>
+          </a:stretch>
+        </p:blipFill>
+        <p:spPr>
+          <a:xfrm>
+            <a:off x="165088" y="4881635"/>
+            <a:ext cx="393750" cy="450000"/>
+          </a:xfrm>
+          <a:prstGeom prst="rect">
+            <a:avLst/>
+          </a:prstGeom>
+        </p:spPr>
+      </p:pic>
+    </p:spTree>
+    <p:extLst>
+      <p:ext uri="{BB962C8B-B14F-4D97-AF65-F5344CB8AC3E}">
+        <p14:creationId xmlns:p14="http://schemas.microsoft.com/office/powerpoint/2010/main" val="4289275446"/>
+      </p:ext>
+    </p:extLst>
+  </p:cSld>
+  <p:clrMapOvr>
+    <a:masterClrMapping/>
+  </p:clrMapOvr>
+</p:sld>
+</file>
+
+<file path=ppt/slides/slide31.xml><?xml version="1.0" encoding="utf-8"?>
+<p:sld xmlns:a="http://schemas.openxmlformats.org/drawingml/2006/main" xmlns:r="http://schemas.openxmlformats.org/officeDocument/2006/relationships" xmlns:p="http://schemas.openxmlformats.org/presentationml/2006/main">
+  <p:cSld>
+    <p:spTree>
+      <p:nvGrpSpPr>
+        <p:cNvPr id="1" name=""/>
+        <p:cNvGrpSpPr/>
+        <p:nvPr/>
+      </p:nvGrpSpPr>
+      <p:grpSpPr>
+        <a:xfrm>
+          <a:off x="0" y="0"/>
+          <a:ext cx="0" cy="0"/>
+          <a:chOff x="0" y="0"/>
+          <a:chExt cx="0" cy="0"/>
+        </a:xfrm>
+      </p:grpSpPr>
+      <p:sp>
+        <p:nvSpPr>
+          <p:cNvPr id="20" name="Rectangle 19">
+            <a:extLst>
+              <a:ext uri="{FF2B5EF4-FFF2-40B4-BE49-F238E27FC236}">
+                <a16:creationId xmlns:a16="http://schemas.microsoft.com/office/drawing/2014/main" id="{4060C324-4318-4830-BE4D-80F7588567D5}"/>
+              </a:ext>
+            </a:extLst>
+          </p:cNvPr>
+          <p:cNvSpPr/>
+          <p:nvPr/>
+        </p:nvSpPr>
+        <p:spPr>
+          <a:xfrm>
+            <a:off x="0" y="718023"/>
+            <a:ext cx="4048125" cy="4750375"/>
+          </a:xfrm>
+          <a:prstGeom prst="rect">
+            <a:avLst/>
+          </a:prstGeom>
+          <a:solidFill>
+            <a:schemeClr val="accent1">
+              <a:lumMod val="50000"/>
+            </a:schemeClr>
+          </a:solidFill>
+          <a:ln>
+            <a:noFill/>
+          </a:ln>
+        </p:spPr>
+        <p:style>
+          <a:lnRef idx="2">
+            <a:schemeClr val="accent1">
+              <a:shade val="50000"/>
+            </a:schemeClr>
+          </a:lnRef>
+          <a:fillRef idx="1">
+            <a:schemeClr val="accent1"/>
+          </a:fillRef>
+          <a:effectRef idx="0">
+            <a:schemeClr val="accent1"/>
+          </a:effectRef>
+          <a:fontRef idx="minor">
+            <a:schemeClr val="lt1"/>
+          </a:fontRef>
+        </p:style>
+        <p:txBody>
+          <a:bodyPr rtlCol="0" anchor="ctr"/>
+          <a:lstStyle/>
+          <a:p>
+            <a:pPr algn="ctr"/>
+            <a:endParaRPr lang="en-US" u="sng" dirty="0"/>
+          </a:p>
+        </p:txBody>
+      </p:sp>
+      <p:sp>
+        <p:nvSpPr>
+          <p:cNvPr id="5" name="Rectangle 4">
+            <a:extLst>
+              <a:ext uri="{FF2B5EF4-FFF2-40B4-BE49-F238E27FC236}">
+                <a16:creationId xmlns:a16="http://schemas.microsoft.com/office/drawing/2014/main" id="{DD6F78D1-EB25-4C39-8595-0B180702B60C}"/>
+              </a:ext>
+            </a:extLst>
+          </p:cNvPr>
+          <p:cNvSpPr/>
+          <p:nvPr/>
+        </p:nvSpPr>
+        <p:spPr>
+          <a:xfrm>
+            <a:off x="0" y="5468400"/>
+            <a:ext cx="9753600" cy="4285200"/>
+          </a:xfrm>
+          <a:prstGeom prst="rect">
+            <a:avLst/>
+          </a:prstGeom>
+          <a:ln>
+            <a:noFill/>
+          </a:ln>
+        </p:spPr>
+        <p:style>
+          <a:lnRef idx="2">
+            <a:schemeClr val="dk1">
+              <a:shade val="50000"/>
+            </a:schemeClr>
+          </a:lnRef>
+          <a:fillRef idx="1">
+            <a:schemeClr val="dk1"/>
+          </a:fillRef>
+          <a:effectRef idx="0">
+            <a:schemeClr val="dk1"/>
+          </a:effectRef>
+          <a:fontRef idx="minor">
+            <a:schemeClr val="lt1"/>
+          </a:fontRef>
+        </p:style>
+        <p:txBody>
+          <a:bodyPr rtlCol="0" anchor="ctr"/>
+          <a:lstStyle/>
+          <a:p>
+            <a:pPr algn="ctr"/>
+            <a:r>
+              <a:rPr lang="de-DE" sz="4000" i="1" dirty="0" err="1"/>
+              <a:t>Placeholder</a:t>
+            </a:r>
+            <a:r>
+              <a:rPr lang="de-DE" sz="4000" i="1" dirty="0"/>
+              <a:t> / not in </a:t>
+            </a:r>
+            <a:r>
+              <a:rPr lang="de-DE" sz="4000" i="1" dirty="0" err="1"/>
+              <a:t>use</a:t>
+            </a:r>
+            <a:r>
+              <a:rPr lang="de-DE" sz="4000" i="1" dirty="0"/>
+              <a:t>!</a:t>
+            </a:r>
+            <a:endParaRPr lang="en-US" sz="4000" i="1" dirty="0"/>
+          </a:p>
+        </p:txBody>
+      </p:sp>
+      <p:sp>
+        <p:nvSpPr>
+          <p:cNvPr id="6" name="Rectangle 5">
+            <a:extLst>
+              <a:ext uri="{FF2B5EF4-FFF2-40B4-BE49-F238E27FC236}">
+                <a16:creationId xmlns:a16="http://schemas.microsoft.com/office/drawing/2014/main" id="{0B533615-A8B2-4915-AB6A-1B5C08FD6089}"/>
+              </a:ext>
+            </a:extLst>
+          </p:cNvPr>
+          <p:cNvSpPr/>
+          <p:nvPr/>
+        </p:nvSpPr>
+        <p:spPr>
+          <a:xfrm>
+            <a:off x="0" y="0"/>
+            <a:ext cx="9753600" cy="720000"/>
+          </a:xfrm>
+          <a:prstGeom prst="rect">
+            <a:avLst/>
+          </a:prstGeom>
+          <a:solidFill>
+            <a:srgbClr val="162644"/>
+          </a:solidFill>
+          <a:ln>
+            <a:noFill/>
+          </a:ln>
+        </p:spPr>
+        <p:style>
+          <a:lnRef idx="2">
+            <a:schemeClr val="accent1">
+              <a:shade val="50000"/>
+            </a:schemeClr>
+          </a:lnRef>
+          <a:fillRef idx="1">
+            <a:schemeClr val="accent1"/>
+          </a:fillRef>
+          <a:effectRef idx="0">
+            <a:schemeClr val="accent1"/>
+          </a:effectRef>
+          <a:fontRef idx="minor">
+            <a:schemeClr val="lt1"/>
+          </a:fontRef>
+        </p:style>
+        <p:txBody>
+          <a:bodyPr rtlCol="0" anchor="ctr"/>
+          <a:lstStyle/>
+          <a:p>
+            <a:pPr algn="ctr"/>
+            <a:endParaRPr lang="en-US"/>
+          </a:p>
+        </p:txBody>
+      </p:sp>
+      <p:sp>
+        <p:nvSpPr>
+          <p:cNvPr id="7" name="Rectangle 6">
+            <a:extLst>
+              <a:ext uri="{FF2B5EF4-FFF2-40B4-BE49-F238E27FC236}">
+                <a16:creationId xmlns:a16="http://schemas.microsoft.com/office/drawing/2014/main" id="{00FD9BF4-04BC-4A2D-ADE9-7EE3508D232E}"/>
+              </a:ext>
+            </a:extLst>
+          </p:cNvPr>
+          <p:cNvSpPr/>
+          <p:nvPr/>
+        </p:nvSpPr>
+        <p:spPr>
+          <a:xfrm>
+            <a:off x="7330440" y="-1"/>
+            <a:ext cx="1080000" cy="720000"/>
+          </a:xfrm>
+          <a:prstGeom prst="rect">
+            <a:avLst/>
+          </a:prstGeom>
+          <a:solidFill>
+            <a:schemeClr val="bg2">
+              <a:lumMod val="10000"/>
+            </a:schemeClr>
+          </a:solidFill>
+          <a:ln>
+            <a:noFill/>
+          </a:ln>
+        </p:spPr>
+        <p:style>
+          <a:lnRef idx="2">
+            <a:schemeClr val="accent1">
+              <a:shade val="50000"/>
+            </a:schemeClr>
+          </a:lnRef>
+          <a:fillRef idx="1">
+            <a:schemeClr val="accent1"/>
+          </a:fillRef>
+          <a:effectRef idx="0">
+            <a:schemeClr val="accent1"/>
+          </a:effectRef>
+          <a:fontRef idx="minor">
+            <a:schemeClr val="lt1"/>
+          </a:fontRef>
+        </p:style>
+        <p:txBody>
+          <a:bodyPr rtlCol="0" anchor="ctr"/>
+          <a:lstStyle/>
+          <a:p>
+            <a:pPr algn="ctr"/>
+            <a:endParaRPr lang="en-US" sz="2000" dirty="0"/>
+          </a:p>
+        </p:txBody>
+      </p:sp>
+      <p:sp>
+        <p:nvSpPr>
+          <p:cNvPr id="26" name="Rectangle 25">
+            <a:extLst>
+              <a:ext uri="{FF2B5EF4-FFF2-40B4-BE49-F238E27FC236}">
+                <a16:creationId xmlns:a16="http://schemas.microsoft.com/office/drawing/2014/main" id="{E6D2C0B5-5EA5-45EA-9D84-A71BA0ABC842}"/>
+              </a:ext>
+            </a:extLst>
+          </p:cNvPr>
+          <p:cNvSpPr/>
+          <p:nvPr/>
+        </p:nvSpPr>
+        <p:spPr>
+          <a:xfrm>
+            <a:off x="0" y="4748399"/>
+            <a:ext cx="9753600" cy="720000"/>
+          </a:xfrm>
+          <a:prstGeom prst="rect">
+            <a:avLst/>
+          </a:prstGeom>
+          <a:solidFill>
+            <a:srgbClr val="162644"/>
+          </a:solidFill>
+          <a:ln>
+            <a:noFill/>
+          </a:ln>
+        </p:spPr>
+        <p:style>
+          <a:lnRef idx="2">
+            <a:schemeClr val="accent1">
+              <a:shade val="50000"/>
+            </a:schemeClr>
+          </a:lnRef>
+          <a:fillRef idx="1">
+            <a:schemeClr val="accent1"/>
+          </a:fillRef>
+          <a:effectRef idx="0">
+            <a:schemeClr val="accent1"/>
+          </a:effectRef>
+          <a:fontRef idx="minor">
+            <a:schemeClr val="lt1"/>
+          </a:fontRef>
+        </p:style>
+        <p:txBody>
+          <a:bodyPr rtlCol="0" anchor="ctr"/>
+          <a:lstStyle/>
+          <a:p>
+            <a:pPr algn="ctr"/>
+            <a:endParaRPr lang="en-US"/>
+          </a:p>
+        </p:txBody>
+      </p:sp>
+      <p:sp>
+        <p:nvSpPr>
+          <p:cNvPr id="53" name="Rectangle: Rounded Corners 52">
+            <a:extLst>
+              <a:ext uri="{FF2B5EF4-FFF2-40B4-BE49-F238E27FC236}">
+                <a16:creationId xmlns:a16="http://schemas.microsoft.com/office/drawing/2014/main" id="{7283464F-F4FE-4EFD-B1B4-EE25B4D9B151}"/>
+              </a:ext>
+            </a:extLst>
+          </p:cNvPr>
+          <p:cNvSpPr/>
+          <p:nvPr/>
+        </p:nvSpPr>
+        <p:spPr>
+          <a:xfrm>
+            <a:off x="-146820" y="853440"/>
+            <a:ext cx="3979680" cy="720000"/>
+          </a:xfrm>
+          <a:prstGeom prst="roundRect">
+            <a:avLst/>
+          </a:prstGeom>
+          <a:solidFill>
+            <a:srgbClr val="0070C0"/>
+          </a:solidFill>
+          <a:ln>
+            <a:noFill/>
+          </a:ln>
+        </p:spPr>
+        <p:style>
+          <a:lnRef idx="2">
+            <a:schemeClr val="accent1">
+              <a:shade val="50000"/>
+            </a:schemeClr>
+          </a:lnRef>
+          <a:fillRef idx="1">
+            <a:schemeClr val="accent1"/>
+          </a:fillRef>
+          <a:effectRef idx="0">
+            <a:schemeClr val="accent1"/>
+          </a:effectRef>
+          <a:fontRef idx="minor">
+            <a:schemeClr val="lt1"/>
+          </a:fontRef>
+        </p:style>
+        <p:txBody>
+          <a:bodyPr lIns="1080000" rtlCol="0" anchor="ctr"/>
+          <a:lstStyle/>
+          <a:p>
+            <a:r>
+              <a:rPr lang="de-DE" sz="2200" dirty="0"/>
+              <a:t>Display &amp; Darstellung</a:t>
+            </a:r>
+          </a:p>
+        </p:txBody>
+      </p:sp>
+      <p:sp>
+        <p:nvSpPr>
+          <p:cNvPr id="56" name="Rectangle 55">
+            <a:extLst>
+              <a:ext uri="{FF2B5EF4-FFF2-40B4-BE49-F238E27FC236}">
+                <a16:creationId xmlns:a16="http://schemas.microsoft.com/office/drawing/2014/main" id="{31602AAF-0902-4714-A7A4-9ECAC9F0E1EB}"/>
+              </a:ext>
+            </a:extLst>
+          </p:cNvPr>
+          <p:cNvSpPr/>
+          <p:nvPr/>
+        </p:nvSpPr>
+        <p:spPr>
+          <a:xfrm>
+            <a:off x="-146821" y="1867279"/>
+            <a:ext cx="4194946" cy="720000"/>
+          </a:xfrm>
+          <a:prstGeom prst="rect">
+            <a:avLst/>
+          </a:prstGeom>
+          <a:solidFill>
+            <a:schemeClr val="accent5">
+              <a:lumMod val="50000"/>
+            </a:schemeClr>
+          </a:solidFill>
+          <a:ln>
+            <a:noFill/>
+          </a:ln>
+        </p:spPr>
+        <p:style>
+          <a:lnRef idx="2">
+            <a:schemeClr val="accent1">
+              <a:shade val="50000"/>
+            </a:schemeClr>
+          </a:lnRef>
+          <a:fillRef idx="1">
+            <a:schemeClr val="accent1"/>
+          </a:fillRef>
+          <a:effectRef idx="0">
+            <a:schemeClr val="accent1"/>
+          </a:effectRef>
+          <a:fontRef idx="minor">
+            <a:schemeClr val="lt1"/>
+          </a:fontRef>
+        </p:style>
+        <p:txBody>
+          <a:bodyPr lIns="1080000" rtlCol="0" anchor="ctr"/>
+          <a:lstStyle/>
+          <a:p>
+            <a:r>
+              <a:rPr lang="de-DE" sz="2200" b="1" dirty="0"/>
+              <a:t>Beschilderung &amp; Fahrgastinformation</a:t>
+            </a:r>
+          </a:p>
+        </p:txBody>
+      </p:sp>
+      <p:sp>
+        <p:nvSpPr>
+          <p:cNvPr id="58" name="Rectangle: Rounded Corners 57">
+            <a:extLst>
+              <a:ext uri="{FF2B5EF4-FFF2-40B4-BE49-F238E27FC236}">
+                <a16:creationId xmlns:a16="http://schemas.microsoft.com/office/drawing/2014/main" id="{A5D17050-732E-46A2-81E9-D669F4260099}"/>
+              </a:ext>
+            </a:extLst>
+          </p:cNvPr>
+          <p:cNvSpPr/>
+          <p:nvPr/>
+        </p:nvSpPr>
+        <p:spPr>
+          <a:xfrm>
+            <a:off x="-146821" y="3894958"/>
+            <a:ext cx="3979681" cy="720000"/>
+          </a:xfrm>
+          <a:prstGeom prst="roundRect">
+            <a:avLst/>
+          </a:prstGeom>
+          <a:solidFill>
+            <a:srgbClr val="0070C0"/>
+          </a:solidFill>
+          <a:ln>
+            <a:noFill/>
+          </a:ln>
+        </p:spPr>
+        <p:style>
+          <a:lnRef idx="2">
+            <a:schemeClr val="accent1">
+              <a:shade val="50000"/>
+            </a:schemeClr>
+          </a:lnRef>
+          <a:fillRef idx="1">
+            <a:schemeClr val="accent1"/>
+          </a:fillRef>
+          <a:effectRef idx="0">
+            <a:schemeClr val="accent1"/>
+          </a:effectRef>
+          <a:fontRef idx="minor">
+            <a:schemeClr val="lt1"/>
+          </a:fontRef>
+        </p:style>
+        <p:txBody>
+          <a:bodyPr lIns="1080000" rtlCol="0" anchor="ctr"/>
+          <a:lstStyle/>
+          <a:p>
+            <a:r>
+              <a:rPr lang="de-DE" sz="2200" dirty="0"/>
+              <a:t>Sonstiges </a:t>
+            </a:r>
+          </a:p>
+        </p:txBody>
+      </p:sp>
+      <p:sp>
+        <p:nvSpPr>
+          <p:cNvPr id="59" name="Rectangle: Rounded Corners 58">
+            <a:extLst>
+              <a:ext uri="{FF2B5EF4-FFF2-40B4-BE49-F238E27FC236}">
+                <a16:creationId xmlns:a16="http://schemas.microsoft.com/office/drawing/2014/main" id="{8E387CF4-D6C5-4EB3-B94F-029025483D3B}"/>
+              </a:ext>
+            </a:extLst>
+          </p:cNvPr>
+          <p:cNvSpPr/>
+          <p:nvPr/>
+        </p:nvSpPr>
+        <p:spPr>
+          <a:xfrm>
+            <a:off x="-146821" y="2881118"/>
+            <a:ext cx="3979681" cy="720000"/>
+          </a:xfrm>
+          <a:prstGeom prst="roundRect">
+            <a:avLst/>
+          </a:prstGeom>
+          <a:solidFill>
+            <a:srgbClr val="0070C0"/>
+          </a:solidFill>
+          <a:ln>
+            <a:noFill/>
+          </a:ln>
+        </p:spPr>
+        <p:style>
+          <a:lnRef idx="2">
+            <a:schemeClr val="accent1">
+              <a:shade val="50000"/>
+            </a:schemeClr>
+          </a:lnRef>
+          <a:fillRef idx="1">
+            <a:schemeClr val="accent1"/>
+          </a:fillRef>
+          <a:effectRef idx="0">
+            <a:schemeClr val="accent1"/>
+          </a:effectRef>
+          <a:fontRef idx="minor">
+            <a:schemeClr val="lt1"/>
+          </a:fontRef>
+        </p:style>
+        <p:txBody>
+          <a:bodyPr lIns="1080000" rtlCol="0" anchor="ctr"/>
+          <a:lstStyle/>
+          <a:p>
+            <a:r>
+              <a:rPr lang="de-DE" sz="2200" dirty="0"/>
+              <a:t>Gerät &amp; Hardware</a:t>
+            </a:r>
+          </a:p>
+        </p:txBody>
+      </p:sp>
+      <p:pic>
+        <p:nvPicPr>
+          <p:cNvPr id="3" name="Graphic 2">
+            <a:extLst>
+              <a:ext uri="{FF2B5EF4-FFF2-40B4-BE49-F238E27FC236}">
+                <a16:creationId xmlns:a16="http://schemas.microsoft.com/office/drawing/2014/main" id="{58FB5B8B-DA92-4BC4-B935-FF37529B0CBC}"/>
+              </a:ext>
+            </a:extLst>
+          </p:cNvPr>
+          <p:cNvPicPr>
+            <a:picLocks noChangeAspect="1"/>
+          </p:cNvPicPr>
+          <p:nvPr/>
+        </p:nvPicPr>
+        <p:blipFill>
+          <a:blip r:embed="rId2">
+            <a:extLst>
+              <a:ext uri="{28A0092B-C50C-407E-A947-70E740481C1C}">
+                <a14:useLocalDpi xmlns:a14="http://schemas.microsoft.com/office/drawing/2010/main" val="0"/>
+              </a:ext>
+              <a:ext uri="{96DAC541-7B7A-43D3-8B79-37D633B846F1}">
+                <asvg:svgBlip xmlns:asvg="http://schemas.microsoft.com/office/drawing/2016/SVG/main" r:embed="rId3"/>
+              </a:ext>
+            </a:extLst>
+          </a:blip>
+          <a:stretch>
+            <a:fillRect/>
+          </a:stretch>
+        </p:blipFill>
+        <p:spPr>
+          <a:xfrm>
+            <a:off x="165088" y="946468"/>
+            <a:ext cx="607500" cy="540000"/>
+          </a:xfrm>
+          <a:prstGeom prst="rect">
+            <a:avLst/>
+          </a:prstGeom>
+        </p:spPr>
+      </p:pic>
+      <p:pic>
+        <p:nvPicPr>
+          <p:cNvPr id="8" name="Graphic 7">
+            <a:extLst>
+              <a:ext uri="{FF2B5EF4-FFF2-40B4-BE49-F238E27FC236}">
+                <a16:creationId xmlns:a16="http://schemas.microsoft.com/office/drawing/2014/main" id="{33E007EB-FAE5-494F-AB95-FFA15FCB2CE3}"/>
+              </a:ext>
+            </a:extLst>
+          </p:cNvPr>
+          <p:cNvPicPr>
+            <a:picLocks noChangeAspect="1"/>
+          </p:cNvPicPr>
+          <p:nvPr/>
+        </p:nvPicPr>
+        <p:blipFill>
+          <a:blip r:embed="rId4">
+            <a:extLst>
+              <a:ext uri="{28A0092B-C50C-407E-A947-70E740481C1C}">
+                <a14:useLocalDpi xmlns:a14="http://schemas.microsoft.com/office/drawing/2010/main" val="0"/>
+              </a:ext>
+              <a:ext uri="{96DAC541-7B7A-43D3-8B79-37D633B846F1}">
+                <asvg:svgBlip xmlns:asvg="http://schemas.microsoft.com/office/drawing/2016/SVG/main" r:embed="rId5"/>
+              </a:ext>
+            </a:extLst>
+          </a:blip>
+          <a:stretch>
+            <a:fillRect/>
+          </a:stretch>
+        </p:blipFill>
+        <p:spPr>
+          <a:xfrm>
+            <a:off x="204990" y="1957279"/>
+            <a:ext cx="540000" cy="540000"/>
+          </a:xfrm>
+          <a:prstGeom prst="rect">
+            <a:avLst/>
+          </a:prstGeom>
+        </p:spPr>
+      </p:pic>
+      <p:pic>
+        <p:nvPicPr>
+          <p:cNvPr id="10" name="Graphic 9">
+            <a:extLst>
+              <a:ext uri="{FF2B5EF4-FFF2-40B4-BE49-F238E27FC236}">
+                <a16:creationId xmlns:a16="http://schemas.microsoft.com/office/drawing/2014/main" id="{2CFA6614-755B-45F8-86FD-956379708FB0}"/>
+              </a:ext>
+            </a:extLst>
+          </p:cNvPr>
+          <p:cNvPicPr>
+            <a:picLocks noChangeAspect="1"/>
+          </p:cNvPicPr>
+          <p:nvPr/>
+        </p:nvPicPr>
+        <p:blipFill>
+          <a:blip r:embed="rId6">
+            <a:extLst>
+              <a:ext uri="{28A0092B-C50C-407E-A947-70E740481C1C}">
+                <a14:useLocalDpi xmlns:a14="http://schemas.microsoft.com/office/drawing/2010/main" val="0"/>
+              </a:ext>
+              <a:ext uri="{96DAC541-7B7A-43D3-8B79-37D633B846F1}">
+                <asvg:svgBlip xmlns:asvg="http://schemas.microsoft.com/office/drawing/2016/SVG/main" r:embed="rId7"/>
+              </a:ext>
+            </a:extLst>
+          </a:blip>
+          <a:stretch>
+            <a:fillRect/>
+          </a:stretch>
+        </p:blipFill>
+        <p:spPr>
+          <a:xfrm>
+            <a:off x="174613" y="2971118"/>
+            <a:ext cx="540000" cy="540000"/>
+          </a:xfrm>
+          <a:prstGeom prst="rect">
+            <a:avLst/>
+          </a:prstGeom>
+        </p:spPr>
+      </p:pic>
+      <p:pic>
+        <p:nvPicPr>
+          <p:cNvPr id="63" name="Graphic 62">
+            <a:extLst>
+              <a:ext uri="{FF2B5EF4-FFF2-40B4-BE49-F238E27FC236}">
+                <a16:creationId xmlns:a16="http://schemas.microsoft.com/office/drawing/2014/main" id="{7A1A725A-2A6E-4E88-844E-5EDDF8067390}"/>
+              </a:ext>
+            </a:extLst>
+          </p:cNvPr>
+          <p:cNvPicPr>
+            <a:picLocks noChangeAspect="1"/>
+          </p:cNvPicPr>
+          <p:nvPr/>
+        </p:nvPicPr>
+        <p:blipFill>
+          <a:blip r:embed="rId8">
+            <a:extLst>
+              <a:ext uri="{28A0092B-C50C-407E-A947-70E740481C1C}">
+                <a14:useLocalDpi xmlns:a14="http://schemas.microsoft.com/office/drawing/2010/main" val="0"/>
+              </a:ext>
+              <a:ext uri="{96DAC541-7B7A-43D3-8B79-37D633B846F1}">
+                <asvg:svgBlip xmlns:asvg="http://schemas.microsoft.com/office/drawing/2016/SVG/main" r:embed="rId9"/>
+              </a:ext>
+            </a:extLst>
+          </a:blip>
+          <a:stretch>
+            <a:fillRect/>
+          </a:stretch>
+        </p:blipFill>
+        <p:spPr>
+          <a:xfrm>
+            <a:off x="188862" y="3989854"/>
+            <a:ext cx="472500" cy="540000"/>
+          </a:xfrm>
+          <a:prstGeom prst="rect">
+            <a:avLst/>
+          </a:prstGeom>
+        </p:spPr>
+      </p:pic>
+      <p:sp>
+        <p:nvSpPr>
+          <p:cNvPr id="21" name="Rectangle: Rounded Corners 20">
+            <a:extLst>
+              <a:ext uri="{FF2B5EF4-FFF2-40B4-BE49-F238E27FC236}">
+                <a16:creationId xmlns:a16="http://schemas.microsoft.com/office/drawing/2014/main" id="{CF981872-DD71-438F-A398-F1086090FC4E}"/>
+              </a:ext>
+            </a:extLst>
+          </p:cNvPr>
+          <p:cNvSpPr/>
+          <p:nvPr/>
+        </p:nvSpPr>
+        <p:spPr>
+          <a:xfrm>
+            <a:off x="4156799" y="4793399"/>
+            <a:ext cx="1440000" cy="630000"/>
+          </a:xfrm>
+          <a:prstGeom prst="roundRect">
+            <a:avLst/>
+          </a:prstGeom>
+          <a:solidFill>
+            <a:srgbClr val="C00000"/>
+          </a:solidFill>
+          <a:ln>
+            <a:noFill/>
+          </a:ln>
+        </p:spPr>
+        <p:style>
+          <a:lnRef idx="2">
+            <a:schemeClr val="accent1">
+              <a:shade val="50000"/>
+            </a:schemeClr>
+          </a:lnRef>
+          <a:fillRef idx="1">
+            <a:schemeClr val="accent1"/>
+          </a:fillRef>
+          <a:effectRef idx="0">
+            <a:schemeClr val="accent1"/>
+          </a:effectRef>
+          <a:fontRef idx="minor">
+            <a:schemeClr val="lt1"/>
+          </a:fontRef>
+        </p:style>
+        <p:txBody>
+          <a:bodyPr rtlCol="0" anchor="ctr"/>
+          <a:lstStyle/>
+          <a:p>
+            <a:pPr algn="ctr"/>
+            <a:r>
+              <a:rPr lang="de-DE" b="1" dirty="0"/>
+              <a:t>Unfall!</a:t>
+            </a:r>
+            <a:endParaRPr lang="en-US" b="1" dirty="0"/>
+          </a:p>
+        </p:txBody>
+      </p:sp>
+      <p:sp>
+        <p:nvSpPr>
+          <p:cNvPr id="22" name="Rectangle: Rounded Corners 21">
+            <a:extLst>
+              <a:ext uri="{FF2B5EF4-FFF2-40B4-BE49-F238E27FC236}">
+                <a16:creationId xmlns:a16="http://schemas.microsoft.com/office/drawing/2014/main" id="{CD55FC63-6428-48AA-B3FD-4CCB1FCD989C}"/>
+              </a:ext>
+            </a:extLst>
+          </p:cNvPr>
+          <p:cNvSpPr/>
+          <p:nvPr/>
+        </p:nvSpPr>
+        <p:spPr>
+          <a:xfrm>
+            <a:off x="721963" y="4794250"/>
+            <a:ext cx="630000" cy="630000"/>
+          </a:xfrm>
+          <a:prstGeom prst="roundRect">
+            <a:avLst/>
+          </a:prstGeom>
+          <a:solidFill>
+            <a:schemeClr val="accent4"/>
+          </a:solidFill>
+          <a:ln>
+            <a:noFill/>
+          </a:ln>
+        </p:spPr>
+        <p:style>
+          <a:lnRef idx="2">
+            <a:schemeClr val="accent1">
+              <a:shade val="50000"/>
+            </a:schemeClr>
+          </a:lnRef>
+          <a:fillRef idx="1">
+            <a:schemeClr val="accent1"/>
+          </a:fillRef>
+          <a:effectRef idx="0">
+            <a:schemeClr val="accent1"/>
+          </a:effectRef>
+          <a:fontRef idx="minor">
+            <a:schemeClr val="lt1"/>
+          </a:fontRef>
+        </p:style>
+        <p:txBody>
+          <a:bodyPr rtlCol="0" anchor="ctr"/>
+          <a:lstStyle/>
+          <a:p>
+            <a:pPr algn="ctr"/>
+            <a:endParaRPr lang="en-US" dirty="0"/>
+          </a:p>
+        </p:txBody>
+      </p:sp>
+      <p:pic>
+        <p:nvPicPr>
+          <p:cNvPr id="23" name="Graphic 22">
+            <a:extLst>
+              <a:ext uri="{FF2B5EF4-FFF2-40B4-BE49-F238E27FC236}">
+                <a16:creationId xmlns:a16="http://schemas.microsoft.com/office/drawing/2014/main" id="{DA875469-D663-4F77-B54E-EDA6E37B7F3A}"/>
+              </a:ext>
+            </a:extLst>
+          </p:cNvPr>
+          <p:cNvPicPr>
+            <a:picLocks noChangeAspect="1"/>
+          </p:cNvPicPr>
+          <p:nvPr/>
+        </p:nvPicPr>
+        <p:blipFill>
+          <a:blip r:embed="rId10">
+            <a:extLst>
+              <a:ext uri="{28A0092B-C50C-407E-A947-70E740481C1C}">
+                <a14:useLocalDpi xmlns:a14="http://schemas.microsoft.com/office/drawing/2010/main" val="0"/>
+              </a:ext>
+              <a:ext uri="{96DAC541-7B7A-43D3-8B79-37D633B846F1}">
+                <asvg:svgBlip xmlns:asvg="http://schemas.microsoft.com/office/drawing/2016/SVG/main" r:embed="rId11"/>
+              </a:ext>
+            </a:extLst>
+          </a:blip>
+          <a:stretch>
+            <a:fillRect/>
+          </a:stretch>
+        </p:blipFill>
+        <p:spPr>
+          <a:xfrm>
+            <a:off x="840088" y="4883399"/>
+            <a:ext cx="393750" cy="450000"/>
+          </a:xfrm>
+          <a:prstGeom prst="rect">
+            <a:avLst/>
+          </a:prstGeom>
+        </p:spPr>
+      </p:pic>
+      <p:sp>
+        <p:nvSpPr>
+          <p:cNvPr id="24" name="Rectangle: Rounded Corners 23">
+            <a:extLst>
+              <a:ext uri="{FF2B5EF4-FFF2-40B4-BE49-F238E27FC236}">
+                <a16:creationId xmlns:a16="http://schemas.microsoft.com/office/drawing/2014/main" id="{D71E3C71-686F-49E3-A7CF-FF27435D7E28}"/>
+              </a:ext>
+            </a:extLst>
+          </p:cNvPr>
+          <p:cNvSpPr/>
+          <p:nvPr/>
+        </p:nvSpPr>
+        <p:spPr>
+          <a:xfrm>
+            <a:off x="46963" y="4794250"/>
+            <a:ext cx="630000" cy="630000"/>
+          </a:xfrm>
+          <a:prstGeom prst="roundRect">
+            <a:avLst/>
+          </a:prstGeom>
+          <a:solidFill>
+            <a:schemeClr val="accent1">
+              <a:lumMod val="50000"/>
+            </a:schemeClr>
+          </a:solidFill>
+          <a:ln>
+            <a:noFill/>
+          </a:ln>
+        </p:spPr>
+        <p:style>
+          <a:lnRef idx="2">
+            <a:schemeClr val="accent1">
+              <a:shade val="50000"/>
+            </a:schemeClr>
+          </a:lnRef>
+          <a:fillRef idx="1">
+            <a:schemeClr val="accent1"/>
+          </a:fillRef>
+          <a:effectRef idx="0">
+            <a:schemeClr val="accent1"/>
+          </a:effectRef>
+          <a:fontRef idx="minor">
+            <a:schemeClr val="lt1"/>
+          </a:fontRef>
+        </p:style>
+        <p:txBody>
+          <a:bodyPr rtlCol="0" anchor="ctr"/>
+          <a:lstStyle/>
+          <a:p>
+            <a:pPr algn="ctr"/>
+            <a:endParaRPr lang="en-US" dirty="0"/>
+          </a:p>
+        </p:txBody>
+      </p:sp>
+      <p:pic>
+        <p:nvPicPr>
+          <p:cNvPr id="25" name="Graphic 24">
+            <a:extLst>
+              <a:ext uri="{FF2B5EF4-FFF2-40B4-BE49-F238E27FC236}">
+                <a16:creationId xmlns:a16="http://schemas.microsoft.com/office/drawing/2014/main" id="{7FE33E07-143C-4158-B84D-1653AFFED350}"/>
+              </a:ext>
+            </a:extLst>
+          </p:cNvPr>
+          <p:cNvPicPr>
+            <a:picLocks noChangeAspect="1"/>
+          </p:cNvPicPr>
+          <p:nvPr/>
+        </p:nvPicPr>
+        <p:blipFill>
+          <a:blip r:embed="rId12">
+            <a:extLst>
+              <a:ext uri="{28A0092B-C50C-407E-A947-70E740481C1C}">
+                <a14:useLocalDpi xmlns:a14="http://schemas.microsoft.com/office/drawing/2010/main" val="0"/>
+              </a:ext>
+              <a:ext uri="{96DAC541-7B7A-43D3-8B79-37D633B846F1}">
+                <asvg:svgBlip xmlns:asvg="http://schemas.microsoft.com/office/drawing/2016/SVG/main" r:embed="rId13"/>
+              </a:ext>
+            </a:extLst>
+          </a:blip>
+          <a:stretch>
+            <a:fillRect/>
+          </a:stretch>
+        </p:blipFill>
+        <p:spPr>
+          <a:xfrm>
+            <a:off x="165088" y="4881635"/>
+            <a:ext cx="393750" cy="450000"/>
+          </a:xfrm>
+          <a:prstGeom prst="rect">
+            <a:avLst/>
+          </a:prstGeom>
+        </p:spPr>
+      </p:pic>
+    </p:spTree>
+    <p:extLst>
+      <p:ext uri="{BB962C8B-B14F-4D97-AF65-F5344CB8AC3E}">
+        <p14:creationId xmlns:p14="http://schemas.microsoft.com/office/powerpoint/2010/main" val="3902549485"/>
+      </p:ext>
+    </p:extLst>
+  </p:cSld>
+  <p:clrMapOvr>
+    <a:masterClrMapping/>
+  </p:clrMapOvr>
+</p:sld>
+</file>
+
+<file path=ppt/slides/slide32.xml><?xml version="1.0" encoding="utf-8"?>
+<p:sld xmlns:a="http://schemas.openxmlformats.org/drawingml/2006/main" xmlns:r="http://schemas.openxmlformats.org/officeDocument/2006/relationships" xmlns:p="http://schemas.openxmlformats.org/presentationml/2006/main">
+  <p:cSld>
+    <p:spTree>
+      <p:nvGrpSpPr>
+        <p:cNvPr id="1" name=""/>
+        <p:cNvGrpSpPr/>
+        <p:nvPr/>
+      </p:nvGrpSpPr>
+      <p:grpSpPr>
+        <a:xfrm>
+          <a:off x="0" y="0"/>
+          <a:ext cx="0" cy="0"/>
+          <a:chOff x="0" y="0"/>
+          <a:chExt cx="0" cy="0"/>
+        </a:xfrm>
+      </p:grpSpPr>
+      <p:sp>
+        <p:nvSpPr>
+          <p:cNvPr id="20" name="Rectangle 19">
+            <a:extLst>
+              <a:ext uri="{FF2B5EF4-FFF2-40B4-BE49-F238E27FC236}">
+                <a16:creationId xmlns:a16="http://schemas.microsoft.com/office/drawing/2014/main" id="{4060C324-4318-4830-BE4D-80F7588567D5}"/>
+              </a:ext>
+            </a:extLst>
+          </p:cNvPr>
+          <p:cNvSpPr/>
+          <p:nvPr/>
+        </p:nvSpPr>
+        <p:spPr>
+          <a:xfrm>
+            <a:off x="0" y="718023"/>
+            <a:ext cx="4048125" cy="4750375"/>
+          </a:xfrm>
+          <a:prstGeom prst="rect">
+            <a:avLst/>
+          </a:prstGeom>
+          <a:solidFill>
+            <a:schemeClr val="accent1">
+              <a:lumMod val="50000"/>
+            </a:schemeClr>
+          </a:solidFill>
+          <a:ln>
+            <a:noFill/>
+          </a:ln>
+        </p:spPr>
+        <p:style>
+          <a:lnRef idx="2">
+            <a:schemeClr val="accent1">
+              <a:shade val="50000"/>
+            </a:schemeClr>
+          </a:lnRef>
+          <a:fillRef idx="1">
+            <a:schemeClr val="accent1"/>
+          </a:fillRef>
+          <a:effectRef idx="0">
+            <a:schemeClr val="accent1"/>
+          </a:effectRef>
+          <a:fontRef idx="minor">
+            <a:schemeClr val="lt1"/>
+          </a:fontRef>
+        </p:style>
+        <p:txBody>
+          <a:bodyPr rtlCol="0" anchor="ctr"/>
+          <a:lstStyle/>
+          <a:p>
+            <a:pPr algn="ctr"/>
+            <a:endParaRPr lang="en-US" u="sng" dirty="0"/>
+          </a:p>
+        </p:txBody>
+      </p:sp>
+      <p:sp>
+        <p:nvSpPr>
+          <p:cNvPr id="5" name="Rectangle 4">
+            <a:extLst>
+              <a:ext uri="{FF2B5EF4-FFF2-40B4-BE49-F238E27FC236}">
+                <a16:creationId xmlns:a16="http://schemas.microsoft.com/office/drawing/2014/main" id="{DD6F78D1-EB25-4C39-8595-0B180702B60C}"/>
+              </a:ext>
+            </a:extLst>
+          </p:cNvPr>
+          <p:cNvSpPr/>
+          <p:nvPr/>
+        </p:nvSpPr>
+        <p:spPr>
+          <a:xfrm>
+            <a:off x="0" y="5468400"/>
+            <a:ext cx="9753600" cy="4285200"/>
+          </a:xfrm>
+          <a:prstGeom prst="rect">
+            <a:avLst/>
+          </a:prstGeom>
+          <a:ln>
+            <a:noFill/>
+          </a:ln>
+        </p:spPr>
+        <p:style>
+          <a:lnRef idx="2">
+            <a:schemeClr val="dk1">
+              <a:shade val="50000"/>
+            </a:schemeClr>
+          </a:lnRef>
+          <a:fillRef idx="1">
+            <a:schemeClr val="dk1"/>
+          </a:fillRef>
+          <a:effectRef idx="0">
+            <a:schemeClr val="dk1"/>
+          </a:effectRef>
+          <a:fontRef idx="minor">
+            <a:schemeClr val="lt1"/>
+          </a:fontRef>
+        </p:style>
+        <p:txBody>
+          <a:bodyPr rtlCol="0" anchor="ctr"/>
+          <a:lstStyle/>
+          <a:p>
+            <a:pPr algn="ctr"/>
+            <a:r>
+              <a:rPr lang="de-DE" sz="4000" i="1" dirty="0" err="1"/>
+              <a:t>Placeholder</a:t>
+            </a:r>
+            <a:r>
+              <a:rPr lang="de-DE" sz="4000" i="1" dirty="0"/>
+              <a:t> / not in </a:t>
+            </a:r>
+            <a:r>
+              <a:rPr lang="de-DE" sz="4000" i="1" dirty="0" err="1"/>
+              <a:t>use</a:t>
+            </a:r>
+            <a:r>
+              <a:rPr lang="de-DE" sz="4000" i="1" dirty="0"/>
+              <a:t>!</a:t>
+            </a:r>
+            <a:endParaRPr lang="en-US" sz="4000" i="1" dirty="0"/>
+          </a:p>
+        </p:txBody>
+      </p:sp>
+      <p:sp>
+        <p:nvSpPr>
+          <p:cNvPr id="6" name="Rectangle 5">
+            <a:extLst>
+              <a:ext uri="{FF2B5EF4-FFF2-40B4-BE49-F238E27FC236}">
+                <a16:creationId xmlns:a16="http://schemas.microsoft.com/office/drawing/2014/main" id="{0B533615-A8B2-4915-AB6A-1B5C08FD6089}"/>
+              </a:ext>
+            </a:extLst>
+          </p:cNvPr>
+          <p:cNvSpPr/>
+          <p:nvPr/>
+        </p:nvSpPr>
+        <p:spPr>
+          <a:xfrm>
+            <a:off x="0" y="0"/>
+            <a:ext cx="9753600" cy="720000"/>
+          </a:xfrm>
+          <a:prstGeom prst="rect">
+            <a:avLst/>
+          </a:prstGeom>
+          <a:solidFill>
+            <a:srgbClr val="162644"/>
+          </a:solidFill>
+          <a:ln>
+            <a:noFill/>
+          </a:ln>
+        </p:spPr>
+        <p:style>
+          <a:lnRef idx="2">
+            <a:schemeClr val="accent1">
+              <a:shade val="50000"/>
+            </a:schemeClr>
+          </a:lnRef>
+          <a:fillRef idx="1">
+            <a:schemeClr val="accent1"/>
+          </a:fillRef>
+          <a:effectRef idx="0">
+            <a:schemeClr val="accent1"/>
+          </a:effectRef>
+          <a:fontRef idx="minor">
+            <a:schemeClr val="lt1"/>
+          </a:fontRef>
+        </p:style>
+        <p:txBody>
+          <a:bodyPr rtlCol="0" anchor="ctr"/>
+          <a:lstStyle/>
+          <a:p>
+            <a:pPr algn="ctr"/>
+            <a:endParaRPr lang="en-US"/>
+          </a:p>
+        </p:txBody>
+      </p:sp>
+      <p:sp>
+        <p:nvSpPr>
+          <p:cNvPr id="7" name="Rectangle 6">
+            <a:extLst>
+              <a:ext uri="{FF2B5EF4-FFF2-40B4-BE49-F238E27FC236}">
+                <a16:creationId xmlns:a16="http://schemas.microsoft.com/office/drawing/2014/main" id="{00FD9BF4-04BC-4A2D-ADE9-7EE3508D232E}"/>
+              </a:ext>
+            </a:extLst>
+          </p:cNvPr>
+          <p:cNvSpPr/>
+          <p:nvPr/>
+        </p:nvSpPr>
+        <p:spPr>
+          <a:xfrm>
+            <a:off x="7330440" y="-1"/>
+            <a:ext cx="1080000" cy="720000"/>
+          </a:xfrm>
+          <a:prstGeom prst="rect">
+            <a:avLst/>
+          </a:prstGeom>
+          <a:solidFill>
+            <a:schemeClr val="bg2">
+              <a:lumMod val="10000"/>
+            </a:schemeClr>
+          </a:solidFill>
+          <a:ln>
+            <a:noFill/>
+          </a:ln>
+        </p:spPr>
+        <p:style>
+          <a:lnRef idx="2">
+            <a:schemeClr val="accent1">
+              <a:shade val="50000"/>
+            </a:schemeClr>
+          </a:lnRef>
+          <a:fillRef idx="1">
+            <a:schemeClr val="accent1"/>
+          </a:fillRef>
+          <a:effectRef idx="0">
+            <a:schemeClr val="accent1"/>
+          </a:effectRef>
+          <a:fontRef idx="minor">
+            <a:schemeClr val="lt1"/>
+          </a:fontRef>
+        </p:style>
+        <p:txBody>
+          <a:bodyPr rtlCol="0" anchor="ctr"/>
+          <a:lstStyle/>
+          <a:p>
+            <a:pPr algn="ctr"/>
+            <a:endParaRPr lang="en-US" sz="2000" dirty="0"/>
+          </a:p>
+        </p:txBody>
+      </p:sp>
+      <p:sp>
+        <p:nvSpPr>
+          <p:cNvPr id="26" name="Rectangle 25">
+            <a:extLst>
+              <a:ext uri="{FF2B5EF4-FFF2-40B4-BE49-F238E27FC236}">
+                <a16:creationId xmlns:a16="http://schemas.microsoft.com/office/drawing/2014/main" id="{E6D2C0B5-5EA5-45EA-9D84-A71BA0ABC842}"/>
+              </a:ext>
+            </a:extLst>
+          </p:cNvPr>
+          <p:cNvSpPr/>
+          <p:nvPr/>
+        </p:nvSpPr>
+        <p:spPr>
+          <a:xfrm>
+            <a:off x="0" y="4748399"/>
+            <a:ext cx="9753600" cy="720000"/>
+          </a:xfrm>
+          <a:prstGeom prst="rect">
+            <a:avLst/>
+          </a:prstGeom>
+          <a:solidFill>
+            <a:srgbClr val="162644"/>
+          </a:solidFill>
+          <a:ln>
+            <a:noFill/>
+          </a:ln>
+        </p:spPr>
+        <p:style>
+          <a:lnRef idx="2">
+            <a:schemeClr val="accent1">
+              <a:shade val="50000"/>
+            </a:schemeClr>
+          </a:lnRef>
+          <a:fillRef idx="1">
+            <a:schemeClr val="accent1"/>
+          </a:fillRef>
+          <a:effectRef idx="0">
+            <a:schemeClr val="accent1"/>
+          </a:effectRef>
+          <a:fontRef idx="minor">
+            <a:schemeClr val="lt1"/>
+          </a:fontRef>
+        </p:style>
+        <p:txBody>
+          <a:bodyPr rtlCol="0" anchor="ctr"/>
+          <a:lstStyle/>
+          <a:p>
+            <a:pPr algn="ctr"/>
+            <a:endParaRPr lang="en-US"/>
+          </a:p>
+        </p:txBody>
+      </p:sp>
+      <p:sp>
+        <p:nvSpPr>
+          <p:cNvPr id="53" name="Rectangle: Rounded Corners 52">
+            <a:extLst>
+              <a:ext uri="{FF2B5EF4-FFF2-40B4-BE49-F238E27FC236}">
+                <a16:creationId xmlns:a16="http://schemas.microsoft.com/office/drawing/2014/main" id="{7283464F-F4FE-4EFD-B1B4-EE25B4D9B151}"/>
+              </a:ext>
+            </a:extLst>
+          </p:cNvPr>
+          <p:cNvSpPr/>
+          <p:nvPr/>
+        </p:nvSpPr>
+        <p:spPr>
+          <a:xfrm>
+            <a:off x="-146820" y="853440"/>
+            <a:ext cx="3979680" cy="720000"/>
+          </a:xfrm>
+          <a:prstGeom prst="roundRect">
+            <a:avLst/>
+          </a:prstGeom>
+          <a:solidFill>
+            <a:srgbClr val="0070C0"/>
+          </a:solidFill>
+          <a:ln>
+            <a:noFill/>
+          </a:ln>
+        </p:spPr>
+        <p:style>
+          <a:lnRef idx="2">
+            <a:schemeClr val="accent1">
+              <a:shade val="50000"/>
+            </a:schemeClr>
+          </a:lnRef>
+          <a:fillRef idx="1">
+            <a:schemeClr val="accent1"/>
+          </a:fillRef>
+          <a:effectRef idx="0">
+            <a:schemeClr val="accent1"/>
+          </a:effectRef>
+          <a:fontRef idx="minor">
+            <a:schemeClr val="lt1"/>
+          </a:fontRef>
+        </p:style>
+        <p:txBody>
+          <a:bodyPr lIns="1080000" rtlCol="0" anchor="ctr"/>
+          <a:lstStyle/>
+          <a:p>
+            <a:r>
+              <a:rPr lang="de-DE" sz="2200" dirty="0"/>
+              <a:t>Display &amp; Darstellung</a:t>
+            </a:r>
+          </a:p>
+        </p:txBody>
+      </p:sp>
+      <p:sp>
+        <p:nvSpPr>
+          <p:cNvPr id="56" name="Rectangle: Rounded Corners 55">
+            <a:extLst>
+              <a:ext uri="{FF2B5EF4-FFF2-40B4-BE49-F238E27FC236}">
+                <a16:creationId xmlns:a16="http://schemas.microsoft.com/office/drawing/2014/main" id="{31602AAF-0902-4714-A7A4-9ECAC9F0E1EB}"/>
+              </a:ext>
+            </a:extLst>
+          </p:cNvPr>
+          <p:cNvSpPr/>
+          <p:nvPr/>
+        </p:nvSpPr>
+        <p:spPr>
+          <a:xfrm>
+            <a:off x="-146821" y="1867279"/>
+            <a:ext cx="3979680" cy="720000"/>
+          </a:xfrm>
+          <a:prstGeom prst="roundRect">
+            <a:avLst/>
+          </a:prstGeom>
+          <a:solidFill>
+            <a:srgbClr val="0070C0"/>
+          </a:solidFill>
+          <a:ln>
+            <a:noFill/>
+          </a:ln>
+        </p:spPr>
+        <p:style>
+          <a:lnRef idx="2">
+            <a:schemeClr val="accent1">
+              <a:shade val="50000"/>
+            </a:schemeClr>
+          </a:lnRef>
+          <a:fillRef idx="1">
+            <a:schemeClr val="accent1"/>
+          </a:fillRef>
+          <a:effectRef idx="0">
+            <a:schemeClr val="accent1"/>
+          </a:effectRef>
+          <a:fontRef idx="minor">
+            <a:schemeClr val="lt1"/>
+          </a:fontRef>
+        </p:style>
+        <p:txBody>
+          <a:bodyPr lIns="1080000" rtlCol="0" anchor="ctr"/>
+          <a:lstStyle/>
+          <a:p>
+            <a:r>
+              <a:rPr lang="de-DE" sz="2200" dirty="0"/>
+              <a:t>Beschilderung &amp; Fahrgastinformation</a:t>
+            </a:r>
+          </a:p>
+        </p:txBody>
+      </p:sp>
+      <p:sp>
+        <p:nvSpPr>
+          <p:cNvPr id="58" name="Rectangle: Rounded Corners 57">
+            <a:extLst>
+              <a:ext uri="{FF2B5EF4-FFF2-40B4-BE49-F238E27FC236}">
+                <a16:creationId xmlns:a16="http://schemas.microsoft.com/office/drawing/2014/main" id="{A5D17050-732E-46A2-81E9-D669F4260099}"/>
+              </a:ext>
+            </a:extLst>
+          </p:cNvPr>
+          <p:cNvSpPr/>
+          <p:nvPr/>
+        </p:nvSpPr>
+        <p:spPr>
+          <a:xfrm>
+            <a:off x="-146821" y="3894958"/>
+            <a:ext cx="3979681" cy="720000"/>
+          </a:xfrm>
+          <a:prstGeom prst="roundRect">
+            <a:avLst/>
+          </a:prstGeom>
+          <a:solidFill>
+            <a:srgbClr val="0070C0"/>
+          </a:solidFill>
+          <a:ln>
+            <a:noFill/>
+          </a:ln>
+        </p:spPr>
+        <p:style>
+          <a:lnRef idx="2">
+            <a:schemeClr val="accent1">
+              <a:shade val="50000"/>
+            </a:schemeClr>
+          </a:lnRef>
+          <a:fillRef idx="1">
+            <a:schemeClr val="accent1"/>
+          </a:fillRef>
+          <a:effectRef idx="0">
+            <a:schemeClr val="accent1"/>
+          </a:effectRef>
+          <a:fontRef idx="minor">
+            <a:schemeClr val="lt1"/>
+          </a:fontRef>
+        </p:style>
+        <p:txBody>
+          <a:bodyPr lIns="1080000" rtlCol="0" anchor="ctr"/>
+          <a:lstStyle/>
+          <a:p>
+            <a:r>
+              <a:rPr lang="de-DE" sz="2200" dirty="0"/>
+              <a:t>Sonstiges </a:t>
+            </a:r>
+          </a:p>
+        </p:txBody>
+      </p:sp>
+      <p:sp>
+        <p:nvSpPr>
+          <p:cNvPr id="59" name="Rectangle 58">
+            <a:extLst>
+              <a:ext uri="{FF2B5EF4-FFF2-40B4-BE49-F238E27FC236}">
+                <a16:creationId xmlns:a16="http://schemas.microsoft.com/office/drawing/2014/main" id="{8E387CF4-D6C5-4EB3-B94F-029025483D3B}"/>
+              </a:ext>
+            </a:extLst>
+          </p:cNvPr>
+          <p:cNvSpPr/>
+          <p:nvPr/>
+        </p:nvSpPr>
+        <p:spPr>
+          <a:xfrm>
+            <a:off x="-146821" y="2881118"/>
+            <a:ext cx="4194946" cy="720000"/>
+          </a:xfrm>
+          <a:prstGeom prst="rect">
+            <a:avLst/>
+          </a:prstGeom>
+          <a:solidFill>
+            <a:schemeClr val="accent5">
+              <a:lumMod val="50000"/>
+            </a:schemeClr>
+          </a:solidFill>
+          <a:ln>
+            <a:noFill/>
+          </a:ln>
+        </p:spPr>
+        <p:style>
+          <a:lnRef idx="2">
+            <a:schemeClr val="accent1">
+              <a:shade val="50000"/>
+            </a:schemeClr>
+          </a:lnRef>
+          <a:fillRef idx="1">
+            <a:schemeClr val="accent1"/>
+          </a:fillRef>
+          <a:effectRef idx="0">
+            <a:schemeClr val="accent1"/>
+          </a:effectRef>
+          <a:fontRef idx="minor">
+            <a:schemeClr val="lt1"/>
+          </a:fontRef>
+        </p:style>
+        <p:txBody>
+          <a:bodyPr lIns="1080000" rtlCol="0" anchor="ctr"/>
+          <a:lstStyle/>
+          <a:p>
+            <a:r>
+              <a:rPr lang="de-DE" sz="2200" b="1" dirty="0"/>
+              <a:t>Gerät &amp; Hardware</a:t>
+            </a:r>
+          </a:p>
+        </p:txBody>
+      </p:sp>
+      <p:pic>
+        <p:nvPicPr>
+          <p:cNvPr id="3" name="Graphic 2">
+            <a:extLst>
+              <a:ext uri="{FF2B5EF4-FFF2-40B4-BE49-F238E27FC236}">
+                <a16:creationId xmlns:a16="http://schemas.microsoft.com/office/drawing/2014/main" id="{58FB5B8B-DA92-4BC4-B935-FF37529B0CBC}"/>
+              </a:ext>
+            </a:extLst>
+          </p:cNvPr>
+          <p:cNvPicPr>
+            <a:picLocks noChangeAspect="1"/>
+          </p:cNvPicPr>
+          <p:nvPr/>
+        </p:nvPicPr>
+        <p:blipFill>
+          <a:blip r:embed="rId2">
+            <a:extLst>
+              <a:ext uri="{28A0092B-C50C-407E-A947-70E740481C1C}">
+                <a14:useLocalDpi xmlns:a14="http://schemas.microsoft.com/office/drawing/2010/main" val="0"/>
+              </a:ext>
+              <a:ext uri="{96DAC541-7B7A-43D3-8B79-37D633B846F1}">
+                <asvg:svgBlip xmlns:asvg="http://schemas.microsoft.com/office/drawing/2016/SVG/main" r:embed="rId3"/>
+              </a:ext>
+            </a:extLst>
+          </a:blip>
+          <a:stretch>
+            <a:fillRect/>
+          </a:stretch>
+        </p:blipFill>
+        <p:spPr>
+          <a:xfrm>
+            <a:off x="165088" y="946468"/>
+            <a:ext cx="607500" cy="540000"/>
+          </a:xfrm>
+          <a:prstGeom prst="rect">
+            <a:avLst/>
+          </a:prstGeom>
+        </p:spPr>
+      </p:pic>
+      <p:pic>
+        <p:nvPicPr>
+          <p:cNvPr id="8" name="Graphic 7">
+            <a:extLst>
+              <a:ext uri="{FF2B5EF4-FFF2-40B4-BE49-F238E27FC236}">
+                <a16:creationId xmlns:a16="http://schemas.microsoft.com/office/drawing/2014/main" id="{33E007EB-FAE5-494F-AB95-FFA15FCB2CE3}"/>
+              </a:ext>
+            </a:extLst>
+          </p:cNvPr>
+          <p:cNvPicPr>
+            <a:picLocks noChangeAspect="1"/>
+          </p:cNvPicPr>
+          <p:nvPr/>
+        </p:nvPicPr>
+        <p:blipFill>
+          <a:blip r:embed="rId4">
+            <a:extLst>
+              <a:ext uri="{28A0092B-C50C-407E-A947-70E740481C1C}">
+                <a14:useLocalDpi xmlns:a14="http://schemas.microsoft.com/office/drawing/2010/main" val="0"/>
+              </a:ext>
+              <a:ext uri="{96DAC541-7B7A-43D3-8B79-37D633B846F1}">
+                <asvg:svgBlip xmlns:asvg="http://schemas.microsoft.com/office/drawing/2016/SVG/main" r:embed="rId5"/>
+              </a:ext>
+            </a:extLst>
+          </a:blip>
+          <a:stretch>
+            <a:fillRect/>
+          </a:stretch>
+        </p:blipFill>
+        <p:spPr>
+          <a:xfrm>
+            <a:off x="204990" y="1957279"/>
+            <a:ext cx="540000" cy="540000"/>
+          </a:xfrm>
+          <a:prstGeom prst="rect">
+            <a:avLst/>
+          </a:prstGeom>
+        </p:spPr>
+      </p:pic>
+      <p:pic>
+        <p:nvPicPr>
+          <p:cNvPr id="10" name="Graphic 9">
+            <a:extLst>
+              <a:ext uri="{FF2B5EF4-FFF2-40B4-BE49-F238E27FC236}">
+                <a16:creationId xmlns:a16="http://schemas.microsoft.com/office/drawing/2014/main" id="{2CFA6614-755B-45F8-86FD-956379708FB0}"/>
+              </a:ext>
+            </a:extLst>
+          </p:cNvPr>
+          <p:cNvPicPr>
+            <a:picLocks noChangeAspect="1"/>
+          </p:cNvPicPr>
+          <p:nvPr/>
+        </p:nvPicPr>
+        <p:blipFill>
+          <a:blip r:embed="rId6">
+            <a:extLst>
+              <a:ext uri="{28A0092B-C50C-407E-A947-70E740481C1C}">
+                <a14:useLocalDpi xmlns:a14="http://schemas.microsoft.com/office/drawing/2010/main" val="0"/>
+              </a:ext>
+              <a:ext uri="{96DAC541-7B7A-43D3-8B79-37D633B846F1}">
+                <asvg:svgBlip xmlns:asvg="http://schemas.microsoft.com/office/drawing/2016/SVG/main" r:embed="rId7"/>
+              </a:ext>
+            </a:extLst>
+          </a:blip>
+          <a:stretch>
+            <a:fillRect/>
+          </a:stretch>
+        </p:blipFill>
+        <p:spPr>
+          <a:xfrm>
+            <a:off x="174613" y="2971118"/>
+            <a:ext cx="540000" cy="540000"/>
+          </a:xfrm>
+          <a:prstGeom prst="rect">
+            <a:avLst/>
+          </a:prstGeom>
+        </p:spPr>
+      </p:pic>
+      <p:pic>
+        <p:nvPicPr>
+          <p:cNvPr id="63" name="Graphic 62">
+            <a:extLst>
+              <a:ext uri="{FF2B5EF4-FFF2-40B4-BE49-F238E27FC236}">
+                <a16:creationId xmlns:a16="http://schemas.microsoft.com/office/drawing/2014/main" id="{7A1A725A-2A6E-4E88-844E-5EDDF8067390}"/>
+              </a:ext>
+            </a:extLst>
+          </p:cNvPr>
+          <p:cNvPicPr>
+            <a:picLocks noChangeAspect="1"/>
+          </p:cNvPicPr>
+          <p:nvPr/>
+        </p:nvPicPr>
+        <p:blipFill>
+          <a:blip r:embed="rId8">
+            <a:extLst>
+              <a:ext uri="{28A0092B-C50C-407E-A947-70E740481C1C}">
+                <a14:useLocalDpi xmlns:a14="http://schemas.microsoft.com/office/drawing/2010/main" val="0"/>
+              </a:ext>
+              <a:ext uri="{96DAC541-7B7A-43D3-8B79-37D633B846F1}">
+                <asvg:svgBlip xmlns:asvg="http://schemas.microsoft.com/office/drawing/2016/SVG/main" r:embed="rId9"/>
+              </a:ext>
+            </a:extLst>
+          </a:blip>
+          <a:stretch>
+            <a:fillRect/>
+          </a:stretch>
+        </p:blipFill>
+        <p:spPr>
+          <a:xfrm>
+            <a:off x="188862" y="3989854"/>
+            <a:ext cx="472500" cy="540000"/>
+          </a:xfrm>
+          <a:prstGeom prst="rect">
+            <a:avLst/>
+          </a:prstGeom>
+        </p:spPr>
+      </p:pic>
+      <p:sp>
+        <p:nvSpPr>
+          <p:cNvPr id="21" name="Rectangle: Rounded Corners 20">
+            <a:extLst>
+              <a:ext uri="{FF2B5EF4-FFF2-40B4-BE49-F238E27FC236}">
+                <a16:creationId xmlns:a16="http://schemas.microsoft.com/office/drawing/2014/main" id="{1A35B829-4749-4484-B5C5-49F1C48FDCF6}"/>
+              </a:ext>
+            </a:extLst>
+          </p:cNvPr>
+          <p:cNvSpPr/>
+          <p:nvPr/>
+        </p:nvSpPr>
+        <p:spPr>
+          <a:xfrm>
+            <a:off x="4156799" y="4793399"/>
+            <a:ext cx="1440000" cy="630000"/>
+          </a:xfrm>
+          <a:prstGeom prst="roundRect">
+            <a:avLst/>
+          </a:prstGeom>
+          <a:solidFill>
+            <a:srgbClr val="C00000"/>
+          </a:solidFill>
+          <a:ln>
+            <a:noFill/>
+          </a:ln>
+        </p:spPr>
+        <p:style>
+          <a:lnRef idx="2">
+            <a:schemeClr val="accent1">
+              <a:shade val="50000"/>
+            </a:schemeClr>
+          </a:lnRef>
+          <a:fillRef idx="1">
+            <a:schemeClr val="accent1"/>
+          </a:fillRef>
+          <a:effectRef idx="0">
+            <a:schemeClr val="accent1"/>
+          </a:effectRef>
+          <a:fontRef idx="minor">
+            <a:schemeClr val="lt1"/>
+          </a:fontRef>
+        </p:style>
+        <p:txBody>
+          <a:bodyPr rtlCol="0" anchor="ctr"/>
+          <a:lstStyle/>
+          <a:p>
+            <a:pPr algn="ctr"/>
+            <a:r>
+              <a:rPr lang="de-DE" b="1" dirty="0"/>
+              <a:t>Unfall!</a:t>
+            </a:r>
+            <a:endParaRPr lang="en-US" b="1" dirty="0"/>
+          </a:p>
+        </p:txBody>
+      </p:sp>
+      <p:sp>
+        <p:nvSpPr>
+          <p:cNvPr id="22" name="Rectangle: Rounded Corners 21">
+            <a:extLst>
+              <a:ext uri="{FF2B5EF4-FFF2-40B4-BE49-F238E27FC236}">
+                <a16:creationId xmlns:a16="http://schemas.microsoft.com/office/drawing/2014/main" id="{D09A03BE-D0B6-4A0F-811F-F1BC0BF84696}"/>
+              </a:ext>
+            </a:extLst>
+          </p:cNvPr>
+          <p:cNvSpPr/>
+          <p:nvPr/>
+        </p:nvSpPr>
+        <p:spPr>
+          <a:xfrm>
+            <a:off x="721963" y="4794250"/>
+            <a:ext cx="630000" cy="630000"/>
+          </a:xfrm>
+          <a:prstGeom prst="roundRect">
+            <a:avLst/>
+          </a:prstGeom>
+          <a:solidFill>
+            <a:schemeClr val="accent4"/>
+          </a:solidFill>
+          <a:ln>
+            <a:noFill/>
+          </a:ln>
+        </p:spPr>
+        <p:style>
+          <a:lnRef idx="2">
+            <a:schemeClr val="accent1">
+              <a:shade val="50000"/>
+            </a:schemeClr>
+          </a:lnRef>
+          <a:fillRef idx="1">
+            <a:schemeClr val="accent1"/>
+          </a:fillRef>
+          <a:effectRef idx="0">
+            <a:schemeClr val="accent1"/>
+          </a:effectRef>
+          <a:fontRef idx="minor">
+            <a:schemeClr val="lt1"/>
+          </a:fontRef>
+        </p:style>
+        <p:txBody>
+          <a:bodyPr rtlCol="0" anchor="ctr"/>
+          <a:lstStyle/>
+          <a:p>
+            <a:pPr algn="ctr"/>
+            <a:endParaRPr lang="en-US" dirty="0"/>
+          </a:p>
+        </p:txBody>
+      </p:sp>
+      <p:pic>
+        <p:nvPicPr>
+          <p:cNvPr id="23" name="Graphic 22">
+            <a:extLst>
+              <a:ext uri="{FF2B5EF4-FFF2-40B4-BE49-F238E27FC236}">
+                <a16:creationId xmlns:a16="http://schemas.microsoft.com/office/drawing/2014/main" id="{B21BC291-AFB4-41BF-A852-4B55BABBAED7}"/>
+              </a:ext>
+            </a:extLst>
+          </p:cNvPr>
+          <p:cNvPicPr>
+            <a:picLocks noChangeAspect="1"/>
+          </p:cNvPicPr>
+          <p:nvPr/>
+        </p:nvPicPr>
+        <p:blipFill>
+          <a:blip r:embed="rId10">
+            <a:extLst>
+              <a:ext uri="{28A0092B-C50C-407E-A947-70E740481C1C}">
+                <a14:useLocalDpi xmlns:a14="http://schemas.microsoft.com/office/drawing/2010/main" val="0"/>
+              </a:ext>
+              <a:ext uri="{96DAC541-7B7A-43D3-8B79-37D633B846F1}">
+                <asvg:svgBlip xmlns:asvg="http://schemas.microsoft.com/office/drawing/2016/SVG/main" r:embed="rId11"/>
+              </a:ext>
+            </a:extLst>
+          </a:blip>
+          <a:stretch>
+            <a:fillRect/>
+          </a:stretch>
+        </p:blipFill>
+        <p:spPr>
+          <a:xfrm>
+            <a:off x="840088" y="4883399"/>
+            <a:ext cx="393750" cy="450000"/>
+          </a:xfrm>
+          <a:prstGeom prst="rect">
+            <a:avLst/>
+          </a:prstGeom>
+        </p:spPr>
+      </p:pic>
+      <p:sp>
+        <p:nvSpPr>
+          <p:cNvPr id="24" name="Rectangle: Rounded Corners 23">
+            <a:extLst>
+              <a:ext uri="{FF2B5EF4-FFF2-40B4-BE49-F238E27FC236}">
+                <a16:creationId xmlns:a16="http://schemas.microsoft.com/office/drawing/2014/main" id="{C7754431-1450-4985-B0A1-42791CDC9B62}"/>
+              </a:ext>
+            </a:extLst>
+          </p:cNvPr>
+          <p:cNvSpPr/>
+          <p:nvPr/>
+        </p:nvSpPr>
+        <p:spPr>
+          <a:xfrm>
+            <a:off x="46963" y="4794250"/>
+            <a:ext cx="630000" cy="630000"/>
+          </a:xfrm>
+          <a:prstGeom prst="roundRect">
+            <a:avLst/>
+          </a:prstGeom>
+          <a:solidFill>
+            <a:schemeClr val="accent1">
+              <a:lumMod val="50000"/>
+            </a:schemeClr>
+          </a:solidFill>
+          <a:ln>
+            <a:noFill/>
+          </a:ln>
+        </p:spPr>
+        <p:style>
+          <a:lnRef idx="2">
+            <a:schemeClr val="accent1">
+              <a:shade val="50000"/>
+            </a:schemeClr>
+          </a:lnRef>
+          <a:fillRef idx="1">
+            <a:schemeClr val="accent1"/>
+          </a:fillRef>
+          <a:effectRef idx="0">
+            <a:schemeClr val="accent1"/>
+          </a:effectRef>
+          <a:fontRef idx="minor">
+            <a:schemeClr val="lt1"/>
+          </a:fontRef>
+        </p:style>
+        <p:txBody>
+          <a:bodyPr rtlCol="0" anchor="ctr"/>
+          <a:lstStyle/>
+          <a:p>
+            <a:pPr algn="ctr"/>
+            <a:endParaRPr lang="en-US" dirty="0"/>
+          </a:p>
+        </p:txBody>
+      </p:sp>
+      <p:pic>
+        <p:nvPicPr>
+          <p:cNvPr id="25" name="Graphic 24">
+            <a:extLst>
+              <a:ext uri="{FF2B5EF4-FFF2-40B4-BE49-F238E27FC236}">
+                <a16:creationId xmlns:a16="http://schemas.microsoft.com/office/drawing/2014/main" id="{A0B2FECB-FC87-44DB-81DD-8A9BCA4B0006}"/>
+              </a:ext>
+            </a:extLst>
+          </p:cNvPr>
+          <p:cNvPicPr>
+            <a:picLocks noChangeAspect="1"/>
+          </p:cNvPicPr>
+          <p:nvPr/>
+        </p:nvPicPr>
+        <p:blipFill>
+          <a:blip r:embed="rId12">
+            <a:extLst>
+              <a:ext uri="{28A0092B-C50C-407E-A947-70E740481C1C}">
+                <a14:useLocalDpi xmlns:a14="http://schemas.microsoft.com/office/drawing/2010/main" val="0"/>
+              </a:ext>
+              <a:ext uri="{96DAC541-7B7A-43D3-8B79-37D633B846F1}">
+                <asvg:svgBlip xmlns:asvg="http://schemas.microsoft.com/office/drawing/2016/SVG/main" r:embed="rId13"/>
+              </a:ext>
+            </a:extLst>
+          </a:blip>
+          <a:stretch>
+            <a:fillRect/>
+          </a:stretch>
+        </p:blipFill>
+        <p:spPr>
+          <a:xfrm>
+            <a:off x="165088" y="4881635"/>
+            <a:ext cx="393750" cy="450000"/>
+          </a:xfrm>
+          <a:prstGeom prst="rect">
+            <a:avLst/>
+          </a:prstGeom>
+        </p:spPr>
+      </p:pic>
+    </p:spTree>
+    <p:extLst>
+      <p:ext uri="{BB962C8B-B14F-4D97-AF65-F5344CB8AC3E}">
+        <p14:creationId xmlns:p14="http://schemas.microsoft.com/office/powerpoint/2010/main" val="2522792101"/>
+      </p:ext>
+    </p:extLst>
+  </p:cSld>
+  <p:clrMapOvr>
+    <a:masterClrMapping/>
+  </p:clrMapOvr>
+</p:sld>
+</file>
+
+<file path=ppt/slides/slide33.xml><?xml version="1.0" encoding="utf-8"?>
+<p:sld xmlns:a="http://schemas.openxmlformats.org/drawingml/2006/main" xmlns:r="http://schemas.openxmlformats.org/officeDocument/2006/relationships" xmlns:p="http://schemas.openxmlformats.org/presentationml/2006/main">
+  <p:cSld>
+    <p:spTree>
+      <p:nvGrpSpPr>
+        <p:cNvPr id="1" name=""/>
+        <p:cNvGrpSpPr/>
+        <p:nvPr/>
+      </p:nvGrpSpPr>
+      <p:grpSpPr>
+        <a:xfrm>
+          <a:off x="0" y="0"/>
+          <a:ext cx="0" cy="0"/>
+          <a:chOff x="0" y="0"/>
+          <a:chExt cx="0" cy="0"/>
+        </a:xfrm>
+      </p:grpSpPr>
+      <p:sp>
+        <p:nvSpPr>
+          <p:cNvPr id="20" name="Rectangle 19">
+            <a:extLst>
+              <a:ext uri="{FF2B5EF4-FFF2-40B4-BE49-F238E27FC236}">
+                <a16:creationId xmlns:a16="http://schemas.microsoft.com/office/drawing/2014/main" id="{4060C324-4318-4830-BE4D-80F7588567D5}"/>
+              </a:ext>
+            </a:extLst>
+          </p:cNvPr>
+          <p:cNvSpPr/>
+          <p:nvPr/>
+        </p:nvSpPr>
+        <p:spPr>
+          <a:xfrm>
+            <a:off x="0" y="718023"/>
+            <a:ext cx="4048125" cy="4750375"/>
+          </a:xfrm>
+          <a:prstGeom prst="rect">
+            <a:avLst/>
+          </a:prstGeom>
+          <a:solidFill>
+            <a:schemeClr val="accent1">
+              <a:lumMod val="50000"/>
+            </a:schemeClr>
+          </a:solidFill>
+          <a:ln>
+            <a:noFill/>
+          </a:ln>
+        </p:spPr>
+        <p:style>
+          <a:lnRef idx="2">
+            <a:schemeClr val="accent1">
+              <a:shade val="50000"/>
+            </a:schemeClr>
+          </a:lnRef>
+          <a:fillRef idx="1">
+            <a:schemeClr val="accent1"/>
+          </a:fillRef>
+          <a:effectRef idx="0">
+            <a:schemeClr val="accent1"/>
+          </a:effectRef>
+          <a:fontRef idx="minor">
+            <a:schemeClr val="lt1"/>
+          </a:fontRef>
+        </p:style>
+        <p:txBody>
+          <a:bodyPr rtlCol="0" anchor="ctr"/>
+          <a:lstStyle/>
+          <a:p>
+            <a:pPr algn="ctr"/>
+            <a:endParaRPr lang="en-US" u="sng" dirty="0"/>
+          </a:p>
+        </p:txBody>
+      </p:sp>
+      <p:sp>
+        <p:nvSpPr>
+          <p:cNvPr id="5" name="Rectangle 4">
+            <a:extLst>
+              <a:ext uri="{FF2B5EF4-FFF2-40B4-BE49-F238E27FC236}">
+                <a16:creationId xmlns:a16="http://schemas.microsoft.com/office/drawing/2014/main" id="{DD6F78D1-EB25-4C39-8595-0B180702B60C}"/>
+              </a:ext>
+            </a:extLst>
+          </p:cNvPr>
+          <p:cNvSpPr/>
+          <p:nvPr/>
+        </p:nvSpPr>
+        <p:spPr>
+          <a:xfrm>
+            <a:off x="0" y="5468400"/>
+            <a:ext cx="9753600" cy="4285200"/>
+          </a:xfrm>
+          <a:prstGeom prst="rect">
+            <a:avLst/>
+          </a:prstGeom>
+          <a:ln>
+            <a:noFill/>
+          </a:ln>
+        </p:spPr>
+        <p:style>
+          <a:lnRef idx="2">
+            <a:schemeClr val="dk1">
+              <a:shade val="50000"/>
+            </a:schemeClr>
+          </a:lnRef>
+          <a:fillRef idx="1">
+            <a:schemeClr val="dk1"/>
+          </a:fillRef>
+          <a:effectRef idx="0">
+            <a:schemeClr val="dk1"/>
+          </a:effectRef>
+          <a:fontRef idx="minor">
+            <a:schemeClr val="lt1"/>
+          </a:fontRef>
+        </p:style>
+        <p:txBody>
+          <a:bodyPr rtlCol="0" anchor="ctr"/>
+          <a:lstStyle/>
+          <a:p>
+            <a:pPr algn="ctr"/>
+            <a:r>
+              <a:rPr lang="de-DE" sz="4000" i="1" dirty="0" err="1"/>
+              <a:t>Placeholder</a:t>
+            </a:r>
+            <a:r>
+              <a:rPr lang="de-DE" sz="4000" i="1" dirty="0"/>
+              <a:t> / not in </a:t>
+            </a:r>
+            <a:r>
+              <a:rPr lang="de-DE" sz="4000" i="1" dirty="0" err="1"/>
+              <a:t>use</a:t>
+            </a:r>
+            <a:r>
+              <a:rPr lang="de-DE" sz="4000" i="1" dirty="0"/>
+              <a:t>!</a:t>
+            </a:r>
+            <a:endParaRPr lang="en-US" sz="4000" i="1" dirty="0"/>
+          </a:p>
+        </p:txBody>
+      </p:sp>
+      <p:sp>
+        <p:nvSpPr>
+          <p:cNvPr id="6" name="Rectangle 5">
+            <a:extLst>
+              <a:ext uri="{FF2B5EF4-FFF2-40B4-BE49-F238E27FC236}">
+                <a16:creationId xmlns:a16="http://schemas.microsoft.com/office/drawing/2014/main" id="{0B533615-A8B2-4915-AB6A-1B5C08FD6089}"/>
+              </a:ext>
+            </a:extLst>
+          </p:cNvPr>
+          <p:cNvSpPr/>
+          <p:nvPr/>
+        </p:nvSpPr>
+        <p:spPr>
+          <a:xfrm>
+            <a:off x="0" y="0"/>
+            <a:ext cx="9753600" cy="720000"/>
+          </a:xfrm>
+          <a:prstGeom prst="rect">
+            <a:avLst/>
+          </a:prstGeom>
+          <a:solidFill>
+            <a:srgbClr val="162644"/>
+          </a:solidFill>
+          <a:ln>
+            <a:noFill/>
+          </a:ln>
+        </p:spPr>
+        <p:style>
+          <a:lnRef idx="2">
+            <a:schemeClr val="accent1">
+              <a:shade val="50000"/>
+            </a:schemeClr>
+          </a:lnRef>
+          <a:fillRef idx="1">
+            <a:schemeClr val="accent1"/>
+          </a:fillRef>
+          <a:effectRef idx="0">
+            <a:schemeClr val="accent1"/>
+          </a:effectRef>
+          <a:fontRef idx="minor">
+            <a:schemeClr val="lt1"/>
+          </a:fontRef>
+        </p:style>
+        <p:txBody>
+          <a:bodyPr rtlCol="0" anchor="ctr"/>
+          <a:lstStyle/>
+          <a:p>
+            <a:pPr algn="ctr"/>
+            <a:endParaRPr lang="en-US"/>
+          </a:p>
+        </p:txBody>
+      </p:sp>
+      <p:sp>
+        <p:nvSpPr>
+          <p:cNvPr id="7" name="Rectangle 6">
+            <a:extLst>
+              <a:ext uri="{FF2B5EF4-FFF2-40B4-BE49-F238E27FC236}">
+                <a16:creationId xmlns:a16="http://schemas.microsoft.com/office/drawing/2014/main" id="{00FD9BF4-04BC-4A2D-ADE9-7EE3508D232E}"/>
+              </a:ext>
+            </a:extLst>
+          </p:cNvPr>
+          <p:cNvSpPr/>
+          <p:nvPr/>
+        </p:nvSpPr>
+        <p:spPr>
+          <a:xfrm>
+            <a:off x="7330440" y="-1"/>
+            <a:ext cx="1080000" cy="720000"/>
+          </a:xfrm>
+          <a:prstGeom prst="rect">
+            <a:avLst/>
+          </a:prstGeom>
+          <a:solidFill>
+            <a:schemeClr val="bg2">
+              <a:lumMod val="10000"/>
+            </a:schemeClr>
+          </a:solidFill>
+          <a:ln>
+            <a:noFill/>
+          </a:ln>
+        </p:spPr>
+        <p:style>
+          <a:lnRef idx="2">
+            <a:schemeClr val="accent1">
+              <a:shade val="50000"/>
+            </a:schemeClr>
+          </a:lnRef>
+          <a:fillRef idx="1">
+            <a:schemeClr val="accent1"/>
+          </a:fillRef>
+          <a:effectRef idx="0">
+            <a:schemeClr val="accent1"/>
+          </a:effectRef>
+          <a:fontRef idx="minor">
+            <a:schemeClr val="lt1"/>
+          </a:fontRef>
+        </p:style>
+        <p:txBody>
+          <a:bodyPr rtlCol="0" anchor="ctr"/>
+          <a:lstStyle/>
+          <a:p>
+            <a:pPr algn="ctr"/>
+            <a:endParaRPr lang="en-US" sz="2000" dirty="0"/>
+          </a:p>
+        </p:txBody>
+      </p:sp>
+      <p:sp>
+        <p:nvSpPr>
+          <p:cNvPr id="26" name="Rectangle 25">
+            <a:extLst>
+              <a:ext uri="{FF2B5EF4-FFF2-40B4-BE49-F238E27FC236}">
+                <a16:creationId xmlns:a16="http://schemas.microsoft.com/office/drawing/2014/main" id="{E6D2C0B5-5EA5-45EA-9D84-A71BA0ABC842}"/>
+              </a:ext>
+            </a:extLst>
+          </p:cNvPr>
+          <p:cNvSpPr/>
+          <p:nvPr/>
+        </p:nvSpPr>
+        <p:spPr>
+          <a:xfrm>
+            <a:off x="0" y="4748399"/>
+            <a:ext cx="9753600" cy="720000"/>
+          </a:xfrm>
+          <a:prstGeom prst="rect">
+            <a:avLst/>
+          </a:prstGeom>
+          <a:solidFill>
+            <a:srgbClr val="162644"/>
+          </a:solidFill>
+          <a:ln>
+            <a:noFill/>
+          </a:ln>
+        </p:spPr>
+        <p:style>
+          <a:lnRef idx="2">
+            <a:schemeClr val="accent1">
+              <a:shade val="50000"/>
+            </a:schemeClr>
+          </a:lnRef>
+          <a:fillRef idx="1">
+            <a:schemeClr val="accent1"/>
+          </a:fillRef>
+          <a:effectRef idx="0">
+            <a:schemeClr val="accent1"/>
+          </a:effectRef>
+          <a:fontRef idx="minor">
+            <a:schemeClr val="lt1"/>
+          </a:fontRef>
+        </p:style>
+        <p:txBody>
+          <a:bodyPr rtlCol="0" anchor="ctr"/>
+          <a:lstStyle/>
+          <a:p>
+            <a:pPr algn="ctr"/>
+            <a:endParaRPr lang="en-US"/>
+          </a:p>
+        </p:txBody>
+      </p:sp>
+      <p:sp>
+        <p:nvSpPr>
+          <p:cNvPr id="53" name="Rectangle: Rounded Corners 52">
+            <a:extLst>
+              <a:ext uri="{FF2B5EF4-FFF2-40B4-BE49-F238E27FC236}">
+                <a16:creationId xmlns:a16="http://schemas.microsoft.com/office/drawing/2014/main" id="{7283464F-F4FE-4EFD-B1B4-EE25B4D9B151}"/>
+              </a:ext>
+            </a:extLst>
+          </p:cNvPr>
+          <p:cNvSpPr/>
+          <p:nvPr/>
+        </p:nvSpPr>
+        <p:spPr>
+          <a:xfrm>
+            <a:off x="-146820" y="853440"/>
+            <a:ext cx="3979680" cy="720000"/>
+          </a:xfrm>
+          <a:prstGeom prst="roundRect">
+            <a:avLst/>
+          </a:prstGeom>
+          <a:solidFill>
+            <a:srgbClr val="0070C0"/>
+          </a:solidFill>
+          <a:ln>
+            <a:noFill/>
+          </a:ln>
+        </p:spPr>
+        <p:style>
+          <a:lnRef idx="2">
+            <a:schemeClr val="accent1">
+              <a:shade val="50000"/>
+            </a:schemeClr>
+          </a:lnRef>
+          <a:fillRef idx="1">
+            <a:schemeClr val="accent1"/>
+          </a:fillRef>
+          <a:effectRef idx="0">
+            <a:schemeClr val="accent1"/>
+          </a:effectRef>
+          <a:fontRef idx="minor">
+            <a:schemeClr val="lt1"/>
+          </a:fontRef>
+        </p:style>
+        <p:txBody>
+          <a:bodyPr lIns="1080000" rtlCol="0" anchor="ctr"/>
+          <a:lstStyle/>
+          <a:p>
+            <a:r>
+              <a:rPr lang="de-DE" sz="2200" dirty="0"/>
+              <a:t>Display &amp; Darstellung</a:t>
+            </a:r>
+          </a:p>
+        </p:txBody>
+      </p:sp>
+      <p:sp>
+        <p:nvSpPr>
+          <p:cNvPr id="56" name="Rectangle: Rounded Corners 55">
+            <a:extLst>
+              <a:ext uri="{FF2B5EF4-FFF2-40B4-BE49-F238E27FC236}">
+                <a16:creationId xmlns:a16="http://schemas.microsoft.com/office/drawing/2014/main" id="{31602AAF-0902-4714-A7A4-9ECAC9F0E1EB}"/>
+              </a:ext>
+            </a:extLst>
+          </p:cNvPr>
+          <p:cNvSpPr/>
+          <p:nvPr/>
+        </p:nvSpPr>
+        <p:spPr>
+          <a:xfrm>
+            <a:off x="-146821" y="1867279"/>
+            <a:ext cx="3979680" cy="720000"/>
+          </a:xfrm>
+          <a:prstGeom prst="roundRect">
+            <a:avLst/>
+          </a:prstGeom>
+          <a:solidFill>
+            <a:srgbClr val="0070C0"/>
+          </a:solidFill>
+          <a:ln>
+            <a:noFill/>
+          </a:ln>
+        </p:spPr>
+        <p:style>
+          <a:lnRef idx="2">
+            <a:schemeClr val="accent1">
+              <a:shade val="50000"/>
+            </a:schemeClr>
+          </a:lnRef>
+          <a:fillRef idx="1">
+            <a:schemeClr val="accent1"/>
+          </a:fillRef>
+          <a:effectRef idx="0">
+            <a:schemeClr val="accent1"/>
+          </a:effectRef>
+          <a:fontRef idx="minor">
+            <a:schemeClr val="lt1"/>
+          </a:fontRef>
+        </p:style>
+        <p:txBody>
+          <a:bodyPr lIns="1080000" rtlCol="0" anchor="ctr"/>
+          <a:lstStyle/>
+          <a:p>
+            <a:r>
+              <a:rPr lang="de-DE" sz="2200" dirty="0"/>
+              <a:t>Beschilderung &amp; Fahrgastinformation</a:t>
+            </a:r>
+          </a:p>
+        </p:txBody>
+      </p:sp>
+      <p:sp>
+        <p:nvSpPr>
+          <p:cNvPr id="58" name="Rectangle 57">
+            <a:extLst>
+              <a:ext uri="{FF2B5EF4-FFF2-40B4-BE49-F238E27FC236}">
+                <a16:creationId xmlns:a16="http://schemas.microsoft.com/office/drawing/2014/main" id="{A5D17050-732E-46A2-81E9-D669F4260099}"/>
+              </a:ext>
+            </a:extLst>
+          </p:cNvPr>
+          <p:cNvSpPr/>
+          <p:nvPr/>
+        </p:nvSpPr>
+        <p:spPr>
+          <a:xfrm>
+            <a:off x="-146821" y="3894958"/>
+            <a:ext cx="4194946" cy="720000"/>
+          </a:xfrm>
+          <a:prstGeom prst="rect">
+            <a:avLst/>
+          </a:prstGeom>
+          <a:solidFill>
+            <a:schemeClr val="accent5">
+              <a:lumMod val="50000"/>
+            </a:schemeClr>
+          </a:solidFill>
+          <a:ln>
+            <a:noFill/>
+          </a:ln>
+        </p:spPr>
+        <p:style>
+          <a:lnRef idx="2">
+            <a:schemeClr val="accent1">
+              <a:shade val="50000"/>
+            </a:schemeClr>
+          </a:lnRef>
+          <a:fillRef idx="1">
+            <a:schemeClr val="accent1"/>
+          </a:fillRef>
+          <a:effectRef idx="0">
+            <a:schemeClr val="accent1"/>
+          </a:effectRef>
+          <a:fontRef idx="minor">
+            <a:schemeClr val="lt1"/>
+          </a:fontRef>
+        </p:style>
+        <p:txBody>
+          <a:bodyPr lIns="1080000" rtlCol="0" anchor="ctr"/>
+          <a:lstStyle/>
+          <a:p>
+            <a:r>
+              <a:rPr lang="de-DE" sz="2200" b="1" dirty="0"/>
+              <a:t>Sonstiges </a:t>
+            </a:r>
+          </a:p>
+        </p:txBody>
+      </p:sp>
+      <p:sp>
+        <p:nvSpPr>
+          <p:cNvPr id="59" name="Rectangle: Rounded Corners 58">
+            <a:extLst>
+              <a:ext uri="{FF2B5EF4-FFF2-40B4-BE49-F238E27FC236}">
+                <a16:creationId xmlns:a16="http://schemas.microsoft.com/office/drawing/2014/main" id="{8E387CF4-D6C5-4EB3-B94F-029025483D3B}"/>
+              </a:ext>
+            </a:extLst>
+          </p:cNvPr>
+          <p:cNvSpPr/>
+          <p:nvPr/>
+        </p:nvSpPr>
+        <p:spPr>
+          <a:xfrm>
+            <a:off x="-146821" y="2881118"/>
+            <a:ext cx="3979680" cy="720000"/>
+          </a:xfrm>
+          <a:prstGeom prst="roundRect">
+            <a:avLst/>
+          </a:prstGeom>
+          <a:solidFill>
+            <a:srgbClr val="0070C0"/>
+          </a:solidFill>
+          <a:ln>
+            <a:noFill/>
+          </a:ln>
+        </p:spPr>
+        <p:style>
+          <a:lnRef idx="2">
+            <a:schemeClr val="accent1">
+              <a:shade val="50000"/>
+            </a:schemeClr>
+          </a:lnRef>
+          <a:fillRef idx="1">
+            <a:schemeClr val="accent1"/>
+          </a:fillRef>
+          <a:effectRef idx="0">
+            <a:schemeClr val="accent1"/>
+          </a:effectRef>
+          <a:fontRef idx="minor">
+            <a:schemeClr val="lt1"/>
+          </a:fontRef>
+        </p:style>
+        <p:txBody>
+          <a:bodyPr lIns="1080000" rtlCol="0" anchor="ctr"/>
+          <a:lstStyle/>
+          <a:p>
+            <a:r>
+              <a:rPr lang="de-DE" sz="2200" dirty="0"/>
+              <a:t>Gerät &amp; Hardware</a:t>
+            </a:r>
+          </a:p>
+        </p:txBody>
+      </p:sp>
+      <p:pic>
+        <p:nvPicPr>
+          <p:cNvPr id="3" name="Graphic 2">
+            <a:extLst>
+              <a:ext uri="{FF2B5EF4-FFF2-40B4-BE49-F238E27FC236}">
+                <a16:creationId xmlns:a16="http://schemas.microsoft.com/office/drawing/2014/main" id="{58FB5B8B-DA92-4BC4-B935-FF37529B0CBC}"/>
+              </a:ext>
+            </a:extLst>
+          </p:cNvPr>
+          <p:cNvPicPr>
+            <a:picLocks noChangeAspect="1"/>
+          </p:cNvPicPr>
+          <p:nvPr/>
+        </p:nvPicPr>
+        <p:blipFill>
+          <a:blip r:embed="rId2">
+            <a:extLst>
+              <a:ext uri="{28A0092B-C50C-407E-A947-70E740481C1C}">
+                <a14:useLocalDpi xmlns:a14="http://schemas.microsoft.com/office/drawing/2010/main" val="0"/>
+              </a:ext>
+              <a:ext uri="{96DAC541-7B7A-43D3-8B79-37D633B846F1}">
+                <asvg:svgBlip xmlns:asvg="http://schemas.microsoft.com/office/drawing/2016/SVG/main" r:embed="rId3"/>
+              </a:ext>
+            </a:extLst>
+          </a:blip>
+          <a:stretch>
+            <a:fillRect/>
+          </a:stretch>
+        </p:blipFill>
+        <p:spPr>
+          <a:xfrm>
+            <a:off x="165088" y="946468"/>
+            <a:ext cx="607500" cy="540000"/>
+          </a:xfrm>
+          <a:prstGeom prst="rect">
+            <a:avLst/>
+          </a:prstGeom>
+        </p:spPr>
+      </p:pic>
+      <p:pic>
+        <p:nvPicPr>
+          <p:cNvPr id="8" name="Graphic 7">
+            <a:extLst>
+              <a:ext uri="{FF2B5EF4-FFF2-40B4-BE49-F238E27FC236}">
+                <a16:creationId xmlns:a16="http://schemas.microsoft.com/office/drawing/2014/main" id="{33E007EB-FAE5-494F-AB95-FFA15FCB2CE3}"/>
+              </a:ext>
+            </a:extLst>
+          </p:cNvPr>
+          <p:cNvPicPr>
+            <a:picLocks noChangeAspect="1"/>
+          </p:cNvPicPr>
+          <p:nvPr/>
+        </p:nvPicPr>
+        <p:blipFill>
+          <a:blip r:embed="rId4">
+            <a:extLst>
+              <a:ext uri="{28A0092B-C50C-407E-A947-70E740481C1C}">
+                <a14:useLocalDpi xmlns:a14="http://schemas.microsoft.com/office/drawing/2010/main" val="0"/>
+              </a:ext>
+              <a:ext uri="{96DAC541-7B7A-43D3-8B79-37D633B846F1}">
+                <asvg:svgBlip xmlns:asvg="http://schemas.microsoft.com/office/drawing/2016/SVG/main" r:embed="rId5"/>
+              </a:ext>
+            </a:extLst>
+          </a:blip>
+          <a:stretch>
+            <a:fillRect/>
+          </a:stretch>
+        </p:blipFill>
+        <p:spPr>
+          <a:xfrm>
+            <a:off x="204990" y="1957279"/>
+            <a:ext cx="540000" cy="540000"/>
+          </a:xfrm>
+          <a:prstGeom prst="rect">
+            <a:avLst/>
+          </a:prstGeom>
+        </p:spPr>
+      </p:pic>
+      <p:pic>
+        <p:nvPicPr>
+          <p:cNvPr id="10" name="Graphic 9">
+            <a:extLst>
+              <a:ext uri="{FF2B5EF4-FFF2-40B4-BE49-F238E27FC236}">
+                <a16:creationId xmlns:a16="http://schemas.microsoft.com/office/drawing/2014/main" id="{2CFA6614-755B-45F8-86FD-956379708FB0}"/>
+              </a:ext>
+            </a:extLst>
+          </p:cNvPr>
+          <p:cNvPicPr>
+            <a:picLocks noChangeAspect="1"/>
+          </p:cNvPicPr>
+          <p:nvPr/>
+        </p:nvPicPr>
+        <p:blipFill>
+          <a:blip r:embed="rId6">
+            <a:extLst>
+              <a:ext uri="{28A0092B-C50C-407E-A947-70E740481C1C}">
+                <a14:useLocalDpi xmlns:a14="http://schemas.microsoft.com/office/drawing/2010/main" val="0"/>
+              </a:ext>
+              <a:ext uri="{96DAC541-7B7A-43D3-8B79-37D633B846F1}">
+                <asvg:svgBlip xmlns:asvg="http://schemas.microsoft.com/office/drawing/2016/SVG/main" r:embed="rId7"/>
+              </a:ext>
+            </a:extLst>
+          </a:blip>
+          <a:stretch>
+            <a:fillRect/>
+          </a:stretch>
+        </p:blipFill>
+        <p:spPr>
+          <a:xfrm>
+            <a:off x="174613" y="2971118"/>
+            <a:ext cx="540000" cy="540000"/>
+          </a:xfrm>
+          <a:prstGeom prst="rect">
+            <a:avLst/>
+          </a:prstGeom>
+        </p:spPr>
+      </p:pic>
+      <p:pic>
+        <p:nvPicPr>
+          <p:cNvPr id="63" name="Graphic 62">
+            <a:extLst>
+              <a:ext uri="{FF2B5EF4-FFF2-40B4-BE49-F238E27FC236}">
+                <a16:creationId xmlns:a16="http://schemas.microsoft.com/office/drawing/2014/main" id="{7A1A725A-2A6E-4E88-844E-5EDDF8067390}"/>
+              </a:ext>
+            </a:extLst>
+          </p:cNvPr>
+          <p:cNvPicPr>
+            <a:picLocks noChangeAspect="1"/>
+          </p:cNvPicPr>
+          <p:nvPr/>
+        </p:nvPicPr>
+        <p:blipFill>
+          <a:blip r:embed="rId8">
+            <a:extLst>
+              <a:ext uri="{28A0092B-C50C-407E-A947-70E740481C1C}">
+                <a14:useLocalDpi xmlns:a14="http://schemas.microsoft.com/office/drawing/2010/main" val="0"/>
+              </a:ext>
+              <a:ext uri="{96DAC541-7B7A-43D3-8B79-37D633B846F1}">
+                <asvg:svgBlip xmlns:asvg="http://schemas.microsoft.com/office/drawing/2016/SVG/main" r:embed="rId9"/>
+              </a:ext>
+            </a:extLst>
+          </a:blip>
+          <a:stretch>
+            <a:fillRect/>
+          </a:stretch>
+        </p:blipFill>
+        <p:spPr>
+          <a:xfrm>
+            <a:off x="188862" y="3989854"/>
+            <a:ext cx="472500" cy="540000"/>
+          </a:xfrm>
+          <a:prstGeom prst="rect">
+            <a:avLst/>
+          </a:prstGeom>
+        </p:spPr>
+      </p:pic>
+      <p:sp>
+        <p:nvSpPr>
+          <p:cNvPr id="21" name="Rectangle: Rounded Corners 20">
+            <a:extLst>
+              <a:ext uri="{FF2B5EF4-FFF2-40B4-BE49-F238E27FC236}">
+                <a16:creationId xmlns:a16="http://schemas.microsoft.com/office/drawing/2014/main" id="{F02A9B9E-0E23-4EF6-90A1-58FAFAC3CFB9}"/>
+              </a:ext>
+            </a:extLst>
+          </p:cNvPr>
+          <p:cNvSpPr/>
+          <p:nvPr/>
+        </p:nvSpPr>
+        <p:spPr>
+          <a:xfrm>
+            <a:off x="4156799" y="4793399"/>
+            <a:ext cx="1440000" cy="630000"/>
+          </a:xfrm>
+          <a:prstGeom prst="roundRect">
+            <a:avLst/>
+          </a:prstGeom>
+          <a:solidFill>
+            <a:srgbClr val="C00000"/>
+          </a:solidFill>
+          <a:ln>
+            <a:noFill/>
+          </a:ln>
+        </p:spPr>
+        <p:style>
+          <a:lnRef idx="2">
+            <a:schemeClr val="accent1">
+              <a:shade val="50000"/>
+            </a:schemeClr>
+          </a:lnRef>
+          <a:fillRef idx="1">
+            <a:schemeClr val="accent1"/>
+          </a:fillRef>
+          <a:effectRef idx="0">
+            <a:schemeClr val="accent1"/>
+          </a:effectRef>
+          <a:fontRef idx="minor">
+            <a:schemeClr val="lt1"/>
+          </a:fontRef>
+        </p:style>
+        <p:txBody>
+          <a:bodyPr rtlCol="0" anchor="ctr"/>
+          <a:lstStyle/>
+          <a:p>
+            <a:pPr algn="ctr"/>
+            <a:r>
+              <a:rPr lang="de-DE" b="1" dirty="0"/>
+              <a:t>Unfall!</a:t>
+            </a:r>
+            <a:endParaRPr lang="en-US" b="1" dirty="0"/>
+          </a:p>
+        </p:txBody>
+      </p:sp>
+      <p:sp>
+        <p:nvSpPr>
+          <p:cNvPr id="22" name="Rectangle: Rounded Corners 21">
+            <a:extLst>
+              <a:ext uri="{FF2B5EF4-FFF2-40B4-BE49-F238E27FC236}">
+                <a16:creationId xmlns:a16="http://schemas.microsoft.com/office/drawing/2014/main" id="{66861A1E-4446-4B56-A5DB-8F634E2CB076}"/>
+              </a:ext>
+            </a:extLst>
+          </p:cNvPr>
+          <p:cNvSpPr/>
+          <p:nvPr/>
+        </p:nvSpPr>
+        <p:spPr>
+          <a:xfrm>
+            <a:off x="721963" y="4794250"/>
+            <a:ext cx="630000" cy="630000"/>
+          </a:xfrm>
+          <a:prstGeom prst="roundRect">
+            <a:avLst/>
+          </a:prstGeom>
+          <a:solidFill>
+            <a:schemeClr val="accent4"/>
+          </a:solidFill>
+          <a:ln>
+            <a:noFill/>
+          </a:ln>
+        </p:spPr>
+        <p:style>
+          <a:lnRef idx="2">
+            <a:schemeClr val="accent1">
+              <a:shade val="50000"/>
+            </a:schemeClr>
+          </a:lnRef>
+          <a:fillRef idx="1">
+            <a:schemeClr val="accent1"/>
+          </a:fillRef>
+          <a:effectRef idx="0">
+            <a:schemeClr val="accent1"/>
+          </a:effectRef>
+          <a:fontRef idx="minor">
+            <a:schemeClr val="lt1"/>
+          </a:fontRef>
+        </p:style>
+        <p:txBody>
+          <a:bodyPr rtlCol="0" anchor="ctr"/>
+          <a:lstStyle/>
+          <a:p>
+            <a:pPr algn="ctr"/>
+            <a:endParaRPr lang="en-US" dirty="0"/>
+          </a:p>
+        </p:txBody>
+      </p:sp>
+      <p:pic>
+        <p:nvPicPr>
+          <p:cNvPr id="23" name="Graphic 22">
+            <a:extLst>
+              <a:ext uri="{FF2B5EF4-FFF2-40B4-BE49-F238E27FC236}">
+                <a16:creationId xmlns:a16="http://schemas.microsoft.com/office/drawing/2014/main" id="{D25863DA-2F2B-4727-9EFE-66F0DF586070}"/>
+              </a:ext>
+            </a:extLst>
+          </p:cNvPr>
+          <p:cNvPicPr>
+            <a:picLocks noChangeAspect="1"/>
+          </p:cNvPicPr>
+          <p:nvPr/>
+        </p:nvPicPr>
+        <p:blipFill>
+          <a:blip r:embed="rId10">
+            <a:extLst>
+              <a:ext uri="{28A0092B-C50C-407E-A947-70E740481C1C}">
+                <a14:useLocalDpi xmlns:a14="http://schemas.microsoft.com/office/drawing/2010/main" val="0"/>
+              </a:ext>
+              <a:ext uri="{96DAC541-7B7A-43D3-8B79-37D633B846F1}">
+                <asvg:svgBlip xmlns:asvg="http://schemas.microsoft.com/office/drawing/2016/SVG/main" r:embed="rId11"/>
+              </a:ext>
+            </a:extLst>
+          </a:blip>
+          <a:stretch>
+            <a:fillRect/>
+          </a:stretch>
+        </p:blipFill>
+        <p:spPr>
+          <a:xfrm>
+            <a:off x="840088" y="4883399"/>
+            <a:ext cx="393750" cy="450000"/>
+          </a:xfrm>
+          <a:prstGeom prst="rect">
+            <a:avLst/>
+          </a:prstGeom>
+        </p:spPr>
+      </p:pic>
+      <p:sp>
+        <p:nvSpPr>
+          <p:cNvPr id="24" name="Rectangle: Rounded Corners 23">
+            <a:extLst>
+              <a:ext uri="{FF2B5EF4-FFF2-40B4-BE49-F238E27FC236}">
+                <a16:creationId xmlns:a16="http://schemas.microsoft.com/office/drawing/2014/main" id="{774998A8-8F29-4858-9AF1-DFDC871B0645}"/>
+              </a:ext>
+            </a:extLst>
+          </p:cNvPr>
+          <p:cNvSpPr/>
+          <p:nvPr/>
+        </p:nvSpPr>
+        <p:spPr>
+          <a:xfrm>
+            <a:off x="46963" y="4794250"/>
+            <a:ext cx="630000" cy="630000"/>
+          </a:xfrm>
+          <a:prstGeom prst="roundRect">
+            <a:avLst/>
+          </a:prstGeom>
+          <a:solidFill>
+            <a:schemeClr val="accent1">
+              <a:lumMod val="50000"/>
+            </a:schemeClr>
+          </a:solidFill>
+          <a:ln>
+            <a:noFill/>
+          </a:ln>
+        </p:spPr>
+        <p:style>
+          <a:lnRef idx="2">
+            <a:schemeClr val="accent1">
+              <a:shade val="50000"/>
+            </a:schemeClr>
+          </a:lnRef>
+          <a:fillRef idx="1">
+            <a:schemeClr val="accent1"/>
+          </a:fillRef>
+          <a:effectRef idx="0">
+            <a:schemeClr val="accent1"/>
+          </a:effectRef>
+          <a:fontRef idx="minor">
+            <a:schemeClr val="lt1"/>
+          </a:fontRef>
+        </p:style>
+        <p:txBody>
+          <a:bodyPr rtlCol="0" anchor="ctr"/>
+          <a:lstStyle/>
+          <a:p>
+            <a:pPr algn="ctr"/>
+            <a:endParaRPr lang="en-US" dirty="0"/>
+          </a:p>
+        </p:txBody>
+      </p:sp>
+      <p:pic>
+        <p:nvPicPr>
+          <p:cNvPr id="25" name="Graphic 24">
+            <a:extLst>
+              <a:ext uri="{FF2B5EF4-FFF2-40B4-BE49-F238E27FC236}">
+                <a16:creationId xmlns:a16="http://schemas.microsoft.com/office/drawing/2014/main" id="{1A8BB2E3-577F-47C6-B036-E0FD493944A6}"/>
+              </a:ext>
+            </a:extLst>
+          </p:cNvPr>
+          <p:cNvPicPr>
+            <a:picLocks noChangeAspect="1"/>
+          </p:cNvPicPr>
+          <p:nvPr/>
+        </p:nvPicPr>
+        <p:blipFill>
+          <a:blip r:embed="rId12">
+            <a:extLst>
+              <a:ext uri="{28A0092B-C50C-407E-A947-70E740481C1C}">
+                <a14:useLocalDpi xmlns:a14="http://schemas.microsoft.com/office/drawing/2010/main" val="0"/>
+              </a:ext>
+              <a:ext uri="{96DAC541-7B7A-43D3-8B79-37D633B846F1}">
+                <asvg:svgBlip xmlns:asvg="http://schemas.microsoft.com/office/drawing/2016/SVG/main" r:embed="rId13"/>
+              </a:ext>
+            </a:extLst>
+          </a:blip>
+          <a:stretch>
+            <a:fillRect/>
+          </a:stretch>
+        </p:blipFill>
+        <p:spPr>
+          <a:xfrm>
+            <a:off x="165088" y="4881635"/>
+            <a:ext cx="393750" cy="450000"/>
+          </a:xfrm>
+          <a:prstGeom prst="rect">
+            <a:avLst/>
+          </a:prstGeom>
+        </p:spPr>
+      </p:pic>
+    </p:spTree>
+    <p:extLst>
+      <p:ext uri="{BB962C8B-B14F-4D97-AF65-F5344CB8AC3E}">
+        <p14:creationId xmlns:p14="http://schemas.microsoft.com/office/powerpoint/2010/main" val="2888976338"/>
       </p:ext>
     </p:extLst>
   </p:cSld>

--- a/printer_textures_dark.pptx
+++ b/printer_textures_dark.pptx
@@ -275,7 +275,7 @@
           <a:p>
             <a:fld id="{7762483B-4454-443C-9D4B-2799C4AD7BD1}" type="datetimeFigureOut">
               <a:rPr lang="en-US" smtClean="0"/>
-              <a:t>11/12/2024</a:t>
+              <a:t>11/19/2024</a:t>
             </a:fld>
             <a:endParaRPr lang="en-US"/>
           </a:p>
@@ -445,7 +445,7 @@
           <a:p>
             <a:fld id="{7762483B-4454-443C-9D4B-2799C4AD7BD1}" type="datetimeFigureOut">
               <a:rPr lang="en-US" smtClean="0"/>
-              <a:t>11/12/2024</a:t>
+              <a:t>11/19/2024</a:t>
             </a:fld>
             <a:endParaRPr lang="en-US"/>
           </a:p>
@@ -625,7 +625,7 @@
           <a:p>
             <a:fld id="{7762483B-4454-443C-9D4B-2799C4AD7BD1}" type="datetimeFigureOut">
               <a:rPr lang="en-US" smtClean="0"/>
-              <a:t>11/12/2024</a:t>
+              <a:t>11/19/2024</a:t>
             </a:fld>
             <a:endParaRPr lang="en-US"/>
           </a:p>
@@ -795,7 +795,7 @@
           <a:p>
             <a:fld id="{7762483B-4454-443C-9D4B-2799C4AD7BD1}" type="datetimeFigureOut">
               <a:rPr lang="en-US" smtClean="0"/>
-              <a:t>11/12/2024</a:t>
+              <a:t>11/19/2024</a:t>
             </a:fld>
             <a:endParaRPr lang="en-US"/>
           </a:p>
@@ -1039,7 +1039,7 @@
           <a:p>
             <a:fld id="{7762483B-4454-443C-9D4B-2799C4AD7BD1}" type="datetimeFigureOut">
               <a:rPr lang="en-US" smtClean="0"/>
-              <a:t>11/12/2024</a:t>
+              <a:t>11/19/2024</a:t>
             </a:fld>
             <a:endParaRPr lang="en-US"/>
           </a:p>
@@ -1271,7 +1271,7 @@
           <a:p>
             <a:fld id="{7762483B-4454-443C-9D4B-2799C4AD7BD1}" type="datetimeFigureOut">
               <a:rPr lang="en-US" smtClean="0"/>
-              <a:t>11/12/2024</a:t>
+              <a:t>11/19/2024</a:t>
             </a:fld>
             <a:endParaRPr lang="en-US"/>
           </a:p>
@@ -1638,7 +1638,7 @@
           <a:p>
             <a:fld id="{7762483B-4454-443C-9D4B-2799C4AD7BD1}" type="datetimeFigureOut">
               <a:rPr lang="en-US" smtClean="0"/>
-              <a:t>11/12/2024</a:t>
+              <a:t>11/19/2024</a:t>
             </a:fld>
             <a:endParaRPr lang="en-US"/>
           </a:p>
@@ -1756,7 +1756,7 @@
           <a:p>
             <a:fld id="{7762483B-4454-443C-9D4B-2799C4AD7BD1}" type="datetimeFigureOut">
               <a:rPr lang="en-US" smtClean="0"/>
-              <a:t>11/12/2024</a:t>
+              <a:t>11/19/2024</a:t>
             </a:fld>
             <a:endParaRPr lang="en-US"/>
           </a:p>
@@ -1851,7 +1851,7 @@
           <a:p>
             <a:fld id="{7762483B-4454-443C-9D4B-2799C4AD7BD1}" type="datetimeFigureOut">
               <a:rPr lang="en-US" smtClean="0"/>
-              <a:t>11/12/2024</a:t>
+              <a:t>11/19/2024</a:t>
             </a:fld>
             <a:endParaRPr lang="en-US"/>
           </a:p>
@@ -2128,7 +2128,7 @@
           <a:p>
             <a:fld id="{7762483B-4454-443C-9D4B-2799C4AD7BD1}" type="datetimeFigureOut">
               <a:rPr lang="en-US" smtClean="0"/>
-              <a:t>11/12/2024</a:t>
+              <a:t>11/19/2024</a:t>
             </a:fld>
             <a:endParaRPr lang="en-US"/>
           </a:p>
@@ -2385,7 +2385,7 @@
           <a:p>
             <a:fld id="{7762483B-4454-443C-9D4B-2799C4AD7BD1}" type="datetimeFigureOut">
               <a:rPr lang="en-US" smtClean="0"/>
-              <a:t>11/12/2024</a:t>
+              <a:t>11/19/2024</a:t>
             </a:fld>
             <a:endParaRPr lang="en-US"/>
           </a:p>
@@ -2603,7 +2603,7 @@
           <a:p>
             <a:fld id="{7762483B-4454-443C-9D4B-2799C4AD7BD1}" type="datetimeFigureOut">
               <a:rPr lang="en-US" smtClean="0"/>
-              <a:t>11/12/2024</a:t>
+              <a:t>11/19/2024</a:t>
             </a:fld>
             <a:endParaRPr lang="en-US"/>
           </a:p>
@@ -27267,7 +27267,7 @@
         <p:spPr>
           <a:xfrm>
             <a:off x="111748" y="3327238"/>
-            <a:ext cx="1462260" cy="369332"/>
+            <a:ext cx="1782860" cy="369332"/>
           </a:xfrm>
           <a:prstGeom prst="rect">
             <a:avLst/>
@@ -27286,7 +27286,7 @@
                   <a:schemeClr val="bg1"/>
                 </a:solidFill>
               </a:rPr>
-              <a:t>Liniensuffix:</a:t>
+              <a:t>Sonderzeichen:</a:t>
             </a:r>
             <a:endParaRPr lang="en-US" dirty="0">
               <a:solidFill>
@@ -29029,7 +29029,7 @@
         <p:spPr>
           <a:xfrm>
             <a:off x="111748" y="3327238"/>
-            <a:ext cx="1462260" cy="369332"/>
+            <a:ext cx="1782860" cy="369332"/>
           </a:xfrm>
           <a:prstGeom prst="rect">
             <a:avLst/>
@@ -29048,7 +29048,7 @@
                   <a:schemeClr val="bg1"/>
                 </a:solidFill>
               </a:rPr>
-              <a:t>Liniensuffix:</a:t>
+              <a:t>Sonderzeichen:</a:t>
             </a:r>
             <a:endParaRPr lang="en-US" dirty="0">
               <a:solidFill>
@@ -30849,7 +30849,7 @@
         <p:spPr>
           <a:xfrm>
             <a:off x="111748" y="3327238"/>
-            <a:ext cx="1552028" cy="369332"/>
+            <a:ext cx="1863011" cy="369332"/>
           </a:xfrm>
           <a:prstGeom prst="rect">
             <a:avLst/>
@@ -30868,7 +30868,7 @@
                   <a:schemeClr val="bg1"/>
                 </a:solidFill>
               </a:rPr>
-              <a:t>Liniensuffix:</a:t>
+              <a:t>Sonderzeichen:</a:t>
             </a:r>
             <a:endParaRPr lang="en-US" b="1" dirty="0">
               <a:solidFill>

--- a/printer_textures_dark.pptx
+++ b/printer_textures_dark.pptx
@@ -14,30 +14,31 @@
     <p:sldId id="269" r:id="rId8"/>
     <p:sldId id="266" r:id="rId9"/>
     <p:sldId id="281" r:id="rId10"/>
-    <p:sldId id="261" r:id="rId11"/>
-    <p:sldId id="262" r:id="rId12"/>
-    <p:sldId id="263" r:id="rId13"/>
-    <p:sldId id="256" r:id="rId14"/>
-    <p:sldId id="276" r:id="rId15"/>
-    <p:sldId id="282" r:id="rId16"/>
-    <p:sldId id="280" r:id="rId17"/>
-    <p:sldId id="279" r:id="rId18"/>
-    <p:sldId id="267" r:id="rId19"/>
-    <p:sldId id="283" r:id="rId20"/>
-    <p:sldId id="275" r:id="rId21"/>
-    <p:sldId id="257" r:id="rId22"/>
-    <p:sldId id="258" r:id="rId23"/>
-    <p:sldId id="259" r:id="rId24"/>
-    <p:sldId id="260" r:id="rId25"/>
-    <p:sldId id="264" r:id="rId26"/>
-    <p:sldId id="265" r:id="rId27"/>
-    <p:sldId id="277" r:id="rId28"/>
-    <p:sldId id="278" r:id="rId29"/>
-    <p:sldId id="284" r:id="rId30"/>
-    <p:sldId id="285" r:id="rId31"/>
-    <p:sldId id="286" r:id="rId32"/>
-    <p:sldId id="287" r:id="rId33"/>
-    <p:sldId id="288" r:id="rId34"/>
+    <p:sldId id="289" r:id="rId11"/>
+    <p:sldId id="261" r:id="rId12"/>
+    <p:sldId id="262" r:id="rId13"/>
+    <p:sldId id="263" r:id="rId14"/>
+    <p:sldId id="256" r:id="rId15"/>
+    <p:sldId id="276" r:id="rId16"/>
+    <p:sldId id="282" r:id="rId17"/>
+    <p:sldId id="280" r:id="rId18"/>
+    <p:sldId id="279" r:id="rId19"/>
+    <p:sldId id="267" r:id="rId20"/>
+    <p:sldId id="283" r:id="rId21"/>
+    <p:sldId id="275" r:id="rId22"/>
+    <p:sldId id="257" r:id="rId23"/>
+    <p:sldId id="258" r:id="rId24"/>
+    <p:sldId id="259" r:id="rId25"/>
+    <p:sldId id="260" r:id="rId26"/>
+    <p:sldId id="264" r:id="rId27"/>
+    <p:sldId id="265" r:id="rId28"/>
+    <p:sldId id="277" r:id="rId29"/>
+    <p:sldId id="278" r:id="rId30"/>
+    <p:sldId id="284" r:id="rId31"/>
+    <p:sldId id="285" r:id="rId32"/>
+    <p:sldId id="286" r:id="rId33"/>
+    <p:sldId id="287" r:id="rId34"/>
+    <p:sldId id="288" r:id="rId35"/>
   </p:sldIdLst>
   <p:sldSz cx="9753600" cy="9753600"/>
   <p:notesSz cx="6858000" cy="9144000"/>
@@ -275,7 +276,7 @@
           <a:p>
             <a:fld id="{7762483B-4454-443C-9D4B-2799C4AD7BD1}" type="datetimeFigureOut">
               <a:rPr lang="en-US" smtClean="0"/>
-              <a:t>11/19/2024</a:t>
+              <a:t>5/7/2025</a:t>
             </a:fld>
             <a:endParaRPr lang="en-US"/>
           </a:p>
@@ -445,7 +446,7 @@
           <a:p>
             <a:fld id="{7762483B-4454-443C-9D4B-2799C4AD7BD1}" type="datetimeFigureOut">
               <a:rPr lang="en-US" smtClean="0"/>
-              <a:t>11/19/2024</a:t>
+              <a:t>5/7/2025</a:t>
             </a:fld>
             <a:endParaRPr lang="en-US"/>
           </a:p>
@@ -625,7 +626,7 @@
           <a:p>
             <a:fld id="{7762483B-4454-443C-9D4B-2799C4AD7BD1}" type="datetimeFigureOut">
               <a:rPr lang="en-US" smtClean="0"/>
-              <a:t>11/19/2024</a:t>
+              <a:t>5/7/2025</a:t>
             </a:fld>
             <a:endParaRPr lang="en-US"/>
           </a:p>
@@ -795,7 +796,7 @@
           <a:p>
             <a:fld id="{7762483B-4454-443C-9D4B-2799C4AD7BD1}" type="datetimeFigureOut">
               <a:rPr lang="en-US" smtClean="0"/>
-              <a:t>11/19/2024</a:t>
+              <a:t>5/7/2025</a:t>
             </a:fld>
             <a:endParaRPr lang="en-US"/>
           </a:p>
@@ -1039,7 +1040,7 @@
           <a:p>
             <a:fld id="{7762483B-4454-443C-9D4B-2799C4AD7BD1}" type="datetimeFigureOut">
               <a:rPr lang="en-US" smtClean="0"/>
-              <a:t>11/19/2024</a:t>
+              <a:t>5/7/2025</a:t>
             </a:fld>
             <a:endParaRPr lang="en-US"/>
           </a:p>
@@ -1271,7 +1272,7 @@
           <a:p>
             <a:fld id="{7762483B-4454-443C-9D4B-2799C4AD7BD1}" type="datetimeFigureOut">
               <a:rPr lang="en-US" smtClean="0"/>
-              <a:t>11/19/2024</a:t>
+              <a:t>5/7/2025</a:t>
             </a:fld>
             <a:endParaRPr lang="en-US"/>
           </a:p>
@@ -1638,7 +1639,7 @@
           <a:p>
             <a:fld id="{7762483B-4454-443C-9D4B-2799C4AD7BD1}" type="datetimeFigureOut">
               <a:rPr lang="en-US" smtClean="0"/>
-              <a:t>11/19/2024</a:t>
+              <a:t>5/7/2025</a:t>
             </a:fld>
             <a:endParaRPr lang="en-US"/>
           </a:p>
@@ -1756,7 +1757,7 @@
           <a:p>
             <a:fld id="{7762483B-4454-443C-9D4B-2799C4AD7BD1}" type="datetimeFigureOut">
               <a:rPr lang="en-US" smtClean="0"/>
-              <a:t>11/19/2024</a:t>
+              <a:t>5/7/2025</a:t>
             </a:fld>
             <a:endParaRPr lang="en-US"/>
           </a:p>
@@ -1851,7 +1852,7 @@
           <a:p>
             <a:fld id="{7762483B-4454-443C-9D4B-2799C4AD7BD1}" type="datetimeFigureOut">
               <a:rPr lang="en-US" smtClean="0"/>
-              <a:t>11/19/2024</a:t>
+              <a:t>5/7/2025</a:t>
             </a:fld>
             <a:endParaRPr lang="en-US"/>
           </a:p>
@@ -2128,7 +2129,7 @@
           <a:p>
             <a:fld id="{7762483B-4454-443C-9D4B-2799C4AD7BD1}" type="datetimeFigureOut">
               <a:rPr lang="en-US" smtClean="0"/>
-              <a:t>11/19/2024</a:t>
+              <a:t>5/7/2025</a:t>
             </a:fld>
             <a:endParaRPr lang="en-US"/>
           </a:p>
@@ -2385,7 +2386,7 @@
           <a:p>
             <a:fld id="{7762483B-4454-443C-9D4B-2799C4AD7BD1}" type="datetimeFigureOut">
               <a:rPr lang="en-US" smtClean="0"/>
-              <a:t>11/19/2024</a:t>
+              <a:t>5/7/2025</a:t>
             </a:fld>
             <a:endParaRPr lang="en-US"/>
           </a:p>
@@ -2603,7 +2604,7 @@
           <a:p>
             <a:fld id="{7762483B-4454-443C-9D4B-2799C4AD7BD1}" type="datetimeFigureOut">
               <a:rPr lang="en-US" smtClean="0"/>
-              <a:t>11/19/2024</a:t>
+              <a:t>5/7/2025</a:t>
             </a:fld>
             <a:endParaRPr lang="en-US"/>
           </a:p>
@@ -3142,6 +3143,601 @@
 </file>
 
 <file path=ppt/slides/slide10.xml><?xml version="1.0" encoding="utf-8"?>
+<p:sld xmlns:a="http://schemas.openxmlformats.org/drawingml/2006/main" xmlns:r="http://schemas.openxmlformats.org/officeDocument/2006/relationships" xmlns:p="http://schemas.openxmlformats.org/presentationml/2006/main">
+  <p:cSld>
+    <p:spTree>
+      <p:nvGrpSpPr>
+        <p:cNvPr id="1" name=""/>
+        <p:cNvGrpSpPr/>
+        <p:nvPr/>
+      </p:nvGrpSpPr>
+      <p:grpSpPr>
+        <a:xfrm>
+          <a:off x="0" y="0"/>
+          <a:ext cx="0" cy="0"/>
+          <a:chOff x="0" y="0"/>
+          <a:chExt cx="0" cy="0"/>
+        </a:xfrm>
+      </p:grpSpPr>
+      <p:sp>
+        <p:nvSpPr>
+          <p:cNvPr id="20" name="Rectangle 19">
+            <a:extLst>
+              <a:ext uri="{FF2B5EF4-FFF2-40B4-BE49-F238E27FC236}">
+                <a16:creationId xmlns:a16="http://schemas.microsoft.com/office/drawing/2014/main" id="{4060C324-4318-4830-BE4D-80F7588567D5}"/>
+              </a:ext>
+            </a:extLst>
+          </p:cNvPr>
+          <p:cNvSpPr/>
+          <p:nvPr/>
+        </p:nvSpPr>
+        <p:spPr>
+          <a:xfrm>
+            <a:off x="0" y="718023"/>
+            <a:ext cx="4876799" cy="4750375"/>
+          </a:xfrm>
+          <a:prstGeom prst="rect">
+            <a:avLst/>
+          </a:prstGeom>
+          <a:solidFill>
+            <a:schemeClr val="accent1">
+              <a:lumMod val="50000"/>
+            </a:schemeClr>
+          </a:solidFill>
+          <a:ln>
+            <a:noFill/>
+          </a:ln>
+        </p:spPr>
+        <p:style>
+          <a:lnRef idx="2">
+            <a:schemeClr val="accent1">
+              <a:shade val="50000"/>
+            </a:schemeClr>
+          </a:lnRef>
+          <a:fillRef idx="1">
+            <a:schemeClr val="accent1"/>
+          </a:fillRef>
+          <a:effectRef idx="0">
+            <a:schemeClr val="accent1"/>
+          </a:effectRef>
+          <a:fontRef idx="minor">
+            <a:schemeClr val="lt1"/>
+          </a:fontRef>
+        </p:style>
+        <p:txBody>
+          <a:bodyPr rtlCol="0" anchor="ctr"/>
+          <a:lstStyle/>
+          <a:p>
+            <a:pPr algn="ctr"/>
+            <a:endParaRPr lang="en-US" u="sng" dirty="0"/>
+          </a:p>
+        </p:txBody>
+      </p:sp>
+      <p:sp>
+        <p:nvSpPr>
+          <p:cNvPr id="5" name="Rectangle 4">
+            <a:extLst>
+              <a:ext uri="{FF2B5EF4-FFF2-40B4-BE49-F238E27FC236}">
+                <a16:creationId xmlns:a16="http://schemas.microsoft.com/office/drawing/2014/main" id="{DD6F78D1-EB25-4C39-8595-0B180702B60C}"/>
+              </a:ext>
+            </a:extLst>
+          </p:cNvPr>
+          <p:cNvSpPr/>
+          <p:nvPr/>
+        </p:nvSpPr>
+        <p:spPr>
+          <a:xfrm>
+            <a:off x="0" y="5468400"/>
+            <a:ext cx="9753600" cy="4285200"/>
+          </a:xfrm>
+          <a:prstGeom prst="rect">
+            <a:avLst/>
+          </a:prstGeom>
+          <a:ln>
+            <a:noFill/>
+          </a:ln>
+        </p:spPr>
+        <p:style>
+          <a:lnRef idx="2">
+            <a:schemeClr val="dk1">
+              <a:shade val="50000"/>
+            </a:schemeClr>
+          </a:lnRef>
+          <a:fillRef idx="1">
+            <a:schemeClr val="dk1"/>
+          </a:fillRef>
+          <a:effectRef idx="0">
+            <a:schemeClr val="dk1"/>
+          </a:effectRef>
+          <a:fontRef idx="minor">
+            <a:schemeClr val="lt1"/>
+          </a:fontRef>
+        </p:style>
+        <p:txBody>
+          <a:bodyPr rtlCol="0" anchor="ctr"/>
+          <a:lstStyle/>
+          <a:p>
+            <a:pPr algn="ctr"/>
+            <a:r>
+              <a:rPr lang="de-DE" sz="4000" i="1" dirty="0" err="1"/>
+              <a:t>Placeholder</a:t>
+            </a:r>
+            <a:r>
+              <a:rPr lang="de-DE" sz="4000" i="1" dirty="0"/>
+              <a:t> / not in </a:t>
+            </a:r>
+            <a:r>
+              <a:rPr lang="de-DE" sz="4000" i="1" dirty="0" err="1"/>
+              <a:t>use</a:t>
+            </a:r>
+            <a:r>
+              <a:rPr lang="de-DE" sz="4000" i="1" dirty="0"/>
+              <a:t>!</a:t>
+            </a:r>
+            <a:endParaRPr lang="en-US" sz="4000" i="1" dirty="0"/>
+          </a:p>
+        </p:txBody>
+      </p:sp>
+      <p:sp>
+        <p:nvSpPr>
+          <p:cNvPr id="6" name="Rectangle 5">
+            <a:extLst>
+              <a:ext uri="{FF2B5EF4-FFF2-40B4-BE49-F238E27FC236}">
+                <a16:creationId xmlns:a16="http://schemas.microsoft.com/office/drawing/2014/main" id="{0B533615-A8B2-4915-AB6A-1B5C08FD6089}"/>
+              </a:ext>
+            </a:extLst>
+          </p:cNvPr>
+          <p:cNvSpPr/>
+          <p:nvPr/>
+        </p:nvSpPr>
+        <p:spPr>
+          <a:xfrm>
+            <a:off x="0" y="0"/>
+            <a:ext cx="9753600" cy="720000"/>
+          </a:xfrm>
+          <a:prstGeom prst="rect">
+            <a:avLst/>
+          </a:prstGeom>
+          <a:solidFill>
+            <a:srgbClr val="162644"/>
+          </a:solidFill>
+          <a:ln>
+            <a:noFill/>
+          </a:ln>
+        </p:spPr>
+        <p:style>
+          <a:lnRef idx="2">
+            <a:schemeClr val="accent1">
+              <a:shade val="50000"/>
+            </a:schemeClr>
+          </a:lnRef>
+          <a:fillRef idx="1">
+            <a:schemeClr val="accent1"/>
+          </a:fillRef>
+          <a:effectRef idx="0">
+            <a:schemeClr val="accent1"/>
+          </a:effectRef>
+          <a:fontRef idx="minor">
+            <a:schemeClr val="lt1"/>
+          </a:fontRef>
+        </p:style>
+        <p:txBody>
+          <a:bodyPr rtlCol="0" anchor="ctr"/>
+          <a:lstStyle/>
+          <a:p>
+            <a:pPr algn="ctr"/>
+            <a:endParaRPr lang="en-US"/>
+          </a:p>
+        </p:txBody>
+      </p:sp>
+      <p:sp>
+        <p:nvSpPr>
+          <p:cNvPr id="7" name="Rectangle 6">
+            <a:extLst>
+              <a:ext uri="{FF2B5EF4-FFF2-40B4-BE49-F238E27FC236}">
+                <a16:creationId xmlns:a16="http://schemas.microsoft.com/office/drawing/2014/main" id="{00FD9BF4-04BC-4A2D-ADE9-7EE3508D232E}"/>
+              </a:ext>
+            </a:extLst>
+          </p:cNvPr>
+          <p:cNvSpPr/>
+          <p:nvPr/>
+        </p:nvSpPr>
+        <p:spPr>
+          <a:xfrm>
+            <a:off x="7330440" y="-1"/>
+            <a:ext cx="1080000" cy="720000"/>
+          </a:xfrm>
+          <a:prstGeom prst="rect">
+            <a:avLst/>
+          </a:prstGeom>
+          <a:solidFill>
+            <a:schemeClr val="bg2">
+              <a:lumMod val="10000"/>
+            </a:schemeClr>
+          </a:solidFill>
+          <a:ln>
+            <a:noFill/>
+          </a:ln>
+        </p:spPr>
+        <p:style>
+          <a:lnRef idx="2">
+            <a:schemeClr val="accent1">
+              <a:shade val="50000"/>
+            </a:schemeClr>
+          </a:lnRef>
+          <a:fillRef idx="1">
+            <a:schemeClr val="accent1"/>
+          </a:fillRef>
+          <a:effectRef idx="0">
+            <a:schemeClr val="accent1"/>
+          </a:effectRef>
+          <a:fontRef idx="minor">
+            <a:schemeClr val="lt1"/>
+          </a:fontRef>
+        </p:style>
+        <p:txBody>
+          <a:bodyPr rtlCol="0" anchor="ctr"/>
+          <a:lstStyle/>
+          <a:p>
+            <a:pPr algn="ctr"/>
+            <a:endParaRPr lang="en-US" sz="2000" dirty="0"/>
+          </a:p>
+        </p:txBody>
+      </p:sp>
+      <p:sp>
+        <p:nvSpPr>
+          <p:cNvPr id="26" name="Rectangle 25">
+            <a:extLst>
+              <a:ext uri="{FF2B5EF4-FFF2-40B4-BE49-F238E27FC236}">
+                <a16:creationId xmlns:a16="http://schemas.microsoft.com/office/drawing/2014/main" id="{E6D2C0B5-5EA5-45EA-9D84-A71BA0ABC842}"/>
+              </a:ext>
+            </a:extLst>
+          </p:cNvPr>
+          <p:cNvSpPr/>
+          <p:nvPr/>
+        </p:nvSpPr>
+        <p:spPr>
+          <a:xfrm>
+            <a:off x="0" y="4748399"/>
+            <a:ext cx="9753600" cy="720000"/>
+          </a:xfrm>
+          <a:prstGeom prst="rect">
+            <a:avLst/>
+          </a:prstGeom>
+          <a:solidFill>
+            <a:srgbClr val="162644"/>
+          </a:solidFill>
+          <a:ln>
+            <a:noFill/>
+          </a:ln>
+        </p:spPr>
+        <p:style>
+          <a:lnRef idx="2">
+            <a:schemeClr val="accent1">
+              <a:shade val="50000"/>
+            </a:schemeClr>
+          </a:lnRef>
+          <a:fillRef idx="1">
+            <a:schemeClr val="accent1"/>
+          </a:fillRef>
+          <a:effectRef idx="0">
+            <a:schemeClr val="accent1"/>
+          </a:effectRef>
+          <a:fontRef idx="minor">
+            <a:schemeClr val="lt1"/>
+          </a:fontRef>
+        </p:style>
+        <p:txBody>
+          <a:bodyPr rtlCol="0" anchor="ctr"/>
+          <a:lstStyle/>
+          <a:p>
+            <a:pPr algn="ctr"/>
+            <a:endParaRPr lang="en-US"/>
+          </a:p>
+        </p:txBody>
+      </p:sp>
+      <p:sp>
+        <p:nvSpPr>
+          <p:cNvPr id="8" name="Rectangle: Rounded Corners 7">
+            <a:extLst>
+              <a:ext uri="{FF2B5EF4-FFF2-40B4-BE49-F238E27FC236}">
+                <a16:creationId xmlns:a16="http://schemas.microsoft.com/office/drawing/2014/main" id="{2F8B302E-FBDB-445B-A49B-99AD5BB957CE}"/>
+              </a:ext>
+            </a:extLst>
+          </p:cNvPr>
+          <p:cNvSpPr/>
+          <p:nvPr/>
+        </p:nvSpPr>
+        <p:spPr>
+          <a:xfrm>
+            <a:off x="3436799" y="4793399"/>
+            <a:ext cx="1440000" cy="630000"/>
+          </a:xfrm>
+          <a:prstGeom prst="roundRect">
+            <a:avLst/>
+          </a:prstGeom>
+          <a:solidFill>
+            <a:srgbClr val="C00000"/>
+          </a:solidFill>
+          <a:ln>
+            <a:noFill/>
+          </a:ln>
+        </p:spPr>
+        <p:style>
+          <a:lnRef idx="2">
+            <a:schemeClr val="accent1">
+              <a:shade val="50000"/>
+            </a:schemeClr>
+          </a:lnRef>
+          <a:fillRef idx="1">
+            <a:schemeClr val="accent1"/>
+          </a:fillRef>
+          <a:effectRef idx="0">
+            <a:schemeClr val="accent1"/>
+          </a:effectRef>
+          <a:fontRef idx="minor">
+            <a:schemeClr val="lt1"/>
+          </a:fontRef>
+        </p:style>
+        <p:txBody>
+          <a:bodyPr rtlCol="0" anchor="ctr"/>
+          <a:lstStyle/>
+          <a:p>
+            <a:pPr algn="ctr"/>
+            <a:r>
+              <a:rPr lang="de-DE" b="1" dirty="0"/>
+              <a:t>Unfall!</a:t>
+            </a:r>
+            <a:endParaRPr lang="en-US" b="1" dirty="0"/>
+          </a:p>
+        </p:txBody>
+      </p:sp>
+      <p:sp>
+        <p:nvSpPr>
+          <p:cNvPr id="11" name="Rectangle: Rounded Corners 10">
+            <a:extLst>
+              <a:ext uri="{FF2B5EF4-FFF2-40B4-BE49-F238E27FC236}">
+                <a16:creationId xmlns:a16="http://schemas.microsoft.com/office/drawing/2014/main" id="{609EB6A0-246B-4FFA-9BCD-FDF1B739EE81}"/>
+              </a:ext>
+            </a:extLst>
+          </p:cNvPr>
+          <p:cNvSpPr/>
+          <p:nvPr/>
+        </p:nvSpPr>
+        <p:spPr>
+          <a:xfrm>
+            <a:off x="7546637" y="4793399"/>
+            <a:ext cx="2160000" cy="630000"/>
+          </a:xfrm>
+          <a:prstGeom prst="roundRect">
+            <a:avLst/>
+          </a:prstGeom>
+          <a:solidFill>
+            <a:srgbClr val="008000"/>
+          </a:solidFill>
+          <a:ln>
+            <a:noFill/>
+          </a:ln>
+        </p:spPr>
+        <p:style>
+          <a:lnRef idx="2">
+            <a:schemeClr val="accent1">
+              <a:shade val="50000"/>
+            </a:schemeClr>
+          </a:lnRef>
+          <a:fillRef idx="1">
+            <a:schemeClr val="accent1"/>
+          </a:fillRef>
+          <a:effectRef idx="0">
+            <a:schemeClr val="accent1"/>
+          </a:effectRef>
+          <a:fontRef idx="minor">
+            <a:schemeClr val="lt1"/>
+          </a:fontRef>
+        </p:style>
+        <p:txBody>
+          <a:bodyPr lIns="720000" rtlCol="0" anchor="ctr"/>
+          <a:lstStyle/>
+          <a:p>
+            <a:pPr algn="ctr"/>
+            <a:r>
+              <a:rPr lang="de-DE" b="1" dirty="0"/>
+              <a:t>Bestätigen</a:t>
+            </a:r>
+          </a:p>
+        </p:txBody>
+      </p:sp>
+      <p:pic>
+        <p:nvPicPr>
+          <p:cNvPr id="12" name="Graphic 11">
+            <a:extLst>
+              <a:ext uri="{FF2B5EF4-FFF2-40B4-BE49-F238E27FC236}">
+                <a16:creationId xmlns:a16="http://schemas.microsoft.com/office/drawing/2014/main" id="{F5D693AE-C9E2-4968-95DC-0EFE035E839B}"/>
+              </a:ext>
+            </a:extLst>
+          </p:cNvPr>
+          <p:cNvPicPr>
+            <a:picLocks noChangeAspect="1"/>
+          </p:cNvPicPr>
+          <p:nvPr/>
+        </p:nvPicPr>
+        <p:blipFill>
+          <a:blip r:embed="rId2">
+            <a:extLst>
+              <a:ext uri="{28A0092B-C50C-407E-A947-70E740481C1C}">
+                <a14:useLocalDpi xmlns:a14="http://schemas.microsoft.com/office/drawing/2010/main" val="0"/>
+              </a:ext>
+              <a:ext uri="{96DAC541-7B7A-43D3-8B79-37D633B846F1}">
+                <asvg:svgBlip xmlns:asvg="http://schemas.microsoft.com/office/drawing/2016/SVG/main" r:embed="rId3"/>
+              </a:ext>
+            </a:extLst>
+          </a:blip>
+          <a:stretch>
+            <a:fillRect/>
+          </a:stretch>
+        </p:blipFill>
+        <p:spPr>
+          <a:xfrm>
+            <a:off x="7721606" y="4883399"/>
+            <a:ext cx="450000" cy="450000"/>
+          </a:xfrm>
+          <a:prstGeom prst="rect">
+            <a:avLst/>
+          </a:prstGeom>
+        </p:spPr>
+      </p:pic>
+      <p:sp>
+        <p:nvSpPr>
+          <p:cNvPr id="13" name="Rectangle: Rounded Corners 12">
+            <a:extLst>
+              <a:ext uri="{FF2B5EF4-FFF2-40B4-BE49-F238E27FC236}">
+                <a16:creationId xmlns:a16="http://schemas.microsoft.com/office/drawing/2014/main" id="{700D8957-FD79-4574-B278-50CD18F98731}"/>
+              </a:ext>
+            </a:extLst>
+          </p:cNvPr>
+          <p:cNvSpPr/>
+          <p:nvPr/>
+        </p:nvSpPr>
+        <p:spPr>
+          <a:xfrm>
+            <a:off x="46963" y="4794250"/>
+            <a:ext cx="630000" cy="630000"/>
+          </a:xfrm>
+          <a:prstGeom prst="roundRect">
+            <a:avLst/>
+          </a:prstGeom>
+          <a:solidFill>
+            <a:schemeClr val="bg1">
+              <a:lumMod val="65000"/>
+            </a:schemeClr>
+          </a:solidFill>
+          <a:ln>
+            <a:noFill/>
+          </a:ln>
+        </p:spPr>
+        <p:style>
+          <a:lnRef idx="2">
+            <a:schemeClr val="accent1">
+              <a:shade val="50000"/>
+            </a:schemeClr>
+          </a:lnRef>
+          <a:fillRef idx="1">
+            <a:schemeClr val="accent1"/>
+          </a:fillRef>
+          <a:effectRef idx="0">
+            <a:schemeClr val="accent1"/>
+          </a:effectRef>
+          <a:fontRef idx="minor">
+            <a:schemeClr val="lt1"/>
+          </a:fontRef>
+        </p:style>
+        <p:txBody>
+          <a:bodyPr rtlCol="0" anchor="ctr"/>
+          <a:lstStyle/>
+          <a:p>
+            <a:pPr algn="ctr"/>
+            <a:endParaRPr lang="en-US" dirty="0"/>
+          </a:p>
+        </p:txBody>
+      </p:sp>
+      <p:pic>
+        <p:nvPicPr>
+          <p:cNvPr id="14" name="Graphic 13">
+            <a:extLst>
+              <a:ext uri="{FF2B5EF4-FFF2-40B4-BE49-F238E27FC236}">
+                <a16:creationId xmlns:a16="http://schemas.microsoft.com/office/drawing/2014/main" id="{C90454BC-826D-4EC2-AC8E-B8E491B2853B}"/>
+              </a:ext>
+            </a:extLst>
+          </p:cNvPr>
+          <p:cNvPicPr>
+            <a:picLocks noChangeAspect="1"/>
+          </p:cNvPicPr>
+          <p:nvPr/>
+        </p:nvPicPr>
+        <p:blipFill>
+          <a:blip r:embed="rId4">
+            <a:extLst>
+              <a:ext uri="{28A0092B-C50C-407E-A947-70E740481C1C}">
+                <a14:useLocalDpi xmlns:a14="http://schemas.microsoft.com/office/drawing/2010/main" val="0"/>
+              </a:ext>
+              <a:ext uri="{96DAC541-7B7A-43D3-8B79-37D633B846F1}">
+                <asvg:svgBlip xmlns:asvg="http://schemas.microsoft.com/office/drawing/2016/SVG/main" r:embed="rId5"/>
+              </a:ext>
+            </a:extLst>
+          </a:blip>
+          <a:stretch>
+            <a:fillRect/>
+          </a:stretch>
+        </p:blipFill>
+        <p:spPr>
+          <a:xfrm>
+            <a:off x="165088" y="4881635"/>
+            <a:ext cx="393750" cy="450000"/>
+          </a:xfrm>
+          <a:prstGeom prst="rect">
+            <a:avLst/>
+          </a:prstGeom>
+        </p:spPr>
+      </p:pic>
+      <p:sp>
+        <p:nvSpPr>
+          <p:cNvPr id="15" name="TextBox 14">
+            <a:extLst>
+              <a:ext uri="{FF2B5EF4-FFF2-40B4-BE49-F238E27FC236}">
+                <a16:creationId xmlns:a16="http://schemas.microsoft.com/office/drawing/2014/main" id="{1A5F05AD-8CD1-4236-B412-4596E1684FEC}"/>
+              </a:ext>
+            </a:extLst>
+          </p:cNvPr>
+          <p:cNvSpPr txBox="1"/>
+          <p:nvPr/>
+        </p:nvSpPr>
+        <p:spPr>
+          <a:xfrm>
+            <a:off x="1227184" y="4055022"/>
+            <a:ext cx="2422458" cy="400110"/>
+          </a:xfrm>
+          <a:prstGeom prst="rect">
+            <a:avLst/>
+          </a:prstGeom>
+          <a:noFill/>
+        </p:spPr>
+        <p:txBody>
+          <a:bodyPr wrap="none" rtlCol="0">
+            <a:spAutoFit/>
+          </a:bodyPr>
+          <a:lstStyle/>
+          <a:p>
+            <a:pPr algn="ctr"/>
+            <a:r>
+              <a:rPr lang="de-DE" sz="2000" dirty="0">
+                <a:solidFill>
+                  <a:schemeClr val="bg1"/>
+                </a:solidFill>
+              </a:rPr>
+              <a:t>Eingabe fehlerhaft.</a:t>
+            </a:r>
+            <a:endParaRPr lang="en-US" sz="2000" dirty="0">
+              <a:solidFill>
+                <a:schemeClr val="bg1"/>
+              </a:solidFill>
+            </a:endParaRPr>
+          </a:p>
+        </p:txBody>
+      </p:sp>
+    </p:spTree>
+    <p:extLst>
+      <p:ext uri="{BB962C8B-B14F-4D97-AF65-F5344CB8AC3E}">
+        <p14:creationId xmlns:p14="http://schemas.microsoft.com/office/powerpoint/2010/main" val="1983598346"/>
+      </p:ext>
+    </p:extLst>
+  </p:cSld>
+  <p:clrMapOvr>
+    <a:masterClrMapping/>
+  </p:clrMapOvr>
+</p:sld>
+</file>
+
+<file path=ppt/slides/slide11.xml><?xml version="1.0" encoding="utf-8"?>
 <p:sld xmlns:a="http://schemas.openxmlformats.org/drawingml/2006/main" xmlns:r="http://schemas.openxmlformats.org/officeDocument/2006/relationships" xmlns:p="http://schemas.openxmlformats.org/presentationml/2006/main">
   <p:cSld>
     <p:spTree>
@@ -4646,7 +5242,7 @@
 </p:sld>
 </file>
 
-<file path=ppt/slides/slide11.xml><?xml version="1.0" encoding="utf-8"?>
+<file path=ppt/slides/slide12.xml><?xml version="1.0" encoding="utf-8"?>
 <p:sld xmlns:a="http://schemas.openxmlformats.org/drawingml/2006/main" xmlns:r="http://schemas.openxmlformats.org/officeDocument/2006/relationships" xmlns:p="http://schemas.openxmlformats.org/presentationml/2006/main">
   <p:cSld>
     <p:spTree>
@@ -6161,7 +6757,7 @@
 </p:sld>
 </file>
 
-<file path=ppt/slides/slide12.xml><?xml version="1.0" encoding="utf-8"?>
+<file path=ppt/slides/slide13.xml><?xml version="1.0" encoding="utf-8"?>
 <p:sld xmlns:a="http://schemas.openxmlformats.org/drawingml/2006/main" xmlns:r="http://schemas.openxmlformats.org/officeDocument/2006/relationships" xmlns:p="http://schemas.openxmlformats.org/presentationml/2006/main">
   <p:cSld>
     <p:spTree>
@@ -7561,7 +8157,7 @@
 </p:sld>
 </file>
 
-<file path=ppt/slides/slide13.xml><?xml version="1.0" encoding="utf-8"?>
+<file path=ppt/slides/slide14.xml><?xml version="1.0" encoding="utf-8"?>
 <p:sld xmlns:a="http://schemas.openxmlformats.org/drawingml/2006/main" xmlns:r="http://schemas.openxmlformats.org/officeDocument/2006/relationships" xmlns:p="http://schemas.openxmlformats.org/presentationml/2006/main">
   <p:cSld>
     <p:spTree>
@@ -9871,7 +10467,7 @@
 </p:sld>
 </file>
 
-<file path=ppt/slides/slide14.xml><?xml version="1.0" encoding="utf-8"?>
+<file path=ppt/slides/slide15.xml><?xml version="1.0" encoding="utf-8"?>
 <p:sld xmlns:a="http://schemas.openxmlformats.org/drawingml/2006/main" xmlns:r="http://schemas.openxmlformats.org/officeDocument/2006/relationships" xmlns:p="http://schemas.openxmlformats.org/presentationml/2006/main">
   <p:cSld>
     <p:spTree>
@@ -12191,7 +12787,7 @@
 </p:sld>
 </file>
 
-<file path=ppt/slides/slide15.xml><?xml version="1.0" encoding="utf-8"?>
+<file path=ppt/slides/slide16.xml><?xml version="1.0" encoding="utf-8"?>
 <p:sld xmlns:a="http://schemas.openxmlformats.org/drawingml/2006/main" xmlns:r="http://schemas.openxmlformats.org/officeDocument/2006/relationships" xmlns:p="http://schemas.openxmlformats.org/presentationml/2006/main">
   <p:cSld>
     <p:spTree>
@@ -14508,7 +15104,7 @@
 </p:sld>
 </file>
 
-<file path=ppt/slides/slide16.xml><?xml version="1.0" encoding="utf-8"?>
+<file path=ppt/slides/slide17.xml><?xml version="1.0" encoding="utf-8"?>
 <p:sld xmlns:a="http://schemas.openxmlformats.org/drawingml/2006/main" xmlns:r="http://schemas.openxmlformats.org/officeDocument/2006/relationships" xmlns:p="http://schemas.openxmlformats.org/presentationml/2006/main">
   <p:cSld>
     <p:spTree>
@@ -16536,7 +17132,7 @@
 </p:sld>
 </file>
 
-<file path=ppt/slides/slide17.xml><?xml version="1.0" encoding="utf-8"?>
+<file path=ppt/slides/slide18.xml><?xml version="1.0" encoding="utf-8"?>
 <p:sld xmlns:a="http://schemas.openxmlformats.org/drawingml/2006/main" xmlns:r="http://schemas.openxmlformats.org/officeDocument/2006/relationships" xmlns:p="http://schemas.openxmlformats.org/presentationml/2006/main">
   <p:cSld>
     <p:spTree>
@@ -18564,7 +19160,7 @@
 </p:sld>
 </file>
 
-<file path=ppt/slides/slide18.xml><?xml version="1.0" encoding="utf-8"?>
+<file path=ppt/slides/slide19.xml><?xml version="1.0" encoding="utf-8"?>
 <p:sld xmlns:a="http://schemas.openxmlformats.org/drawingml/2006/main" xmlns:r="http://schemas.openxmlformats.org/officeDocument/2006/relationships" xmlns:p="http://schemas.openxmlformats.org/presentationml/2006/main">
   <p:cSld>
     <p:spTree>
@@ -20195,7 +20791,168 @@
 </p:sld>
 </file>
 
-<file path=ppt/slides/slide19.xml><?xml version="1.0" encoding="utf-8"?>
+<file path=ppt/slides/slide2.xml><?xml version="1.0" encoding="utf-8"?>
+<p:sld xmlns:a="http://schemas.openxmlformats.org/drawingml/2006/main" xmlns:r="http://schemas.openxmlformats.org/officeDocument/2006/relationships" xmlns:p="http://schemas.openxmlformats.org/presentationml/2006/main">
+  <p:cSld>
+    <p:spTree>
+      <p:nvGrpSpPr>
+        <p:cNvPr id="1" name=""/>
+        <p:cNvGrpSpPr/>
+        <p:nvPr/>
+      </p:nvGrpSpPr>
+      <p:grpSpPr>
+        <a:xfrm>
+          <a:off x="0" y="0"/>
+          <a:ext cx="0" cy="0"/>
+          <a:chOff x="0" y="0"/>
+          <a:chExt cx="0" cy="0"/>
+        </a:xfrm>
+      </p:grpSpPr>
+      <p:sp>
+        <p:nvSpPr>
+          <p:cNvPr id="5" name="Rectangle 4">
+            <a:extLst>
+              <a:ext uri="{FF2B5EF4-FFF2-40B4-BE49-F238E27FC236}">
+                <a16:creationId xmlns:a16="http://schemas.microsoft.com/office/drawing/2014/main" id="{DD6F78D1-EB25-4C39-8595-0B180702B60C}"/>
+              </a:ext>
+            </a:extLst>
+          </p:cNvPr>
+          <p:cNvSpPr/>
+          <p:nvPr/>
+        </p:nvSpPr>
+        <p:spPr>
+          <a:xfrm>
+            <a:off x="0" y="5468400"/>
+            <a:ext cx="9753600" cy="4285200"/>
+          </a:xfrm>
+          <a:prstGeom prst="rect">
+            <a:avLst/>
+          </a:prstGeom>
+          <a:ln>
+            <a:noFill/>
+          </a:ln>
+        </p:spPr>
+        <p:style>
+          <a:lnRef idx="2">
+            <a:schemeClr val="dk1">
+              <a:shade val="50000"/>
+            </a:schemeClr>
+          </a:lnRef>
+          <a:fillRef idx="1">
+            <a:schemeClr val="dk1"/>
+          </a:fillRef>
+          <a:effectRef idx="0">
+            <a:schemeClr val="dk1"/>
+          </a:effectRef>
+          <a:fontRef idx="minor">
+            <a:schemeClr val="lt1"/>
+          </a:fontRef>
+        </p:style>
+        <p:txBody>
+          <a:bodyPr rtlCol="0" anchor="ctr"/>
+          <a:lstStyle/>
+          <a:p>
+            <a:pPr algn="ctr"/>
+            <a:r>
+              <a:rPr lang="de-DE" sz="4000" i="1" dirty="0" err="1"/>
+              <a:t>Placeholder</a:t>
+            </a:r>
+            <a:r>
+              <a:rPr lang="de-DE" sz="4000" i="1" dirty="0"/>
+              <a:t> / not in </a:t>
+            </a:r>
+            <a:r>
+              <a:rPr lang="de-DE" sz="4000" i="1" dirty="0" err="1"/>
+              <a:t>use</a:t>
+            </a:r>
+            <a:r>
+              <a:rPr lang="de-DE" sz="4000" i="1" dirty="0"/>
+              <a:t>!</a:t>
+            </a:r>
+            <a:endParaRPr lang="en-US" sz="4000" i="1" dirty="0"/>
+          </a:p>
+        </p:txBody>
+      </p:sp>
+      <p:sp>
+        <p:nvSpPr>
+          <p:cNvPr id="14" name="Rectangle 13">
+            <a:extLst>
+              <a:ext uri="{FF2B5EF4-FFF2-40B4-BE49-F238E27FC236}">
+                <a16:creationId xmlns:a16="http://schemas.microsoft.com/office/drawing/2014/main" id="{8400B2F5-CD1D-446C-8DB0-17C8045D2085}"/>
+              </a:ext>
+            </a:extLst>
+          </p:cNvPr>
+          <p:cNvSpPr/>
+          <p:nvPr/>
+        </p:nvSpPr>
+        <p:spPr>
+          <a:xfrm>
+            <a:off x="0" y="0"/>
+            <a:ext cx="9753600" cy="5468400"/>
+          </a:xfrm>
+          <a:prstGeom prst="rect">
+            <a:avLst/>
+          </a:prstGeom>
+          <a:solidFill>
+            <a:schemeClr val="tx1">
+              <a:lumMod val="85000"/>
+              <a:lumOff val="15000"/>
+            </a:schemeClr>
+          </a:solidFill>
+          <a:ln>
+            <a:noFill/>
+          </a:ln>
+        </p:spPr>
+        <p:style>
+          <a:lnRef idx="2">
+            <a:schemeClr val="dk1">
+              <a:shade val="50000"/>
+            </a:schemeClr>
+          </a:lnRef>
+          <a:fillRef idx="1">
+            <a:schemeClr val="dk1"/>
+          </a:fillRef>
+          <a:effectRef idx="0">
+            <a:schemeClr val="dk1"/>
+          </a:effectRef>
+          <a:fontRef idx="minor">
+            <a:schemeClr val="lt1"/>
+          </a:fontRef>
+        </p:style>
+        <p:txBody>
+          <a:bodyPr rtlCol="0" anchor="t"/>
+          <a:lstStyle/>
+          <a:p>
+            <a:r>
+              <a:rPr lang="de-DE" sz="1600" dirty="0">
+                <a:latin typeface="JetBrains Mono NL SemiBold" panose="02000009000000000000" pitchFamily="49" charset="0"/>
+                <a:ea typeface="JetBrains Mono NL SemiBold" panose="02000009000000000000" pitchFamily="49" charset="0"/>
+                <a:cs typeface="JetBrains Mono NL SemiBold" panose="02000009000000000000" pitchFamily="49" charset="0"/>
+              </a:rPr>
+              <a:t>_</a:t>
+            </a:r>
+            <a:endParaRPr lang="en-US" sz="1600" dirty="0">
+              <a:latin typeface="JetBrains Mono NL SemiBold" panose="02000009000000000000" pitchFamily="49" charset="0"/>
+              <a:ea typeface="JetBrains Mono NL SemiBold" panose="02000009000000000000" pitchFamily="49" charset="0"/>
+              <a:cs typeface="JetBrains Mono NL SemiBold" panose="02000009000000000000" pitchFamily="49" charset="0"/>
+            </a:endParaRPr>
+          </a:p>
+        </p:txBody>
+      </p:sp>
+    </p:spTree>
+    <p:extLst>
+      <p:ext uri="{BB962C8B-B14F-4D97-AF65-F5344CB8AC3E}">
+        <p14:creationId xmlns:p14="http://schemas.microsoft.com/office/powerpoint/2010/main" val="2453132033"/>
+      </p:ext>
+    </p:extLst>
+  </p:cSld>
+  <p:clrMapOvr>
+    <a:masterClrMapping/>
+  </p:clrMapOvr>
+</p:sld>
+</file>
+
+<file path=ppt/slides/slide20.xml><?xml version="1.0" encoding="utf-8"?>
 <p:sld xmlns:a="http://schemas.openxmlformats.org/drawingml/2006/main" xmlns:r="http://schemas.openxmlformats.org/officeDocument/2006/relationships" xmlns:p="http://schemas.openxmlformats.org/presentationml/2006/main">
   <p:cSld>
     <p:spTree>
@@ -22103,168 +22860,7 @@
 </p:sld>
 </file>
 
-<file path=ppt/slides/slide2.xml><?xml version="1.0" encoding="utf-8"?>
-<p:sld xmlns:a="http://schemas.openxmlformats.org/drawingml/2006/main" xmlns:r="http://schemas.openxmlformats.org/officeDocument/2006/relationships" xmlns:p="http://schemas.openxmlformats.org/presentationml/2006/main">
-  <p:cSld>
-    <p:spTree>
-      <p:nvGrpSpPr>
-        <p:cNvPr id="1" name=""/>
-        <p:cNvGrpSpPr/>
-        <p:nvPr/>
-      </p:nvGrpSpPr>
-      <p:grpSpPr>
-        <a:xfrm>
-          <a:off x="0" y="0"/>
-          <a:ext cx="0" cy="0"/>
-          <a:chOff x="0" y="0"/>
-          <a:chExt cx="0" cy="0"/>
-        </a:xfrm>
-      </p:grpSpPr>
-      <p:sp>
-        <p:nvSpPr>
-          <p:cNvPr id="5" name="Rectangle 4">
-            <a:extLst>
-              <a:ext uri="{FF2B5EF4-FFF2-40B4-BE49-F238E27FC236}">
-                <a16:creationId xmlns:a16="http://schemas.microsoft.com/office/drawing/2014/main" id="{DD6F78D1-EB25-4C39-8595-0B180702B60C}"/>
-              </a:ext>
-            </a:extLst>
-          </p:cNvPr>
-          <p:cNvSpPr/>
-          <p:nvPr/>
-        </p:nvSpPr>
-        <p:spPr>
-          <a:xfrm>
-            <a:off x="0" y="5468400"/>
-            <a:ext cx="9753600" cy="4285200"/>
-          </a:xfrm>
-          <a:prstGeom prst="rect">
-            <a:avLst/>
-          </a:prstGeom>
-          <a:ln>
-            <a:noFill/>
-          </a:ln>
-        </p:spPr>
-        <p:style>
-          <a:lnRef idx="2">
-            <a:schemeClr val="dk1">
-              <a:shade val="50000"/>
-            </a:schemeClr>
-          </a:lnRef>
-          <a:fillRef idx="1">
-            <a:schemeClr val="dk1"/>
-          </a:fillRef>
-          <a:effectRef idx="0">
-            <a:schemeClr val="dk1"/>
-          </a:effectRef>
-          <a:fontRef idx="minor">
-            <a:schemeClr val="lt1"/>
-          </a:fontRef>
-        </p:style>
-        <p:txBody>
-          <a:bodyPr rtlCol="0" anchor="ctr"/>
-          <a:lstStyle/>
-          <a:p>
-            <a:pPr algn="ctr"/>
-            <a:r>
-              <a:rPr lang="de-DE" sz="4000" i="1" dirty="0" err="1"/>
-              <a:t>Placeholder</a:t>
-            </a:r>
-            <a:r>
-              <a:rPr lang="de-DE" sz="4000" i="1" dirty="0"/>
-              <a:t> / not in </a:t>
-            </a:r>
-            <a:r>
-              <a:rPr lang="de-DE" sz="4000" i="1" dirty="0" err="1"/>
-              <a:t>use</a:t>
-            </a:r>
-            <a:r>
-              <a:rPr lang="de-DE" sz="4000" i="1" dirty="0"/>
-              <a:t>!</a:t>
-            </a:r>
-            <a:endParaRPr lang="en-US" sz="4000" i="1" dirty="0"/>
-          </a:p>
-        </p:txBody>
-      </p:sp>
-      <p:sp>
-        <p:nvSpPr>
-          <p:cNvPr id="14" name="Rectangle 13">
-            <a:extLst>
-              <a:ext uri="{FF2B5EF4-FFF2-40B4-BE49-F238E27FC236}">
-                <a16:creationId xmlns:a16="http://schemas.microsoft.com/office/drawing/2014/main" id="{8400B2F5-CD1D-446C-8DB0-17C8045D2085}"/>
-              </a:ext>
-            </a:extLst>
-          </p:cNvPr>
-          <p:cNvSpPr/>
-          <p:nvPr/>
-        </p:nvSpPr>
-        <p:spPr>
-          <a:xfrm>
-            <a:off x="0" y="0"/>
-            <a:ext cx="9753600" cy="5468400"/>
-          </a:xfrm>
-          <a:prstGeom prst="rect">
-            <a:avLst/>
-          </a:prstGeom>
-          <a:solidFill>
-            <a:schemeClr val="tx1">
-              <a:lumMod val="85000"/>
-              <a:lumOff val="15000"/>
-            </a:schemeClr>
-          </a:solidFill>
-          <a:ln>
-            <a:noFill/>
-          </a:ln>
-        </p:spPr>
-        <p:style>
-          <a:lnRef idx="2">
-            <a:schemeClr val="dk1">
-              <a:shade val="50000"/>
-            </a:schemeClr>
-          </a:lnRef>
-          <a:fillRef idx="1">
-            <a:schemeClr val="dk1"/>
-          </a:fillRef>
-          <a:effectRef idx="0">
-            <a:schemeClr val="dk1"/>
-          </a:effectRef>
-          <a:fontRef idx="minor">
-            <a:schemeClr val="lt1"/>
-          </a:fontRef>
-        </p:style>
-        <p:txBody>
-          <a:bodyPr rtlCol="0" anchor="t"/>
-          <a:lstStyle/>
-          <a:p>
-            <a:r>
-              <a:rPr lang="de-DE" sz="1600" dirty="0">
-                <a:latin typeface="JetBrains Mono NL SemiBold" panose="02000009000000000000" pitchFamily="49" charset="0"/>
-                <a:ea typeface="JetBrains Mono NL SemiBold" panose="02000009000000000000" pitchFamily="49" charset="0"/>
-                <a:cs typeface="JetBrains Mono NL SemiBold" panose="02000009000000000000" pitchFamily="49" charset="0"/>
-              </a:rPr>
-              <a:t>_</a:t>
-            </a:r>
-            <a:endParaRPr lang="en-US" sz="1600" dirty="0">
-              <a:latin typeface="JetBrains Mono NL SemiBold" panose="02000009000000000000" pitchFamily="49" charset="0"/>
-              <a:ea typeface="JetBrains Mono NL SemiBold" panose="02000009000000000000" pitchFamily="49" charset="0"/>
-              <a:cs typeface="JetBrains Mono NL SemiBold" panose="02000009000000000000" pitchFamily="49" charset="0"/>
-            </a:endParaRPr>
-          </a:p>
-        </p:txBody>
-      </p:sp>
-    </p:spTree>
-    <p:extLst>
-      <p:ext uri="{BB962C8B-B14F-4D97-AF65-F5344CB8AC3E}">
-        <p14:creationId xmlns:p14="http://schemas.microsoft.com/office/powerpoint/2010/main" val="2453132033"/>
-      </p:ext>
-    </p:extLst>
-  </p:cSld>
-  <p:clrMapOvr>
-    <a:masterClrMapping/>
-  </p:clrMapOvr>
-</p:sld>
-</file>
-
-<file path=ppt/slides/slide20.xml><?xml version="1.0" encoding="utf-8"?>
+<file path=ppt/slides/slide21.xml><?xml version="1.0" encoding="utf-8"?>
 <p:sld xmlns:a="http://schemas.openxmlformats.org/drawingml/2006/main" xmlns:r="http://schemas.openxmlformats.org/officeDocument/2006/relationships" xmlns:p="http://schemas.openxmlformats.org/presentationml/2006/main">
   <p:cSld>
     <p:spTree>
@@ -24439,7 +25035,7 @@
 </p:sld>
 </file>
 
-<file path=ppt/slides/slide21.xml><?xml version="1.0" encoding="utf-8"?>
+<file path=ppt/slides/slide22.xml><?xml version="1.0" encoding="utf-8"?>
 <p:sld xmlns:a="http://schemas.openxmlformats.org/drawingml/2006/main" xmlns:r="http://schemas.openxmlformats.org/officeDocument/2006/relationships" xmlns:p="http://schemas.openxmlformats.org/presentationml/2006/main">
   <p:cSld>
     <p:spTree>
@@ -26591,7 +27187,7 @@
 </p:sld>
 </file>
 
-<file path=ppt/slides/slide22.xml><?xml version="1.0" encoding="utf-8"?>
+<file path=ppt/slides/slide23.xml><?xml version="1.0" encoding="utf-8"?>
 <p:sld xmlns:a="http://schemas.openxmlformats.org/drawingml/2006/main" xmlns:r="http://schemas.openxmlformats.org/officeDocument/2006/relationships" xmlns:p="http://schemas.openxmlformats.org/presentationml/2006/main">
   <p:cSld>
     <p:spTree>
@@ -28399,7 +28995,7 @@
 </p:sld>
 </file>
 
-<file path=ppt/slides/slide23.xml><?xml version="1.0" encoding="utf-8"?>
+<file path=ppt/slides/slide24.xml><?xml version="1.0" encoding="utf-8"?>
 <p:sld xmlns:a="http://schemas.openxmlformats.org/drawingml/2006/main" xmlns:r="http://schemas.openxmlformats.org/officeDocument/2006/relationships" xmlns:p="http://schemas.openxmlformats.org/presentationml/2006/main">
   <p:cSld>
     <p:spTree>
@@ -30217,7 +30813,7 @@
 </p:sld>
 </file>
 
-<file path=ppt/slides/slide24.xml><?xml version="1.0" encoding="utf-8"?>
+<file path=ppt/slides/slide25.xml><?xml version="1.0" encoding="utf-8"?>
 <p:sld xmlns:a="http://schemas.openxmlformats.org/drawingml/2006/main" xmlns:r="http://schemas.openxmlformats.org/officeDocument/2006/relationships" xmlns:p="http://schemas.openxmlformats.org/presentationml/2006/main">
   <p:cSld>
     <p:spTree>
@@ -32048,7 +32644,7 @@
 </p:sld>
 </file>
 
-<file path=ppt/slides/slide25.xml><?xml version="1.0" encoding="utf-8"?>
+<file path=ppt/slides/slide26.xml><?xml version="1.0" encoding="utf-8"?>
 <p:sld xmlns:a="http://schemas.openxmlformats.org/drawingml/2006/main" xmlns:r="http://schemas.openxmlformats.org/officeDocument/2006/relationships" xmlns:p="http://schemas.openxmlformats.org/presentationml/2006/main">
   <p:cSld>
     <p:spTree>
@@ -33665,7 +34261,7 @@
 </p:sld>
 </file>
 
-<file path=ppt/slides/slide26.xml><?xml version="1.0" encoding="utf-8"?>
+<file path=ppt/slides/slide27.xml><?xml version="1.0" encoding="utf-8"?>
 <p:sld xmlns:a="http://schemas.openxmlformats.org/drawingml/2006/main" xmlns:r="http://schemas.openxmlformats.org/officeDocument/2006/relationships" xmlns:p="http://schemas.openxmlformats.org/presentationml/2006/main">
   <p:cSld>
     <p:spTree>
@@ -34185,1013 +34781,6 @@
     <p:extLst>
       <p:ext uri="{BB962C8B-B14F-4D97-AF65-F5344CB8AC3E}">
         <p14:creationId xmlns:p14="http://schemas.microsoft.com/office/powerpoint/2010/main" val="4206666748"/>
-      </p:ext>
-    </p:extLst>
-  </p:cSld>
-  <p:clrMapOvr>
-    <a:masterClrMapping/>
-  </p:clrMapOvr>
-</p:sld>
-</file>
-
-<file path=ppt/slides/slide27.xml><?xml version="1.0" encoding="utf-8"?>
-<p:sld xmlns:a="http://schemas.openxmlformats.org/drawingml/2006/main" xmlns:r="http://schemas.openxmlformats.org/officeDocument/2006/relationships" xmlns:p="http://schemas.openxmlformats.org/presentationml/2006/main">
-  <p:cSld>
-    <p:spTree>
-      <p:nvGrpSpPr>
-        <p:cNvPr id="1" name=""/>
-        <p:cNvGrpSpPr/>
-        <p:nvPr/>
-      </p:nvGrpSpPr>
-      <p:grpSpPr>
-        <a:xfrm>
-          <a:off x="0" y="0"/>
-          <a:ext cx="0" cy="0"/>
-          <a:chOff x="0" y="0"/>
-          <a:chExt cx="0" cy="0"/>
-        </a:xfrm>
-      </p:grpSpPr>
-      <p:sp>
-        <p:nvSpPr>
-          <p:cNvPr id="20" name="Rectangle 19">
-            <a:extLst>
-              <a:ext uri="{FF2B5EF4-FFF2-40B4-BE49-F238E27FC236}">
-                <a16:creationId xmlns:a16="http://schemas.microsoft.com/office/drawing/2014/main" id="{4060C324-4318-4830-BE4D-80F7588567D5}"/>
-              </a:ext>
-            </a:extLst>
-          </p:cNvPr>
-          <p:cNvSpPr/>
-          <p:nvPr/>
-        </p:nvSpPr>
-        <p:spPr>
-          <a:xfrm>
-            <a:off x="0" y="718023"/>
-            <a:ext cx="4876799" cy="4750375"/>
-          </a:xfrm>
-          <a:prstGeom prst="rect">
-            <a:avLst/>
-          </a:prstGeom>
-          <a:solidFill>
-            <a:schemeClr val="accent1">
-              <a:lumMod val="50000"/>
-            </a:schemeClr>
-          </a:solidFill>
-          <a:ln>
-            <a:noFill/>
-          </a:ln>
-        </p:spPr>
-        <p:style>
-          <a:lnRef idx="2">
-            <a:schemeClr val="accent1">
-              <a:shade val="50000"/>
-            </a:schemeClr>
-          </a:lnRef>
-          <a:fillRef idx="1">
-            <a:schemeClr val="accent1"/>
-          </a:fillRef>
-          <a:effectRef idx="0">
-            <a:schemeClr val="accent1"/>
-          </a:effectRef>
-          <a:fontRef idx="minor">
-            <a:schemeClr val="lt1"/>
-          </a:fontRef>
-        </p:style>
-        <p:txBody>
-          <a:bodyPr rtlCol="0" anchor="ctr"/>
-          <a:lstStyle/>
-          <a:p>
-            <a:pPr algn="ctr"/>
-            <a:endParaRPr lang="en-US" u="sng" dirty="0"/>
-          </a:p>
-        </p:txBody>
-      </p:sp>
-      <p:sp>
-        <p:nvSpPr>
-          <p:cNvPr id="5" name="Rectangle 4">
-            <a:extLst>
-              <a:ext uri="{FF2B5EF4-FFF2-40B4-BE49-F238E27FC236}">
-                <a16:creationId xmlns:a16="http://schemas.microsoft.com/office/drawing/2014/main" id="{DD6F78D1-EB25-4C39-8595-0B180702B60C}"/>
-              </a:ext>
-            </a:extLst>
-          </p:cNvPr>
-          <p:cNvSpPr/>
-          <p:nvPr/>
-        </p:nvSpPr>
-        <p:spPr>
-          <a:xfrm>
-            <a:off x="0" y="5468400"/>
-            <a:ext cx="9753600" cy="4285200"/>
-          </a:xfrm>
-          <a:prstGeom prst="rect">
-            <a:avLst/>
-          </a:prstGeom>
-          <a:ln>
-            <a:noFill/>
-          </a:ln>
-        </p:spPr>
-        <p:style>
-          <a:lnRef idx="2">
-            <a:schemeClr val="dk1">
-              <a:shade val="50000"/>
-            </a:schemeClr>
-          </a:lnRef>
-          <a:fillRef idx="1">
-            <a:schemeClr val="dk1"/>
-          </a:fillRef>
-          <a:effectRef idx="0">
-            <a:schemeClr val="dk1"/>
-          </a:effectRef>
-          <a:fontRef idx="minor">
-            <a:schemeClr val="lt1"/>
-          </a:fontRef>
-        </p:style>
-        <p:txBody>
-          <a:bodyPr rtlCol="0" anchor="ctr"/>
-          <a:lstStyle/>
-          <a:p>
-            <a:pPr algn="ctr"/>
-            <a:r>
-              <a:rPr lang="de-DE" sz="4000" i="1" dirty="0" err="1"/>
-              <a:t>Placeholder</a:t>
-            </a:r>
-            <a:r>
-              <a:rPr lang="de-DE" sz="4000" i="1" dirty="0"/>
-              <a:t> / not in </a:t>
-            </a:r>
-            <a:r>
-              <a:rPr lang="de-DE" sz="4000" i="1" dirty="0" err="1"/>
-              <a:t>use</a:t>
-            </a:r>
-            <a:r>
-              <a:rPr lang="de-DE" sz="4000" i="1" dirty="0"/>
-              <a:t>!</a:t>
-            </a:r>
-            <a:endParaRPr lang="en-US" sz="4000" i="1" dirty="0"/>
-          </a:p>
-        </p:txBody>
-      </p:sp>
-      <p:sp>
-        <p:nvSpPr>
-          <p:cNvPr id="6" name="Rectangle 5">
-            <a:extLst>
-              <a:ext uri="{FF2B5EF4-FFF2-40B4-BE49-F238E27FC236}">
-                <a16:creationId xmlns:a16="http://schemas.microsoft.com/office/drawing/2014/main" id="{0B533615-A8B2-4915-AB6A-1B5C08FD6089}"/>
-              </a:ext>
-            </a:extLst>
-          </p:cNvPr>
-          <p:cNvSpPr/>
-          <p:nvPr/>
-        </p:nvSpPr>
-        <p:spPr>
-          <a:xfrm>
-            <a:off x="0" y="0"/>
-            <a:ext cx="9753600" cy="720000"/>
-          </a:xfrm>
-          <a:prstGeom prst="rect">
-            <a:avLst/>
-          </a:prstGeom>
-          <a:solidFill>
-            <a:srgbClr val="162644"/>
-          </a:solidFill>
-          <a:ln>
-            <a:noFill/>
-          </a:ln>
-        </p:spPr>
-        <p:style>
-          <a:lnRef idx="2">
-            <a:schemeClr val="accent1">
-              <a:shade val="50000"/>
-            </a:schemeClr>
-          </a:lnRef>
-          <a:fillRef idx="1">
-            <a:schemeClr val="accent1"/>
-          </a:fillRef>
-          <a:effectRef idx="0">
-            <a:schemeClr val="accent1"/>
-          </a:effectRef>
-          <a:fontRef idx="minor">
-            <a:schemeClr val="lt1"/>
-          </a:fontRef>
-        </p:style>
-        <p:txBody>
-          <a:bodyPr rtlCol="0" anchor="ctr"/>
-          <a:lstStyle/>
-          <a:p>
-            <a:pPr algn="ctr"/>
-            <a:endParaRPr lang="en-US"/>
-          </a:p>
-        </p:txBody>
-      </p:sp>
-      <p:sp>
-        <p:nvSpPr>
-          <p:cNvPr id="7" name="Rectangle 6">
-            <a:extLst>
-              <a:ext uri="{FF2B5EF4-FFF2-40B4-BE49-F238E27FC236}">
-                <a16:creationId xmlns:a16="http://schemas.microsoft.com/office/drawing/2014/main" id="{00FD9BF4-04BC-4A2D-ADE9-7EE3508D232E}"/>
-              </a:ext>
-            </a:extLst>
-          </p:cNvPr>
-          <p:cNvSpPr/>
-          <p:nvPr/>
-        </p:nvSpPr>
-        <p:spPr>
-          <a:xfrm>
-            <a:off x="7330440" y="-1"/>
-            <a:ext cx="1080000" cy="720000"/>
-          </a:xfrm>
-          <a:prstGeom prst="rect">
-            <a:avLst/>
-          </a:prstGeom>
-          <a:solidFill>
-            <a:schemeClr val="bg2">
-              <a:lumMod val="10000"/>
-            </a:schemeClr>
-          </a:solidFill>
-          <a:ln>
-            <a:noFill/>
-          </a:ln>
-        </p:spPr>
-        <p:style>
-          <a:lnRef idx="2">
-            <a:schemeClr val="accent1">
-              <a:shade val="50000"/>
-            </a:schemeClr>
-          </a:lnRef>
-          <a:fillRef idx="1">
-            <a:schemeClr val="accent1"/>
-          </a:fillRef>
-          <a:effectRef idx="0">
-            <a:schemeClr val="accent1"/>
-          </a:effectRef>
-          <a:fontRef idx="minor">
-            <a:schemeClr val="lt1"/>
-          </a:fontRef>
-        </p:style>
-        <p:txBody>
-          <a:bodyPr rtlCol="0" anchor="ctr"/>
-          <a:lstStyle/>
-          <a:p>
-            <a:pPr algn="ctr"/>
-            <a:endParaRPr lang="en-US" sz="2000" dirty="0"/>
-          </a:p>
-        </p:txBody>
-      </p:sp>
-      <p:sp>
-        <p:nvSpPr>
-          <p:cNvPr id="26" name="Rectangle 25">
-            <a:extLst>
-              <a:ext uri="{FF2B5EF4-FFF2-40B4-BE49-F238E27FC236}">
-                <a16:creationId xmlns:a16="http://schemas.microsoft.com/office/drawing/2014/main" id="{E6D2C0B5-5EA5-45EA-9D84-A71BA0ABC842}"/>
-              </a:ext>
-            </a:extLst>
-          </p:cNvPr>
-          <p:cNvSpPr/>
-          <p:nvPr/>
-        </p:nvSpPr>
-        <p:spPr>
-          <a:xfrm>
-            <a:off x="0" y="4748399"/>
-            <a:ext cx="9753600" cy="720000"/>
-          </a:xfrm>
-          <a:prstGeom prst="rect">
-            <a:avLst/>
-          </a:prstGeom>
-          <a:solidFill>
-            <a:srgbClr val="162644"/>
-          </a:solidFill>
-          <a:ln>
-            <a:noFill/>
-          </a:ln>
-        </p:spPr>
-        <p:style>
-          <a:lnRef idx="2">
-            <a:schemeClr val="accent1">
-              <a:shade val="50000"/>
-            </a:schemeClr>
-          </a:lnRef>
-          <a:fillRef idx="1">
-            <a:schemeClr val="accent1"/>
-          </a:fillRef>
-          <a:effectRef idx="0">
-            <a:schemeClr val="accent1"/>
-          </a:effectRef>
-          <a:fontRef idx="minor">
-            <a:schemeClr val="lt1"/>
-          </a:fontRef>
-        </p:style>
-        <p:txBody>
-          <a:bodyPr rtlCol="0" anchor="ctr"/>
-          <a:lstStyle/>
-          <a:p>
-            <a:pPr algn="ctr"/>
-            <a:endParaRPr lang="en-US"/>
-          </a:p>
-        </p:txBody>
-      </p:sp>
-      <p:sp>
-        <p:nvSpPr>
-          <p:cNvPr id="12" name="TextBox 11">
-            <a:extLst>
-              <a:ext uri="{FF2B5EF4-FFF2-40B4-BE49-F238E27FC236}">
-                <a16:creationId xmlns:a16="http://schemas.microsoft.com/office/drawing/2014/main" id="{44AE6665-F915-42B0-938F-04079E9F9694}"/>
-              </a:ext>
-            </a:extLst>
-          </p:cNvPr>
-          <p:cNvSpPr txBox="1"/>
-          <p:nvPr/>
-        </p:nvSpPr>
-        <p:spPr>
-          <a:xfrm>
-            <a:off x="111748" y="791692"/>
-            <a:ext cx="2050561" cy="369332"/>
-          </a:xfrm>
-          <a:prstGeom prst="rect">
-            <a:avLst/>
-          </a:prstGeom>
-          <a:noFill/>
-        </p:spPr>
-        <p:txBody>
-          <a:bodyPr wrap="none" rtlCol="0">
-            <a:spAutoFit/>
-          </a:bodyPr>
-          <a:lstStyle/>
-          <a:p>
-            <a:r>
-              <a:rPr lang="de-DE" dirty="0">
-                <a:solidFill>
-                  <a:schemeClr val="bg1"/>
-                </a:solidFill>
-              </a:rPr>
-              <a:t>verkaufte Tickets:</a:t>
-            </a:r>
-            <a:endParaRPr lang="en-US" dirty="0">
-              <a:solidFill>
-                <a:schemeClr val="bg1"/>
-              </a:solidFill>
-            </a:endParaRPr>
-          </a:p>
-        </p:txBody>
-      </p:sp>
-      <p:sp>
-        <p:nvSpPr>
-          <p:cNvPr id="13" name="Rectangle: Rounded Corners 12">
-            <a:extLst>
-              <a:ext uri="{FF2B5EF4-FFF2-40B4-BE49-F238E27FC236}">
-                <a16:creationId xmlns:a16="http://schemas.microsoft.com/office/drawing/2014/main" id="{59FEE737-89DA-4ACD-95AD-8AD4F84C0825}"/>
-              </a:ext>
-            </a:extLst>
-          </p:cNvPr>
-          <p:cNvSpPr/>
-          <p:nvPr/>
-        </p:nvSpPr>
-        <p:spPr>
-          <a:xfrm>
-            <a:off x="111748" y="1206024"/>
-            <a:ext cx="4590000" cy="720000"/>
-          </a:xfrm>
-          <a:prstGeom prst="roundRect">
-            <a:avLst/>
-          </a:prstGeom>
-          <a:solidFill>
-            <a:schemeClr val="tx1">
-              <a:lumMod val="65000"/>
-              <a:lumOff val="35000"/>
-            </a:schemeClr>
-          </a:solidFill>
-          <a:ln w="19050">
-            <a:solidFill>
-              <a:srgbClr val="0070C0"/>
-            </a:solidFill>
-          </a:ln>
-          <a:effectLst/>
-        </p:spPr>
-        <p:style>
-          <a:lnRef idx="2">
-            <a:schemeClr val="accent1">
-              <a:shade val="50000"/>
-            </a:schemeClr>
-          </a:lnRef>
-          <a:fillRef idx="1">
-            <a:schemeClr val="accent1"/>
-          </a:fillRef>
-          <a:effectRef idx="0">
-            <a:schemeClr val="accent1"/>
-          </a:effectRef>
-          <a:fontRef idx="minor">
-            <a:schemeClr val="lt1"/>
-          </a:fontRef>
-        </p:style>
-        <p:txBody>
-          <a:bodyPr lIns="90000" rtlCol="0" anchor="ctr"/>
-          <a:lstStyle/>
-          <a:p>
-            <a:pPr algn="ctr"/>
-            <a:endParaRPr lang="en-US" dirty="0"/>
-          </a:p>
-        </p:txBody>
-      </p:sp>
-      <p:sp>
-        <p:nvSpPr>
-          <p:cNvPr id="14" name="TextBox 13">
-            <a:extLst>
-              <a:ext uri="{FF2B5EF4-FFF2-40B4-BE49-F238E27FC236}">
-                <a16:creationId xmlns:a16="http://schemas.microsoft.com/office/drawing/2014/main" id="{00DA7647-0A2D-4BE2-BAFA-64327B3C19F4}"/>
-              </a:ext>
-            </a:extLst>
-          </p:cNvPr>
-          <p:cNvSpPr txBox="1"/>
-          <p:nvPr/>
-        </p:nvSpPr>
-        <p:spPr>
-          <a:xfrm>
-            <a:off x="111748" y="2059465"/>
-            <a:ext cx="2105063" cy="369332"/>
-          </a:xfrm>
-          <a:prstGeom prst="rect">
-            <a:avLst/>
-          </a:prstGeom>
-          <a:noFill/>
-        </p:spPr>
-        <p:txBody>
-          <a:bodyPr wrap="none" rtlCol="0">
-            <a:spAutoFit/>
-          </a:bodyPr>
-          <a:lstStyle/>
-          <a:p>
-            <a:r>
-              <a:rPr lang="de-DE" dirty="0">
-                <a:solidFill>
-                  <a:schemeClr val="bg1"/>
-                </a:solidFill>
-              </a:rPr>
-              <a:t>stornierte Tickets:</a:t>
-            </a:r>
-            <a:endParaRPr lang="en-US" dirty="0">
-              <a:solidFill>
-                <a:schemeClr val="bg1"/>
-              </a:solidFill>
-            </a:endParaRPr>
-          </a:p>
-        </p:txBody>
-      </p:sp>
-      <p:sp>
-        <p:nvSpPr>
-          <p:cNvPr id="15" name="Rectangle: Rounded Corners 14">
-            <a:extLst>
-              <a:ext uri="{FF2B5EF4-FFF2-40B4-BE49-F238E27FC236}">
-                <a16:creationId xmlns:a16="http://schemas.microsoft.com/office/drawing/2014/main" id="{3237FBED-D1B9-4B0A-AC24-595CCD1BEA4C}"/>
-              </a:ext>
-            </a:extLst>
-          </p:cNvPr>
-          <p:cNvSpPr/>
-          <p:nvPr/>
-        </p:nvSpPr>
-        <p:spPr>
-          <a:xfrm>
-            <a:off x="111748" y="2473797"/>
-            <a:ext cx="4590000" cy="720000"/>
-          </a:xfrm>
-          <a:prstGeom prst="roundRect">
-            <a:avLst/>
-          </a:prstGeom>
-          <a:solidFill>
-            <a:schemeClr val="tx1">
-              <a:lumMod val="65000"/>
-              <a:lumOff val="35000"/>
-            </a:schemeClr>
-          </a:solidFill>
-          <a:ln w="19050">
-            <a:solidFill>
-              <a:srgbClr val="0070C0"/>
-            </a:solidFill>
-          </a:ln>
-          <a:effectLst/>
-        </p:spPr>
-        <p:style>
-          <a:lnRef idx="2">
-            <a:schemeClr val="accent1">
-              <a:shade val="50000"/>
-            </a:schemeClr>
-          </a:lnRef>
-          <a:fillRef idx="1">
-            <a:schemeClr val="accent1"/>
-          </a:fillRef>
-          <a:effectRef idx="0">
-            <a:schemeClr val="accent1"/>
-          </a:effectRef>
-          <a:fontRef idx="minor">
-            <a:schemeClr val="lt1"/>
-          </a:fontRef>
-        </p:style>
-        <p:txBody>
-          <a:bodyPr lIns="90000" rtlCol="0" anchor="ctr"/>
-          <a:lstStyle/>
-          <a:p>
-            <a:pPr algn="ctr"/>
-            <a:endParaRPr lang="en-US" dirty="0"/>
-          </a:p>
-        </p:txBody>
-      </p:sp>
-      <p:sp>
-        <p:nvSpPr>
-          <p:cNvPr id="16" name="TextBox 15">
-            <a:extLst>
-              <a:ext uri="{FF2B5EF4-FFF2-40B4-BE49-F238E27FC236}">
-                <a16:creationId xmlns:a16="http://schemas.microsoft.com/office/drawing/2014/main" id="{2E6BB789-21AD-4DA3-A857-2DAAFF9D572F}"/>
-              </a:ext>
-            </a:extLst>
-          </p:cNvPr>
-          <p:cNvSpPr txBox="1"/>
-          <p:nvPr/>
-        </p:nvSpPr>
-        <p:spPr>
-          <a:xfrm>
-            <a:off x="111748" y="3327238"/>
-            <a:ext cx="2058577" cy="369332"/>
-          </a:xfrm>
-          <a:prstGeom prst="rect">
-            <a:avLst/>
-          </a:prstGeom>
-          <a:noFill/>
-        </p:spPr>
-        <p:txBody>
-          <a:bodyPr wrap="none" rtlCol="0">
-            <a:spAutoFit/>
-          </a:bodyPr>
-          <a:lstStyle/>
-          <a:p>
-            <a:r>
-              <a:rPr lang="de-DE" b="1" dirty="0">
-                <a:solidFill>
-                  <a:schemeClr val="bg1"/>
-                </a:solidFill>
-              </a:rPr>
-              <a:t>Einnahmebetrag:</a:t>
-            </a:r>
-            <a:endParaRPr lang="en-US" b="1" dirty="0">
-              <a:solidFill>
-                <a:schemeClr val="bg1"/>
-              </a:solidFill>
-            </a:endParaRPr>
-          </a:p>
-        </p:txBody>
-      </p:sp>
-      <p:sp>
-        <p:nvSpPr>
-          <p:cNvPr id="17" name="Rectangle: Rounded Corners 16">
-            <a:extLst>
-              <a:ext uri="{FF2B5EF4-FFF2-40B4-BE49-F238E27FC236}">
-                <a16:creationId xmlns:a16="http://schemas.microsoft.com/office/drawing/2014/main" id="{058B1612-4AC5-4101-AA9E-C786E4CB4B47}"/>
-              </a:ext>
-            </a:extLst>
-          </p:cNvPr>
-          <p:cNvSpPr/>
-          <p:nvPr/>
-        </p:nvSpPr>
-        <p:spPr>
-          <a:xfrm>
-            <a:off x="111748" y="3741570"/>
-            <a:ext cx="4590000" cy="720000"/>
-          </a:xfrm>
-          <a:prstGeom prst="roundRect">
-            <a:avLst/>
-          </a:prstGeom>
-          <a:solidFill>
-            <a:schemeClr val="tx1">
-              <a:lumMod val="65000"/>
-              <a:lumOff val="35000"/>
-            </a:schemeClr>
-          </a:solidFill>
-          <a:ln w="19050">
-            <a:solidFill>
-              <a:srgbClr val="0070C0"/>
-            </a:solidFill>
-          </a:ln>
-          <a:effectLst/>
-        </p:spPr>
-        <p:style>
-          <a:lnRef idx="2">
-            <a:schemeClr val="accent1">
-              <a:shade val="50000"/>
-            </a:schemeClr>
-          </a:lnRef>
-          <a:fillRef idx="1">
-            <a:schemeClr val="accent1"/>
-          </a:fillRef>
-          <a:effectRef idx="0">
-            <a:schemeClr val="accent1"/>
-          </a:effectRef>
-          <a:fontRef idx="minor">
-            <a:schemeClr val="lt1"/>
-          </a:fontRef>
-        </p:style>
-        <p:txBody>
-          <a:bodyPr lIns="90000" rtlCol="0" anchor="ctr"/>
-          <a:lstStyle/>
-          <a:p>
-            <a:pPr algn="ctr"/>
-            <a:endParaRPr lang="en-US" dirty="0"/>
-          </a:p>
-        </p:txBody>
-      </p:sp>
-      <p:sp>
-        <p:nvSpPr>
-          <p:cNvPr id="18" name="Rectangle: Rounded Corners 17">
-            <a:extLst>
-              <a:ext uri="{FF2B5EF4-FFF2-40B4-BE49-F238E27FC236}">
-                <a16:creationId xmlns:a16="http://schemas.microsoft.com/office/drawing/2014/main" id="{A901B1F4-B174-41C3-B8E0-420491FB02B2}"/>
-              </a:ext>
-            </a:extLst>
-          </p:cNvPr>
-          <p:cNvSpPr/>
-          <p:nvPr/>
-        </p:nvSpPr>
-        <p:spPr>
-          <a:xfrm>
-            <a:off x="7546637" y="4793399"/>
-            <a:ext cx="2160000" cy="630000"/>
-          </a:xfrm>
-          <a:prstGeom prst="roundRect">
-            <a:avLst/>
-          </a:prstGeom>
-          <a:solidFill>
-            <a:srgbClr val="008000"/>
-          </a:solidFill>
-          <a:ln>
-            <a:noFill/>
-          </a:ln>
-        </p:spPr>
-        <p:style>
-          <a:lnRef idx="2">
-            <a:schemeClr val="accent1">
-              <a:shade val="50000"/>
-            </a:schemeClr>
-          </a:lnRef>
-          <a:fillRef idx="1">
-            <a:schemeClr val="accent1"/>
-          </a:fillRef>
-          <a:effectRef idx="0">
-            <a:schemeClr val="accent1"/>
-          </a:effectRef>
-          <a:fontRef idx="minor">
-            <a:schemeClr val="lt1"/>
-          </a:fontRef>
-        </p:style>
-        <p:txBody>
-          <a:bodyPr lIns="720000" rtlCol="0" anchor="ctr"/>
-          <a:lstStyle/>
-          <a:p>
-            <a:pPr algn="ctr"/>
-            <a:r>
-              <a:rPr lang="de-DE" b="1" dirty="0"/>
-              <a:t>Bestätigen&amp; weiter</a:t>
-            </a:r>
-          </a:p>
-        </p:txBody>
-      </p:sp>
-      <p:pic>
-        <p:nvPicPr>
-          <p:cNvPr id="19" name="Graphic 18">
-            <a:extLst>
-              <a:ext uri="{FF2B5EF4-FFF2-40B4-BE49-F238E27FC236}">
-                <a16:creationId xmlns:a16="http://schemas.microsoft.com/office/drawing/2014/main" id="{F3973199-3C57-4A95-88DD-8684C8F2D786}"/>
-              </a:ext>
-            </a:extLst>
-          </p:cNvPr>
-          <p:cNvPicPr>
-            <a:picLocks noChangeAspect="1"/>
-          </p:cNvPicPr>
-          <p:nvPr/>
-        </p:nvPicPr>
-        <p:blipFill>
-          <a:blip r:embed="rId2">
-            <a:extLst>
-              <a:ext uri="{28A0092B-C50C-407E-A947-70E740481C1C}">
-                <a14:useLocalDpi xmlns:a14="http://schemas.microsoft.com/office/drawing/2010/main" val="0"/>
-              </a:ext>
-              <a:ext uri="{96DAC541-7B7A-43D3-8B79-37D633B846F1}">
-                <asvg:svgBlip xmlns:asvg="http://schemas.microsoft.com/office/drawing/2016/SVG/main" r:embed="rId3"/>
-              </a:ext>
-            </a:extLst>
-          </a:blip>
-          <a:stretch>
-            <a:fillRect/>
-          </a:stretch>
-        </p:blipFill>
-        <p:spPr>
-          <a:xfrm>
-            <a:off x="7721606" y="4883399"/>
-            <a:ext cx="450000" cy="450000"/>
-          </a:xfrm>
-          <a:prstGeom prst="rect">
-            <a:avLst/>
-          </a:prstGeom>
-        </p:spPr>
-      </p:pic>
-      <p:sp>
-        <p:nvSpPr>
-          <p:cNvPr id="21" name="Rectangle: Rounded Corners 20">
-            <a:extLst>
-              <a:ext uri="{FF2B5EF4-FFF2-40B4-BE49-F238E27FC236}">
-                <a16:creationId xmlns:a16="http://schemas.microsoft.com/office/drawing/2014/main" id="{23160934-B6F5-46C9-A99D-C84878ECAAB9}"/>
-              </a:ext>
-            </a:extLst>
-          </p:cNvPr>
-          <p:cNvSpPr/>
-          <p:nvPr/>
-        </p:nvSpPr>
-        <p:spPr>
-          <a:xfrm>
-            <a:off x="3436799" y="4793399"/>
-            <a:ext cx="1440000" cy="630000"/>
-          </a:xfrm>
-          <a:prstGeom prst="roundRect">
-            <a:avLst/>
-          </a:prstGeom>
-          <a:solidFill>
-            <a:srgbClr val="C00000"/>
-          </a:solidFill>
-          <a:ln>
-            <a:noFill/>
-          </a:ln>
-        </p:spPr>
-        <p:style>
-          <a:lnRef idx="2">
-            <a:schemeClr val="accent1">
-              <a:shade val="50000"/>
-            </a:schemeClr>
-          </a:lnRef>
-          <a:fillRef idx="1">
-            <a:schemeClr val="accent1"/>
-          </a:fillRef>
-          <a:effectRef idx="0">
-            <a:schemeClr val="accent1"/>
-          </a:effectRef>
-          <a:fontRef idx="minor">
-            <a:schemeClr val="lt1"/>
-          </a:fontRef>
-        </p:style>
-        <p:txBody>
-          <a:bodyPr rtlCol="0" anchor="ctr"/>
-          <a:lstStyle/>
-          <a:p>
-            <a:pPr algn="ctr"/>
-            <a:r>
-              <a:rPr lang="de-DE" b="1" dirty="0"/>
-              <a:t>Unfall!</a:t>
-            </a:r>
-            <a:endParaRPr lang="en-US" b="1" dirty="0"/>
-          </a:p>
-        </p:txBody>
-      </p:sp>
-      <p:sp>
-        <p:nvSpPr>
-          <p:cNvPr id="24" name="TextBox 23">
-            <a:extLst>
-              <a:ext uri="{FF2B5EF4-FFF2-40B4-BE49-F238E27FC236}">
-                <a16:creationId xmlns:a16="http://schemas.microsoft.com/office/drawing/2014/main" id="{13EE0BCB-9B7C-4533-BB26-A7A3283FFA11}"/>
-              </a:ext>
-            </a:extLst>
-          </p:cNvPr>
-          <p:cNvSpPr txBox="1"/>
-          <p:nvPr/>
-        </p:nvSpPr>
-        <p:spPr>
-          <a:xfrm>
-            <a:off x="5322518" y="3897099"/>
-            <a:ext cx="4015843" cy="707886"/>
-          </a:xfrm>
-          <a:prstGeom prst="rect">
-            <a:avLst/>
-          </a:prstGeom>
-          <a:noFill/>
-        </p:spPr>
-        <p:txBody>
-          <a:bodyPr wrap="none" rtlCol="0">
-            <a:spAutoFit/>
-          </a:bodyPr>
-          <a:lstStyle/>
-          <a:p>
-            <a:pPr algn="ctr"/>
-            <a:r>
-              <a:rPr lang="de-DE" sz="2000" dirty="0">
-                <a:solidFill>
-                  <a:schemeClr val="bg1"/>
-                </a:solidFill>
-              </a:rPr>
-              <a:t>Bitte bestätigen Sie die Angaben,</a:t>
-            </a:r>
-          </a:p>
-          <a:p>
-            <a:pPr algn="ctr"/>
-            <a:r>
-              <a:rPr lang="de-DE" sz="2000" dirty="0">
-                <a:solidFill>
-                  <a:schemeClr val="bg1"/>
-                </a:solidFill>
-              </a:rPr>
-              <a:t>um fortzufahren.</a:t>
-            </a:r>
-            <a:endParaRPr lang="en-US" sz="2000" dirty="0">
-              <a:solidFill>
-                <a:schemeClr val="bg1"/>
-              </a:solidFill>
-            </a:endParaRPr>
-          </a:p>
-        </p:txBody>
-      </p:sp>
-      <p:sp>
-        <p:nvSpPr>
-          <p:cNvPr id="25" name="TextBox 24">
-            <a:extLst>
-              <a:ext uri="{FF2B5EF4-FFF2-40B4-BE49-F238E27FC236}">
-                <a16:creationId xmlns:a16="http://schemas.microsoft.com/office/drawing/2014/main" id="{6E822CD9-8018-47BD-B8B5-F987E3E514EB}"/>
-              </a:ext>
-            </a:extLst>
-          </p:cNvPr>
-          <p:cNvSpPr txBox="1"/>
-          <p:nvPr/>
-        </p:nvSpPr>
-        <p:spPr>
-          <a:xfrm>
-            <a:off x="5907618" y="2216047"/>
-            <a:ext cx="2845651" cy="1754326"/>
-          </a:xfrm>
-          <a:prstGeom prst="rect">
-            <a:avLst/>
-          </a:prstGeom>
-          <a:noFill/>
-        </p:spPr>
-        <p:txBody>
-          <a:bodyPr wrap="none" rtlCol="0">
-            <a:spAutoFit/>
-          </a:bodyPr>
-          <a:lstStyle/>
-          <a:p>
-            <a:pPr algn="ctr"/>
-            <a:r>
-              <a:rPr lang="de-DE" sz="5400" b="1" dirty="0">
-                <a:solidFill>
-                  <a:schemeClr val="bg1"/>
-                </a:solidFill>
-              </a:rPr>
-              <a:t>Fahrer-</a:t>
-            </a:r>
-          </a:p>
-          <a:p>
-            <a:pPr algn="ctr"/>
-            <a:r>
-              <a:rPr lang="de-DE" sz="5400" b="1" dirty="0" err="1">
-                <a:solidFill>
-                  <a:schemeClr val="bg1"/>
-                </a:solidFill>
-              </a:rPr>
-              <a:t>wechsel</a:t>
-            </a:r>
-            <a:endParaRPr lang="en-US" sz="5400" b="1" dirty="0">
-              <a:solidFill>
-                <a:schemeClr val="bg1"/>
-              </a:solidFill>
-            </a:endParaRPr>
-          </a:p>
-        </p:txBody>
-      </p:sp>
-      <p:pic>
-        <p:nvPicPr>
-          <p:cNvPr id="27" name="Graphic 26">
-            <a:extLst>
-              <a:ext uri="{FF2B5EF4-FFF2-40B4-BE49-F238E27FC236}">
-                <a16:creationId xmlns:a16="http://schemas.microsoft.com/office/drawing/2014/main" id="{46FD02E5-F98F-4854-93AD-82403A4B4143}"/>
-              </a:ext>
-            </a:extLst>
-          </p:cNvPr>
-          <p:cNvPicPr>
-            <a:picLocks noChangeAspect="1"/>
-          </p:cNvPicPr>
-          <p:nvPr/>
-        </p:nvPicPr>
-        <p:blipFill>
-          <a:blip r:embed="rId4">
-            <a:extLst>
-              <a:ext uri="{28A0092B-C50C-407E-A947-70E740481C1C}">
-                <a14:useLocalDpi xmlns:a14="http://schemas.microsoft.com/office/drawing/2010/main" val="0"/>
-              </a:ext>
-              <a:ext uri="{96DAC541-7B7A-43D3-8B79-37D633B846F1}">
-                <asvg:svgBlip xmlns:asvg="http://schemas.microsoft.com/office/drawing/2016/SVG/main" r:embed="rId5"/>
-              </a:ext>
-            </a:extLst>
-          </a:blip>
-          <a:stretch>
-            <a:fillRect/>
-          </a:stretch>
-        </p:blipFill>
-        <p:spPr>
-          <a:xfrm>
-            <a:off x="6767939" y="1159465"/>
-            <a:ext cx="1125000" cy="900000"/>
-          </a:xfrm>
-          <a:prstGeom prst="rect">
-            <a:avLst/>
-          </a:prstGeom>
-        </p:spPr>
-      </p:pic>
-      <p:sp>
-        <p:nvSpPr>
-          <p:cNvPr id="28" name="Rectangle: Rounded Corners 27">
-            <a:extLst>
-              <a:ext uri="{FF2B5EF4-FFF2-40B4-BE49-F238E27FC236}">
-                <a16:creationId xmlns:a16="http://schemas.microsoft.com/office/drawing/2014/main" id="{2876AF27-B5BD-424B-86DF-FCEAF252345A}"/>
-              </a:ext>
-            </a:extLst>
-          </p:cNvPr>
-          <p:cNvSpPr/>
-          <p:nvPr/>
-        </p:nvSpPr>
-        <p:spPr>
-          <a:xfrm>
-            <a:off x="46963" y="4794250"/>
-            <a:ext cx="630000" cy="630000"/>
-          </a:xfrm>
-          <a:prstGeom prst="roundRect">
-            <a:avLst/>
-          </a:prstGeom>
-          <a:solidFill>
-            <a:schemeClr val="accent1">
-              <a:lumMod val="50000"/>
-            </a:schemeClr>
-          </a:solidFill>
-          <a:ln>
-            <a:noFill/>
-          </a:ln>
-        </p:spPr>
-        <p:style>
-          <a:lnRef idx="2">
-            <a:schemeClr val="accent1">
-              <a:shade val="50000"/>
-            </a:schemeClr>
-          </a:lnRef>
-          <a:fillRef idx="1">
-            <a:schemeClr val="accent1"/>
-          </a:fillRef>
-          <a:effectRef idx="0">
-            <a:schemeClr val="accent1"/>
-          </a:effectRef>
-          <a:fontRef idx="minor">
-            <a:schemeClr val="lt1"/>
-          </a:fontRef>
-        </p:style>
-        <p:txBody>
-          <a:bodyPr rtlCol="0" anchor="ctr"/>
-          <a:lstStyle/>
-          <a:p>
-            <a:pPr algn="ctr"/>
-            <a:endParaRPr lang="en-US" dirty="0"/>
-          </a:p>
-        </p:txBody>
-      </p:sp>
-      <p:pic>
-        <p:nvPicPr>
-          <p:cNvPr id="29" name="Graphic 28">
-            <a:extLst>
-              <a:ext uri="{FF2B5EF4-FFF2-40B4-BE49-F238E27FC236}">
-                <a16:creationId xmlns:a16="http://schemas.microsoft.com/office/drawing/2014/main" id="{BBF471B1-DB8A-4628-9898-BBF679A6D81B}"/>
-              </a:ext>
-            </a:extLst>
-          </p:cNvPr>
-          <p:cNvPicPr>
-            <a:picLocks noChangeAspect="1"/>
-          </p:cNvPicPr>
-          <p:nvPr/>
-        </p:nvPicPr>
-        <p:blipFill>
-          <a:blip r:embed="rId6">
-            <a:extLst>
-              <a:ext uri="{28A0092B-C50C-407E-A947-70E740481C1C}">
-                <a14:useLocalDpi xmlns:a14="http://schemas.microsoft.com/office/drawing/2010/main" val="0"/>
-              </a:ext>
-              <a:ext uri="{96DAC541-7B7A-43D3-8B79-37D633B846F1}">
-                <asvg:svgBlip xmlns:asvg="http://schemas.microsoft.com/office/drawing/2016/SVG/main" r:embed="rId7"/>
-              </a:ext>
-            </a:extLst>
-          </a:blip>
-          <a:stretch>
-            <a:fillRect/>
-          </a:stretch>
-        </p:blipFill>
-        <p:spPr>
-          <a:xfrm>
-            <a:off x="165088" y="4881635"/>
-            <a:ext cx="393750" cy="450000"/>
-          </a:xfrm>
-          <a:prstGeom prst="rect">
-            <a:avLst/>
-          </a:prstGeom>
-        </p:spPr>
-      </p:pic>
-    </p:spTree>
-    <p:extLst>
-      <p:ext uri="{BB962C8B-B14F-4D97-AF65-F5344CB8AC3E}">
-        <p14:creationId xmlns:p14="http://schemas.microsoft.com/office/powerpoint/2010/main" val="2368113942"/>
       </p:ext>
     </p:extLst>
   </p:cSld>
@@ -36021,8 +35610,8 @@
         </p:nvSpPr>
         <p:spPr>
           <a:xfrm>
-            <a:off x="5212718" y="2712020"/>
-            <a:ext cx="4235455" cy="923330"/>
+            <a:off x="5907618" y="2216047"/>
+            <a:ext cx="2845651" cy="1754326"/>
           </a:xfrm>
           <a:prstGeom prst="rect">
             <a:avLst/>
@@ -36042,7 +35631,18 @@
                   <a:schemeClr val="bg1"/>
                 </a:solidFill>
               </a:rPr>
-              <a:t>Schichtende</a:t>
+              <a:t>Fahrer-</a:t>
+            </a:r>
+          </a:p>
+          <a:p>
+            <a:pPr algn="ctr"/>
+            <a:r>
+              <a:rPr lang="de-DE" sz="5400" b="1" dirty="0" err="1">
+                <a:solidFill>
+                  <a:schemeClr val="bg1"/>
+                </a:solidFill>
+              </a:rPr>
+              <a:t>wechsel</a:t>
             </a:r>
             <a:endParaRPr lang="en-US" sz="5400" b="1" dirty="0">
               <a:solidFill>
@@ -36054,10 +35654,10 @@
       </p:sp>
       <p:pic>
         <p:nvPicPr>
-          <p:cNvPr id="22" name="Graphic 21">
-            <a:extLst>
-              <a:ext uri="{FF2B5EF4-FFF2-40B4-BE49-F238E27FC236}">
-                <a16:creationId xmlns:a16="http://schemas.microsoft.com/office/drawing/2014/main" id="{A8FBEB97-444A-4355-A278-F51106497B53}"/>
+          <p:cNvPr id="27" name="Graphic 26">
+            <a:extLst>
+              <a:ext uri="{FF2B5EF4-FFF2-40B4-BE49-F238E27FC236}">
+                <a16:creationId xmlns:a16="http://schemas.microsoft.com/office/drawing/2014/main" id="{46FD02E5-F98F-4854-93AD-82403A4B4143}"/>
               </a:ext>
             </a:extLst>
           </p:cNvPr>
@@ -36083,8 +35683,8 @@
         </p:blipFill>
         <p:spPr>
           <a:xfrm>
-            <a:off x="6824189" y="1432900"/>
-            <a:ext cx="1012500" cy="900000"/>
+            <a:off x="6767939" y="1159465"/>
+            <a:ext cx="1125000" cy="900000"/>
           </a:xfrm>
           <a:prstGeom prst="rect">
             <a:avLst/>
@@ -36093,10 +35693,10 @@
       </p:pic>
       <p:sp>
         <p:nvSpPr>
-          <p:cNvPr id="23" name="Rectangle: Rounded Corners 22">
-            <a:extLst>
-              <a:ext uri="{FF2B5EF4-FFF2-40B4-BE49-F238E27FC236}">
-                <a16:creationId xmlns:a16="http://schemas.microsoft.com/office/drawing/2014/main" id="{6E3E1917-24F9-42F4-B12B-540B0EC9D745}"/>
+          <p:cNvPr id="28" name="Rectangle: Rounded Corners 27">
+            <a:extLst>
+              <a:ext uri="{FF2B5EF4-FFF2-40B4-BE49-F238E27FC236}">
+                <a16:creationId xmlns:a16="http://schemas.microsoft.com/office/drawing/2014/main" id="{2876AF27-B5BD-424B-86DF-FCEAF252345A}"/>
               </a:ext>
             </a:extLst>
           </p:cNvPr>
@@ -36147,10 +35747,10 @@
       </p:sp>
       <p:pic>
         <p:nvPicPr>
-          <p:cNvPr id="28" name="Graphic 27">
-            <a:extLst>
-              <a:ext uri="{FF2B5EF4-FFF2-40B4-BE49-F238E27FC236}">
-                <a16:creationId xmlns:a16="http://schemas.microsoft.com/office/drawing/2014/main" id="{632135D6-A330-49FD-A991-6DD13F212ADE}"/>
+          <p:cNvPr id="29" name="Graphic 28">
+            <a:extLst>
+              <a:ext uri="{FF2B5EF4-FFF2-40B4-BE49-F238E27FC236}">
+                <a16:creationId xmlns:a16="http://schemas.microsoft.com/office/drawing/2014/main" id="{BBF471B1-DB8A-4628-9898-BBF679A6D81B}"/>
               </a:ext>
             </a:extLst>
           </p:cNvPr>
@@ -36187,7 +35787,7 @@
     </p:spTree>
     <p:extLst>
       <p:ext uri="{BB962C8B-B14F-4D97-AF65-F5344CB8AC3E}">
-        <p14:creationId xmlns:p14="http://schemas.microsoft.com/office/powerpoint/2010/main" val="1805692335"/>
+        <p14:creationId xmlns:p14="http://schemas.microsoft.com/office/powerpoint/2010/main" val="2368113942"/>
       </p:ext>
     </p:extLst>
   </p:cSld>
@@ -36229,7 +35829,7 @@
         <p:spPr>
           <a:xfrm>
             <a:off x="0" y="718023"/>
-            <a:ext cx="4048125" cy="4750375"/>
+            <a:ext cx="4876799" cy="4750375"/>
           </a:xfrm>
           <a:prstGeom prst="rect">
             <a:avLst/>
@@ -36493,10 +36093,54 @@
       </p:sp>
       <p:sp>
         <p:nvSpPr>
-          <p:cNvPr id="54" name="Rectangle: Rounded Corners 53">
-            <a:extLst>
-              <a:ext uri="{FF2B5EF4-FFF2-40B4-BE49-F238E27FC236}">
-                <a16:creationId xmlns:a16="http://schemas.microsoft.com/office/drawing/2014/main" id="{EC23ABED-4620-47B9-B28E-F9F722C0A6A0}"/>
+          <p:cNvPr id="12" name="TextBox 11">
+            <a:extLst>
+              <a:ext uri="{FF2B5EF4-FFF2-40B4-BE49-F238E27FC236}">
+                <a16:creationId xmlns:a16="http://schemas.microsoft.com/office/drawing/2014/main" id="{44AE6665-F915-42B0-938F-04079E9F9694}"/>
+              </a:ext>
+            </a:extLst>
+          </p:cNvPr>
+          <p:cNvSpPr txBox="1"/>
+          <p:nvPr/>
+        </p:nvSpPr>
+        <p:spPr>
+          <a:xfrm>
+            <a:off x="111748" y="791692"/>
+            <a:ext cx="2050561" cy="369332"/>
+          </a:xfrm>
+          <a:prstGeom prst="rect">
+            <a:avLst/>
+          </a:prstGeom>
+          <a:noFill/>
+        </p:spPr>
+        <p:txBody>
+          <a:bodyPr wrap="none" rtlCol="0">
+            <a:spAutoFit/>
+          </a:bodyPr>
+          <a:lstStyle/>
+          <a:p>
+            <a:r>
+              <a:rPr lang="de-DE" dirty="0">
+                <a:solidFill>
+                  <a:schemeClr val="bg1"/>
+                </a:solidFill>
+              </a:rPr>
+              <a:t>verkaufte Tickets:</a:t>
+            </a:r>
+            <a:endParaRPr lang="en-US" dirty="0">
+              <a:solidFill>
+                <a:schemeClr val="bg1"/>
+              </a:solidFill>
+            </a:endParaRPr>
+          </a:p>
+        </p:txBody>
+      </p:sp>
+      <p:sp>
+        <p:nvSpPr>
+          <p:cNvPr id="13" name="Rectangle: Rounded Corners 12">
+            <a:extLst>
+              <a:ext uri="{FF2B5EF4-FFF2-40B4-BE49-F238E27FC236}">
+                <a16:creationId xmlns:a16="http://schemas.microsoft.com/office/drawing/2014/main" id="{59FEE737-89DA-4ACD-95AD-8AD4F84C0825}"/>
               </a:ext>
             </a:extLst>
           </p:cNvPr>
@@ -36505,7 +36149,363 @@
         </p:nvSpPr>
         <p:spPr>
           <a:xfrm>
-            <a:off x="4156799" y="4793399"/>
+            <a:off x="111748" y="1206024"/>
+            <a:ext cx="4590000" cy="720000"/>
+          </a:xfrm>
+          <a:prstGeom prst="roundRect">
+            <a:avLst/>
+          </a:prstGeom>
+          <a:solidFill>
+            <a:schemeClr val="tx1">
+              <a:lumMod val="65000"/>
+              <a:lumOff val="35000"/>
+            </a:schemeClr>
+          </a:solidFill>
+          <a:ln w="19050">
+            <a:solidFill>
+              <a:srgbClr val="0070C0"/>
+            </a:solidFill>
+          </a:ln>
+          <a:effectLst/>
+        </p:spPr>
+        <p:style>
+          <a:lnRef idx="2">
+            <a:schemeClr val="accent1">
+              <a:shade val="50000"/>
+            </a:schemeClr>
+          </a:lnRef>
+          <a:fillRef idx="1">
+            <a:schemeClr val="accent1"/>
+          </a:fillRef>
+          <a:effectRef idx="0">
+            <a:schemeClr val="accent1"/>
+          </a:effectRef>
+          <a:fontRef idx="minor">
+            <a:schemeClr val="lt1"/>
+          </a:fontRef>
+        </p:style>
+        <p:txBody>
+          <a:bodyPr lIns="90000" rtlCol="0" anchor="ctr"/>
+          <a:lstStyle/>
+          <a:p>
+            <a:pPr algn="ctr"/>
+            <a:endParaRPr lang="en-US" dirty="0"/>
+          </a:p>
+        </p:txBody>
+      </p:sp>
+      <p:sp>
+        <p:nvSpPr>
+          <p:cNvPr id="14" name="TextBox 13">
+            <a:extLst>
+              <a:ext uri="{FF2B5EF4-FFF2-40B4-BE49-F238E27FC236}">
+                <a16:creationId xmlns:a16="http://schemas.microsoft.com/office/drawing/2014/main" id="{00DA7647-0A2D-4BE2-BAFA-64327B3C19F4}"/>
+              </a:ext>
+            </a:extLst>
+          </p:cNvPr>
+          <p:cNvSpPr txBox="1"/>
+          <p:nvPr/>
+        </p:nvSpPr>
+        <p:spPr>
+          <a:xfrm>
+            <a:off x="111748" y="2059465"/>
+            <a:ext cx="2105063" cy="369332"/>
+          </a:xfrm>
+          <a:prstGeom prst="rect">
+            <a:avLst/>
+          </a:prstGeom>
+          <a:noFill/>
+        </p:spPr>
+        <p:txBody>
+          <a:bodyPr wrap="none" rtlCol="0">
+            <a:spAutoFit/>
+          </a:bodyPr>
+          <a:lstStyle/>
+          <a:p>
+            <a:r>
+              <a:rPr lang="de-DE" dirty="0">
+                <a:solidFill>
+                  <a:schemeClr val="bg1"/>
+                </a:solidFill>
+              </a:rPr>
+              <a:t>stornierte Tickets:</a:t>
+            </a:r>
+            <a:endParaRPr lang="en-US" dirty="0">
+              <a:solidFill>
+                <a:schemeClr val="bg1"/>
+              </a:solidFill>
+            </a:endParaRPr>
+          </a:p>
+        </p:txBody>
+      </p:sp>
+      <p:sp>
+        <p:nvSpPr>
+          <p:cNvPr id="15" name="Rectangle: Rounded Corners 14">
+            <a:extLst>
+              <a:ext uri="{FF2B5EF4-FFF2-40B4-BE49-F238E27FC236}">
+                <a16:creationId xmlns:a16="http://schemas.microsoft.com/office/drawing/2014/main" id="{3237FBED-D1B9-4B0A-AC24-595CCD1BEA4C}"/>
+              </a:ext>
+            </a:extLst>
+          </p:cNvPr>
+          <p:cNvSpPr/>
+          <p:nvPr/>
+        </p:nvSpPr>
+        <p:spPr>
+          <a:xfrm>
+            <a:off x="111748" y="2473797"/>
+            <a:ext cx="4590000" cy="720000"/>
+          </a:xfrm>
+          <a:prstGeom prst="roundRect">
+            <a:avLst/>
+          </a:prstGeom>
+          <a:solidFill>
+            <a:schemeClr val="tx1">
+              <a:lumMod val="65000"/>
+              <a:lumOff val="35000"/>
+            </a:schemeClr>
+          </a:solidFill>
+          <a:ln w="19050">
+            <a:solidFill>
+              <a:srgbClr val="0070C0"/>
+            </a:solidFill>
+          </a:ln>
+          <a:effectLst/>
+        </p:spPr>
+        <p:style>
+          <a:lnRef idx="2">
+            <a:schemeClr val="accent1">
+              <a:shade val="50000"/>
+            </a:schemeClr>
+          </a:lnRef>
+          <a:fillRef idx="1">
+            <a:schemeClr val="accent1"/>
+          </a:fillRef>
+          <a:effectRef idx="0">
+            <a:schemeClr val="accent1"/>
+          </a:effectRef>
+          <a:fontRef idx="minor">
+            <a:schemeClr val="lt1"/>
+          </a:fontRef>
+        </p:style>
+        <p:txBody>
+          <a:bodyPr lIns="90000" rtlCol="0" anchor="ctr"/>
+          <a:lstStyle/>
+          <a:p>
+            <a:pPr algn="ctr"/>
+            <a:endParaRPr lang="en-US" dirty="0"/>
+          </a:p>
+        </p:txBody>
+      </p:sp>
+      <p:sp>
+        <p:nvSpPr>
+          <p:cNvPr id="16" name="TextBox 15">
+            <a:extLst>
+              <a:ext uri="{FF2B5EF4-FFF2-40B4-BE49-F238E27FC236}">
+                <a16:creationId xmlns:a16="http://schemas.microsoft.com/office/drawing/2014/main" id="{2E6BB789-21AD-4DA3-A857-2DAAFF9D572F}"/>
+              </a:ext>
+            </a:extLst>
+          </p:cNvPr>
+          <p:cNvSpPr txBox="1"/>
+          <p:nvPr/>
+        </p:nvSpPr>
+        <p:spPr>
+          <a:xfrm>
+            <a:off x="111748" y="3327238"/>
+            <a:ext cx="2058577" cy="369332"/>
+          </a:xfrm>
+          <a:prstGeom prst="rect">
+            <a:avLst/>
+          </a:prstGeom>
+          <a:noFill/>
+        </p:spPr>
+        <p:txBody>
+          <a:bodyPr wrap="none" rtlCol="0">
+            <a:spAutoFit/>
+          </a:bodyPr>
+          <a:lstStyle/>
+          <a:p>
+            <a:r>
+              <a:rPr lang="de-DE" b="1" dirty="0">
+                <a:solidFill>
+                  <a:schemeClr val="bg1"/>
+                </a:solidFill>
+              </a:rPr>
+              <a:t>Einnahmebetrag:</a:t>
+            </a:r>
+            <a:endParaRPr lang="en-US" b="1" dirty="0">
+              <a:solidFill>
+                <a:schemeClr val="bg1"/>
+              </a:solidFill>
+            </a:endParaRPr>
+          </a:p>
+        </p:txBody>
+      </p:sp>
+      <p:sp>
+        <p:nvSpPr>
+          <p:cNvPr id="17" name="Rectangle: Rounded Corners 16">
+            <a:extLst>
+              <a:ext uri="{FF2B5EF4-FFF2-40B4-BE49-F238E27FC236}">
+                <a16:creationId xmlns:a16="http://schemas.microsoft.com/office/drawing/2014/main" id="{058B1612-4AC5-4101-AA9E-C786E4CB4B47}"/>
+              </a:ext>
+            </a:extLst>
+          </p:cNvPr>
+          <p:cNvSpPr/>
+          <p:nvPr/>
+        </p:nvSpPr>
+        <p:spPr>
+          <a:xfrm>
+            <a:off x="111748" y="3741570"/>
+            <a:ext cx="4590000" cy="720000"/>
+          </a:xfrm>
+          <a:prstGeom prst="roundRect">
+            <a:avLst/>
+          </a:prstGeom>
+          <a:solidFill>
+            <a:schemeClr val="tx1">
+              <a:lumMod val="65000"/>
+              <a:lumOff val="35000"/>
+            </a:schemeClr>
+          </a:solidFill>
+          <a:ln w="19050">
+            <a:solidFill>
+              <a:srgbClr val="0070C0"/>
+            </a:solidFill>
+          </a:ln>
+          <a:effectLst/>
+        </p:spPr>
+        <p:style>
+          <a:lnRef idx="2">
+            <a:schemeClr val="accent1">
+              <a:shade val="50000"/>
+            </a:schemeClr>
+          </a:lnRef>
+          <a:fillRef idx="1">
+            <a:schemeClr val="accent1"/>
+          </a:fillRef>
+          <a:effectRef idx="0">
+            <a:schemeClr val="accent1"/>
+          </a:effectRef>
+          <a:fontRef idx="minor">
+            <a:schemeClr val="lt1"/>
+          </a:fontRef>
+        </p:style>
+        <p:txBody>
+          <a:bodyPr lIns="90000" rtlCol="0" anchor="ctr"/>
+          <a:lstStyle/>
+          <a:p>
+            <a:pPr algn="ctr"/>
+            <a:endParaRPr lang="en-US" dirty="0"/>
+          </a:p>
+        </p:txBody>
+      </p:sp>
+      <p:sp>
+        <p:nvSpPr>
+          <p:cNvPr id="18" name="Rectangle: Rounded Corners 17">
+            <a:extLst>
+              <a:ext uri="{FF2B5EF4-FFF2-40B4-BE49-F238E27FC236}">
+                <a16:creationId xmlns:a16="http://schemas.microsoft.com/office/drawing/2014/main" id="{A901B1F4-B174-41C3-B8E0-420491FB02B2}"/>
+              </a:ext>
+            </a:extLst>
+          </p:cNvPr>
+          <p:cNvSpPr/>
+          <p:nvPr/>
+        </p:nvSpPr>
+        <p:spPr>
+          <a:xfrm>
+            <a:off x="7546637" y="4793399"/>
+            <a:ext cx="2160000" cy="630000"/>
+          </a:xfrm>
+          <a:prstGeom prst="roundRect">
+            <a:avLst/>
+          </a:prstGeom>
+          <a:solidFill>
+            <a:srgbClr val="008000"/>
+          </a:solidFill>
+          <a:ln>
+            <a:noFill/>
+          </a:ln>
+        </p:spPr>
+        <p:style>
+          <a:lnRef idx="2">
+            <a:schemeClr val="accent1">
+              <a:shade val="50000"/>
+            </a:schemeClr>
+          </a:lnRef>
+          <a:fillRef idx="1">
+            <a:schemeClr val="accent1"/>
+          </a:fillRef>
+          <a:effectRef idx="0">
+            <a:schemeClr val="accent1"/>
+          </a:effectRef>
+          <a:fontRef idx="minor">
+            <a:schemeClr val="lt1"/>
+          </a:fontRef>
+        </p:style>
+        <p:txBody>
+          <a:bodyPr lIns="720000" rtlCol="0" anchor="ctr"/>
+          <a:lstStyle/>
+          <a:p>
+            <a:pPr algn="ctr"/>
+            <a:r>
+              <a:rPr lang="de-DE" b="1" dirty="0"/>
+              <a:t>Bestätigen&amp; weiter</a:t>
+            </a:r>
+          </a:p>
+        </p:txBody>
+      </p:sp>
+      <p:pic>
+        <p:nvPicPr>
+          <p:cNvPr id="19" name="Graphic 18">
+            <a:extLst>
+              <a:ext uri="{FF2B5EF4-FFF2-40B4-BE49-F238E27FC236}">
+                <a16:creationId xmlns:a16="http://schemas.microsoft.com/office/drawing/2014/main" id="{F3973199-3C57-4A95-88DD-8684C8F2D786}"/>
+              </a:ext>
+            </a:extLst>
+          </p:cNvPr>
+          <p:cNvPicPr>
+            <a:picLocks noChangeAspect="1"/>
+          </p:cNvPicPr>
+          <p:nvPr/>
+        </p:nvPicPr>
+        <p:blipFill>
+          <a:blip r:embed="rId2">
+            <a:extLst>
+              <a:ext uri="{28A0092B-C50C-407E-A947-70E740481C1C}">
+                <a14:useLocalDpi xmlns:a14="http://schemas.microsoft.com/office/drawing/2010/main" val="0"/>
+              </a:ext>
+              <a:ext uri="{96DAC541-7B7A-43D3-8B79-37D633B846F1}">
+                <asvg:svgBlip xmlns:asvg="http://schemas.microsoft.com/office/drawing/2016/SVG/main" r:embed="rId3"/>
+              </a:ext>
+            </a:extLst>
+          </a:blip>
+          <a:stretch>
+            <a:fillRect/>
+          </a:stretch>
+        </p:blipFill>
+        <p:spPr>
+          <a:xfrm>
+            <a:off x="7721606" y="4883399"/>
+            <a:ext cx="450000" cy="450000"/>
+          </a:xfrm>
+          <a:prstGeom prst="rect">
+            <a:avLst/>
+          </a:prstGeom>
+        </p:spPr>
+      </p:pic>
+      <p:sp>
+        <p:nvSpPr>
+          <p:cNvPr id="21" name="Rectangle: Rounded Corners 20">
+            <a:extLst>
+              <a:ext uri="{FF2B5EF4-FFF2-40B4-BE49-F238E27FC236}">
+                <a16:creationId xmlns:a16="http://schemas.microsoft.com/office/drawing/2014/main" id="{23160934-B6F5-46C9-A99D-C84878ECAAB9}"/>
+              </a:ext>
+            </a:extLst>
+          </p:cNvPr>
+          <p:cNvSpPr/>
+          <p:nvPr/>
+        </p:nvSpPr>
+        <p:spPr>
+          <a:xfrm>
+            <a:off x="3436799" y="4793399"/>
             <a:ext cx="1440000" cy="630000"/>
           </a:xfrm>
           <a:prstGeom prst="roundRect">
@@ -36549,10 +36549,150 @@
       </p:sp>
       <p:sp>
         <p:nvSpPr>
-          <p:cNvPr id="70" name="Rectangle: Rounded Corners 69">
-            <a:extLst>
-              <a:ext uri="{FF2B5EF4-FFF2-40B4-BE49-F238E27FC236}">
-                <a16:creationId xmlns:a16="http://schemas.microsoft.com/office/drawing/2014/main" id="{80517794-0EDD-4DC3-82C6-185B6A8F0303}"/>
+          <p:cNvPr id="24" name="TextBox 23">
+            <a:extLst>
+              <a:ext uri="{FF2B5EF4-FFF2-40B4-BE49-F238E27FC236}">
+                <a16:creationId xmlns:a16="http://schemas.microsoft.com/office/drawing/2014/main" id="{13EE0BCB-9B7C-4533-BB26-A7A3283FFA11}"/>
+              </a:ext>
+            </a:extLst>
+          </p:cNvPr>
+          <p:cNvSpPr txBox="1"/>
+          <p:nvPr/>
+        </p:nvSpPr>
+        <p:spPr>
+          <a:xfrm>
+            <a:off x="5322518" y="3897099"/>
+            <a:ext cx="4015843" cy="707886"/>
+          </a:xfrm>
+          <a:prstGeom prst="rect">
+            <a:avLst/>
+          </a:prstGeom>
+          <a:noFill/>
+        </p:spPr>
+        <p:txBody>
+          <a:bodyPr wrap="none" rtlCol="0">
+            <a:spAutoFit/>
+          </a:bodyPr>
+          <a:lstStyle/>
+          <a:p>
+            <a:pPr algn="ctr"/>
+            <a:r>
+              <a:rPr lang="de-DE" sz="2000" dirty="0">
+                <a:solidFill>
+                  <a:schemeClr val="bg1"/>
+                </a:solidFill>
+              </a:rPr>
+              <a:t>Bitte bestätigen Sie die Angaben,</a:t>
+            </a:r>
+          </a:p>
+          <a:p>
+            <a:pPr algn="ctr"/>
+            <a:r>
+              <a:rPr lang="de-DE" sz="2000" dirty="0">
+                <a:solidFill>
+                  <a:schemeClr val="bg1"/>
+                </a:solidFill>
+              </a:rPr>
+              <a:t>um fortzufahren.</a:t>
+            </a:r>
+            <a:endParaRPr lang="en-US" sz="2000" dirty="0">
+              <a:solidFill>
+                <a:schemeClr val="bg1"/>
+              </a:solidFill>
+            </a:endParaRPr>
+          </a:p>
+        </p:txBody>
+      </p:sp>
+      <p:sp>
+        <p:nvSpPr>
+          <p:cNvPr id="25" name="TextBox 24">
+            <a:extLst>
+              <a:ext uri="{FF2B5EF4-FFF2-40B4-BE49-F238E27FC236}">
+                <a16:creationId xmlns:a16="http://schemas.microsoft.com/office/drawing/2014/main" id="{6E822CD9-8018-47BD-B8B5-F987E3E514EB}"/>
+              </a:ext>
+            </a:extLst>
+          </p:cNvPr>
+          <p:cNvSpPr txBox="1"/>
+          <p:nvPr/>
+        </p:nvSpPr>
+        <p:spPr>
+          <a:xfrm>
+            <a:off x="5212718" y="2712020"/>
+            <a:ext cx="4235455" cy="923330"/>
+          </a:xfrm>
+          <a:prstGeom prst="rect">
+            <a:avLst/>
+          </a:prstGeom>
+          <a:noFill/>
+        </p:spPr>
+        <p:txBody>
+          <a:bodyPr wrap="none" rtlCol="0">
+            <a:spAutoFit/>
+          </a:bodyPr>
+          <a:lstStyle/>
+          <a:p>
+            <a:pPr algn="ctr"/>
+            <a:r>
+              <a:rPr lang="de-DE" sz="5400" b="1" dirty="0">
+                <a:solidFill>
+                  <a:schemeClr val="bg1"/>
+                </a:solidFill>
+              </a:rPr>
+              <a:t>Schichtende</a:t>
+            </a:r>
+            <a:endParaRPr lang="en-US" sz="5400" b="1" dirty="0">
+              <a:solidFill>
+                <a:schemeClr val="bg1"/>
+              </a:solidFill>
+            </a:endParaRPr>
+          </a:p>
+        </p:txBody>
+      </p:sp>
+      <p:pic>
+        <p:nvPicPr>
+          <p:cNvPr id="22" name="Graphic 21">
+            <a:extLst>
+              <a:ext uri="{FF2B5EF4-FFF2-40B4-BE49-F238E27FC236}">
+                <a16:creationId xmlns:a16="http://schemas.microsoft.com/office/drawing/2014/main" id="{A8FBEB97-444A-4355-A278-F51106497B53}"/>
+              </a:ext>
+            </a:extLst>
+          </p:cNvPr>
+          <p:cNvPicPr>
+            <a:picLocks noChangeAspect="1"/>
+          </p:cNvPicPr>
+          <p:nvPr/>
+        </p:nvPicPr>
+        <p:blipFill>
+          <a:blip r:embed="rId4">
+            <a:extLst>
+              <a:ext uri="{28A0092B-C50C-407E-A947-70E740481C1C}">
+                <a14:useLocalDpi xmlns:a14="http://schemas.microsoft.com/office/drawing/2010/main" val="0"/>
+              </a:ext>
+              <a:ext uri="{96DAC541-7B7A-43D3-8B79-37D633B846F1}">
+                <asvg:svgBlip xmlns:asvg="http://schemas.microsoft.com/office/drawing/2016/SVG/main" r:embed="rId5"/>
+              </a:ext>
+            </a:extLst>
+          </a:blip>
+          <a:stretch>
+            <a:fillRect/>
+          </a:stretch>
+        </p:blipFill>
+        <p:spPr>
+          <a:xfrm>
+            <a:off x="6824189" y="1432900"/>
+            <a:ext cx="1012500" cy="900000"/>
+          </a:xfrm>
+          <a:prstGeom prst="rect">
+            <a:avLst/>
+          </a:prstGeom>
+        </p:spPr>
+      </p:pic>
+      <p:sp>
+        <p:nvSpPr>
+          <p:cNvPr id="23" name="Rectangle: Rounded Corners 22">
+            <a:extLst>
+              <a:ext uri="{FF2B5EF4-FFF2-40B4-BE49-F238E27FC236}">
+                <a16:creationId xmlns:a16="http://schemas.microsoft.com/office/drawing/2014/main" id="{6E3E1917-24F9-42F4-B12B-540B0EC9D745}"/>
               </a:ext>
             </a:extLst>
           </p:cNvPr>
@@ -36561,14 +36701,16 @@
         </p:nvSpPr>
         <p:spPr>
           <a:xfrm>
-            <a:off x="721963" y="4794250"/>
+            <a:off x="46963" y="4794250"/>
             <a:ext cx="630000" cy="630000"/>
           </a:xfrm>
           <a:prstGeom prst="roundRect">
             <a:avLst/>
           </a:prstGeom>
           <a:solidFill>
-            <a:schemeClr val="accent4"/>
+            <a:schemeClr val="accent1">
+              <a:lumMod val="50000"/>
+            </a:schemeClr>
           </a:solidFill>
           <a:ln>
             <a:noFill/>
@@ -36601,10 +36743,10 @@
       </p:sp>
       <p:pic>
         <p:nvPicPr>
-          <p:cNvPr id="71" name="Graphic 70">
-            <a:extLst>
-              <a:ext uri="{FF2B5EF4-FFF2-40B4-BE49-F238E27FC236}">
-                <a16:creationId xmlns:a16="http://schemas.microsoft.com/office/drawing/2014/main" id="{35627AA6-0E13-4992-9B9F-37AF8D357652}"/>
+          <p:cNvPr id="28" name="Graphic 27">
+            <a:extLst>
+              <a:ext uri="{FF2B5EF4-FFF2-40B4-BE49-F238E27FC236}">
+                <a16:creationId xmlns:a16="http://schemas.microsoft.com/office/drawing/2014/main" id="{632135D6-A330-49FD-A991-6DD13F212ADE}"/>
               </a:ext>
             </a:extLst>
           </p:cNvPr>
@@ -36614,13 +36756,13 @@
           <p:nvPr/>
         </p:nvPicPr>
         <p:blipFill>
-          <a:blip r:embed="rId2">
+          <a:blip r:embed="rId6">
             <a:extLst>
               <a:ext uri="{28A0092B-C50C-407E-A947-70E740481C1C}">
                 <a14:useLocalDpi xmlns:a14="http://schemas.microsoft.com/office/drawing/2010/main" val="0"/>
               </a:ext>
               <a:ext uri="{96DAC541-7B7A-43D3-8B79-37D633B846F1}">
-                <asvg:svgBlip xmlns:asvg="http://schemas.microsoft.com/office/drawing/2016/SVG/main" r:embed="rId3"/>
+                <asvg:svgBlip xmlns:asvg="http://schemas.microsoft.com/office/drawing/2016/SVG/main" r:embed="rId7"/>
               </a:ext>
             </a:extLst>
           </a:blip>
@@ -36630,1146 +36772,6 @@
         </p:blipFill>
         <p:spPr>
           <a:xfrm>
-            <a:off x="840088" y="4883399"/>
-            <a:ext cx="393750" cy="450000"/>
-          </a:xfrm>
-          <a:prstGeom prst="rect">
-            <a:avLst/>
-          </a:prstGeom>
-        </p:spPr>
-      </p:pic>
-      <p:sp>
-        <p:nvSpPr>
-          <p:cNvPr id="53" name="Rectangle 52">
-            <a:extLst>
-              <a:ext uri="{FF2B5EF4-FFF2-40B4-BE49-F238E27FC236}">
-                <a16:creationId xmlns:a16="http://schemas.microsoft.com/office/drawing/2014/main" id="{7283464F-F4FE-4EFD-B1B4-EE25B4D9B151}"/>
-              </a:ext>
-            </a:extLst>
-          </p:cNvPr>
-          <p:cNvSpPr/>
-          <p:nvPr/>
-        </p:nvSpPr>
-        <p:spPr>
-          <a:xfrm>
-            <a:off x="-146820" y="853440"/>
-            <a:ext cx="4194946" cy="720000"/>
-          </a:xfrm>
-          <a:prstGeom prst="rect">
-            <a:avLst/>
-          </a:prstGeom>
-          <a:solidFill>
-            <a:schemeClr val="accent5">
-              <a:lumMod val="50000"/>
-            </a:schemeClr>
-          </a:solidFill>
-          <a:ln>
-            <a:noFill/>
-          </a:ln>
-        </p:spPr>
-        <p:style>
-          <a:lnRef idx="2">
-            <a:schemeClr val="accent1">
-              <a:shade val="50000"/>
-            </a:schemeClr>
-          </a:lnRef>
-          <a:fillRef idx="1">
-            <a:schemeClr val="accent1"/>
-          </a:fillRef>
-          <a:effectRef idx="0">
-            <a:schemeClr val="accent1"/>
-          </a:effectRef>
-          <a:fontRef idx="minor">
-            <a:schemeClr val="lt1"/>
-          </a:fontRef>
-        </p:style>
-        <p:txBody>
-          <a:bodyPr lIns="1080000" rtlCol="0" anchor="ctr"/>
-          <a:lstStyle/>
-          <a:p>
-            <a:r>
-              <a:rPr lang="de-DE" sz="2200" b="1" dirty="0"/>
-              <a:t>Display &amp; Darstellung</a:t>
-            </a:r>
-          </a:p>
-        </p:txBody>
-      </p:sp>
-      <p:sp>
-        <p:nvSpPr>
-          <p:cNvPr id="56" name="Rectangle: Rounded Corners 55">
-            <a:extLst>
-              <a:ext uri="{FF2B5EF4-FFF2-40B4-BE49-F238E27FC236}">
-                <a16:creationId xmlns:a16="http://schemas.microsoft.com/office/drawing/2014/main" id="{31602AAF-0902-4714-A7A4-9ECAC9F0E1EB}"/>
-              </a:ext>
-            </a:extLst>
-          </p:cNvPr>
-          <p:cNvSpPr/>
-          <p:nvPr/>
-        </p:nvSpPr>
-        <p:spPr>
-          <a:xfrm>
-            <a:off x="-146821" y="1867279"/>
-            <a:ext cx="3979681" cy="720000"/>
-          </a:xfrm>
-          <a:prstGeom prst="roundRect">
-            <a:avLst/>
-          </a:prstGeom>
-          <a:solidFill>
-            <a:srgbClr val="0070C0"/>
-          </a:solidFill>
-          <a:ln>
-            <a:noFill/>
-          </a:ln>
-        </p:spPr>
-        <p:style>
-          <a:lnRef idx="2">
-            <a:schemeClr val="accent1">
-              <a:shade val="50000"/>
-            </a:schemeClr>
-          </a:lnRef>
-          <a:fillRef idx="1">
-            <a:schemeClr val="accent1"/>
-          </a:fillRef>
-          <a:effectRef idx="0">
-            <a:schemeClr val="accent1"/>
-          </a:effectRef>
-          <a:fontRef idx="minor">
-            <a:schemeClr val="lt1"/>
-          </a:fontRef>
-        </p:style>
-        <p:txBody>
-          <a:bodyPr lIns="1080000" rtlCol="0" anchor="ctr"/>
-          <a:lstStyle/>
-          <a:p>
-            <a:r>
-              <a:rPr lang="de-DE" sz="2200" dirty="0"/>
-              <a:t>Beschilderung &amp; Fahrgastinformation</a:t>
-            </a:r>
-          </a:p>
-        </p:txBody>
-      </p:sp>
-      <p:pic>
-        <p:nvPicPr>
-          <p:cNvPr id="3" name="Graphic 2">
-            <a:extLst>
-              <a:ext uri="{FF2B5EF4-FFF2-40B4-BE49-F238E27FC236}">
-                <a16:creationId xmlns:a16="http://schemas.microsoft.com/office/drawing/2014/main" id="{58FB5B8B-DA92-4BC4-B935-FF37529B0CBC}"/>
-              </a:ext>
-            </a:extLst>
-          </p:cNvPr>
-          <p:cNvPicPr>
-            <a:picLocks noChangeAspect="1"/>
-          </p:cNvPicPr>
-          <p:nvPr/>
-        </p:nvPicPr>
-        <p:blipFill>
-          <a:blip r:embed="rId4">
-            <a:extLst>
-              <a:ext uri="{28A0092B-C50C-407E-A947-70E740481C1C}">
-                <a14:useLocalDpi xmlns:a14="http://schemas.microsoft.com/office/drawing/2010/main" val="0"/>
-              </a:ext>
-              <a:ext uri="{96DAC541-7B7A-43D3-8B79-37D633B846F1}">
-                <asvg:svgBlip xmlns:asvg="http://schemas.microsoft.com/office/drawing/2016/SVG/main" r:embed="rId5"/>
-              </a:ext>
-            </a:extLst>
-          </a:blip>
-          <a:stretch>
-            <a:fillRect/>
-          </a:stretch>
-        </p:blipFill>
-        <p:spPr>
-          <a:xfrm>
-            <a:off x="165088" y="946468"/>
-            <a:ext cx="607500" cy="540000"/>
-          </a:xfrm>
-          <a:prstGeom prst="rect">
-            <a:avLst/>
-          </a:prstGeom>
-        </p:spPr>
-      </p:pic>
-      <p:pic>
-        <p:nvPicPr>
-          <p:cNvPr id="8" name="Graphic 7">
-            <a:extLst>
-              <a:ext uri="{FF2B5EF4-FFF2-40B4-BE49-F238E27FC236}">
-                <a16:creationId xmlns:a16="http://schemas.microsoft.com/office/drawing/2014/main" id="{33E007EB-FAE5-494F-AB95-FFA15FCB2CE3}"/>
-              </a:ext>
-            </a:extLst>
-          </p:cNvPr>
-          <p:cNvPicPr>
-            <a:picLocks noChangeAspect="1"/>
-          </p:cNvPicPr>
-          <p:nvPr/>
-        </p:nvPicPr>
-        <p:blipFill>
-          <a:blip r:embed="rId6">
-            <a:extLst>
-              <a:ext uri="{28A0092B-C50C-407E-A947-70E740481C1C}">
-                <a14:useLocalDpi xmlns:a14="http://schemas.microsoft.com/office/drawing/2010/main" val="0"/>
-              </a:ext>
-              <a:ext uri="{96DAC541-7B7A-43D3-8B79-37D633B846F1}">
-                <asvg:svgBlip xmlns:asvg="http://schemas.microsoft.com/office/drawing/2016/SVG/main" r:embed="rId7"/>
-              </a:ext>
-            </a:extLst>
-          </a:blip>
-          <a:stretch>
-            <a:fillRect/>
-          </a:stretch>
-        </p:blipFill>
-        <p:spPr>
-          <a:xfrm>
-            <a:off x="204990" y="1957279"/>
-            <a:ext cx="540000" cy="540000"/>
-          </a:xfrm>
-          <a:prstGeom prst="rect">
-            <a:avLst/>
-          </a:prstGeom>
-        </p:spPr>
-      </p:pic>
-      <p:sp>
-        <p:nvSpPr>
-          <p:cNvPr id="11" name="TextBox 10">
-            <a:extLst>
-              <a:ext uri="{FF2B5EF4-FFF2-40B4-BE49-F238E27FC236}">
-                <a16:creationId xmlns:a16="http://schemas.microsoft.com/office/drawing/2014/main" id="{C0EB78E4-F842-42D0-87F4-D7877C4F1342}"/>
-              </a:ext>
-            </a:extLst>
-          </p:cNvPr>
-          <p:cNvSpPr txBox="1"/>
-          <p:nvPr/>
-        </p:nvSpPr>
-        <p:spPr>
-          <a:xfrm>
-            <a:off x="4048125" y="761802"/>
-            <a:ext cx="1205779" cy="461665"/>
-          </a:xfrm>
-          <a:prstGeom prst="rect">
-            <a:avLst/>
-          </a:prstGeom>
-          <a:noFill/>
-        </p:spPr>
-        <p:txBody>
-          <a:bodyPr wrap="none" rtlCol="0">
-            <a:spAutoFit/>
-          </a:bodyPr>
-          <a:lstStyle/>
-          <a:p>
-            <a:r>
-              <a:rPr lang="de-DE" sz="2400" dirty="0">
-                <a:solidFill>
-                  <a:schemeClr val="bg1"/>
-                </a:solidFill>
-              </a:rPr>
-              <a:t>Thema:</a:t>
-            </a:r>
-          </a:p>
-        </p:txBody>
-      </p:sp>
-      <p:sp>
-        <p:nvSpPr>
-          <p:cNvPr id="72" name="Rectangle: Rounded Corners 71">
-            <a:extLst>
-              <a:ext uri="{FF2B5EF4-FFF2-40B4-BE49-F238E27FC236}">
-                <a16:creationId xmlns:a16="http://schemas.microsoft.com/office/drawing/2014/main" id="{24CEB630-94F2-40B6-8820-21CF912FA302}"/>
-              </a:ext>
-            </a:extLst>
-          </p:cNvPr>
-          <p:cNvSpPr/>
-          <p:nvPr/>
-        </p:nvSpPr>
-        <p:spPr>
-          <a:xfrm>
-            <a:off x="4125774" y="1209959"/>
-            <a:ext cx="1800000" cy="720000"/>
-          </a:xfrm>
-          <a:prstGeom prst="roundRect">
-            <a:avLst/>
-          </a:prstGeom>
-          <a:solidFill>
-            <a:schemeClr val="accent5">
-              <a:lumMod val="50000"/>
-            </a:schemeClr>
-          </a:solidFill>
-          <a:ln>
-            <a:noFill/>
-          </a:ln>
-        </p:spPr>
-        <p:style>
-          <a:lnRef idx="2">
-            <a:schemeClr val="accent1">
-              <a:shade val="50000"/>
-            </a:schemeClr>
-          </a:lnRef>
-          <a:fillRef idx="1">
-            <a:schemeClr val="accent1"/>
-          </a:fillRef>
-          <a:effectRef idx="0">
-            <a:schemeClr val="accent1"/>
-          </a:effectRef>
-          <a:fontRef idx="minor">
-            <a:schemeClr val="lt1"/>
-          </a:fontRef>
-        </p:style>
-        <p:txBody>
-          <a:bodyPr lIns="720000" rtlCol="0" anchor="ctr"/>
-          <a:lstStyle/>
-          <a:p>
-            <a:r>
-              <a:rPr lang="de-DE" sz="2200" b="1" dirty="0"/>
-              <a:t>Auto</a:t>
-            </a:r>
-          </a:p>
-        </p:txBody>
-      </p:sp>
-      <p:sp>
-        <p:nvSpPr>
-          <p:cNvPr id="74" name="Rectangle: Rounded Corners 73">
-            <a:extLst>
-              <a:ext uri="{FF2B5EF4-FFF2-40B4-BE49-F238E27FC236}">
-                <a16:creationId xmlns:a16="http://schemas.microsoft.com/office/drawing/2014/main" id="{BA0AD757-ACD1-4DC6-A598-FAAF939EA45B}"/>
-              </a:ext>
-            </a:extLst>
-          </p:cNvPr>
-          <p:cNvSpPr/>
-          <p:nvPr/>
-        </p:nvSpPr>
-        <p:spPr>
-          <a:xfrm>
-            <a:off x="6008318" y="1209959"/>
-            <a:ext cx="1800000" cy="720000"/>
-          </a:xfrm>
-          <a:prstGeom prst="roundRect">
-            <a:avLst/>
-          </a:prstGeom>
-          <a:solidFill>
-            <a:srgbClr val="0070C0"/>
-          </a:solidFill>
-          <a:ln>
-            <a:noFill/>
-          </a:ln>
-        </p:spPr>
-        <p:style>
-          <a:lnRef idx="2">
-            <a:schemeClr val="accent1">
-              <a:shade val="50000"/>
-            </a:schemeClr>
-          </a:lnRef>
-          <a:fillRef idx="1">
-            <a:schemeClr val="accent1"/>
-          </a:fillRef>
-          <a:effectRef idx="0">
-            <a:schemeClr val="accent1"/>
-          </a:effectRef>
-          <a:fontRef idx="minor">
-            <a:schemeClr val="lt1"/>
-          </a:fontRef>
-        </p:style>
-        <p:txBody>
-          <a:bodyPr lIns="720000" rtlCol="0" anchor="ctr"/>
-          <a:lstStyle/>
-          <a:p>
-            <a:r>
-              <a:rPr lang="de-DE" sz="2200" dirty="0"/>
-              <a:t>Hell</a:t>
-            </a:r>
-          </a:p>
-        </p:txBody>
-      </p:sp>
-      <p:sp>
-        <p:nvSpPr>
-          <p:cNvPr id="76" name="Rectangle: Rounded Corners 75">
-            <a:extLst>
-              <a:ext uri="{FF2B5EF4-FFF2-40B4-BE49-F238E27FC236}">
-                <a16:creationId xmlns:a16="http://schemas.microsoft.com/office/drawing/2014/main" id="{4AA9AE57-6685-4548-8912-687D77AA4FCA}"/>
-              </a:ext>
-            </a:extLst>
-          </p:cNvPr>
-          <p:cNvSpPr/>
-          <p:nvPr/>
-        </p:nvSpPr>
-        <p:spPr>
-          <a:xfrm>
-            <a:off x="7890863" y="1209959"/>
-            <a:ext cx="1800000" cy="720000"/>
-          </a:xfrm>
-          <a:prstGeom prst="roundRect">
-            <a:avLst/>
-          </a:prstGeom>
-          <a:solidFill>
-            <a:srgbClr val="0070C0"/>
-          </a:solidFill>
-          <a:ln>
-            <a:noFill/>
-          </a:ln>
-        </p:spPr>
-        <p:style>
-          <a:lnRef idx="2">
-            <a:schemeClr val="accent1">
-              <a:shade val="50000"/>
-            </a:schemeClr>
-          </a:lnRef>
-          <a:fillRef idx="1">
-            <a:schemeClr val="accent1"/>
-          </a:fillRef>
-          <a:effectRef idx="0">
-            <a:schemeClr val="accent1"/>
-          </a:effectRef>
-          <a:fontRef idx="minor">
-            <a:schemeClr val="lt1"/>
-          </a:fontRef>
-        </p:style>
-        <p:txBody>
-          <a:bodyPr lIns="720000" rtlCol="0" anchor="ctr"/>
-          <a:lstStyle/>
-          <a:p>
-            <a:r>
-              <a:rPr lang="de-DE" sz="2200" dirty="0"/>
-              <a:t>Dunkel</a:t>
-            </a:r>
-          </a:p>
-        </p:txBody>
-      </p:sp>
-      <p:pic>
-        <p:nvPicPr>
-          <p:cNvPr id="16" name="Graphic 15">
-            <a:extLst>
-              <a:ext uri="{FF2B5EF4-FFF2-40B4-BE49-F238E27FC236}">
-                <a16:creationId xmlns:a16="http://schemas.microsoft.com/office/drawing/2014/main" id="{384FA91C-A6AC-41BA-9F43-8389DE0FE308}"/>
-              </a:ext>
-            </a:extLst>
-          </p:cNvPr>
-          <p:cNvPicPr>
-            <a:picLocks noChangeAspect="1"/>
-          </p:cNvPicPr>
-          <p:nvPr/>
-        </p:nvPicPr>
-        <p:blipFill>
-          <a:blip r:embed="rId8">
-            <a:extLst>
-              <a:ext uri="{28A0092B-C50C-407E-A947-70E740481C1C}">
-                <a14:useLocalDpi xmlns:a14="http://schemas.microsoft.com/office/drawing/2010/main" val="0"/>
-              </a:ext>
-              <a:ext uri="{96DAC541-7B7A-43D3-8B79-37D633B846F1}">
-                <asvg:svgBlip xmlns:asvg="http://schemas.microsoft.com/office/drawing/2016/SVG/main" r:embed="rId9"/>
-              </a:ext>
-            </a:extLst>
-          </a:blip>
-          <a:stretch>
-            <a:fillRect/>
-          </a:stretch>
-        </p:blipFill>
-        <p:spPr>
-          <a:xfrm>
-            <a:off x="6160139" y="1299959"/>
-            <a:ext cx="540000" cy="540000"/>
-          </a:xfrm>
-          <a:prstGeom prst="rect">
-            <a:avLst/>
-          </a:prstGeom>
-        </p:spPr>
-      </p:pic>
-      <p:pic>
-        <p:nvPicPr>
-          <p:cNvPr id="18" name="Graphic 17">
-            <a:extLst>
-              <a:ext uri="{FF2B5EF4-FFF2-40B4-BE49-F238E27FC236}">
-                <a16:creationId xmlns:a16="http://schemas.microsoft.com/office/drawing/2014/main" id="{294B16DB-9E64-459B-BD9F-326EED0EE1A8}"/>
-              </a:ext>
-            </a:extLst>
-          </p:cNvPr>
-          <p:cNvPicPr>
-            <a:picLocks noChangeAspect="1"/>
-          </p:cNvPicPr>
-          <p:nvPr/>
-        </p:nvPicPr>
-        <p:blipFill>
-          <a:blip r:embed="rId10">
-            <a:extLst>
-              <a:ext uri="{28A0092B-C50C-407E-A947-70E740481C1C}">
-                <a14:useLocalDpi xmlns:a14="http://schemas.microsoft.com/office/drawing/2010/main" val="0"/>
-              </a:ext>
-              <a:ext uri="{96DAC541-7B7A-43D3-8B79-37D633B846F1}">
-                <asvg:svgBlip xmlns:asvg="http://schemas.microsoft.com/office/drawing/2016/SVG/main" r:embed="rId11"/>
-              </a:ext>
-            </a:extLst>
-          </a:blip>
-          <a:stretch>
-            <a:fillRect/>
-          </a:stretch>
-        </p:blipFill>
-        <p:spPr>
-          <a:xfrm>
-            <a:off x="8095139" y="1299959"/>
-            <a:ext cx="405000" cy="540000"/>
-          </a:xfrm>
-          <a:prstGeom prst="rect">
-            <a:avLst/>
-          </a:prstGeom>
-        </p:spPr>
-      </p:pic>
-      <p:pic>
-        <p:nvPicPr>
-          <p:cNvPr id="24" name="Graphic 23">
-            <a:extLst>
-              <a:ext uri="{FF2B5EF4-FFF2-40B4-BE49-F238E27FC236}">
-                <a16:creationId xmlns:a16="http://schemas.microsoft.com/office/drawing/2014/main" id="{178A7482-6C2D-4DA4-BEBD-6EFA2F81DC99}"/>
-              </a:ext>
-            </a:extLst>
-          </p:cNvPr>
-          <p:cNvPicPr>
-            <a:picLocks noChangeAspect="1"/>
-          </p:cNvPicPr>
-          <p:nvPr/>
-        </p:nvPicPr>
-        <p:blipFill>
-          <a:blip r:embed="rId12">
-            <a:extLst>
-              <a:ext uri="{28A0092B-C50C-407E-A947-70E740481C1C}">
-                <a14:useLocalDpi xmlns:a14="http://schemas.microsoft.com/office/drawing/2010/main" val="0"/>
-              </a:ext>
-              <a:ext uri="{96DAC541-7B7A-43D3-8B79-37D633B846F1}">
-                <asvg:svgBlip xmlns:asvg="http://schemas.microsoft.com/office/drawing/2016/SVG/main" r:embed="rId13"/>
-              </a:ext>
-            </a:extLst>
-          </a:blip>
-          <a:stretch>
-            <a:fillRect/>
-          </a:stretch>
-        </p:blipFill>
-        <p:spPr>
-          <a:xfrm>
-            <a:off x="4252774" y="1299959"/>
-            <a:ext cx="540000" cy="540000"/>
-          </a:xfrm>
-          <a:prstGeom prst="rect">
-            <a:avLst/>
-          </a:prstGeom>
-        </p:spPr>
-      </p:pic>
-      <p:pic>
-        <p:nvPicPr>
-          <p:cNvPr id="79" name="Graphic 78">
-            <a:extLst>
-              <a:ext uri="{FF2B5EF4-FFF2-40B4-BE49-F238E27FC236}">
-                <a16:creationId xmlns:a16="http://schemas.microsoft.com/office/drawing/2014/main" id="{8237650F-C9BF-4055-9B2A-70886E94F456}"/>
-              </a:ext>
-            </a:extLst>
-          </p:cNvPr>
-          <p:cNvPicPr>
-            <a:picLocks noChangeAspect="1"/>
-          </p:cNvPicPr>
-          <p:nvPr/>
-        </p:nvPicPr>
-        <p:blipFill>
-          <a:blip r:embed="rId10">
-            <a:extLst>
-              <a:ext uri="{28A0092B-C50C-407E-A947-70E740481C1C}">
-                <a14:useLocalDpi xmlns:a14="http://schemas.microsoft.com/office/drawing/2010/main" val="0"/>
-              </a:ext>
-              <a:ext uri="{96DAC541-7B7A-43D3-8B79-37D633B846F1}">
-                <asvg:svgBlip xmlns:asvg="http://schemas.microsoft.com/office/drawing/2016/SVG/main" r:embed="rId11"/>
-              </a:ext>
-            </a:extLst>
-          </a:blip>
-          <a:stretch>
-            <a:fillRect/>
-          </a:stretch>
-        </p:blipFill>
-        <p:spPr>
-          <a:xfrm>
-            <a:off x="4473385" y="1541948"/>
-            <a:ext cx="270000" cy="360000"/>
-          </a:xfrm>
-          <a:prstGeom prst="rect">
-            <a:avLst/>
-          </a:prstGeom>
-        </p:spPr>
-      </p:pic>
-      <p:sp>
-        <p:nvSpPr>
-          <p:cNvPr id="25" name="Oval 24">
-            <a:extLst>
-              <a:ext uri="{FF2B5EF4-FFF2-40B4-BE49-F238E27FC236}">
-                <a16:creationId xmlns:a16="http://schemas.microsoft.com/office/drawing/2014/main" id="{1AFB2AEB-A166-4869-9057-A817ABC9EB0B}"/>
-              </a:ext>
-            </a:extLst>
-          </p:cNvPr>
-          <p:cNvSpPr/>
-          <p:nvPr/>
-        </p:nvSpPr>
-        <p:spPr>
-          <a:xfrm>
-            <a:off x="4252774" y="1299958"/>
-            <a:ext cx="216000" cy="216000"/>
-          </a:xfrm>
-          <a:prstGeom prst="ellipse">
-            <a:avLst/>
-          </a:prstGeom>
-          <a:solidFill>
-            <a:schemeClr val="accent5">
-              <a:lumMod val="50000"/>
-            </a:schemeClr>
-          </a:solidFill>
-          <a:ln>
-            <a:noFill/>
-          </a:ln>
-        </p:spPr>
-        <p:style>
-          <a:lnRef idx="2">
-            <a:schemeClr val="accent1">
-              <a:shade val="50000"/>
-            </a:schemeClr>
-          </a:lnRef>
-          <a:fillRef idx="1">
-            <a:schemeClr val="accent1"/>
-          </a:fillRef>
-          <a:effectRef idx="0">
-            <a:schemeClr val="accent1"/>
-          </a:effectRef>
-          <a:fontRef idx="minor">
-            <a:schemeClr val="lt1"/>
-          </a:fontRef>
-        </p:style>
-        <p:txBody>
-          <a:bodyPr rtlCol="0" anchor="ctr"/>
-          <a:lstStyle/>
-          <a:p>
-            <a:pPr algn="ctr"/>
-            <a:endParaRPr lang="de-DE" dirty="0"/>
-          </a:p>
-        </p:txBody>
-      </p:sp>
-      <p:pic>
-        <p:nvPicPr>
-          <p:cNvPr id="77" name="Graphic 76">
-            <a:extLst>
-              <a:ext uri="{FF2B5EF4-FFF2-40B4-BE49-F238E27FC236}">
-                <a16:creationId xmlns:a16="http://schemas.microsoft.com/office/drawing/2014/main" id="{10D2646B-0A5C-4B51-A9C2-AC63962282FA}"/>
-              </a:ext>
-            </a:extLst>
-          </p:cNvPr>
-          <p:cNvPicPr>
-            <a:picLocks noChangeAspect="1"/>
-          </p:cNvPicPr>
-          <p:nvPr/>
-        </p:nvPicPr>
-        <p:blipFill>
-          <a:blip r:embed="rId8">
-            <a:extLst>
-              <a:ext uri="{28A0092B-C50C-407E-A947-70E740481C1C}">
-                <a14:useLocalDpi xmlns:a14="http://schemas.microsoft.com/office/drawing/2010/main" val="0"/>
-              </a:ext>
-              <a:ext uri="{96DAC541-7B7A-43D3-8B79-37D633B846F1}">
-                <asvg:svgBlip xmlns:asvg="http://schemas.microsoft.com/office/drawing/2016/SVG/main" r:embed="rId9"/>
-              </a:ext>
-            </a:extLst>
-          </a:blip>
-          <a:stretch>
-            <a:fillRect/>
-          </a:stretch>
-        </p:blipFill>
-        <p:spPr>
-          <a:xfrm>
-            <a:off x="4177057" y="1227941"/>
-            <a:ext cx="360000" cy="360000"/>
-          </a:xfrm>
-          <a:prstGeom prst="rect">
-            <a:avLst/>
-          </a:prstGeom>
-        </p:spPr>
-      </p:pic>
-      <p:sp>
-        <p:nvSpPr>
-          <p:cNvPr id="80" name="TextBox 79">
-            <a:extLst>
-              <a:ext uri="{FF2B5EF4-FFF2-40B4-BE49-F238E27FC236}">
-                <a16:creationId xmlns:a16="http://schemas.microsoft.com/office/drawing/2014/main" id="{FF512BCE-8B6B-4ACC-9CF0-9D941D491D7E}"/>
-              </a:ext>
-            </a:extLst>
-          </p:cNvPr>
-          <p:cNvSpPr txBox="1"/>
-          <p:nvPr/>
-        </p:nvSpPr>
-        <p:spPr>
-          <a:xfrm>
-            <a:off x="4048125" y="2250639"/>
-            <a:ext cx="1604927" cy="461665"/>
-          </a:xfrm>
-          <a:prstGeom prst="rect">
-            <a:avLst/>
-          </a:prstGeom>
-          <a:noFill/>
-        </p:spPr>
-        <p:txBody>
-          <a:bodyPr wrap="none" rtlCol="0">
-            <a:spAutoFit/>
-          </a:bodyPr>
-          <a:lstStyle/>
-          <a:p>
-            <a:r>
-              <a:rPr lang="de-DE" sz="2400" dirty="0">
-                <a:solidFill>
-                  <a:schemeClr val="bg1"/>
-                </a:solidFill>
-              </a:rPr>
-              <a:t>Helligkeit:</a:t>
-            </a:r>
-          </a:p>
-        </p:txBody>
-      </p:sp>
-      <p:sp>
-        <p:nvSpPr>
-          <p:cNvPr id="88" name="Rectangle: Rounded Corners 87">
-            <a:extLst>
-              <a:ext uri="{FF2B5EF4-FFF2-40B4-BE49-F238E27FC236}">
-                <a16:creationId xmlns:a16="http://schemas.microsoft.com/office/drawing/2014/main" id="{6B198DEB-9A26-47DE-9E64-8B95AF19EDCD}"/>
-              </a:ext>
-            </a:extLst>
-          </p:cNvPr>
-          <p:cNvSpPr/>
-          <p:nvPr/>
-        </p:nvSpPr>
-        <p:spPr>
-          <a:xfrm>
-            <a:off x="4125774" y="2707446"/>
-            <a:ext cx="720000" cy="720000"/>
-          </a:xfrm>
-          <a:prstGeom prst="roundRect">
-            <a:avLst/>
-          </a:prstGeom>
-          <a:solidFill>
-            <a:srgbClr val="0070C0"/>
-          </a:solidFill>
-          <a:ln>
-            <a:noFill/>
-          </a:ln>
-        </p:spPr>
-        <p:style>
-          <a:lnRef idx="2">
-            <a:schemeClr val="accent1">
-              <a:shade val="50000"/>
-            </a:schemeClr>
-          </a:lnRef>
-          <a:fillRef idx="1">
-            <a:schemeClr val="accent1"/>
-          </a:fillRef>
-          <a:effectRef idx="0">
-            <a:schemeClr val="accent1"/>
-          </a:effectRef>
-          <a:fontRef idx="minor">
-            <a:schemeClr val="lt1"/>
-          </a:fontRef>
-        </p:style>
-        <p:txBody>
-          <a:bodyPr lIns="90000" rtlCol="0" anchor="ctr"/>
-          <a:lstStyle/>
-          <a:p>
-            <a:pPr algn="ctr"/>
-            <a:endParaRPr lang="de-DE" sz="3600" b="1" dirty="0"/>
-          </a:p>
-        </p:txBody>
-      </p:sp>
-      <p:sp>
-        <p:nvSpPr>
-          <p:cNvPr id="90" name="Rectangle: Rounded Corners 89">
-            <a:extLst>
-              <a:ext uri="{FF2B5EF4-FFF2-40B4-BE49-F238E27FC236}">
-                <a16:creationId xmlns:a16="http://schemas.microsoft.com/office/drawing/2014/main" id="{A2888118-3DF1-43CE-ABC4-736F212CD0D3}"/>
-              </a:ext>
-            </a:extLst>
-          </p:cNvPr>
-          <p:cNvSpPr/>
-          <p:nvPr/>
-        </p:nvSpPr>
-        <p:spPr>
-          <a:xfrm>
-            <a:off x="4902797" y="2707446"/>
-            <a:ext cx="720000" cy="720000"/>
-          </a:xfrm>
-          <a:prstGeom prst="roundRect">
-            <a:avLst/>
-          </a:prstGeom>
-          <a:solidFill>
-            <a:srgbClr val="0070C0"/>
-          </a:solidFill>
-          <a:ln>
-            <a:noFill/>
-          </a:ln>
-        </p:spPr>
-        <p:style>
-          <a:lnRef idx="2">
-            <a:schemeClr val="accent1">
-              <a:shade val="50000"/>
-            </a:schemeClr>
-          </a:lnRef>
-          <a:fillRef idx="1">
-            <a:schemeClr val="accent1"/>
-          </a:fillRef>
-          <a:effectRef idx="0">
-            <a:schemeClr val="accent1"/>
-          </a:effectRef>
-          <a:fontRef idx="minor">
-            <a:schemeClr val="lt1"/>
-          </a:fontRef>
-        </p:style>
-        <p:txBody>
-          <a:bodyPr lIns="90000" rtlCol="0" anchor="ctr"/>
-          <a:lstStyle/>
-          <a:p>
-            <a:pPr algn="ctr"/>
-            <a:endParaRPr lang="de-DE" sz="3600" b="1" dirty="0"/>
-          </a:p>
-        </p:txBody>
-      </p:sp>
-      <p:pic>
-        <p:nvPicPr>
-          <p:cNvPr id="28" name="Graphic 27">
-            <a:extLst>
-              <a:ext uri="{FF2B5EF4-FFF2-40B4-BE49-F238E27FC236}">
-                <a16:creationId xmlns:a16="http://schemas.microsoft.com/office/drawing/2014/main" id="{96CED57F-03C8-4A56-AF11-D9CAC7D0AC5E}"/>
-              </a:ext>
-            </a:extLst>
-          </p:cNvPr>
-          <p:cNvPicPr>
-            <a:picLocks noChangeAspect="1"/>
-          </p:cNvPicPr>
-          <p:nvPr/>
-        </p:nvPicPr>
-        <p:blipFill>
-          <a:blip r:embed="rId14">
-            <a:extLst>
-              <a:ext uri="{28A0092B-C50C-407E-A947-70E740481C1C}">
-                <a14:useLocalDpi xmlns:a14="http://schemas.microsoft.com/office/drawing/2010/main" val="0"/>
-              </a:ext>
-              <a:ext uri="{96DAC541-7B7A-43D3-8B79-37D633B846F1}">
-                <asvg:svgBlip xmlns:asvg="http://schemas.microsoft.com/office/drawing/2016/SVG/main" r:embed="rId15"/>
-              </a:ext>
-            </a:extLst>
-          </a:blip>
-          <a:stretch>
-            <a:fillRect/>
-          </a:stretch>
-        </p:blipFill>
-        <p:spPr>
-          <a:xfrm>
-            <a:off x="5025774" y="2802597"/>
-            <a:ext cx="472500" cy="540000"/>
-          </a:xfrm>
-          <a:prstGeom prst="rect">
-            <a:avLst/>
-          </a:prstGeom>
-        </p:spPr>
-      </p:pic>
-      <p:pic>
-        <p:nvPicPr>
-          <p:cNvPr id="30" name="Graphic 29">
-            <a:extLst>
-              <a:ext uri="{FF2B5EF4-FFF2-40B4-BE49-F238E27FC236}">
-                <a16:creationId xmlns:a16="http://schemas.microsoft.com/office/drawing/2014/main" id="{4C4DE772-F2C0-4C8D-A54D-7216972B7CFD}"/>
-              </a:ext>
-            </a:extLst>
-          </p:cNvPr>
-          <p:cNvPicPr>
-            <a:picLocks noChangeAspect="1"/>
-          </p:cNvPicPr>
-          <p:nvPr/>
-        </p:nvPicPr>
-        <p:blipFill>
-          <a:blip r:embed="rId16">
-            <a:extLst>
-              <a:ext uri="{28A0092B-C50C-407E-A947-70E740481C1C}">
-                <a14:useLocalDpi xmlns:a14="http://schemas.microsoft.com/office/drawing/2010/main" val="0"/>
-              </a:ext>
-              <a:ext uri="{96DAC541-7B7A-43D3-8B79-37D633B846F1}">
-                <asvg:svgBlip xmlns:asvg="http://schemas.microsoft.com/office/drawing/2016/SVG/main" r:embed="rId17"/>
-              </a:ext>
-            </a:extLst>
-          </a:blip>
-          <a:stretch>
-            <a:fillRect/>
-          </a:stretch>
-        </p:blipFill>
-        <p:spPr>
-          <a:xfrm>
-            <a:off x="4249524" y="2823210"/>
-            <a:ext cx="472500" cy="540000"/>
-          </a:xfrm>
-          <a:prstGeom prst="rect">
-            <a:avLst/>
-          </a:prstGeom>
-        </p:spPr>
-      </p:pic>
-      <p:sp>
-        <p:nvSpPr>
-          <p:cNvPr id="95" name="Rectangle: Rounded Corners 94">
-            <a:extLst>
-              <a:ext uri="{FF2B5EF4-FFF2-40B4-BE49-F238E27FC236}">
-                <a16:creationId xmlns:a16="http://schemas.microsoft.com/office/drawing/2014/main" id="{E6564943-8B8A-4D9A-A1AF-324A03B09225}"/>
-              </a:ext>
-            </a:extLst>
-          </p:cNvPr>
-          <p:cNvSpPr/>
-          <p:nvPr/>
-        </p:nvSpPr>
-        <p:spPr>
-          <a:xfrm>
-            <a:off x="-146821" y="3894958"/>
-            <a:ext cx="3979681" cy="720000"/>
-          </a:xfrm>
-          <a:prstGeom prst="roundRect">
-            <a:avLst/>
-          </a:prstGeom>
-          <a:solidFill>
-            <a:srgbClr val="0070C0"/>
-          </a:solidFill>
-          <a:ln>
-            <a:noFill/>
-          </a:ln>
-        </p:spPr>
-        <p:style>
-          <a:lnRef idx="2">
-            <a:schemeClr val="accent1">
-              <a:shade val="50000"/>
-            </a:schemeClr>
-          </a:lnRef>
-          <a:fillRef idx="1">
-            <a:schemeClr val="accent1"/>
-          </a:fillRef>
-          <a:effectRef idx="0">
-            <a:schemeClr val="accent1"/>
-          </a:effectRef>
-          <a:fontRef idx="minor">
-            <a:schemeClr val="lt1"/>
-          </a:fontRef>
-        </p:style>
-        <p:txBody>
-          <a:bodyPr lIns="1080000" rtlCol="0" anchor="ctr"/>
-          <a:lstStyle/>
-          <a:p>
-            <a:r>
-              <a:rPr lang="de-DE" sz="2200" dirty="0"/>
-              <a:t>Sonstiges </a:t>
-            </a:r>
-          </a:p>
-        </p:txBody>
-      </p:sp>
-      <p:sp>
-        <p:nvSpPr>
-          <p:cNvPr id="96" name="Rectangle: Rounded Corners 95">
-            <a:extLst>
-              <a:ext uri="{FF2B5EF4-FFF2-40B4-BE49-F238E27FC236}">
-                <a16:creationId xmlns:a16="http://schemas.microsoft.com/office/drawing/2014/main" id="{063B8866-8BDE-4E09-8C8A-62D154C120A0}"/>
-              </a:ext>
-            </a:extLst>
-          </p:cNvPr>
-          <p:cNvSpPr/>
-          <p:nvPr/>
-        </p:nvSpPr>
-        <p:spPr>
-          <a:xfrm>
-            <a:off x="-146821" y="2881118"/>
-            <a:ext cx="3979681" cy="720000"/>
-          </a:xfrm>
-          <a:prstGeom prst="roundRect">
-            <a:avLst/>
-          </a:prstGeom>
-          <a:solidFill>
-            <a:srgbClr val="0070C0"/>
-          </a:solidFill>
-          <a:ln>
-            <a:noFill/>
-          </a:ln>
-        </p:spPr>
-        <p:style>
-          <a:lnRef idx="2">
-            <a:schemeClr val="accent1">
-              <a:shade val="50000"/>
-            </a:schemeClr>
-          </a:lnRef>
-          <a:fillRef idx="1">
-            <a:schemeClr val="accent1"/>
-          </a:fillRef>
-          <a:effectRef idx="0">
-            <a:schemeClr val="accent1"/>
-          </a:effectRef>
-          <a:fontRef idx="minor">
-            <a:schemeClr val="lt1"/>
-          </a:fontRef>
-        </p:style>
-        <p:txBody>
-          <a:bodyPr lIns="1080000" rtlCol="0" anchor="ctr"/>
-          <a:lstStyle/>
-          <a:p>
-            <a:r>
-              <a:rPr lang="de-DE" sz="2200" dirty="0"/>
-              <a:t>Gerät &amp; Hardware</a:t>
-            </a:r>
-          </a:p>
-        </p:txBody>
-      </p:sp>
-      <p:pic>
-        <p:nvPicPr>
-          <p:cNvPr id="10" name="Graphic 9">
-            <a:extLst>
-              <a:ext uri="{FF2B5EF4-FFF2-40B4-BE49-F238E27FC236}">
-                <a16:creationId xmlns:a16="http://schemas.microsoft.com/office/drawing/2014/main" id="{2CFA6614-755B-45F8-86FD-956379708FB0}"/>
-              </a:ext>
-            </a:extLst>
-          </p:cNvPr>
-          <p:cNvPicPr>
-            <a:picLocks noChangeAspect="1"/>
-          </p:cNvPicPr>
-          <p:nvPr/>
-        </p:nvPicPr>
-        <p:blipFill>
-          <a:blip r:embed="rId18">
-            <a:extLst>
-              <a:ext uri="{28A0092B-C50C-407E-A947-70E740481C1C}">
-                <a14:useLocalDpi xmlns:a14="http://schemas.microsoft.com/office/drawing/2010/main" val="0"/>
-              </a:ext>
-              <a:ext uri="{96DAC541-7B7A-43D3-8B79-37D633B846F1}">
-                <asvg:svgBlip xmlns:asvg="http://schemas.microsoft.com/office/drawing/2016/SVG/main" r:embed="rId19"/>
-              </a:ext>
-            </a:extLst>
-          </a:blip>
-          <a:stretch>
-            <a:fillRect/>
-          </a:stretch>
-        </p:blipFill>
-        <p:spPr>
-          <a:xfrm>
-            <a:off x="174613" y="2971118"/>
-            <a:ext cx="540000" cy="540000"/>
-          </a:xfrm>
-          <a:prstGeom prst="rect">
-            <a:avLst/>
-          </a:prstGeom>
-        </p:spPr>
-      </p:pic>
-      <p:pic>
-        <p:nvPicPr>
-          <p:cNvPr id="63" name="Graphic 62">
-            <a:extLst>
-              <a:ext uri="{FF2B5EF4-FFF2-40B4-BE49-F238E27FC236}">
-                <a16:creationId xmlns:a16="http://schemas.microsoft.com/office/drawing/2014/main" id="{7A1A725A-2A6E-4E88-844E-5EDDF8067390}"/>
-              </a:ext>
-            </a:extLst>
-          </p:cNvPr>
-          <p:cNvPicPr>
-            <a:picLocks noChangeAspect="1"/>
-          </p:cNvPicPr>
-          <p:nvPr/>
-        </p:nvPicPr>
-        <p:blipFill>
-          <a:blip r:embed="rId20">
-            <a:extLst>
-              <a:ext uri="{28A0092B-C50C-407E-A947-70E740481C1C}">
-                <a14:useLocalDpi xmlns:a14="http://schemas.microsoft.com/office/drawing/2010/main" val="0"/>
-              </a:ext>
-              <a:ext uri="{96DAC541-7B7A-43D3-8B79-37D633B846F1}">
-                <asvg:svgBlip xmlns:asvg="http://schemas.microsoft.com/office/drawing/2016/SVG/main" r:embed="rId21"/>
-              </a:ext>
-            </a:extLst>
-          </a:blip>
-          <a:stretch>
-            <a:fillRect/>
-          </a:stretch>
-        </p:blipFill>
-        <p:spPr>
-          <a:xfrm>
-            <a:off x="188862" y="3989854"/>
-            <a:ext cx="472500" cy="540000"/>
-          </a:xfrm>
-          <a:prstGeom prst="rect">
-            <a:avLst/>
-          </a:prstGeom>
-        </p:spPr>
-      </p:pic>
-      <p:sp>
-        <p:nvSpPr>
-          <p:cNvPr id="36" name="Rectangle: Rounded Corners 35">
-            <a:extLst>
-              <a:ext uri="{FF2B5EF4-FFF2-40B4-BE49-F238E27FC236}">
-                <a16:creationId xmlns:a16="http://schemas.microsoft.com/office/drawing/2014/main" id="{D2B38933-967F-452D-AECC-C91862559F11}"/>
-              </a:ext>
-            </a:extLst>
-          </p:cNvPr>
-          <p:cNvSpPr/>
-          <p:nvPr/>
-        </p:nvSpPr>
-        <p:spPr>
-          <a:xfrm>
-            <a:off x="46963" y="4794250"/>
-            <a:ext cx="630000" cy="630000"/>
-          </a:xfrm>
-          <a:prstGeom prst="roundRect">
-            <a:avLst/>
-          </a:prstGeom>
-          <a:solidFill>
-            <a:schemeClr val="accent1">
-              <a:lumMod val="50000"/>
-            </a:schemeClr>
-          </a:solidFill>
-          <a:ln>
-            <a:noFill/>
-          </a:ln>
-        </p:spPr>
-        <p:style>
-          <a:lnRef idx="2">
-            <a:schemeClr val="accent1">
-              <a:shade val="50000"/>
-            </a:schemeClr>
-          </a:lnRef>
-          <a:fillRef idx="1">
-            <a:schemeClr val="accent1"/>
-          </a:fillRef>
-          <a:effectRef idx="0">
-            <a:schemeClr val="accent1"/>
-          </a:effectRef>
-          <a:fontRef idx="minor">
-            <a:schemeClr val="lt1"/>
-          </a:fontRef>
-        </p:style>
-        <p:txBody>
-          <a:bodyPr rtlCol="0" anchor="ctr"/>
-          <a:lstStyle/>
-          <a:p>
-            <a:pPr algn="ctr"/>
-            <a:endParaRPr lang="en-US" dirty="0"/>
-          </a:p>
-        </p:txBody>
-      </p:sp>
-      <p:pic>
-        <p:nvPicPr>
-          <p:cNvPr id="37" name="Graphic 36">
-            <a:extLst>
-              <a:ext uri="{FF2B5EF4-FFF2-40B4-BE49-F238E27FC236}">
-                <a16:creationId xmlns:a16="http://schemas.microsoft.com/office/drawing/2014/main" id="{97F4C156-56E2-4135-97CE-266D2AA9B500}"/>
-              </a:ext>
-            </a:extLst>
-          </p:cNvPr>
-          <p:cNvPicPr>
-            <a:picLocks noChangeAspect="1"/>
-          </p:cNvPicPr>
-          <p:nvPr/>
-        </p:nvPicPr>
-        <p:blipFill>
-          <a:blip r:embed="rId22">
-            <a:extLst>
-              <a:ext uri="{28A0092B-C50C-407E-A947-70E740481C1C}">
-                <a14:useLocalDpi xmlns:a14="http://schemas.microsoft.com/office/drawing/2010/main" val="0"/>
-              </a:ext>
-              <a:ext uri="{96DAC541-7B7A-43D3-8B79-37D633B846F1}">
-                <asvg:svgBlip xmlns:asvg="http://schemas.microsoft.com/office/drawing/2016/SVG/main" r:embed="rId23"/>
-              </a:ext>
-            </a:extLst>
-          </a:blip>
-          <a:stretch>
-            <a:fillRect/>
-          </a:stretch>
-        </p:blipFill>
-        <p:spPr>
-          <a:xfrm>
             <a:off x="165088" y="4881635"/>
             <a:ext cx="393750" cy="450000"/>
           </a:xfrm>
@@ -37781,7 +36783,7 @@
     </p:spTree>
     <p:extLst>
       <p:ext uri="{BB962C8B-B14F-4D97-AF65-F5344CB8AC3E}">
-        <p14:creationId xmlns:p14="http://schemas.microsoft.com/office/powerpoint/2010/main" val="2160118909"/>
+        <p14:creationId xmlns:p14="http://schemas.microsoft.com/office/powerpoint/2010/main" val="1805692335"/>
       </p:ext>
     </p:extLst>
   </p:cSld>
@@ -38350,6 +37352,153 @@
       </p:sp>
       <p:sp>
         <p:nvSpPr>
+          <p:cNvPr id="54" name="Rectangle: Rounded Corners 53">
+            <a:extLst>
+              <a:ext uri="{FF2B5EF4-FFF2-40B4-BE49-F238E27FC236}">
+                <a16:creationId xmlns:a16="http://schemas.microsoft.com/office/drawing/2014/main" id="{EC23ABED-4620-47B9-B28E-F9F722C0A6A0}"/>
+              </a:ext>
+            </a:extLst>
+          </p:cNvPr>
+          <p:cNvSpPr/>
+          <p:nvPr/>
+        </p:nvSpPr>
+        <p:spPr>
+          <a:xfrm>
+            <a:off x="4156799" y="4793399"/>
+            <a:ext cx="1440000" cy="630000"/>
+          </a:xfrm>
+          <a:prstGeom prst="roundRect">
+            <a:avLst/>
+          </a:prstGeom>
+          <a:solidFill>
+            <a:srgbClr val="C00000"/>
+          </a:solidFill>
+          <a:ln>
+            <a:noFill/>
+          </a:ln>
+        </p:spPr>
+        <p:style>
+          <a:lnRef idx="2">
+            <a:schemeClr val="accent1">
+              <a:shade val="50000"/>
+            </a:schemeClr>
+          </a:lnRef>
+          <a:fillRef idx="1">
+            <a:schemeClr val="accent1"/>
+          </a:fillRef>
+          <a:effectRef idx="0">
+            <a:schemeClr val="accent1"/>
+          </a:effectRef>
+          <a:fontRef idx="minor">
+            <a:schemeClr val="lt1"/>
+          </a:fontRef>
+        </p:style>
+        <p:txBody>
+          <a:bodyPr rtlCol="0" anchor="ctr"/>
+          <a:lstStyle/>
+          <a:p>
+            <a:pPr algn="ctr"/>
+            <a:r>
+              <a:rPr lang="de-DE" b="1" dirty="0"/>
+              <a:t>Unfall!</a:t>
+            </a:r>
+            <a:endParaRPr lang="en-US" b="1" dirty="0"/>
+          </a:p>
+        </p:txBody>
+      </p:sp>
+      <p:sp>
+        <p:nvSpPr>
+          <p:cNvPr id="70" name="Rectangle: Rounded Corners 69">
+            <a:extLst>
+              <a:ext uri="{FF2B5EF4-FFF2-40B4-BE49-F238E27FC236}">
+                <a16:creationId xmlns:a16="http://schemas.microsoft.com/office/drawing/2014/main" id="{80517794-0EDD-4DC3-82C6-185B6A8F0303}"/>
+              </a:ext>
+            </a:extLst>
+          </p:cNvPr>
+          <p:cNvSpPr/>
+          <p:nvPr/>
+        </p:nvSpPr>
+        <p:spPr>
+          <a:xfrm>
+            <a:off x="721963" y="4794250"/>
+            <a:ext cx="630000" cy="630000"/>
+          </a:xfrm>
+          <a:prstGeom prst="roundRect">
+            <a:avLst/>
+          </a:prstGeom>
+          <a:solidFill>
+            <a:schemeClr val="accent4"/>
+          </a:solidFill>
+          <a:ln>
+            <a:noFill/>
+          </a:ln>
+        </p:spPr>
+        <p:style>
+          <a:lnRef idx="2">
+            <a:schemeClr val="accent1">
+              <a:shade val="50000"/>
+            </a:schemeClr>
+          </a:lnRef>
+          <a:fillRef idx="1">
+            <a:schemeClr val="accent1"/>
+          </a:fillRef>
+          <a:effectRef idx="0">
+            <a:schemeClr val="accent1"/>
+          </a:effectRef>
+          <a:fontRef idx="minor">
+            <a:schemeClr val="lt1"/>
+          </a:fontRef>
+        </p:style>
+        <p:txBody>
+          <a:bodyPr rtlCol="0" anchor="ctr"/>
+          <a:lstStyle/>
+          <a:p>
+            <a:pPr algn="ctr"/>
+            <a:endParaRPr lang="en-US" dirty="0"/>
+          </a:p>
+        </p:txBody>
+      </p:sp>
+      <p:pic>
+        <p:nvPicPr>
+          <p:cNvPr id="71" name="Graphic 70">
+            <a:extLst>
+              <a:ext uri="{FF2B5EF4-FFF2-40B4-BE49-F238E27FC236}">
+                <a16:creationId xmlns:a16="http://schemas.microsoft.com/office/drawing/2014/main" id="{35627AA6-0E13-4992-9B9F-37AF8D357652}"/>
+              </a:ext>
+            </a:extLst>
+          </p:cNvPr>
+          <p:cNvPicPr>
+            <a:picLocks noChangeAspect="1"/>
+          </p:cNvPicPr>
+          <p:nvPr/>
+        </p:nvPicPr>
+        <p:blipFill>
+          <a:blip r:embed="rId2">
+            <a:extLst>
+              <a:ext uri="{28A0092B-C50C-407E-A947-70E740481C1C}">
+                <a14:useLocalDpi xmlns:a14="http://schemas.microsoft.com/office/drawing/2010/main" val="0"/>
+              </a:ext>
+              <a:ext uri="{96DAC541-7B7A-43D3-8B79-37D633B846F1}">
+                <asvg:svgBlip xmlns:asvg="http://schemas.microsoft.com/office/drawing/2016/SVG/main" r:embed="rId3"/>
+              </a:ext>
+            </a:extLst>
+          </a:blip>
+          <a:stretch>
+            <a:fillRect/>
+          </a:stretch>
+        </p:blipFill>
+        <p:spPr>
+          <a:xfrm>
+            <a:off x="840088" y="4883399"/>
+            <a:ext cx="393750" cy="450000"/>
+          </a:xfrm>
+          <a:prstGeom prst="rect">
+            <a:avLst/>
+          </a:prstGeom>
+        </p:spPr>
+      </p:pic>
+      <p:sp>
+        <p:nvSpPr>
           <p:cNvPr id="53" name="Rectangle 52">
             <a:extLst>
               <a:ext uri="{FF2B5EF4-FFF2-40B4-BE49-F238E27FC236}">
@@ -38473,13 +37622,13 @@
           <p:nvPr/>
         </p:nvPicPr>
         <p:blipFill>
-          <a:blip r:embed="rId2">
+          <a:blip r:embed="rId4">
             <a:extLst>
               <a:ext uri="{28A0092B-C50C-407E-A947-70E740481C1C}">
                 <a14:useLocalDpi xmlns:a14="http://schemas.microsoft.com/office/drawing/2010/main" val="0"/>
               </a:ext>
               <a:ext uri="{96DAC541-7B7A-43D3-8B79-37D633B846F1}">
-                <asvg:svgBlip xmlns:asvg="http://schemas.microsoft.com/office/drawing/2016/SVG/main" r:embed="rId3"/>
+                <asvg:svgBlip xmlns:asvg="http://schemas.microsoft.com/office/drawing/2016/SVG/main" r:embed="rId5"/>
               </a:ext>
             </a:extLst>
           </a:blip>
@@ -38512,13 +37661,13 @@
           <p:nvPr/>
         </p:nvPicPr>
         <p:blipFill>
-          <a:blip r:embed="rId4">
+          <a:blip r:embed="rId6">
             <a:extLst>
               <a:ext uri="{28A0092B-C50C-407E-A947-70E740481C1C}">
                 <a14:useLocalDpi xmlns:a14="http://schemas.microsoft.com/office/drawing/2010/main" val="0"/>
               </a:ext>
               <a:ext uri="{96DAC541-7B7A-43D3-8B79-37D633B846F1}">
-                <asvg:svgBlip xmlns:asvg="http://schemas.microsoft.com/office/drawing/2016/SVG/main" r:embed="rId5"/>
+                <asvg:svgBlip xmlns:asvg="http://schemas.microsoft.com/office/drawing/2016/SVG/main" r:embed="rId7"/>
               </a:ext>
             </a:extLst>
           </a:blip>
@@ -38596,7 +37745,9 @@
             <a:avLst/>
           </a:prstGeom>
           <a:solidFill>
-            <a:srgbClr val="0070C0"/>
+            <a:schemeClr val="accent5">
+              <a:lumMod val="50000"/>
+            </a:schemeClr>
           </a:solidFill>
           <a:ln>
             <a:noFill/>
@@ -38623,7 +37774,7 @@
           <a:lstStyle/>
           <a:p>
             <a:r>
-              <a:rPr lang="de-DE" sz="2200" dirty="0"/>
+              <a:rPr lang="de-DE" sz="2200" b="1" dirty="0"/>
               <a:t>Auto</a:t>
             </a:r>
           </a:p>
@@ -38704,9 +37855,7 @@
             <a:avLst/>
           </a:prstGeom>
           <a:solidFill>
-            <a:schemeClr val="accent5">
-              <a:lumMod val="50000"/>
-            </a:schemeClr>
+            <a:srgbClr val="0070C0"/>
           </a:solidFill>
           <a:ln>
             <a:noFill/>
@@ -38733,7 +37882,7 @@
           <a:lstStyle/>
           <a:p>
             <a:r>
-              <a:rPr lang="de-DE" sz="2100" b="1" dirty="0"/>
+              <a:rPr lang="de-DE" sz="2200" dirty="0"/>
               <a:t>Dunkel</a:t>
             </a:r>
           </a:p>
@@ -38754,13 +37903,13 @@
           <p:nvPr/>
         </p:nvPicPr>
         <p:blipFill>
-          <a:blip r:embed="rId6">
+          <a:blip r:embed="rId8">
             <a:extLst>
               <a:ext uri="{28A0092B-C50C-407E-A947-70E740481C1C}">
                 <a14:useLocalDpi xmlns:a14="http://schemas.microsoft.com/office/drawing/2010/main" val="0"/>
               </a:ext>
               <a:ext uri="{96DAC541-7B7A-43D3-8B79-37D633B846F1}">
-                <asvg:svgBlip xmlns:asvg="http://schemas.microsoft.com/office/drawing/2016/SVG/main" r:embed="rId7"/>
+                <asvg:svgBlip xmlns:asvg="http://schemas.microsoft.com/office/drawing/2016/SVG/main" r:embed="rId9"/>
               </a:ext>
             </a:extLst>
           </a:blip>
@@ -38793,13 +37942,13 @@
           <p:nvPr/>
         </p:nvPicPr>
         <p:blipFill>
-          <a:blip r:embed="rId8">
+          <a:blip r:embed="rId10">
             <a:extLst>
               <a:ext uri="{28A0092B-C50C-407E-A947-70E740481C1C}">
                 <a14:useLocalDpi xmlns:a14="http://schemas.microsoft.com/office/drawing/2010/main" val="0"/>
               </a:ext>
               <a:ext uri="{96DAC541-7B7A-43D3-8B79-37D633B846F1}">
-                <asvg:svgBlip xmlns:asvg="http://schemas.microsoft.com/office/drawing/2016/SVG/main" r:embed="rId9"/>
+                <asvg:svgBlip xmlns:asvg="http://schemas.microsoft.com/office/drawing/2016/SVG/main" r:embed="rId11"/>
               </a:ext>
             </a:extLst>
           </a:blip>
@@ -38832,13 +37981,13 @@
           <p:nvPr/>
         </p:nvPicPr>
         <p:blipFill>
-          <a:blip r:embed="rId10">
+          <a:blip r:embed="rId12">
             <a:extLst>
               <a:ext uri="{28A0092B-C50C-407E-A947-70E740481C1C}">
                 <a14:useLocalDpi xmlns:a14="http://schemas.microsoft.com/office/drawing/2010/main" val="0"/>
               </a:ext>
               <a:ext uri="{96DAC541-7B7A-43D3-8B79-37D633B846F1}">
-                <asvg:svgBlip xmlns:asvg="http://schemas.microsoft.com/office/drawing/2016/SVG/main" r:embed="rId11"/>
+                <asvg:svgBlip xmlns:asvg="http://schemas.microsoft.com/office/drawing/2016/SVG/main" r:embed="rId13"/>
               </a:ext>
             </a:extLst>
           </a:blip>
@@ -38871,13 +38020,13 @@
           <p:nvPr/>
         </p:nvPicPr>
         <p:blipFill>
-          <a:blip r:embed="rId8">
+          <a:blip r:embed="rId10">
             <a:extLst>
               <a:ext uri="{28A0092B-C50C-407E-A947-70E740481C1C}">
                 <a14:useLocalDpi xmlns:a14="http://schemas.microsoft.com/office/drawing/2010/main" val="0"/>
               </a:ext>
               <a:ext uri="{96DAC541-7B7A-43D3-8B79-37D633B846F1}">
-                <asvg:svgBlip xmlns:asvg="http://schemas.microsoft.com/office/drawing/2016/SVG/main" r:embed="rId9"/>
+                <asvg:svgBlip xmlns:asvg="http://schemas.microsoft.com/office/drawing/2016/SVG/main" r:embed="rId11"/>
               </a:ext>
             </a:extLst>
           </a:blip>
@@ -38916,7 +38065,9 @@
             <a:avLst/>
           </a:prstGeom>
           <a:solidFill>
-            <a:srgbClr val="0070C0"/>
+            <a:schemeClr val="accent5">
+              <a:lumMod val="50000"/>
+            </a:schemeClr>
           </a:solidFill>
           <a:ln>
             <a:noFill/>
@@ -38962,13 +38113,13 @@
           <p:nvPr/>
         </p:nvPicPr>
         <p:blipFill>
-          <a:blip r:embed="rId6">
+          <a:blip r:embed="rId8">
             <a:extLst>
               <a:ext uri="{28A0092B-C50C-407E-A947-70E740481C1C}">
                 <a14:useLocalDpi xmlns:a14="http://schemas.microsoft.com/office/drawing/2010/main" val="0"/>
               </a:ext>
               <a:ext uri="{96DAC541-7B7A-43D3-8B79-37D633B846F1}">
-                <asvg:svgBlip xmlns:asvg="http://schemas.microsoft.com/office/drawing/2016/SVG/main" r:embed="rId7"/>
+                <asvg:svgBlip xmlns:asvg="http://schemas.microsoft.com/office/drawing/2016/SVG/main" r:embed="rId9"/>
               </a:ext>
             </a:extLst>
           </a:blip>
@@ -39144,13 +38295,13 @@
           <p:nvPr/>
         </p:nvPicPr>
         <p:blipFill>
-          <a:blip r:embed="rId12">
+          <a:blip r:embed="rId14">
             <a:extLst>
               <a:ext uri="{28A0092B-C50C-407E-A947-70E740481C1C}">
                 <a14:useLocalDpi xmlns:a14="http://schemas.microsoft.com/office/drawing/2010/main" val="0"/>
               </a:ext>
               <a:ext uri="{96DAC541-7B7A-43D3-8B79-37D633B846F1}">
-                <asvg:svgBlip xmlns:asvg="http://schemas.microsoft.com/office/drawing/2016/SVG/main" r:embed="rId13"/>
+                <asvg:svgBlip xmlns:asvg="http://schemas.microsoft.com/office/drawing/2016/SVG/main" r:embed="rId15"/>
               </a:ext>
             </a:extLst>
           </a:blip>
@@ -39183,13 +38334,13 @@
           <p:nvPr/>
         </p:nvPicPr>
         <p:blipFill>
-          <a:blip r:embed="rId14">
+          <a:blip r:embed="rId16">
             <a:extLst>
               <a:ext uri="{28A0092B-C50C-407E-A947-70E740481C1C}">
                 <a14:useLocalDpi xmlns:a14="http://schemas.microsoft.com/office/drawing/2010/main" val="0"/>
               </a:ext>
               <a:ext uri="{96DAC541-7B7A-43D3-8B79-37D633B846F1}">
-                <asvg:svgBlip xmlns:asvg="http://schemas.microsoft.com/office/drawing/2016/SVG/main" r:embed="rId15"/>
+                <asvg:svgBlip xmlns:asvg="http://schemas.microsoft.com/office/drawing/2016/SVG/main" r:embed="rId17"/>
               </a:ext>
             </a:extLst>
           </a:blip>
@@ -39209,10 +38360,10 @@
       </p:pic>
       <p:sp>
         <p:nvSpPr>
-          <p:cNvPr id="35" name="Rectangle: Rounded Corners 34">
-            <a:extLst>
-              <a:ext uri="{FF2B5EF4-FFF2-40B4-BE49-F238E27FC236}">
-                <a16:creationId xmlns:a16="http://schemas.microsoft.com/office/drawing/2014/main" id="{45C2E274-0382-4BEB-BA7D-430AFBD91753}"/>
+          <p:cNvPr id="95" name="Rectangle: Rounded Corners 94">
+            <a:extLst>
+              <a:ext uri="{FF2B5EF4-FFF2-40B4-BE49-F238E27FC236}">
+                <a16:creationId xmlns:a16="http://schemas.microsoft.com/office/drawing/2014/main" id="{E6564943-8B8A-4D9A-A1AF-324A03B09225}"/>
               </a:ext>
             </a:extLst>
           </p:cNvPr>
@@ -39263,10 +38414,10 @@
       </p:sp>
       <p:sp>
         <p:nvSpPr>
-          <p:cNvPr id="36" name="Rectangle: Rounded Corners 35">
-            <a:extLst>
-              <a:ext uri="{FF2B5EF4-FFF2-40B4-BE49-F238E27FC236}">
-                <a16:creationId xmlns:a16="http://schemas.microsoft.com/office/drawing/2014/main" id="{3522776A-74F4-4994-BBD0-F6E6B3C40CA1}"/>
+          <p:cNvPr id="96" name="Rectangle: Rounded Corners 95">
+            <a:extLst>
+              <a:ext uri="{FF2B5EF4-FFF2-40B4-BE49-F238E27FC236}">
+                <a16:creationId xmlns:a16="http://schemas.microsoft.com/office/drawing/2014/main" id="{063B8866-8BDE-4E09-8C8A-62D154C120A0}"/>
               </a:ext>
             </a:extLst>
           </p:cNvPr>
@@ -39330,13 +38481,13 @@
           <p:nvPr/>
         </p:nvPicPr>
         <p:blipFill>
-          <a:blip r:embed="rId16">
+          <a:blip r:embed="rId18">
             <a:extLst>
               <a:ext uri="{28A0092B-C50C-407E-A947-70E740481C1C}">
                 <a14:useLocalDpi xmlns:a14="http://schemas.microsoft.com/office/drawing/2010/main" val="0"/>
               </a:ext>
               <a:ext uri="{96DAC541-7B7A-43D3-8B79-37D633B846F1}">
-                <asvg:svgBlip xmlns:asvg="http://schemas.microsoft.com/office/drawing/2016/SVG/main" r:embed="rId17"/>
+                <asvg:svgBlip xmlns:asvg="http://schemas.microsoft.com/office/drawing/2016/SVG/main" r:embed="rId19"/>
               </a:ext>
             </a:extLst>
           </a:blip>
@@ -39369,13 +38520,13 @@
           <p:nvPr/>
         </p:nvPicPr>
         <p:blipFill>
-          <a:blip r:embed="rId18">
+          <a:blip r:embed="rId20">
             <a:extLst>
               <a:ext uri="{28A0092B-C50C-407E-A947-70E740481C1C}">
                 <a14:useLocalDpi xmlns:a14="http://schemas.microsoft.com/office/drawing/2010/main" val="0"/>
               </a:ext>
               <a:ext uri="{96DAC541-7B7A-43D3-8B79-37D633B846F1}">
-                <asvg:svgBlip xmlns:asvg="http://schemas.microsoft.com/office/drawing/2016/SVG/main" r:embed="rId19"/>
+                <asvg:svgBlip xmlns:asvg="http://schemas.microsoft.com/office/drawing/2016/SVG/main" r:embed="rId21"/>
               </a:ext>
             </a:extLst>
           </a:blip>
@@ -39395,10 +38546,10 @@
       </p:pic>
       <p:sp>
         <p:nvSpPr>
-          <p:cNvPr id="37" name="Rectangle: Rounded Corners 36">
-            <a:extLst>
-              <a:ext uri="{FF2B5EF4-FFF2-40B4-BE49-F238E27FC236}">
-                <a16:creationId xmlns:a16="http://schemas.microsoft.com/office/drawing/2014/main" id="{DC3A9607-BC58-4C1D-9EBD-73D233285B24}"/>
+          <p:cNvPr id="36" name="Rectangle: Rounded Corners 35">
+            <a:extLst>
+              <a:ext uri="{FF2B5EF4-FFF2-40B4-BE49-F238E27FC236}">
+                <a16:creationId xmlns:a16="http://schemas.microsoft.com/office/drawing/2014/main" id="{D2B38933-967F-452D-AECC-C91862559F11}"/>
               </a:ext>
             </a:extLst>
           </p:cNvPr>
@@ -39407,14 +38558,16 @@
         </p:nvSpPr>
         <p:spPr>
           <a:xfrm>
-            <a:off x="4156799" y="4793399"/>
-            <a:ext cx="1440000" cy="630000"/>
+            <a:off x="46963" y="4794250"/>
+            <a:ext cx="630000" cy="630000"/>
           </a:xfrm>
           <a:prstGeom prst="roundRect">
             <a:avLst/>
           </a:prstGeom>
           <a:solidFill>
-            <a:srgbClr val="C00000"/>
+            <a:schemeClr val="accent1">
+              <a:lumMod val="50000"/>
+            </a:schemeClr>
           </a:solidFill>
           <a:ln>
             <a:noFill/>
@@ -39441,72 +38594,16 @@
           <a:lstStyle/>
           <a:p>
             <a:pPr algn="ctr"/>
-            <a:r>
-              <a:rPr lang="de-DE" b="1" dirty="0"/>
-              <a:t>Unfall!</a:t>
-            </a:r>
-            <a:endParaRPr lang="en-US" b="1" dirty="0"/>
-          </a:p>
-        </p:txBody>
-      </p:sp>
-      <p:sp>
-        <p:nvSpPr>
-          <p:cNvPr id="38" name="Rectangle: Rounded Corners 37">
-            <a:extLst>
-              <a:ext uri="{FF2B5EF4-FFF2-40B4-BE49-F238E27FC236}">
-                <a16:creationId xmlns:a16="http://schemas.microsoft.com/office/drawing/2014/main" id="{DB08F989-2316-4A68-8917-8F60E35C2FC7}"/>
-              </a:ext>
-            </a:extLst>
-          </p:cNvPr>
-          <p:cNvSpPr/>
-          <p:nvPr/>
-        </p:nvSpPr>
-        <p:spPr>
-          <a:xfrm>
-            <a:off x="721963" y="4794250"/>
-            <a:ext cx="630000" cy="630000"/>
-          </a:xfrm>
-          <a:prstGeom prst="roundRect">
-            <a:avLst/>
-          </a:prstGeom>
-          <a:solidFill>
-            <a:schemeClr val="accent4"/>
-          </a:solidFill>
-          <a:ln>
-            <a:noFill/>
-          </a:ln>
-        </p:spPr>
-        <p:style>
-          <a:lnRef idx="2">
-            <a:schemeClr val="accent1">
-              <a:shade val="50000"/>
-            </a:schemeClr>
-          </a:lnRef>
-          <a:fillRef idx="1">
-            <a:schemeClr val="accent1"/>
-          </a:fillRef>
-          <a:effectRef idx="0">
-            <a:schemeClr val="accent1"/>
-          </a:effectRef>
-          <a:fontRef idx="minor">
-            <a:schemeClr val="lt1"/>
-          </a:fontRef>
-        </p:style>
-        <p:txBody>
-          <a:bodyPr rtlCol="0" anchor="ctr"/>
-          <a:lstStyle/>
-          <a:p>
-            <a:pPr algn="ctr"/>
             <a:endParaRPr lang="en-US" dirty="0"/>
           </a:p>
         </p:txBody>
       </p:sp>
       <p:pic>
         <p:nvPicPr>
-          <p:cNvPr id="39" name="Graphic 38">
-            <a:extLst>
-              <a:ext uri="{FF2B5EF4-FFF2-40B4-BE49-F238E27FC236}">
-                <a16:creationId xmlns:a16="http://schemas.microsoft.com/office/drawing/2014/main" id="{854BB5D1-07D4-44EB-8DBB-E1497D32C8D9}"/>
+          <p:cNvPr id="37" name="Graphic 36">
+            <a:extLst>
+              <a:ext uri="{FF2B5EF4-FFF2-40B4-BE49-F238E27FC236}">
+                <a16:creationId xmlns:a16="http://schemas.microsoft.com/office/drawing/2014/main" id="{97F4C156-56E2-4135-97CE-266D2AA9B500}"/>
               </a:ext>
             </a:extLst>
           </p:cNvPr>
@@ -39516,13 +38613,13 @@
           <p:nvPr/>
         </p:nvPicPr>
         <p:blipFill>
-          <a:blip r:embed="rId20">
+          <a:blip r:embed="rId22">
             <a:extLst>
               <a:ext uri="{28A0092B-C50C-407E-A947-70E740481C1C}">
                 <a14:useLocalDpi xmlns:a14="http://schemas.microsoft.com/office/drawing/2010/main" val="0"/>
               </a:ext>
               <a:ext uri="{96DAC541-7B7A-43D3-8B79-37D633B846F1}">
-                <asvg:svgBlip xmlns:asvg="http://schemas.microsoft.com/office/drawing/2016/SVG/main" r:embed="rId21"/>
+                <asvg:svgBlip xmlns:asvg="http://schemas.microsoft.com/office/drawing/2016/SVG/main" r:embed="rId23"/>
               </a:ext>
             </a:extLst>
           </a:blip>
@@ -39532,99 +38629,6 @@
         </p:blipFill>
         <p:spPr>
           <a:xfrm>
-            <a:off x="840088" y="4883399"/>
-            <a:ext cx="393750" cy="450000"/>
-          </a:xfrm>
-          <a:prstGeom prst="rect">
-            <a:avLst/>
-          </a:prstGeom>
-        </p:spPr>
-      </p:pic>
-      <p:sp>
-        <p:nvSpPr>
-          <p:cNvPr id="40" name="Rectangle: Rounded Corners 39">
-            <a:extLst>
-              <a:ext uri="{FF2B5EF4-FFF2-40B4-BE49-F238E27FC236}">
-                <a16:creationId xmlns:a16="http://schemas.microsoft.com/office/drawing/2014/main" id="{DFC56BEA-BBFB-4C89-BE8B-00DB189046B0}"/>
-              </a:ext>
-            </a:extLst>
-          </p:cNvPr>
-          <p:cNvSpPr/>
-          <p:nvPr/>
-        </p:nvSpPr>
-        <p:spPr>
-          <a:xfrm>
-            <a:off x="46963" y="4794250"/>
-            <a:ext cx="630000" cy="630000"/>
-          </a:xfrm>
-          <a:prstGeom prst="roundRect">
-            <a:avLst/>
-          </a:prstGeom>
-          <a:solidFill>
-            <a:schemeClr val="accent1">
-              <a:lumMod val="50000"/>
-            </a:schemeClr>
-          </a:solidFill>
-          <a:ln>
-            <a:noFill/>
-          </a:ln>
-        </p:spPr>
-        <p:style>
-          <a:lnRef idx="2">
-            <a:schemeClr val="accent1">
-              <a:shade val="50000"/>
-            </a:schemeClr>
-          </a:lnRef>
-          <a:fillRef idx="1">
-            <a:schemeClr val="accent1"/>
-          </a:fillRef>
-          <a:effectRef idx="0">
-            <a:schemeClr val="accent1"/>
-          </a:effectRef>
-          <a:fontRef idx="minor">
-            <a:schemeClr val="lt1"/>
-          </a:fontRef>
-        </p:style>
-        <p:txBody>
-          <a:bodyPr rtlCol="0" anchor="ctr"/>
-          <a:lstStyle/>
-          <a:p>
-            <a:pPr algn="ctr"/>
-            <a:endParaRPr lang="en-US" dirty="0"/>
-          </a:p>
-        </p:txBody>
-      </p:sp>
-      <p:pic>
-        <p:nvPicPr>
-          <p:cNvPr id="41" name="Graphic 40">
-            <a:extLst>
-              <a:ext uri="{FF2B5EF4-FFF2-40B4-BE49-F238E27FC236}">
-                <a16:creationId xmlns:a16="http://schemas.microsoft.com/office/drawing/2014/main" id="{0C0ACFB8-433D-4711-9CAF-57220B955961}"/>
-              </a:ext>
-            </a:extLst>
-          </p:cNvPr>
-          <p:cNvPicPr>
-            <a:picLocks noChangeAspect="1"/>
-          </p:cNvPicPr>
-          <p:nvPr/>
-        </p:nvPicPr>
-        <p:blipFill>
-          <a:blip r:embed="rId22">
-            <a:extLst>
-              <a:ext uri="{28A0092B-C50C-407E-A947-70E740481C1C}">
-                <a14:useLocalDpi xmlns:a14="http://schemas.microsoft.com/office/drawing/2010/main" val="0"/>
-              </a:ext>
-              <a:ext uri="{96DAC541-7B7A-43D3-8B79-37D633B846F1}">
-                <asvg:svgBlip xmlns:asvg="http://schemas.microsoft.com/office/drawing/2016/SVG/main" r:embed="rId23"/>
-              </a:ext>
-            </a:extLst>
-          </a:blip>
-          <a:stretch>
-            <a:fillRect/>
-          </a:stretch>
-        </p:blipFill>
-        <p:spPr>
-          <a:xfrm>
             <a:off x="165088" y="4881635"/>
             <a:ext cx="393750" cy="450000"/>
           </a:xfrm>
@@ -39636,7 +38640,7 @@
     </p:spTree>
     <p:extLst>
       <p:ext uri="{BB962C8B-B14F-4D97-AF65-F5344CB8AC3E}">
-        <p14:creationId xmlns:p14="http://schemas.microsoft.com/office/powerpoint/2010/main" val="4289275446"/>
+        <p14:creationId xmlns:p14="http://schemas.microsoft.com/office/powerpoint/2010/main" val="2160118909"/>
       </p:ext>
     </p:extLst>
   </p:cSld>
@@ -39942,7 +38946,7 @@
       </p:sp>
       <p:sp>
         <p:nvSpPr>
-          <p:cNvPr id="53" name="Rectangle: Rounded Corners 52">
+          <p:cNvPr id="53" name="Rectangle 52">
             <a:extLst>
               <a:ext uri="{FF2B5EF4-FFF2-40B4-BE49-F238E27FC236}">
                 <a16:creationId xmlns:a16="http://schemas.microsoft.com/office/drawing/2014/main" id="{7283464F-F4FE-4EFD-B1B4-EE25B4D9B151}"/>
@@ -39955,7 +38959,63 @@
         <p:spPr>
           <a:xfrm>
             <a:off x="-146820" y="853440"/>
-            <a:ext cx="3979680" cy="720000"/>
+            <a:ext cx="4194946" cy="720000"/>
+          </a:xfrm>
+          <a:prstGeom prst="rect">
+            <a:avLst/>
+          </a:prstGeom>
+          <a:solidFill>
+            <a:schemeClr val="accent5">
+              <a:lumMod val="50000"/>
+            </a:schemeClr>
+          </a:solidFill>
+          <a:ln>
+            <a:noFill/>
+          </a:ln>
+        </p:spPr>
+        <p:style>
+          <a:lnRef idx="2">
+            <a:schemeClr val="accent1">
+              <a:shade val="50000"/>
+            </a:schemeClr>
+          </a:lnRef>
+          <a:fillRef idx="1">
+            <a:schemeClr val="accent1"/>
+          </a:fillRef>
+          <a:effectRef idx="0">
+            <a:schemeClr val="accent1"/>
+          </a:effectRef>
+          <a:fontRef idx="minor">
+            <a:schemeClr val="lt1"/>
+          </a:fontRef>
+        </p:style>
+        <p:txBody>
+          <a:bodyPr lIns="1080000" rtlCol="0" anchor="ctr"/>
+          <a:lstStyle/>
+          <a:p>
+            <a:r>
+              <a:rPr lang="de-DE" sz="2200" b="1" dirty="0"/>
+              <a:t>Display &amp; Darstellung</a:t>
+            </a:r>
+          </a:p>
+        </p:txBody>
+      </p:sp>
+      <p:sp>
+        <p:nvSpPr>
+          <p:cNvPr id="56" name="Rectangle: Rounded Corners 55">
+            <a:extLst>
+              <a:ext uri="{FF2B5EF4-FFF2-40B4-BE49-F238E27FC236}">
+                <a16:creationId xmlns:a16="http://schemas.microsoft.com/office/drawing/2014/main" id="{31602AAF-0902-4714-A7A4-9ECAC9F0E1EB}"/>
+              </a:ext>
+            </a:extLst>
+          </p:cNvPr>
+          <p:cNvSpPr/>
+          <p:nvPr/>
+        </p:nvSpPr>
+        <p:spPr>
+          <a:xfrm>
+            <a:off x="-146821" y="1867279"/>
+            <a:ext cx="3979681" cy="720000"/>
           </a:xfrm>
           <a:prstGeom prst="roundRect">
             <a:avLst/>
@@ -39989,73 +39049,134 @@
           <a:p>
             <a:r>
               <a:rPr lang="de-DE" sz="2200" dirty="0"/>
-              <a:t>Display &amp; Darstellung</a:t>
-            </a:r>
-          </a:p>
-        </p:txBody>
-      </p:sp>
-      <p:sp>
-        <p:nvSpPr>
-          <p:cNvPr id="56" name="Rectangle 55">
-            <a:extLst>
-              <a:ext uri="{FF2B5EF4-FFF2-40B4-BE49-F238E27FC236}">
-                <a16:creationId xmlns:a16="http://schemas.microsoft.com/office/drawing/2014/main" id="{31602AAF-0902-4714-A7A4-9ECAC9F0E1EB}"/>
-              </a:ext>
-            </a:extLst>
-          </p:cNvPr>
-          <p:cNvSpPr/>
-          <p:nvPr/>
-        </p:nvSpPr>
-        <p:spPr>
-          <a:xfrm>
-            <a:off x="-146821" y="1867279"/>
-            <a:ext cx="4194946" cy="720000"/>
-          </a:xfrm>
-          <a:prstGeom prst="rect">
-            <a:avLst/>
-          </a:prstGeom>
-          <a:solidFill>
-            <a:schemeClr val="accent5">
-              <a:lumMod val="50000"/>
-            </a:schemeClr>
-          </a:solidFill>
-          <a:ln>
-            <a:noFill/>
-          </a:ln>
-        </p:spPr>
-        <p:style>
-          <a:lnRef idx="2">
-            <a:schemeClr val="accent1">
-              <a:shade val="50000"/>
-            </a:schemeClr>
-          </a:lnRef>
-          <a:fillRef idx="1">
-            <a:schemeClr val="accent1"/>
-          </a:fillRef>
-          <a:effectRef idx="0">
-            <a:schemeClr val="accent1"/>
-          </a:effectRef>
-          <a:fontRef idx="minor">
-            <a:schemeClr val="lt1"/>
-          </a:fontRef>
-        </p:style>
-        <p:txBody>
-          <a:bodyPr lIns="1080000" rtlCol="0" anchor="ctr"/>
-          <a:lstStyle/>
-          <a:p>
-            <a:r>
-              <a:rPr lang="de-DE" sz="2200" b="1" dirty="0"/>
               <a:t>Beschilderung &amp; Fahrgastinformation</a:t>
             </a:r>
           </a:p>
         </p:txBody>
       </p:sp>
-      <p:sp>
-        <p:nvSpPr>
-          <p:cNvPr id="58" name="Rectangle: Rounded Corners 57">
-            <a:extLst>
-              <a:ext uri="{FF2B5EF4-FFF2-40B4-BE49-F238E27FC236}">
-                <a16:creationId xmlns:a16="http://schemas.microsoft.com/office/drawing/2014/main" id="{A5D17050-732E-46A2-81E9-D669F4260099}"/>
+      <p:pic>
+        <p:nvPicPr>
+          <p:cNvPr id="3" name="Graphic 2">
+            <a:extLst>
+              <a:ext uri="{FF2B5EF4-FFF2-40B4-BE49-F238E27FC236}">
+                <a16:creationId xmlns:a16="http://schemas.microsoft.com/office/drawing/2014/main" id="{58FB5B8B-DA92-4BC4-B935-FF37529B0CBC}"/>
+              </a:ext>
+            </a:extLst>
+          </p:cNvPr>
+          <p:cNvPicPr>
+            <a:picLocks noChangeAspect="1"/>
+          </p:cNvPicPr>
+          <p:nvPr/>
+        </p:nvPicPr>
+        <p:blipFill>
+          <a:blip r:embed="rId2">
+            <a:extLst>
+              <a:ext uri="{28A0092B-C50C-407E-A947-70E740481C1C}">
+                <a14:useLocalDpi xmlns:a14="http://schemas.microsoft.com/office/drawing/2010/main" val="0"/>
+              </a:ext>
+              <a:ext uri="{96DAC541-7B7A-43D3-8B79-37D633B846F1}">
+                <asvg:svgBlip xmlns:asvg="http://schemas.microsoft.com/office/drawing/2016/SVG/main" r:embed="rId3"/>
+              </a:ext>
+            </a:extLst>
+          </a:blip>
+          <a:stretch>
+            <a:fillRect/>
+          </a:stretch>
+        </p:blipFill>
+        <p:spPr>
+          <a:xfrm>
+            <a:off x="165088" y="946468"/>
+            <a:ext cx="607500" cy="540000"/>
+          </a:xfrm>
+          <a:prstGeom prst="rect">
+            <a:avLst/>
+          </a:prstGeom>
+        </p:spPr>
+      </p:pic>
+      <p:pic>
+        <p:nvPicPr>
+          <p:cNvPr id="8" name="Graphic 7">
+            <a:extLst>
+              <a:ext uri="{FF2B5EF4-FFF2-40B4-BE49-F238E27FC236}">
+                <a16:creationId xmlns:a16="http://schemas.microsoft.com/office/drawing/2014/main" id="{33E007EB-FAE5-494F-AB95-FFA15FCB2CE3}"/>
+              </a:ext>
+            </a:extLst>
+          </p:cNvPr>
+          <p:cNvPicPr>
+            <a:picLocks noChangeAspect="1"/>
+          </p:cNvPicPr>
+          <p:nvPr/>
+        </p:nvPicPr>
+        <p:blipFill>
+          <a:blip r:embed="rId4">
+            <a:extLst>
+              <a:ext uri="{28A0092B-C50C-407E-A947-70E740481C1C}">
+                <a14:useLocalDpi xmlns:a14="http://schemas.microsoft.com/office/drawing/2010/main" val="0"/>
+              </a:ext>
+              <a:ext uri="{96DAC541-7B7A-43D3-8B79-37D633B846F1}">
+                <asvg:svgBlip xmlns:asvg="http://schemas.microsoft.com/office/drawing/2016/SVG/main" r:embed="rId5"/>
+              </a:ext>
+            </a:extLst>
+          </a:blip>
+          <a:stretch>
+            <a:fillRect/>
+          </a:stretch>
+        </p:blipFill>
+        <p:spPr>
+          <a:xfrm>
+            <a:off x="204990" y="1957279"/>
+            <a:ext cx="540000" cy="540000"/>
+          </a:xfrm>
+          <a:prstGeom prst="rect">
+            <a:avLst/>
+          </a:prstGeom>
+        </p:spPr>
+      </p:pic>
+      <p:sp>
+        <p:nvSpPr>
+          <p:cNvPr id="11" name="TextBox 10">
+            <a:extLst>
+              <a:ext uri="{FF2B5EF4-FFF2-40B4-BE49-F238E27FC236}">
+                <a16:creationId xmlns:a16="http://schemas.microsoft.com/office/drawing/2014/main" id="{C0EB78E4-F842-42D0-87F4-D7877C4F1342}"/>
+              </a:ext>
+            </a:extLst>
+          </p:cNvPr>
+          <p:cNvSpPr txBox="1"/>
+          <p:nvPr/>
+        </p:nvSpPr>
+        <p:spPr>
+          <a:xfrm>
+            <a:off x="4048125" y="761802"/>
+            <a:ext cx="1205779" cy="461665"/>
+          </a:xfrm>
+          <a:prstGeom prst="rect">
+            <a:avLst/>
+          </a:prstGeom>
+          <a:noFill/>
+        </p:spPr>
+        <p:txBody>
+          <a:bodyPr wrap="none" rtlCol="0">
+            <a:spAutoFit/>
+          </a:bodyPr>
+          <a:lstStyle/>
+          <a:p>
+            <a:r>
+              <a:rPr lang="de-DE" sz="2400" dirty="0">
+                <a:solidFill>
+                  <a:schemeClr val="bg1"/>
+                </a:solidFill>
+              </a:rPr>
+              <a:t>Thema:</a:t>
+            </a:r>
+          </a:p>
+        </p:txBody>
+      </p:sp>
+      <p:sp>
+        <p:nvSpPr>
+          <p:cNvPr id="72" name="Rectangle: Rounded Corners 71">
+            <a:extLst>
+              <a:ext uri="{FF2B5EF4-FFF2-40B4-BE49-F238E27FC236}">
+                <a16:creationId xmlns:a16="http://schemas.microsoft.com/office/drawing/2014/main" id="{24CEB630-94F2-40B6-8820-21CF912FA302}"/>
               </a:ext>
             </a:extLst>
           </p:cNvPr>
@@ -40064,8 +39185,8 @@
         </p:nvSpPr>
         <p:spPr>
           <a:xfrm>
-            <a:off x="-146821" y="3894958"/>
-            <a:ext cx="3979681" cy="720000"/>
+            <a:off x="4125774" y="1209959"/>
+            <a:ext cx="1800000" cy="720000"/>
           </a:xfrm>
           <a:prstGeom prst="roundRect">
             <a:avLst/>
@@ -40094,22 +39215,22 @@
           </a:fontRef>
         </p:style>
         <p:txBody>
-          <a:bodyPr lIns="1080000" rtlCol="0" anchor="ctr"/>
+          <a:bodyPr lIns="720000" rtlCol="0" anchor="ctr"/>
           <a:lstStyle/>
           <a:p>
             <a:r>
               <a:rPr lang="de-DE" sz="2200" dirty="0"/>
-              <a:t>Sonstiges </a:t>
+              <a:t>Auto</a:t>
             </a:r>
           </a:p>
         </p:txBody>
       </p:sp>
       <p:sp>
         <p:nvSpPr>
-          <p:cNvPr id="59" name="Rectangle: Rounded Corners 58">
-            <a:extLst>
-              <a:ext uri="{FF2B5EF4-FFF2-40B4-BE49-F238E27FC236}">
-                <a16:creationId xmlns:a16="http://schemas.microsoft.com/office/drawing/2014/main" id="{8E387CF4-D6C5-4EB3-B94F-029025483D3B}"/>
+          <p:cNvPr id="74" name="Rectangle: Rounded Corners 73">
+            <a:extLst>
+              <a:ext uri="{FF2B5EF4-FFF2-40B4-BE49-F238E27FC236}">
+                <a16:creationId xmlns:a16="http://schemas.microsoft.com/office/drawing/2014/main" id="{BA0AD757-ACD1-4DC6-A598-FAAF939EA45B}"/>
               </a:ext>
             </a:extLst>
           </p:cNvPr>
@@ -40118,8 +39239,8 @@
         </p:nvSpPr>
         <p:spPr>
           <a:xfrm>
-            <a:off x="-146821" y="2881118"/>
-            <a:ext cx="3979681" cy="720000"/>
+            <a:off x="6008318" y="1209959"/>
+            <a:ext cx="1800000" cy="720000"/>
           </a:xfrm>
           <a:prstGeom prst="roundRect">
             <a:avLst/>
@@ -40148,22 +39269,78 @@
           </a:fontRef>
         </p:style>
         <p:txBody>
-          <a:bodyPr lIns="1080000" rtlCol="0" anchor="ctr"/>
+          <a:bodyPr lIns="720000" rtlCol="0" anchor="ctr"/>
           <a:lstStyle/>
           <a:p>
             <a:r>
               <a:rPr lang="de-DE" sz="2200" dirty="0"/>
-              <a:t>Gerät &amp; Hardware</a:t>
+              <a:t>Hell</a:t>
+            </a:r>
+          </a:p>
+        </p:txBody>
+      </p:sp>
+      <p:sp>
+        <p:nvSpPr>
+          <p:cNvPr id="76" name="Rectangle: Rounded Corners 75">
+            <a:extLst>
+              <a:ext uri="{FF2B5EF4-FFF2-40B4-BE49-F238E27FC236}">
+                <a16:creationId xmlns:a16="http://schemas.microsoft.com/office/drawing/2014/main" id="{4AA9AE57-6685-4548-8912-687D77AA4FCA}"/>
+              </a:ext>
+            </a:extLst>
+          </p:cNvPr>
+          <p:cNvSpPr/>
+          <p:nvPr/>
+        </p:nvSpPr>
+        <p:spPr>
+          <a:xfrm>
+            <a:off x="7890863" y="1209959"/>
+            <a:ext cx="1800000" cy="720000"/>
+          </a:xfrm>
+          <a:prstGeom prst="roundRect">
+            <a:avLst/>
+          </a:prstGeom>
+          <a:solidFill>
+            <a:schemeClr val="accent5">
+              <a:lumMod val="50000"/>
+            </a:schemeClr>
+          </a:solidFill>
+          <a:ln>
+            <a:noFill/>
+          </a:ln>
+        </p:spPr>
+        <p:style>
+          <a:lnRef idx="2">
+            <a:schemeClr val="accent1">
+              <a:shade val="50000"/>
+            </a:schemeClr>
+          </a:lnRef>
+          <a:fillRef idx="1">
+            <a:schemeClr val="accent1"/>
+          </a:fillRef>
+          <a:effectRef idx="0">
+            <a:schemeClr val="accent1"/>
+          </a:effectRef>
+          <a:fontRef idx="minor">
+            <a:schemeClr val="lt1"/>
+          </a:fontRef>
+        </p:style>
+        <p:txBody>
+          <a:bodyPr lIns="720000" rtlCol="0" anchor="ctr"/>
+          <a:lstStyle/>
+          <a:p>
+            <a:r>
+              <a:rPr lang="de-DE" sz="2100" b="1" dirty="0"/>
+              <a:t>Dunkel</a:t>
             </a:r>
           </a:p>
         </p:txBody>
       </p:sp>
       <p:pic>
         <p:nvPicPr>
-          <p:cNvPr id="3" name="Graphic 2">
-            <a:extLst>
-              <a:ext uri="{FF2B5EF4-FFF2-40B4-BE49-F238E27FC236}">
-                <a16:creationId xmlns:a16="http://schemas.microsoft.com/office/drawing/2014/main" id="{58FB5B8B-DA92-4BC4-B935-FF37529B0CBC}"/>
+          <p:cNvPr id="16" name="Graphic 15">
+            <a:extLst>
+              <a:ext uri="{FF2B5EF4-FFF2-40B4-BE49-F238E27FC236}">
+                <a16:creationId xmlns:a16="http://schemas.microsoft.com/office/drawing/2014/main" id="{384FA91C-A6AC-41BA-9F43-8389DE0FE308}"/>
               </a:ext>
             </a:extLst>
           </p:cNvPr>
@@ -40173,13 +39350,13 @@
           <p:nvPr/>
         </p:nvPicPr>
         <p:blipFill>
-          <a:blip r:embed="rId2">
+          <a:blip r:embed="rId6">
             <a:extLst>
               <a:ext uri="{28A0092B-C50C-407E-A947-70E740481C1C}">
                 <a14:useLocalDpi xmlns:a14="http://schemas.microsoft.com/office/drawing/2010/main" val="0"/>
               </a:ext>
               <a:ext uri="{96DAC541-7B7A-43D3-8B79-37D633B846F1}">
-                <asvg:svgBlip xmlns:asvg="http://schemas.microsoft.com/office/drawing/2016/SVG/main" r:embed="rId3"/>
+                <asvg:svgBlip xmlns:asvg="http://schemas.microsoft.com/office/drawing/2016/SVG/main" r:embed="rId7"/>
               </a:ext>
             </a:extLst>
           </a:blip>
@@ -40189,8 +39366,8 @@
         </p:blipFill>
         <p:spPr>
           <a:xfrm>
-            <a:off x="165088" y="946468"/>
-            <a:ext cx="607500" cy="540000"/>
+            <a:off x="6160139" y="1299959"/>
+            <a:ext cx="540000" cy="540000"/>
           </a:xfrm>
           <a:prstGeom prst="rect">
             <a:avLst/>
@@ -40199,10 +39376,10 @@
       </p:pic>
       <p:pic>
         <p:nvPicPr>
-          <p:cNvPr id="8" name="Graphic 7">
-            <a:extLst>
-              <a:ext uri="{FF2B5EF4-FFF2-40B4-BE49-F238E27FC236}">
-                <a16:creationId xmlns:a16="http://schemas.microsoft.com/office/drawing/2014/main" id="{33E007EB-FAE5-494F-AB95-FFA15FCB2CE3}"/>
+          <p:cNvPr id="18" name="Graphic 17">
+            <a:extLst>
+              <a:ext uri="{FF2B5EF4-FFF2-40B4-BE49-F238E27FC236}">
+                <a16:creationId xmlns:a16="http://schemas.microsoft.com/office/drawing/2014/main" id="{294B16DB-9E64-459B-BD9F-326EED0EE1A8}"/>
               </a:ext>
             </a:extLst>
           </p:cNvPr>
@@ -40212,13 +39389,13 @@
           <p:nvPr/>
         </p:nvPicPr>
         <p:blipFill>
-          <a:blip r:embed="rId4">
+          <a:blip r:embed="rId8">
             <a:extLst>
               <a:ext uri="{28A0092B-C50C-407E-A947-70E740481C1C}">
                 <a14:useLocalDpi xmlns:a14="http://schemas.microsoft.com/office/drawing/2010/main" val="0"/>
               </a:ext>
               <a:ext uri="{96DAC541-7B7A-43D3-8B79-37D633B846F1}">
-                <asvg:svgBlip xmlns:asvg="http://schemas.microsoft.com/office/drawing/2016/SVG/main" r:embed="rId5"/>
+                <asvg:svgBlip xmlns:asvg="http://schemas.microsoft.com/office/drawing/2016/SVG/main" r:embed="rId9"/>
               </a:ext>
             </a:extLst>
           </a:blip>
@@ -40228,8 +39405,8 @@
         </p:blipFill>
         <p:spPr>
           <a:xfrm>
-            <a:off x="204990" y="1957279"/>
-            <a:ext cx="540000" cy="540000"/>
+            <a:off x="8095139" y="1299959"/>
+            <a:ext cx="405000" cy="540000"/>
           </a:xfrm>
           <a:prstGeom prst="rect">
             <a:avLst/>
@@ -40238,10 +39415,10 @@
       </p:pic>
       <p:pic>
         <p:nvPicPr>
-          <p:cNvPr id="10" name="Graphic 9">
-            <a:extLst>
-              <a:ext uri="{FF2B5EF4-FFF2-40B4-BE49-F238E27FC236}">
-                <a16:creationId xmlns:a16="http://schemas.microsoft.com/office/drawing/2014/main" id="{2CFA6614-755B-45F8-86FD-956379708FB0}"/>
+          <p:cNvPr id="24" name="Graphic 23">
+            <a:extLst>
+              <a:ext uri="{FF2B5EF4-FFF2-40B4-BE49-F238E27FC236}">
+                <a16:creationId xmlns:a16="http://schemas.microsoft.com/office/drawing/2014/main" id="{178A7482-6C2D-4DA4-BEBD-6EFA2F81DC99}"/>
               </a:ext>
             </a:extLst>
           </p:cNvPr>
@@ -40251,13 +39428,13 @@
           <p:nvPr/>
         </p:nvPicPr>
         <p:blipFill>
-          <a:blip r:embed="rId6">
+          <a:blip r:embed="rId10">
             <a:extLst>
               <a:ext uri="{28A0092B-C50C-407E-A947-70E740481C1C}">
                 <a14:useLocalDpi xmlns:a14="http://schemas.microsoft.com/office/drawing/2010/main" val="0"/>
               </a:ext>
               <a:ext uri="{96DAC541-7B7A-43D3-8B79-37D633B846F1}">
-                <asvg:svgBlip xmlns:asvg="http://schemas.microsoft.com/office/drawing/2016/SVG/main" r:embed="rId7"/>
+                <asvg:svgBlip xmlns:asvg="http://schemas.microsoft.com/office/drawing/2016/SVG/main" r:embed="rId11"/>
               </a:ext>
             </a:extLst>
           </a:blip>
@@ -40267,7 +39444,7 @@
         </p:blipFill>
         <p:spPr>
           <a:xfrm>
-            <a:off x="174613" y="2971118"/>
+            <a:off x="4252774" y="1299959"/>
             <a:ext cx="540000" cy="540000"/>
           </a:xfrm>
           <a:prstGeom prst="rect">
@@ -40277,10 +39454,10 @@
       </p:pic>
       <p:pic>
         <p:nvPicPr>
-          <p:cNvPr id="63" name="Graphic 62">
-            <a:extLst>
-              <a:ext uri="{FF2B5EF4-FFF2-40B4-BE49-F238E27FC236}">
-                <a16:creationId xmlns:a16="http://schemas.microsoft.com/office/drawing/2014/main" id="{7A1A725A-2A6E-4E88-844E-5EDDF8067390}"/>
+          <p:cNvPr id="79" name="Graphic 78">
+            <a:extLst>
+              <a:ext uri="{FF2B5EF4-FFF2-40B4-BE49-F238E27FC236}">
+                <a16:creationId xmlns:a16="http://schemas.microsoft.com/office/drawing/2014/main" id="{8237650F-C9BF-4055-9B2A-70886E94F456}"/>
               </a:ext>
             </a:extLst>
           </p:cNvPr>
@@ -40306,6 +39483,504 @@
         </p:blipFill>
         <p:spPr>
           <a:xfrm>
+            <a:off x="4473385" y="1541948"/>
+            <a:ext cx="270000" cy="360000"/>
+          </a:xfrm>
+          <a:prstGeom prst="rect">
+            <a:avLst/>
+          </a:prstGeom>
+        </p:spPr>
+      </p:pic>
+      <p:sp>
+        <p:nvSpPr>
+          <p:cNvPr id="25" name="Oval 24">
+            <a:extLst>
+              <a:ext uri="{FF2B5EF4-FFF2-40B4-BE49-F238E27FC236}">
+                <a16:creationId xmlns:a16="http://schemas.microsoft.com/office/drawing/2014/main" id="{1AFB2AEB-A166-4869-9057-A817ABC9EB0B}"/>
+              </a:ext>
+            </a:extLst>
+          </p:cNvPr>
+          <p:cNvSpPr/>
+          <p:nvPr/>
+        </p:nvSpPr>
+        <p:spPr>
+          <a:xfrm>
+            <a:off x="4252774" y="1299958"/>
+            <a:ext cx="216000" cy="216000"/>
+          </a:xfrm>
+          <a:prstGeom prst="ellipse">
+            <a:avLst/>
+          </a:prstGeom>
+          <a:solidFill>
+            <a:srgbClr val="0070C0"/>
+          </a:solidFill>
+          <a:ln>
+            <a:noFill/>
+          </a:ln>
+        </p:spPr>
+        <p:style>
+          <a:lnRef idx="2">
+            <a:schemeClr val="accent1">
+              <a:shade val="50000"/>
+            </a:schemeClr>
+          </a:lnRef>
+          <a:fillRef idx="1">
+            <a:schemeClr val="accent1"/>
+          </a:fillRef>
+          <a:effectRef idx="0">
+            <a:schemeClr val="accent1"/>
+          </a:effectRef>
+          <a:fontRef idx="minor">
+            <a:schemeClr val="lt1"/>
+          </a:fontRef>
+        </p:style>
+        <p:txBody>
+          <a:bodyPr rtlCol="0" anchor="ctr"/>
+          <a:lstStyle/>
+          <a:p>
+            <a:pPr algn="ctr"/>
+            <a:endParaRPr lang="de-DE" dirty="0"/>
+          </a:p>
+        </p:txBody>
+      </p:sp>
+      <p:pic>
+        <p:nvPicPr>
+          <p:cNvPr id="77" name="Graphic 76">
+            <a:extLst>
+              <a:ext uri="{FF2B5EF4-FFF2-40B4-BE49-F238E27FC236}">
+                <a16:creationId xmlns:a16="http://schemas.microsoft.com/office/drawing/2014/main" id="{10D2646B-0A5C-4B51-A9C2-AC63962282FA}"/>
+              </a:ext>
+            </a:extLst>
+          </p:cNvPr>
+          <p:cNvPicPr>
+            <a:picLocks noChangeAspect="1"/>
+          </p:cNvPicPr>
+          <p:nvPr/>
+        </p:nvPicPr>
+        <p:blipFill>
+          <a:blip r:embed="rId6">
+            <a:extLst>
+              <a:ext uri="{28A0092B-C50C-407E-A947-70E740481C1C}">
+                <a14:useLocalDpi xmlns:a14="http://schemas.microsoft.com/office/drawing/2010/main" val="0"/>
+              </a:ext>
+              <a:ext uri="{96DAC541-7B7A-43D3-8B79-37D633B846F1}">
+                <asvg:svgBlip xmlns:asvg="http://schemas.microsoft.com/office/drawing/2016/SVG/main" r:embed="rId7"/>
+              </a:ext>
+            </a:extLst>
+          </a:blip>
+          <a:stretch>
+            <a:fillRect/>
+          </a:stretch>
+        </p:blipFill>
+        <p:spPr>
+          <a:xfrm>
+            <a:off x="4177057" y="1227941"/>
+            <a:ext cx="360000" cy="360000"/>
+          </a:xfrm>
+          <a:prstGeom prst="rect">
+            <a:avLst/>
+          </a:prstGeom>
+        </p:spPr>
+      </p:pic>
+      <p:sp>
+        <p:nvSpPr>
+          <p:cNvPr id="80" name="TextBox 79">
+            <a:extLst>
+              <a:ext uri="{FF2B5EF4-FFF2-40B4-BE49-F238E27FC236}">
+                <a16:creationId xmlns:a16="http://schemas.microsoft.com/office/drawing/2014/main" id="{FF512BCE-8B6B-4ACC-9CF0-9D941D491D7E}"/>
+              </a:ext>
+            </a:extLst>
+          </p:cNvPr>
+          <p:cNvSpPr txBox="1"/>
+          <p:nvPr/>
+        </p:nvSpPr>
+        <p:spPr>
+          <a:xfrm>
+            <a:off x="4048125" y="2250639"/>
+            <a:ext cx="1604927" cy="461665"/>
+          </a:xfrm>
+          <a:prstGeom prst="rect">
+            <a:avLst/>
+          </a:prstGeom>
+          <a:noFill/>
+        </p:spPr>
+        <p:txBody>
+          <a:bodyPr wrap="none" rtlCol="0">
+            <a:spAutoFit/>
+          </a:bodyPr>
+          <a:lstStyle/>
+          <a:p>
+            <a:r>
+              <a:rPr lang="de-DE" sz="2400" dirty="0">
+                <a:solidFill>
+                  <a:schemeClr val="bg1"/>
+                </a:solidFill>
+              </a:rPr>
+              <a:t>Helligkeit:</a:t>
+            </a:r>
+          </a:p>
+        </p:txBody>
+      </p:sp>
+      <p:sp>
+        <p:nvSpPr>
+          <p:cNvPr id="88" name="Rectangle: Rounded Corners 87">
+            <a:extLst>
+              <a:ext uri="{FF2B5EF4-FFF2-40B4-BE49-F238E27FC236}">
+                <a16:creationId xmlns:a16="http://schemas.microsoft.com/office/drawing/2014/main" id="{6B198DEB-9A26-47DE-9E64-8B95AF19EDCD}"/>
+              </a:ext>
+            </a:extLst>
+          </p:cNvPr>
+          <p:cNvSpPr/>
+          <p:nvPr/>
+        </p:nvSpPr>
+        <p:spPr>
+          <a:xfrm>
+            <a:off x="4125774" y="2707446"/>
+            <a:ext cx="720000" cy="720000"/>
+          </a:xfrm>
+          <a:prstGeom prst="roundRect">
+            <a:avLst/>
+          </a:prstGeom>
+          <a:solidFill>
+            <a:srgbClr val="0070C0"/>
+          </a:solidFill>
+          <a:ln>
+            <a:noFill/>
+          </a:ln>
+        </p:spPr>
+        <p:style>
+          <a:lnRef idx="2">
+            <a:schemeClr val="accent1">
+              <a:shade val="50000"/>
+            </a:schemeClr>
+          </a:lnRef>
+          <a:fillRef idx="1">
+            <a:schemeClr val="accent1"/>
+          </a:fillRef>
+          <a:effectRef idx="0">
+            <a:schemeClr val="accent1"/>
+          </a:effectRef>
+          <a:fontRef idx="minor">
+            <a:schemeClr val="lt1"/>
+          </a:fontRef>
+        </p:style>
+        <p:txBody>
+          <a:bodyPr lIns="90000" rtlCol="0" anchor="ctr"/>
+          <a:lstStyle/>
+          <a:p>
+            <a:pPr algn="ctr"/>
+            <a:endParaRPr lang="de-DE" sz="3600" b="1" dirty="0"/>
+          </a:p>
+        </p:txBody>
+      </p:sp>
+      <p:sp>
+        <p:nvSpPr>
+          <p:cNvPr id="90" name="Rectangle: Rounded Corners 89">
+            <a:extLst>
+              <a:ext uri="{FF2B5EF4-FFF2-40B4-BE49-F238E27FC236}">
+                <a16:creationId xmlns:a16="http://schemas.microsoft.com/office/drawing/2014/main" id="{A2888118-3DF1-43CE-ABC4-736F212CD0D3}"/>
+              </a:ext>
+            </a:extLst>
+          </p:cNvPr>
+          <p:cNvSpPr/>
+          <p:nvPr/>
+        </p:nvSpPr>
+        <p:spPr>
+          <a:xfrm>
+            <a:off x="4902797" y="2707446"/>
+            <a:ext cx="720000" cy="720000"/>
+          </a:xfrm>
+          <a:prstGeom prst="roundRect">
+            <a:avLst/>
+          </a:prstGeom>
+          <a:solidFill>
+            <a:srgbClr val="0070C0"/>
+          </a:solidFill>
+          <a:ln>
+            <a:noFill/>
+          </a:ln>
+        </p:spPr>
+        <p:style>
+          <a:lnRef idx="2">
+            <a:schemeClr val="accent1">
+              <a:shade val="50000"/>
+            </a:schemeClr>
+          </a:lnRef>
+          <a:fillRef idx="1">
+            <a:schemeClr val="accent1"/>
+          </a:fillRef>
+          <a:effectRef idx="0">
+            <a:schemeClr val="accent1"/>
+          </a:effectRef>
+          <a:fontRef idx="minor">
+            <a:schemeClr val="lt1"/>
+          </a:fontRef>
+        </p:style>
+        <p:txBody>
+          <a:bodyPr lIns="90000" rtlCol="0" anchor="ctr"/>
+          <a:lstStyle/>
+          <a:p>
+            <a:pPr algn="ctr"/>
+            <a:endParaRPr lang="de-DE" sz="3600" b="1" dirty="0"/>
+          </a:p>
+        </p:txBody>
+      </p:sp>
+      <p:pic>
+        <p:nvPicPr>
+          <p:cNvPr id="28" name="Graphic 27">
+            <a:extLst>
+              <a:ext uri="{FF2B5EF4-FFF2-40B4-BE49-F238E27FC236}">
+                <a16:creationId xmlns:a16="http://schemas.microsoft.com/office/drawing/2014/main" id="{96CED57F-03C8-4A56-AF11-D9CAC7D0AC5E}"/>
+              </a:ext>
+            </a:extLst>
+          </p:cNvPr>
+          <p:cNvPicPr>
+            <a:picLocks noChangeAspect="1"/>
+          </p:cNvPicPr>
+          <p:nvPr/>
+        </p:nvPicPr>
+        <p:blipFill>
+          <a:blip r:embed="rId12">
+            <a:extLst>
+              <a:ext uri="{28A0092B-C50C-407E-A947-70E740481C1C}">
+                <a14:useLocalDpi xmlns:a14="http://schemas.microsoft.com/office/drawing/2010/main" val="0"/>
+              </a:ext>
+              <a:ext uri="{96DAC541-7B7A-43D3-8B79-37D633B846F1}">
+                <asvg:svgBlip xmlns:asvg="http://schemas.microsoft.com/office/drawing/2016/SVG/main" r:embed="rId13"/>
+              </a:ext>
+            </a:extLst>
+          </a:blip>
+          <a:stretch>
+            <a:fillRect/>
+          </a:stretch>
+        </p:blipFill>
+        <p:spPr>
+          <a:xfrm>
+            <a:off x="5025774" y="2802597"/>
+            <a:ext cx="472500" cy="540000"/>
+          </a:xfrm>
+          <a:prstGeom prst="rect">
+            <a:avLst/>
+          </a:prstGeom>
+        </p:spPr>
+      </p:pic>
+      <p:pic>
+        <p:nvPicPr>
+          <p:cNvPr id="30" name="Graphic 29">
+            <a:extLst>
+              <a:ext uri="{FF2B5EF4-FFF2-40B4-BE49-F238E27FC236}">
+                <a16:creationId xmlns:a16="http://schemas.microsoft.com/office/drawing/2014/main" id="{4C4DE772-F2C0-4C8D-A54D-7216972B7CFD}"/>
+              </a:ext>
+            </a:extLst>
+          </p:cNvPr>
+          <p:cNvPicPr>
+            <a:picLocks noChangeAspect="1"/>
+          </p:cNvPicPr>
+          <p:nvPr/>
+        </p:nvPicPr>
+        <p:blipFill>
+          <a:blip r:embed="rId14">
+            <a:extLst>
+              <a:ext uri="{28A0092B-C50C-407E-A947-70E740481C1C}">
+                <a14:useLocalDpi xmlns:a14="http://schemas.microsoft.com/office/drawing/2010/main" val="0"/>
+              </a:ext>
+              <a:ext uri="{96DAC541-7B7A-43D3-8B79-37D633B846F1}">
+                <asvg:svgBlip xmlns:asvg="http://schemas.microsoft.com/office/drawing/2016/SVG/main" r:embed="rId15"/>
+              </a:ext>
+            </a:extLst>
+          </a:blip>
+          <a:stretch>
+            <a:fillRect/>
+          </a:stretch>
+        </p:blipFill>
+        <p:spPr>
+          <a:xfrm>
+            <a:off x="4249524" y="2823210"/>
+            <a:ext cx="472500" cy="540000"/>
+          </a:xfrm>
+          <a:prstGeom prst="rect">
+            <a:avLst/>
+          </a:prstGeom>
+        </p:spPr>
+      </p:pic>
+      <p:sp>
+        <p:nvSpPr>
+          <p:cNvPr id="35" name="Rectangle: Rounded Corners 34">
+            <a:extLst>
+              <a:ext uri="{FF2B5EF4-FFF2-40B4-BE49-F238E27FC236}">
+                <a16:creationId xmlns:a16="http://schemas.microsoft.com/office/drawing/2014/main" id="{45C2E274-0382-4BEB-BA7D-430AFBD91753}"/>
+              </a:ext>
+            </a:extLst>
+          </p:cNvPr>
+          <p:cNvSpPr/>
+          <p:nvPr/>
+        </p:nvSpPr>
+        <p:spPr>
+          <a:xfrm>
+            <a:off x="-146821" y="3894958"/>
+            <a:ext cx="3979681" cy="720000"/>
+          </a:xfrm>
+          <a:prstGeom prst="roundRect">
+            <a:avLst/>
+          </a:prstGeom>
+          <a:solidFill>
+            <a:srgbClr val="0070C0"/>
+          </a:solidFill>
+          <a:ln>
+            <a:noFill/>
+          </a:ln>
+        </p:spPr>
+        <p:style>
+          <a:lnRef idx="2">
+            <a:schemeClr val="accent1">
+              <a:shade val="50000"/>
+            </a:schemeClr>
+          </a:lnRef>
+          <a:fillRef idx="1">
+            <a:schemeClr val="accent1"/>
+          </a:fillRef>
+          <a:effectRef idx="0">
+            <a:schemeClr val="accent1"/>
+          </a:effectRef>
+          <a:fontRef idx="minor">
+            <a:schemeClr val="lt1"/>
+          </a:fontRef>
+        </p:style>
+        <p:txBody>
+          <a:bodyPr lIns="1080000" rtlCol="0" anchor="ctr"/>
+          <a:lstStyle/>
+          <a:p>
+            <a:r>
+              <a:rPr lang="de-DE" sz="2200" dirty="0"/>
+              <a:t>Sonstiges </a:t>
+            </a:r>
+          </a:p>
+        </p:txBody>
+      </p:sp>
+      <p:sp>
+        <p:nvSpPr>
+          <p:cNvPr id="36" name="Rectangle: Rounded Corners 35">
+            <a:extLst>
+              <a:ext uri="{FF2B5EF4-FFF2-40B4-BE49-F238E27FC236}">
+                <a16:creationId xmlns:a16="http://schemas.microsoft.com/office/drawing/2014/main" id="{3522776A-74F4-4994-BBD0-F6E6B3C40CA1}"/>
+              </a:ext>
+            </a:extLst>
+          </p:cNvPr>
+          <p:cNvSpPr/>
+          <p:nvPr/>
+        </p:nvSpPr>
+        <p:spPr>
+          <a:xfrm>
+            <a:off x="-146821" y="2881118"/>
+            <a:ext cx="3979681" cy="720000"/>
+          </a:xfrm>
+          <a:prstGeom prst="roundRect">
+            <a:avLst/>
+          </a:prstGeom>
+          <a:solidFill>
+            <a:srgbClr val="0070C0"/>
+          </a:solidFill>
+          <a:ln>
+            <a:noFill/>
+          </a:ln>
+        </p:spPr>
+        <p:style>
+          <a:lnRef idx="2">
+            <a:schemeClr val="accent1">
+              <a:shade val="50000"/>
+            </a:schemeClr>
+          </a:lnRef>
+          <a:fillRef idx="1">
+            <a:schemeClr val="accent1"/>
+          </a:fillRef>
+          <a:effectRef idx="0">
+            <a:schemeClr val="accent1"/>
+          </a:effectRef>
+          <a:fontRef idx="minor">
+            <a:schemeClr val="lt1"/>
+          </a:fontRef>
+        </p:style>
+        <p:txBody>
+          <a:bodyPr lIns="1080000" rtlCol="0" anchor="ctr"/>
+          <a:lstStyle/>
+          <a:p>
+            <a:r>
+              <a:rPr lang="de-DE" sz="2200" dirty="0"/>
+              <a:t>Gerät &amp; Hardware</a:t>
+            </a:r>
+          </a:p>
+        </p:txBody>
+      </p:sp>
+      <p:pic>
+        <p:nvPicPr>
+          <p:cNvPr id="10" name="Graphic 9">
+            <a:extLst>
+              <a:ext uri="{FF2B5EF4-FFF2-40B4-BE49-F238E27FC236}">
+                <a16:creationId xmlns:a16="http://schemas.microsoft.com/office/drawing/2014/main" id="{2CFA6614-755B-45F8-86FD-956379708FB0}"/>
+              </a:ext>
+            </a:extLst>
+          </p:cNvPr>
+          <p:cNvPicPr>
+            <a:picLocks noChangeAspect="1"/>
+          </p:cNvPicPr>
+          <p:nvPr/>
+        </p:nvPicPr>
+        <p:blipFill>
+          <a:blip r:embed="rId16">
+            <a:extLst>
+              <a:ext uri="{28A0092B-C50C-407E-A947-70E740481C1C}">
+                <a14:useLocalDpi xmlns:a14="http://schemas.microsoft.com/office/drawing/2010/main" val="0"/>
+              </a:ext>
+              <a:ext uri="{96DAC541-7B7A-43D3-8B79-37D633B846F1}">
+                <asvg:svgBlip xmlns:asvg="http://schemas.microsoft.com/office/drawing/2016/SVG/main" r:embed="rId17"/>
+              </a:ext>
+            </a:extLst>
+          </a:blip>
+          <a:stretch>
+            <a:fillRect/>
+          </a:stretch>
+        </p:blipFill>
+        <p:spPr>
+          <a:xfrm>
+            <a:off x="174613" y="2971118"/>
+            <a:ext cx="540000" cy="540000"/>
+          </a:xfrm>
+          <a:prstGeom prst="rect">
+            <a:avLst/>
+          </a:prstGeom>
+        </p:spPr>
+      </p:pic>
+      <p:pic>
+        <p:nvPicPr>
+          <p:cNvPr id="63" name="Graphic 62">
+            <a:extLst>
+              <a:ext uri="{FF2B5EF4-FFF2-40B4-BE49-F238E27FC236}">
+                <a16:creationId xmlns:a16="http://schemas.microsoft.com/office/drawing/2014/main" id="{7A1A725A-2A6E-4E88-844E-5EDDF8067390}"/>
+              </a:ext>
+            </a:extLst>
+          </p:cNvPr>
+          <p:cNvPicPr>
+            <a:picLocks noChangeAspect="1"/>
+          </p:cNvPicPr>
+          <p:nvPr/>
+        </p:nvPicPr>
+        <p:blipFill>
+          <a:blip r:embed="rId18">
+            <a:extLst>
+              <a:ext uri="{28A0092B-C50C-407E-A947-70E740481C1C}">
+                <a14:useLocalDpi xmlns:a14="http://schemas.microsoft.com/office/drawing/2010/main" val="0"/>
+              </a:ext>
+              <a:ext uri="{96DAC541-7B7A-43D3-8B79-37D633B846F1}">
+                <asvg:svgBlip xmlns:asvg="http://schemas.microsoft.com/office/drawing/2016/SVG/main" r:embed="rId19"/>
+              </a:ext>
+            </a:extLst>
+          </a:blip>
+          <a:stretch>
+            <a:fillRect/>
+          </a:stretch>
+        </p:blipFill>
+        <p:spPr>
+          <a:xfrm>
             <a:off x="188862" y="3989854"/>
             <a:ext cx="472500" cy="540000"/>
           </a:xfrm>
@@ -40316,10 +39991,10 @@
       </p:pic>
       <p:sp>
         <p:nvSpPr>
-          <p:cNvPr id="21" name="Rectangle: Rounded Corners 20">
-            <a:extLst>
-              <a:ext uri="{FF2B5EF4-FFF2-40B4-BE49-F238E27FC236}">
-                <a16:creationId xmlns:a16="http://schemas.microsoft.com/office/drawing/2014/main" id="{CF981872-DD71-438F-A398-F1086090FC4E}"/>
+          <p:cNvPr id="37" name="Rectangle: Rounded Corners 36">
+            <a:extLst>
+              <a:ext uri="{FF2B5EF4-FFF2-40B4-BE49-F238E27FC236}">
+                <a16:creationId xmlns:a16="http://schemas.microsoft.com/office/drawing/2014/main" id="{DC3A9607-BC58-4C1D-9EBD-73D233285B24}"/>
               </a:ext>
             </a:extLst>
           </p:cNvPr>
@@ -40372,10 +40047,10 @@
       </p:sp>
       <p:sp>
         <p:nvSpPr>
-          <p:cNvPr id="22" name="Rectangle: Rounded Corners 21">
-            <a:extLst>
-              <a:ext uri="{FF2B5EF4-FFF2-40B4-BE49-F238E27FC236}">
-                <a16:creationId xmlns:a16="http://schemas.microsoft.com/office/drawing/2014/main" id="{CD55FC63-6428-48AA-B3FD-4CCB1FCD989C}"/>
+          <p:cNvPr id="38" name="Rectangle: Rounded Corners 37">
+            <a:extLst>
+              <a:ext uri="{FF2B5EF4-FFF2-40B4-BE49-F238E27FC236}">
+                <a16:creationId xmlns:a16="http://schemas.microsoft.com/office/drawing/2014/main" id="{DB08F989-2316-4A68-8917-8F60E35C2FC7}"/>
               </a:ext>
             </a:extLst>
           </p:cNvPr>
@@ -40424,10 +40099,10 @@
       </p:sp>
       <p:pic>
         <p:nvPicPr>
-          <p:cNvPr id="23" name="Graphic 22">
-            <a:extLst>
-              <a:ext uri="{FF2B5EF4-FFF2-40B4-BE49-F238E27FC236}">
-                <a16:creationId xmlns:a16="http://schemas.microsoft.com/office/drawing/2014/main" id="{DA875469-D663-4F77-B54E-EDA6E37B7F3A}"/>
+          <p:cNvPr id="39" name="Graphic 38">
+            <a:extLst>
+              <a:ext uri="{FF2B5EF4-FFF2-40B4-BE49-F238E27FC236}">
+                <a16:creationId xmlns:a16="http://schemas.microsoft.com/office/drawing/2014/main" id="{854BB5D1-07D4-44EB-8DBB-E1497D32C8D9}"/>
               </a:ext>
             </a:extLst>
           </p:cNvPr>
@@ -40437,13 +40112,13 @@
           <p:nvPr/>
         </p:nvPicPr>
         <p:blipFill>
-          <a:blip r:embed="rId10">
+          <a:blip r:embed="rId20">
             <a:extLst>
               <a:ext uri="{28A0092B-C50C-407E-A947-70E740481C1C}">
                 <a14:useLocalDpi xmlns:a14="http://schemas.microsoft.com/office/drawing/2010/main" val="0"/>
               </a:ext>
               <a:ext uri="{96DAC541-7B7A-43D3-8B79-37D633B846F1}">
-                <asvg:svgBlip xmlns:asvg="http://schemas.microsoft.com/office/drawing/2016/SVG/main" r:embed="rId11"/>
+                <asvg:svgBlip xmlns:asvg="http://schemas.microsoft.com/office/drawing/2016/SVG/main" r:embed="rId21"/>
               </a:ext>
             </a:extLst>
           </a:blip>
@@ -40463,10 +40138,10 @@
       </p:pic>
       <p:sp>
         <p:nvSpPr>
-          <p:cNvPr id="24" name="Rectangle: Rounded Corners 23">
-            <a:extLst>
-              <a:ext uri="{FF2B5EF4-FFF2-40B4-BE49-F238E27FC236}">
-                <a16:creationId xmlns:a16="http://schemas.microsoft.com/office/drawing/2014/main" id="{D71E3C71-686F-49E3-A7CF-FF27435D7E28}"/>
+          <p:cNvPr id="40" name="Rectangle: Rounded Corners 39">
+            <a:extLst>
+              <a:ext uri="{FF2B5EF4-FFF2-40B4-BE49-F238E27FC236}">
+                <a16:creationId xmlns:a16="http://schemas.microsoft.com/office/drawing/2014/main" id="{DFC56BEA-BBFB-4C89-BE8B-00DB189046B0}"/>
               </a:ext>
             </a:extLst>
           </p:cNvPr>
@@ -40517,10 +40192,10 @@
       </p:sp>
       <p:pic>
         <p:nvPicPr>
-          <p:cNvPr id="25" name="Graphic 24">
-            <a:extLst>
-              <a:ext uri="{FF2B5EF4-FFF2-40B4-BE49-F238E27FC236}">
-                <a16:creationId xmlns:a16="http://schemas.microsoft.com/office/drawing/2014/main" id="{7FE33E07-143C-4158-B84D-1653AFFED350}"/>
+          <p:cNvPr id="41" name="Graphic 40">
+            <a:extLst>
+              <a:ext uri="{FF2B5EF4-FFF2-40B4-BE49-F238E27FC236}">
+                <a16:creationId xmlns:a16="http://schemas.microsoft.com/office/drawing/2014/main" id="{0C0ACFB8-433D-4711-9CAF-57220B955961}"/>
               </a:ext>
             </a:extLst>
           </p:cNvPr>
@@ -40530,13 +40205,13 @@
           <p:nvPr/>
         </p:nvPicPr>
         <p:blipFill>
-          <a:blip r:embed="rId12">
+          <a:blip r:embed="rId22">
             <a:extLst>
               <a:ext uri="{28A0092B-C50C-407E-A947-70E740481C1C}">
                 <a14:useLocalDpi xmlns:a14="http://schemas.microsoft.com/office/drawing/2010/main" val="0"/>
               </a:ext>
               <a:ext uri="{96DAC541-7B7A-43D3-8B79-37D633B846F1}">
-                <asvg:svgBlip xmlns:asvg="http://schemas.microsoft.com/office/drawing/2016/SVG/main" r:embed="rId13"/>
+                <asvg:svgBlip xmlns:asvg="http://schemas.microsoft.com/office/drawing/2016/SVG/main" r:embed="rId23"/>
               </a:ext>
             </a:extLst>
           </a:blip>
@@ -40557,7 +40232,7 @@
     </p:spTree>
     <p:extLst>
       <p:ext uri="{BB962C8B-B14F-4D97-AF65-F5344CB8AC3E}">
-        <p14:creationId xmlns:p14="http://schemas.microsoft.com/office/powerpoint/2010/main" val="3902549485"/>
+        <p14:creationId xmlns:p14="http://schemas.microsoft.com/office/powerpoint/2010/main" val="4289275446"/>
       </p:ext>
     </p:extLst>
   </p:cSld>
@@ -40917,6 +40592,927 @@
       </p:sp>
       <p:sp>
         <p:nvSpPr>
+          <p:cNvPr id="56" name="Rectangle 55">
+            <a:extLst>
+              <a:ext uri="{FF2B5EF4-FFF2-40B4-BE49-F238E27FC236}">
+                <a16:creationId xmlns:a16="http://schemas.microsoft.com/office/drawing/2014/main" id="{31602AAF-0902-4714-A7A4-9ECAC9F0E1EB}"/>
+              </a:ext>
+            </a:extLst>
+          </p:cNvPr>
+          <p:cNvSpPr/>
+          <p:nvPr/>
+        </p:nvSpPr>
+        <p:spPr>
+          <a:xfrm>
+            <a:off x="-146821" y="1867279"/>
+            <a:ext cx="4194946" cy="720000"/>
+          </a:xfrm>
+          <a:prstGeom prst="rect">
+            <a:avLst/>
+          </a:prstGeom>
+          <a:solidFill>
+            <a:schemeClr val="accent5">
+              <a:lumMod val="50000"/>
+            </a:schemeClr>
+          </a:solidFill>
+          <a:ln>
+            <a:noFill/>
+          </a:ln>
+        </p:spPr>
+        <p:style>
+          <a:lnRef idx="2">
+            <a:schemeClr val="accent1">
+              <a:shade val="50000"/>
+            </a:schemeClr>
+          </a:lnRef>
+          <a:fillRef idx="1">
+            <a:schemeClr val="accent1"/>
+          </a:fillRef>
+          <a:effectRef idx="0">
+            <a:schemeClr val="accent1"/>
+          </a:effectRef>
+          <a:fontRef idx="minor">
+            <a:schemeClr val="lt1"/>
+          </a:fontRef>
+        </p:style>
+        <p:txBody>
+          <a:bodyPr lIns="1080000" rtlCol="0" anchor="ctr"/>
+          <a:lstStyle/>
+          <a:p>
+            <a:r>
+              <a:rPr lang="de-DE" sz="2200" b="1" dirty="0"/>
+              <a:t>Beschilderung &amp; Fahrgastinformation</a:t>
+            </a:r>
+          </a:p>
+        </p:txBody>
+      </p:sp>
+      <p:sp>
+        <p:nvSpPr>
+          <p:cNvPr id="58" name="Rectangle: Rounded Corners 57">
+            <a:extLst>
+              <a:ext uri="{FF2B5EF4-FFF2-40B4-BE49-F238E27FC236}">
+                <a16:creationId xmlns:a16="http://schemas.microsoft.com/office/drawing/2014/main" id="{A5D17050-732E-46A2-81E9-D669F4260099}"/>
+              </a:ext>
+            </a:extLst>
+          </p:cNvPr>
+          <p:cNvSpPr/>
+          <p:nvPr/>
+        </p:nvSpPr>
+        <p:spPr>
+          <a:xfrm>
+            <a:off x="-146821" y="3894958"/>
+            <a:ext cx="3979681" cy="720000"/>
+          </a:xfrm>
+          <a:prstGeom prst="roundRect">
+            <a:avLst/>
+          </a:prstGeom>
+          <a:solidFill>
+            <a:srgbClr val="0070C0"/>
+          </a:solidFill>
+          <a:ln>
+            <a:noFill/>
+          </a:ln>
+        </p:spPr>
+        <p:style>
+          <a:lnRef idx="2">
+            <a:schemeClr val="accent1">
+              <a:shade val="50000"/>
+            </a:schemeClr>
+          </a:lnRef>
+          <a:fillRef idx="1">
+            <a:schemeClr val="accent1"/>
+          </a:fillRef>
+          <a:effectRef idx="0">
+            <a:schemeClr val="accent1"/>
+          </a:effectRef>
+          <a:fontRef idx="minor">
+            <a:schemeClr val="lt1"/>
+          </a:fontRef>
+        </p:style>
+        <p:txBody>
+          <a:bodyPr lIns="1080000" rtlCol="0" anchor="ctr"/>
+          <a:lstStyle/>
+          <a:p>
+            <a:r>
+              <a:rPr lang="de-DE" sz="2200" dirty="0"/>
+              <a:t>Sonstiges </a:t>
+            </a:r>
+          </a:p>
+        </p:txBody>
+      </p:sp>
+      <p:sp>
+        <p:nvSpPr>
+          <p:cNvPr id="59" name="Rectangle: Rounded Corners 58">
+            <a:extLst>
+              <a:ext uri="{FF2B5EF4-FFF2-40B4-BE49-F238E27FC236}">
+                <a16:creationId xmlns:a16="http://schemas.microsoft.com/office/drawing/2014/main" id="{8E387CF4-D6C5-4EB3-B94F-029025483D3B}"/>
+              </a:ext>
+            </a:extLst>
+          </p:cNvPr>
+          <p:cNvSpPr/>
+          <p:nvPr/>
+        </p:nvSpPr>
+        <p:spPr>
+          <a:xfrm>
+            <a:off x="-146821" y="2881118"/>
+            <a:ext cx="3979681" cy="720000"/>
+          </a:xfrm>
+          <a:prstGeom prst="roundRect">
+            <a:avLst/>
+          </a:prstGeom>
+          <a:solidFill>
+            <a:srgbClr val="0070C0"/>
+          </a:solidFill>
+          <a:ln>
+            <a:noFill/>
+          </a:ln>
+        </p:spPr>
+        <p:style>
+          <a:lnRef idx="2">
+            <a:schemeClr val="accent1">
+              <a:shade val="50000"/>
+            </a:schemeClr>
+          </a:lnRef>
+          <a:fillRef idx="1">
+            <a:schemeClr val="accent1"/>
+          </a:fillRef>
+          <a:effectRef idx="0">
+            <a:schemeClr val="accent1"/>
+          </a:effectRef>
+          <a:fontRef idx="minor">
+            <a:schemeClr val="lt1"/>
+          </a:fontRef>
+        </p:style>
+        <p:txBody>
+          <a:bodyPr lIns="1080000" rtlCol="0" anchor="ctr"/>
+          <a:lstStyle/>
+          <a:p>
+            <a:r>
+              <a:rPr lang="de-DE" sz="2200" dirty="0"/>
+              <a:t>Gerät &amp; Hardware</a:t>
+            </a:r>
+          </a:p>
+        </p:txBody>
+      </p:sp>
+      <p:pic>
+        <p:nvPicPr>
+          <p:cNvPr id="3" name="Graphic 2">
+            <a:extLst>
+              <a:ext uri="{FF2B5EF4-FFF2-40B4-BE49-F238E27FC236}">
+                <a16:creationId xmlns:a16="http://schemas.microsoft.com/office/drawing/2014/main" id="{58FB5B8B-DA92-4BC4-B935-FF37529B0CBC}"/>
+              </a:ext>
+            </a:extLst>
+          </p:cNvPr>
+          <p:cNvPicPr>
+            <a:picLocks noChangeAspect="1"/>
+          </p:cNvPicPr>
+          <p:nvPr/>
+        </p:nvPicPr>
+        <p:blipFill>
+          <a:blip r:embed="rId2">
+            <a:extLst>
+              <a:ext uri="{28A0092B-C50C-407E-A947-70E740481C1C}">
+                <a14:useLocalDpi xmlns:a14="http://schemas.microsoft.com/office/drawing/2010/main" val="0"/>
+              </a:ext>
+              <a:ext uri="{96DAC541-7B7A-43D3-8B79-37D633B846F1}">
+                <asvg:svgBlip xmlns:asvg="http://schemas.microsoft.com/office/drawing/2016/SVG/main" r:embed="rId3"/>
+              </a:ext>
+            </a:extLst>
+          </a:blip>
+          <a:stretch>
+            <a:fillRect/>
+          </a:stretch>
+        </p:blipFill>
+        <p:spPr>
+          <a:xfrm>
+            <a:off x="165088" y="946468"/>
+            <a:ext cx="607500" cy="540000"/>
+          </a:xfrm>
+          <a:prstGeom prst="rect">
+            <a:avLst/>
+          </a:prstGeom>
+        </p:spPr>
+      </p:pic>
+      <p:pic>
+        <p:nvPicPr>
+          <p:cNvPr id="8" name="Graphic 7">
+            <a:extLst>
+              <a:ext uri="{FF2B5EF4-FFF2-40B4-BE49-F238E27FC236}">
+                <a16:creationId xmlns:a16="http://schemas.microsoft.com/office/drawing/2014/main" id="{33E007EB-FAE5-494F-AB95-FFA15FCB2CE3}"/>
+              </a:ext>
+            </a:extLst>
+          </p:cNvPr>
+          <p:cNvPicPr>
+            <a:picLocks noChangeAspect="1"/>
+          </p:cNvPicPr>
+          <p:nvPr/>
+        </p:nvPicPr>
+        <p:blipFill>
+          <a:blip r:embed="rId4">
+            <a:extLst>
+              <a:ext uri="{28A0092B-C50C-407E-A947-70E740481C1C}">
+                <a14:useLocalDpi xmlns:a14="http://schemas.microsoft.com/office/drawing/2010/main" val="0"/>
+              </a:ext>
+              <a:ext uri="{96DAC541-7B7A-43D3-8B79-37D633B846F1}">
+                <asvg:svgBlip xmlns:asvg="http://schemas.microsoft.com/office/drawing/2016/SVG/main" r:embed="rId5"/>
+              </a:ext>
+            </a:extLst>
+          </a:blip>
+          <a:stretch>
+            <a:fillRect/>
+          </a:stretch>
+        </p:blipFill>
+        <p:spPr>
+          <a:xfrm>
+            <a:off x="204990" y="1957279"/>
+            <a:ext cx="540000" cy="540000"/>
+          </a:xfrm>
+          <a:prstGeom prst="rect">
+            <a:avLst/>
+          </a:prstGeom>
+        </p:spPr>
+      </p:pic>
+      <p:pic>
+        <p:nvPicPr>
+          <p:cNvPr id="10" name="Graphic 9">
+            <a:extLst>
+              <a:ext uri="{FF2B5EF4-FFF2-40B4-BE49-F238E27FC236}">
+                <a16:creationId xmlns:a16="http://schemas.microsoft.com/office/drawing/2014/main" id="{2CFA6614-755B-45F8-86FD-956379708FB0}"/>
+              </a:ext>
+            </a:extLst>
+          </p:cNvPr>
+          <p:cNvPicPr>
+            <a:picLocks noChangeAspect="1"/>
+          </p:cNvPicPr>
+          <p:nvPr/>
+        </p:nvPicPr>
+        <p:blipFill>
+          <a:blip r:embed="rId6">
+            <a:extLst>
+              <a:ext uri="{28A0092B-C50C-407E-A947-70E740481C1C}">
+                <a14:useLocalDpi xmlns:a14="http://schemas.microsoft.com/office/drawing/2010/main" val="0"/>
+              </a:ext>
+              <a:ext uri="{96DAC541-7B7A-43D3-8B79-37D633B846F1}">
+                <asvg:svgBlip xmlns:asvg="http://schemas.microsoft.com/office/drawing/2016/SVG/main" r:embed="rId7"/>
+              </a:ext>
+            </a:extLst>
+          </a:blip>
+          <a:stretch>
+            <a:fillRect/>
+          </a:stretch>
+        </p:blipFill>
+        <p:spPr>
+          <a:xfrm>
+            <a:off x="174613" y="2971118"/>
+            <a:ext cx="540000" cy="540000"/>
+          </a:xfrm>
+          <a:prstGeom prst="rect">
+            <a:avLst/>
+          </a:prstGeom>
+        </p:spPr>
+      </p:pic>
+      <p:pic>
+        <p:nvPicPr>
+          <p:cNvPr id="63" name="Graphic 62">
+            <a:extLst>
+              <a:ext uri="{FF2B5EF4-FFF2-40B4-BE49-F238E27FC236}">
+                <a16:creationId xmlns:a16="http://schemas.microsoft.com/office/drawing/2014/main" id="{7A1A725A-2A6E-4E88-844E-5EDDF8067390}"/>
+              </a:ext>
+            </a:extLst>
+          </p:cNvPr>
+          <p:cNvPicPr>
+            <a:picLocks noChangeAspect="1"/>
+          </p:cNvPicPr>
+          <p:nvPr/>
+        </p:nvPicPr>
+        <p:blipFill>
+          <a:blip r:embed="rId8">
+            <a:extLst>
+              <a:ext uri="{28A0092B-C50C-407E-A947-70E740481C1C}">
+                <a14:useLocalDpi xmlns:a14="http://schemas.microsoft.com/office/drawing/2010/main" val="0"/>
+              </a:ext>
+              <a:ext uri="{96DAC541-7B7A-43D3-8B79-37D633B846F1}">
+                <asvg:svgBlip xmlns:asvg="http://schemas.microsoft.com/office/drawing/2016/SVG/main" r:embed="rId9"/>
+              </a:ext>
+            </a:extLst>
+          </a:blip>
+          <a:stretch>
+            <a:fillRect/>
+          </a:stretch>
+        </p:blipFill>
+        <p:spPr>
+          <a:xfrm>
+            <a:off x="188862" y="3989854"/>
+            <a:ext cx="472500" cy="540000"/>
+          </a:xfrm>
+          <a:prstGeom prst="rect">
+            <a:avLst/>
+          </a:prstGeom>
+        </p:spPr>
+      </p:pic>
+      <p:sp>
+        <p:nvSpPr>
+          <p:cNvPr id="21" name="Rectangle: Rounded Corners 20">
+            <a:extLst>
+              <a:ext uri="{FF2B5EF4-FFF2-40B4-BE49-F238E27FC236}">
+                <a16:creationId xmlns:a16="http://schemas.microsoft.com/office/drawing/2014/main" id="{CF981872-DD71-438F-A398-F1086090FC4E}"/>
+              </a:ext>
+            </a:extLst>
+          </p:cNvPr>
+          <p:cNvSpPr/>
+          <p:nvPr/>
+        </p:nvSpPr>
+        <p:spPr>
+          <a:xfrm>
+            <a:off x="4156799" y="4793399"/>
+            <a:ext cx="1440000" cy="630000"/>
+          </a:xfrm>
+          <a:prstGeom prst="roundRect">
+            <a:avLst/>
+          </a:prstGeom>
+          <a:solidFill>
+            <a:srgbClr val="C00000"/>
+          </a:solidFill>
+          <a:ln>
+            <a:noFill/>
+          </a:ln>
+        </p:spPr>
+        <p:style>
+          <a:lnRef idx="2">
+            <a:schemeClr val="accent1">
+              <a:shade val="50000"/>
+            </a:schemeClr>
+          </a:lnRef>
+          <a:fillRef idx="1">
+            <a:schemeClr val="accent1"/>
+          </a:fillRef>
+          <a:effectRef idx="0">
+            <a:schemeClr val="accent1"/>
+          </a:effectRef>
+          <a:fontRef idx="minor">
+            <a:schemeClr val="lt1"/>
+          </a:fontRef>
+        </p:style>
+        <p:txBody>
+          <a:bodyPr rtlCol="0" anchor="ctr"/>
+          <a:lstStyle/>
+          <a:p>
+            <a:pPr algn="ctr"/>
+            <a:r>
+              <a:rPr lang="de-DE" b="1" dirty="0"/>
+              <a:t>Unfall!</a:t>
+            </a:r>
+            <a:endParaRPr lang="en-US" b="1" dirty="0"/>
+          </a:p>
+        </p:txBody>
+      </p:sp>
+      <p:sp>
+        <p:nvSpPr>
+          <p:cNvPr id="22" name="Rectangle: Rounded Corners 21">
+            <a:extLst>
+              <a:ext uri="{FF2B5EF4-FFF2-40B4-BE49-F238E27FC236}">
+                <a16:creationId xmlns:a16="http://schemas.microsoft.com/office/drawing/2014/main" id="{CD55FC63-6428-48AA-B3FD-4CCB1FCD989C}"/>
+              </a:ext>
+            </a:extLst>
+          </p:cNvPr>
+          <p:cNvSpPr/>
+          <p:nvPr/>
+        </p:nvSpPr>
+        <p:spPr>
+          <a:xfrm>
+            <a:off x="721963" y="4794250"/>
+            <a:ext cx="630000" cy="630000"/>
+          </a:xfrm>
+          <a:prstGeom prst="roundRect">
+            <a:avLst/>
+          </a:prstGeom>
+          <a:solidFill>
+            <a:schemeClr val="accent4"/>
+          </a:solidFill>
+          <a:ln>
+            <a:noFill/>
+          </a:ln>
+        </p:spPr>
+        <p:style>
+          <a:lnRef idx="2">
+            <a:schemeClr val="accent1">
+              <a:shade val="50000"/>
+            </a:schemeClr>
+          </a:lnRef>
+          <a:fillRef idx="1">
+            <a:schemeClr val="accent1"/>
+          </a:fillRef>
+          <a:effectRef idx="0">
+            <a:schemeClr val="accent1"/>
+          </a:effectRef>
+          <a:fontRef idx="minor">
+            <a:schemeClr val="lt1"/>
+          </a:fontRef>
+        </p:style>
+        <p:txBody>
+          <a:bodyPr rtlCol="0" anchor="ctr"/>
+          <a:lstStyle/>
+          <a:p>
+            <a:pPr algn="ctr"/>
+            <a:endParaRPr lang="en-US" dirty="0"/>
+          </a:p>
+        </p:txBody>
+      </p:sp>
+      <p:pic>
+        <p:nvPicPr>
+          <p:cNvPr id="23" name="Graphic 22">
+            <a:extLst>
+              <a:ext uri="{FF2B5EF4-FFF2-40B4-BE49-F238E27FC236}">
+                <a16:creationId xmlns:a16="http://schemas.microsoft.com/office/drawing/2014/main" id="{DA875469-D663-4F77-B54E-EDA6E37B7F3A}"/>
+              </a:ext>
+            </a:extLst>
+          </p:cNvPr>
+          <p:cNvPicPr>
+            <a:picLocks noChangeAspect="1"/>
+          </p:cNvPicPr>
+          <p:nvPr/>
+        </p:nvPicPr>
+        <p:blipFill>
+          <a:blip r:embed="rId10">
+            <a:extLst>
+              <a:ext uri="{28A0092B-C50C-407E-A947-70E740481C1C}">
+                <a14:useLocalDpi xmlns:a14="http://schemas.microsoft.com/office/drawing/2010/main" val="0"/>
+              </a:ext>
+              <a:ext uri="{96DAC541-7B7A-43D3-8B79-37D633B846F1}">
+                <asvg:svgBlip xmlns:asvg="http://schemas.microsoft.com/office/drawing/2016/SVG/main" r:embed="rId11"/>
+              </a:ext>
+            </a:extLst>
+          </a:blip>
+          <a:stretch>
+            <a:fillRect/>
+          </a:stretch>
+        </p:blipFill>
+        <p:spPr>
+          <a:xfrm>
+            <a:off x="840088" y="4883399"/>
+            <a:ext cx="393750" cy="450000"/>
+          </a:xfrm>
+          <a:prstGeom prst="rect">
+            <a:avLst/>
+          </a:prstGeom>
+        </p:spPr>
+      </p:pic>
+      <p:sp>
+        <p:nvSpPr>
+          <p:cNvPr id="24" name="Rectangle: Rounded Corners 23">
+            <a:extLst>
+              <a:ext uri="{FF2B5EF4-FFF2-40B4-BE49-F238E27FC236}">
+                <a16:creationId xmlns:a16="http://schemas.microsoft.com/office/drawing/2014/main" id="{D71E3C71-686F-49E3-A7CF-FF27435D7E28}"/>
+              </a:ext>
+            </a:extLst>
+          </p:cNvPr>
+          <p:cNvSpPr/>
+          <p:nvPr/>
+        </p:nvSpPr>
+        <p:spPr>
+          <a:xfrm>
+            <a:off x="46963" y="4794250"/>
+            <a:ext cx="630000" cy="630000"/>
+          </a:xfrm>
+          <a:prstGeom prst="roundRect">
+            <a:avLst/>
+          </a:prstGeom>
+          <a:solidFill>
+            <a:schemeClr val="accent1">
+              <a:lumMod val="50000"/>
+            </a:schemeClr>
+          </a:solidFill>
+          <a:ln>
+            <a:noFill/>
+          </a:ln>
+        </p:spPr>
+        <p:style>
+          <a:lnRef idx="2">
+            <a:schemeClr val="accent1">
+              <a:shade val="50000"/>
+            </a:schemeClr>
+          </a:lnRef>
+          <a:fillRef idx="1">
+            <a:schemeClr val="accent1"/>
+          </a:fillRef>
+          <a:effectRef idx="0">
+            <a:schemeClr val="accent1"/>
+          </a:effectRef>
+          <a:fontRef idx="minor">
+            <a:schemeClr val="lt1"/>
+          </a:fontRef>
+        </p:style>
+        <p:txBody>
+          <a:bodyPr rtlCol="0" anchor="ctr"/>
+          <a:lstStyle/>
+          <a:p>
+            <a:pPr algn="ctr"/>
+            <a:endParaRPr lang="en-US" dirty="0"/>
+          </a:p>
+        </p:txBody>
+      </p:sp>
+      <p:pic>
+        <p:nvPicPr>
+          <p:cNvPr id="25" name="Graphic 24">
+            <a:extLst>
+              <a:ext uri="{FF2B5EF4-FFF2-40B4-BE49-F238E27FC236}">
+                <a16:creationId xmlns:a16="http://schemas.microsoft.com/office/drawing/2014/main" id="{7FE33E07-143C-4158-B84D-1653AFFED350}"/>
+              </a:ext>
+            </a:extLst>
+          </p:cNvPr>
+          <p:cNvPicPr>
+            <a:picLocks noChangeAspect="1"/>
+          </p:cNvPicPr>
+          <p:nvPr/>
+        </p:nvPicPr>
+        <p:blipFill>
+          <a:blip r:embed="rId12">
+            <a:extLst>
+              <a:ext uri="{28A0092B-C50C-407E-A947-70E740481C1C}">
+                <a14:useLocalDpi xmlns:a14="http://schemas.microsoft.com/office/drawing/2010/main" val="0"/>
+              </a:ext>
+              <a:ext uri="{96DAC541-7B7A-43D3-8B79-37D633B846F1}">
+                <asvg:svgBlip xmlns:asvg="http://schemas.microsoft.com/office/drawing/2016/SVG/main" r:embed="rId13"/>
+              </a:ext>
+            </a:extLst>
+          </a:blip>
+          <a:stretch>
+            <a:fillRect/>
+          </a:stretch>
+        </p:blipFill>
+        <p:spPr>
+          <a:xfrm>
+            <a:off x="165088" y="4881635"/>
+            <a:ext cx="393750" cy="450000"/>
+          </a:xfrm>
+          <a:prstGeom prst="rect">
+            <a:avLst/>
+          </a:prstGeom>
+        </p:spPr>
+      </p:pic>
+    </p:spTree>
+    <p:extLst>
+      <p:ext uri="{BB962C8B-B14F-4D97-AF65-F5344CB8AC3E}">
+        <p14:creationId xmlns:p14="http://schemas.microsoft.com/office/powerpoint/2010/main" val="3902549485"/>
+      </p:ext>
+    </p:extLst>
+  </p:cSld>
+  <p:clrMapOvr>
+    <a:masterClrMapping/>
+  </p:clrMapOvr>
+</p:sld>
+</file>
+
+<file path=ppt/slides/slide33.xml><?xml version="1.0" encoding="utf-8"?>
+<p:sld xmlns:a="http://schemas.openxmlformats.org/drawingml/2006/main" xmlns:r="http://schemas.openxmlformats.org/officeDocument/2006/relationships" xmlns:p="http://schemas.openxmlformats.org/presentationml/2006/main">
+  <p:cSld>
+    <p:spTree>
+      <p:nvGrpSpPr>
+        <p:cNvPr id="1" name=""/>
+        <p:cNvGrpSpPr/>
+        <p:nvPr/>
+      </p:nvGrpSpPr>
+      <p:grpSpPr>
+        <a:xfrm>
+          <a:off x="0" y="0"/>
+          <a:ext cx="0" cy="0"/>
+          <a:chOff x="0" y="0"/>
+          <a:chExt cx="0" cy="0"/>
+        </a:xfrm>
+      </p:grpSpPr>
+      <p:sp>
+        <p:nvSpPr>
+          <p:cNvPr id="20" name="Rectangle 19">
+            <a:extLst>
+              <a:ext uri="{FF2B5EF4-FFF2-40B4-BE49-F238E27FC236}">
+                <a16:creationId xmlns:a16="http://schemas.microsoft.com/office/drawing/2014/main" id="{4060C324-4318-4830-BE4D-80F7588567D5}"/>
+              </a:ext>
+            </a:extLst>
+          </p:cNvPr>
+          <p:cNvSpPr/>
+          <p:nvPr/>
+        </p:nvSpPr>
+        <p:spPr>
+          <a:xfrm>
+            <a:off x="0" y="718023"/>
+            <a:ext cx="4048125" cy="4750375"/>
+          </a:xfrm>
+          <a:prstGeom prst="rect">
+            <a:avLst/>
+          </a:prstGeom>
+          <a:solidFill>
+            <a:schemeClr val="accent1">
+              <a:lumMod val="50000"/>
+            </a:schemeClr>
+          </a:solidFill>
+          <a:ln>
+            <a:noFill/>
+          </a:ln>
+        </p:spPr>
+        <p:style>
+          <a:lnRef idx="2">
+            <a:schemeClr val="accent1">
+              <a:shade val="50000"/>
+            </a:schemeClr>
+          </a:lnRef>
+          <a:fillRef idx="1">
+            <a:schemeClr val="accent1"/>
+          </a:fillRef>
+          <a:effectRef idx="0">
+            <a:schemeClr val="accent1"/>
+          </a:effectRef>
+          <a:fontRef idx="minor">
+            <a:schemeClr val="lt1"/>
+          </a:fontRef>
+        </p:style>
+        <p:txBody>
+          <a:bodyPr rtlCol="0" anchor="ctr"/>
+          <a:lstStyle/>
+          <a:p>
+            <a:pPr algn="ctr"/>
+            <a:endParaRPr lang="en-US" u="sng" dirty="0"/>
+          </a:p>
+        </p:txBody>
+      </p:sp>
+      <p:sp>
+        <p:nvSpPr>
+          <p:cNvPr id="5" name="Rectangle 4">
+            <a:extLst>
+              <a:ext uri="{FF2B5EF4-FFF2-40B4-BE49-F238E27FC236}">
+                <a16:creationId xmlns:a16="http://schemas.microsoft.com/office/drawing/2014/main" id="{DD6F78D1-EB25-4C39-8595-0B180702B60C}"/>
+              </a:ext>
+            </a:extLst>
+          </p:cNvPr>
+          <p:cNvSpPr/>
+          <p:nvPr/>
+        </p:nvSpPr>
+        <p:spPr>
+          <a:xfrm>
+            <a:off x="0" y="5468400"/>
+            <a:ext cx="9753600" cy="4285200"/>
+          </a:xfrm>
+          <a:prstGeom prst="rect">
+            <a:avLst/>
+          </a:prstGeom>
+          <a:ln>
+            <a:noFill/>
+          </a:ln>
+        </p:spPr>
+        <p:style>
+          <a:lnRef idx="2">
+            <a:schemeClr val="dk1">
+              <a:shade val="50000"/>
+            </a:schemeClr>
+          </a:lnRef>
+          <a:fillRef idx="1">
+            <a:schemeClr val="dk1"/>
+          </a:fillRef>
+          <a:effectRef idx="0">
+            <a:schemeClr val="dk1"/>
+          </a:effectRef>
+          <a:fontRef idx="minor">
+            <a:schemeClr val="lt1"/>
+          </a:fontRef>
+        </p:style>
+        <p:txBody>
+          <a:bodyPr rtlCol="0" anchor="ctr"/>
+          <a:lstStyle/>
+          <a:p>
+            <a:pPr algn="ctr"/>
+            <a:r>
+              <a:rPr lang="de-DE" sz="4000" i="1" dirty="0" err="1"/>
+              <a:t>Placeholder</a:t>
+            </a:r>
+            <a:r>
+              <a:rPr lang="de-DE" sz="4000" i="1" dirty="0"/>
+              <a:t> / not in </a:t>
+            </a:r>
+            <a:r>
+              <a:rPr lang="de-DE" sz="4000" i="1" dirty="0" err="1"/>
+              <a:t>use</a:t>
+            </a:r>
+            <a:r>
+              <a:rPr lang="de-DE" sz="4000" i="1" dirty="0"/>
+              <a:t>!</a:t>
+            </a:r>
+            <a:endParaRPr lang="en-US" sz="4000" i="1" dirty="0"/>
+          </a:p>
+        </p:txBody>
+      </p:sp>
+      <p:sp>
+        <p:nvSpPr>
+          <p:cNvPr id="6" name="Rectangle 5">
+            <a:extLst>
+              <a:ext uri="{FF2B5EF4-FFF2-40B4-BE49-F238E27FC236}">
+                <a16:creationId xmlns:a16="http://schemas.microsoft.com/office/drawing/2014/main" id="{0B533615-A8B2-4915-AB6A-1B5C08FD6089}"/>
+              </a:ext>
+            </a:extLst>
+          </p:cNvPr>
+          <p:cNvSpPr/>
+          <p:nvPr/>
+        </p:nvSpPr>
+        <p:spPr>
+          <a:xfrm>
+            <a:off x="0" y="0"/>
+            <a:ext cx="9753600" cy="720000"/>
+          </a:xfrm>
+          <a:prstGeom prst="rect">
+            <a:avLst/>
+          </a:prstGeom>
+          <a:solidFill>
+            <a:srgbClr val="162644"/>
+          </a:solidFill>
+          <a:ln>
+            <a:noFill/>
+          </a:ln>
+        </p:spPr>
+        <p:style>
+          <a:lnRef idx="2">
+            <a:schemeClr val="accent1">
+              <a:shade val="50000"/>
+            </a:schemeClr>
+          </a:lnRef>
+          <a:fillRef idx="1">
+            <a:schemeClr val="accent1"/>
+          </a:fillRef>
+          <a:effectRef idx="0">
+            <a:schemeClr val="accent1"/>
+          </a:effectRef>
+          <a:fontRef idx="minor">
+            <a:schemeClr val="lt1"/>
+          </a:fontRef>
+        </p:style>
+        <p:txBody>
+          <a:bodyPr rtlCol="0" anchor="ctr"/>
+          <a:lstStyle/>
+          <a:p>
+            <a:pPr algn="ctr"/>
+            <a:endParaRPr lang="en-US"/>
+          </a:p>
+        </p:txBody>
+      </p:sp>
+      <p:sp>
+        <p:nvSpPr>
+          <p:cNvPr id="7" name="Rectangle 6">
+            <a:extLst>
+              <a:ext uri="{FF2B5EF4-FFF2-40B4-BE49-F238E27FC236}">
+                <a16:creationId xmlns:a16="http://schemas.microsoft.com/office/drawing/2014/main" id="{00FD9BF4-04BC-4A2D-ADE9-7EE3508D232E}"/>
+              </a:ext>
+            </a:extLst>
+          </p:cNvPr>
+          <p:cNvSpPr/>
+          <p:nvPr/>
+        </p:nvSpPr>
+        <p:spPr>
+          <a:xfrm>
+            <a:off x="7330440" y="-1"/>
+            <a:ext cx="1080000" cy="720000"/>
+          </a:xfrm>
+          <a:prstGeom prst="rect">
+            <a:avLst/>
+          </a:prstGeom>
+          <a:solidFill>
+            <a:schemeClr val="bg2">
+              <a:lumMod val="10000"/>
+            </a:schemeClr>
+          </a:solidFill>
+          <a:ln>
+            <a:noFill/>
+          </a:ln>
+        </p:spPr>
+        <p:style>
+          <a:lnRef idx="2">
+            <a:schemeClr val="accent1">
+              <a:shade val="50000"/>
+            </a:schemeClr>
+          </a:lnRef>
+          <a:fillRef idx="1">
+            <a:schemeClr val="accent1"/>
+          </a:fillRef>
+          <a:effectRef idx="0">
+            <a:schemeClr val="accent1"/>
+          </a:effectRef>
+          <a:fontRef idx="minor">
+            <a:schemeClr val="lt1"/>
+          </a:fontRef>
+        </p:style>
+        <p:txBody>
+          <a:bodyPr rtlCol="0" anchor="ctr"/>
+          <a:lstStyle/>
+          <a:p>
+            <a:pPr algn="ctr"/>
+            <a:endParaRPr lang="en-US" sz="2000" dirty="0"/>
+          </a:p>
+        </p:txBody>
+      </p:sp>
+      <p:sp>
+        <p:nvSpPr>
+          <p:cNvPr id="26" name="Rectangle 25">
+            <a:extLst>
+              <a:ext uri="{FF2B5EF4-FFF2-40B4-BE49-F238E27FC236}">
+                <a16:creationId xmlns:a16="http://schemas.microsoft.com/office/drawing/2014/main" id="{E6D2C0B5-5EA5-45EA-9D84-A71BA0ABC842}"/>
+              </a:ext>
+            </a:extLst>
+          </p:cNvPr>
+          <p:cNvSpPr/>
+          <p:nvPr/>
+        </p:nvSpPr>
+        <p:spPr>
+          <a:xfrm>
+            <a:off x="0" y="4748399"/>
+            <a:ext cx="9753600" cy="720000"/>
+          </a:xfrm>
+          <a:prstGeom prst="rect">
+            <a:avLst/>
+          </a:prstGeom>
+          <a:solidFill>
+            <a:srgbClr val="162644"/>
+          </a:solidFill>
+          <a:ln>
+            <a:noFill/>
+          </a:ln>
+        </p:spPr>
+        <p:style>
+          <a:lnRef idx="2">
+            <a:schemeClr val="accent1">
+              <a:shade val="50000"/>
+            </a:schemeClr>
+          </a:lnRef>
+          <a:fillRef idx="1">
+            <a:schemeClr val="accent1"/>
+          </a:fillRef>
+          <a:effectRef idx="0">
+            <a:schemeClr val="accent1"/>
+          </a:effectRef>
+          <a:fontRef idx="minor">
+            <a:schemeClr val="lt1"/>
+          </a:fontRef>
+        </p:style>
+        <p:txBody>
+          <a:bodyPr rtlCol="0" anchor="ctr"/>
+          <a:lstStyle/>
+          <a:p>
+            <a:pPr algn="ctr"/>
+            <a:endParaRPr lang="en-US"/>
+          </a:p>
+        </p:txBody>
+      </p:sp>
+      <p:sp>
+        <p:nvSpPr>
+          <p:cNvPr id="53" name="Rectangle: Rounded Corners 52">
+            <a:extLst>
+              <a:ext uri="{FF2B5EF4-FFF2-40B4-BE49-F238E27FC236}">
+                <a16:creationId xmlns:a16="http://schemas.microsoft.com/office/drawing/2014/main" id="{7283464F-F4FE-4EFD-B1B4-EE25B4D9B151}"/>
+              </a:ext>
+            </a:extLst>
+          </p:cNvPr>
+          <p:cNvSpPr/>
+          <p:nvPr/>
+        </p:nvSpPr>
+        <p:spPr>
+          <a:xfrm>
+            <a:off x="-146820" y="853440"/>
+            <a:ext cx="3979680" cy="720000"/>
+          </a:xfrm>
+          <a:prstGeom prst="roundRect">
+            <a:avLst/>
+          </a:prstGeom>
+          <a:solidFill>
+            <a:srgbClr val="0070C0"/>
+          </a:solidFill>
+          <a:ln>
+            <a:noFill/>
+          </a:ln>
+        </p:spPr>
+        <p:style>
+          <a:lnRef idx="2">
+            <a:schemeClr val="accent1">
+              <a:shade val="50000"/>
+            </a:schemeClr>
+          </a:lnRef>
+          <a:fillRef idx="1">
+            <a:schemeClr val="accent1"/>
+          </a:fillRef>
+          <a:effectRef idx="0">
+            <a:schemeClr val="accent1"/>
+          </a:effectRef>
+          <a:fontRef idx="minor">
+            <a:schemeClr val="lt1"/>
+          </a:fontRef>
+        </p:style>
+        <p:txBody>
+          <a:bodyPr lIns="1080000" rtlCol="0" anchor="ctr"/>
+          <a:lstStyle/>
+          <a:p>
+            <a:r>
+              <a:rPr lang="de-DE" sz="2200" dirty="0"/>
+              <a:t>Display &amp; Darstellung</a:t>
+            </a:r>
+          </a:p>
+        </p:txBody>
+      </p:sp>
+      <p:sp>
+        <p:nvSpPr>
           <p:cNvPr id="56" name="Rectangle: Rounded Corners 55">
             <a:extLst>
               <a:ext uri="{FF2B5EF4-FFF2-40B4-BE49-F238E27FC236}">
@@ -41488,7 +42084,7 @@
 </p:sld>
 </file>
 
-<file path=ppt/slides/slide33.xml><?xml version="1.0" encoding="utf-8"?>
+<file path=ppt/slides/slide34.xml><?xml version="1.0" encoding="utf-8"?>
 <p:sld xmlns:a="http://schemas.openxmlformats.org/drawingml/2006/main" xmlns:r="http://schemas.openxmlformats.org/officeDocument/2006/relationships" xmlns:p="http://schemas.openxmlformats.org/presentationml/2006/main">
   <p:cSld>
     <p:spTree>
@@ -44441,111 +45037,6 @@
           <a:p>
             <a:pPr algn="ctr"/>
             <a:endParaRPr lang="en-US"/>
-          </a:p>
-        </p:txBody>
-      </p:sp>
-      <p:sp>
-        <p:nvSpPr>
-          <p:cNvPr id="2" name="TextBox 1">
-            <a:extLst>
-              <a:ext uri="{FF2B5EF4-FFF2-40B4-BE49-F238E27FC236}">
-                <a16:creationId xmlns:a16="http://schemas.microsoft.com/office/drawing/2014/main" id="{127C1CE9-E3B9-4474-8A2E-A68155A325E0}"/>
-              </a:ext>
-            </a:extLst>
-          </p:cNvPr>
-          <p:cNvSpPr txBox="1"/>
-          <p:nvPr/>
-        </p:nvSpPr>
-        <p:spPr>
-          <a:xfrm>
-            <a:off x="-86486" y="3093210"/>
-            <a:ext cx="5049780" cy="923330"/>
-          </a:xfrm>
-          <a:prstGeom prst="rect">
-            <a:avLst/>
-          </a:prstGeom>
-          <a:noFill/>
-        </p:spPr>
-        <p:txBody>
-          <a:bodyPr wrap="none" rtlCol="0">
-            <a:spAutoFit/>
-          </a:bodyPr>
-          <a:lstStyle/>
-          <a:p>
-            <a:pPr algn="ctr"/>
-            <a:r>
-              <a:rPr lang="de-DE" sz="5400" b="1" dirty="0">
-                <a:solidFill>
-                  <a:schemeClr val="bg1"/>
-                </a:solidFill>
-              </a:rPr>
-              <a:t>Bitte warten...</a:t>
-            </a:r>
-            <a:endParaRPr lang="en-US" sz="5400" b="1" dirty="0">
-              <a:solidFill>
-                <a:schemeClr val="bg1"/>
-              </a:solidFill>
-            </a:endParaRPr>
-          </a:p>
-        </p:txBody>
-      </p:sp>
-      <p:sp>
-        <p:nvSpPr>
-          <p:cNvPr id="4" name="Rectangle 3">
-            <a:extLst>
-              <a:ext uri="{FF2B5EF4-FFF2-40B4-BE49-F238E27FC236}">
-                <a16:creationId xmlns:a16="http://schemas.microsoft.com/office/drawing/2014/main" id="{CA70E2EC-8511-40A6-858C-4F9E6AEC448F}"/>
-              </a:ext>
-            </a:extLst>
-          </p:cNvPr>
-          <p:cNvSpPr/>
-          <p:nvPr/>
-        </p:nvSpPr>
-        <p:spPr>
-          <a:xfrm>
-            <a:off x="161925" y="4913136"/>
-            <a:ext cx="9429750" cy="390525"/>
-          </a:xfrm>
-          <a:prstGeom prst="rect">
-            <a:avLst/>
-          </a:prstGeom>
-          <a:solidFill>
-            <a:schemeClr val="tx1">
-              <a:lumMod val="65000"/>
-              <a:lumOff val="35000"/>
-            </a:schemeClr>
-          </a:solidFill>
-          <a:ln>
-            <a:solidFill>
-              <a:schemeClr val="tx1">
-                <a:lumMod val="75000"/>
-                <a:lumOff val="25000"/>
-              </a:schemeClr>
-            </a:solidFill>
-          </a:ln>
-        </p:spPr>
-        <p:style>
-          <a:lnRef idx="2">
-            <a:schemeClr val="accent3">
-              <a:shade val="50000"/>
-            </a:schemeClr>
-          </a:lnRef>
-          <a:fillRef idx="1">
-            <a:schemeClr val="accent3"/>
-          </a:fillRef>
-          <a:effectRef idx="0">
-            <a:schemeClr val="accent3"/>
-          </a:effectRef>
-          <a:fontRef idx="minor">
-            <a:schemeClr val="lt1"/>
-          </a:fontRef>
-        </p:style>
-        <p:txBody>
-          <a:bodyPr rtlCol="0" anchor="ctr"/>
-          <a:lstStyle/>
-          <a:p>
-            <a:pPr algn="ctr"/>
-            <a:endParaRPr lang="de-DE"/>
           </a:p>
         </p:txBody>
       </p:sp>
